--- a/说明文档.pptx
+++ b/说明文档.pptx
@@ -166,7 +166,7 @@
           <p:cNvPr id="2" name="标题 1">
             <a:extLst>
               <a:ext uri="{FF2B5EF4-FFF2-40B4-BE49-F238E27FC236}">
-                <a16:creationId xmlns="" xmlns:a16="http://schemas.microsoft.com/office/drawing/2014/main" id="{53C949D3-9A08-4D6A-A138-C0DE0297650B}"/>
+                <a16:creationId xmlns:a16="http://schemas.microsoft.com/office/drawing/2014/main" id="{53C949D3-9A08-4D6A-A138-C0DE0297650B}"/>
               </a:ext>
             </a:extLst>
           </p:cNvPr>
@@ -203,7 +203,7 @@
           <p:cNvPr id="3" name="副标题 2">
             <a:extLst>
               <a:ext uri="{FF2B5EF4-FFF2-40B4-BE49-F238E27FC236}">
-                <a16:creationId xmlns="" xmlns:a16="http://schemas.microsoft.com/office/drawing/2014/main" id="{FEFF90A7-3607-4021-AF90-95A8127E2B7F}"/>
+                <a16:creationId xmlns:a16="http://schemas.microsoft.com/office/drawing/2014/main" id="{FEFF90A7-3607-4021-AF90-95A8127E2B7F}"/>
               </a:ext>
             </a:extLst>
           </p:cNvPr>
@@ -273,7 +273,7 @@
           <p:cNvPr id="4" name="日期占位符 3">
             <a:extLst>
               <a:ext uri="{FF2B5EF4-FFF2-40B4-BE49-F238E27FC236}">
-                <a16:creationId xmlns="" xmlns:a16="http://schemas.microsoft.com/office/drawing/2014/main" id="{FD1EE030-9041-4433-94D8-5664EA412B61}"/>
+                <a16:creationId xmlns:a16="http://schemas.microsoft.com/office/drawing/2014/main" id="{FD1EE030-9041-4433-94D8-5664EA412B61}"/>
               </a:ext>
             </a:extLst>
           </p:cNvPr>
@@ -291,7 +291,7 @@
           <a:p>
             <a:fld id="{6A465375-4056-467D-A4D8-FDABD3E2ADC4}" type="datetimeFigureOut">
               <a:rPr lang="zh-CN" altLang="en-US" smtClean="0"/>
-              <a:t>2018/12/29</a:t>
+              <a:t>2020/6/23</a:t>
             </a:fld>
             <a:endParaRPr lang="zh-CN" altLang="en-US"/>
           </a:p>
@@ -302,7 +302,7 @@
           <p:cNvPr id="5" name="页脚占位符 4">
             <a:extLst>
               <a:ext uri="{FF2B5EF4-FFF2-40B4-BE49-F238E27FC236}">
-                <a16:creationId xmlns="" xmlns:a16="http://schemas.microsoft.com/office/drawing/2014/main" id="{53EB7311-BC53-46E6-9E30-697F0A7C6DA4}"/>
+                <a16:creationId xmlns:a16="http://schemas.microsoft.com/office/drawing/2014/main" id="{53EB7311-BC53-46E6-9E30-697F0A7C6DA4}"/>
               </a:ext>
             </a:extLst>
           </p:cNvPr>
@@ -327,7 +327,7 @@
           <p:cNvPr id="6" name="灯片编号占位符 5">
             <a:extLst>
               <a:ext uri="{FF2B5EF4-FFF2-40B4-BE49-F238E27FC236}">
-                <a16:creationId xmlns="" xmlns:a16="http://schemas.microsoft.com/office/drawing/2014/main" id="{98EB563E-05CC-464E-96F5-7364F66C8E25}"/>
+                <a16:creationId xmlns:a16="http://schemas.microsoft.com/office/drawing/2014/main" id="{98EB563E-05CC-464E-96F5-7364F66C8E25}"/>
               </a:ext>
             </a:extLst>
           </p:cNvPr>
@@ -386,7 +386,7 @@
           <p:cNvPr id="2" name="标题 1">
             <a:extLst>
               <a:ext uri="{FF2B5EF4-FFF2-40B4-BE49-F238E27FC236}">
-                <a16:creationId xmlns="" xmlns:a16="http://schemas.microsoft.com/office/drawing/2014/main" id="{52581FFF-7FA6-4440-A31D-44A04E174034}"/>
+                <a16:creationId xmlns:a16="http://schemas.microsoft.com/office/drawing/2014/main" id="{52581FFF-7FA6-4440-A31D-44A04E174034}"/>
               </a:ext>
             </a:extLst>
           </p:cNvPr>
@@ -414,7 +414,7 @@
           <p:cNvPr id="3" name="竖排文字占位符 2">
             <a:extLst>
               <a:ext uri="{FF2B5EF4-FFF2-40B4-BE49-F238E27FC236}">
-                <a16:creationId xmlns="" xmlns:a16="http://schemas.microsoft.com/office/drawing/2014/main" id="{DC8FFA98-746F-4FA2-A0B3-E57D58D2C731}"/>
+                <a16:creationId xmlns:a16="http://schemas.microsoft.com/office/drawing/2014/main" id="{DC8FFA98-746F-4FA2-A0B3-E57D58D2C731}"/>
               </a:ext>
             </a:extLst>
           </p:cNvPr>
@@ -471,7 +471,7 @@
           <p:cNvPr id="4" name="日期占位符 3">
             <a:extLst>
               <a:ext uri="{FF2B5EF4-FFF2-40B4-BE49-F238E27FC236}">
-                <a16:creationId xmlns="" xmlns:a16="http://schemas.microsoft.com/office/drawing/2014/main" id="{6DC6B6B1-071A-48F4-859C-5552417C8FB6}"/>
+                <a16:creationId xmlns:a16="http://schemas.microsoft.com/office/drawing/2014/main" id="{6DC6B6B1-071A-48F4-859C-5552417C8FB6}"/>
               </a:ext>
             </a:extLst>
           </p:cNvPr>
@@ -489,7 +489,7 @@
           <a:p>
             <a:fld id="{6A465375-4056-467D-A4D8-FDABD3E2ADC4}" type="datetimeFigureOut">
               <a:rPr lang="zh-CN" altLang="en-US" smtClean="0"/>
-              <a:t>2018/12/29</a:t>
+              <a:t>2020/6/23</a:t>
             </a:fld>
             <a:endParaRPr lang="zh-CN" altLang="en-US"/>
           </a:p>
@@ -500,7 +500,7 @@
           <p:cNvPr id="5" name="页脚占位符 4">
             <a:extLst>
               <a:ext uri="{FF2B5EF4-FFF2-40B4-BE49-F238E27FC236}">
-                <a16:creationId xmlns="" xmlns:a16="http://schemas.microsoft.com/office/drawing/2014/main" id="{2ABCCD0B-1CED-491D-8231-612DB1E7A108}"/>
+                <a16:creationId xmlns:a16="http://schemas.microsoft.com/office/drawing/2014/main" id="{2ABCCD0B-1CED-491D-8231-612DB1E7A108}"/>
               </a:ext>
             </a:extLst>
           </p:cNvPr>
@@ -525,7 +525,7 @@
           <p:cNvPr id="6" name="灯片编号占位符 5">
             <a:extLst>
               <a:ext uri="{FF2B5EF4-FFF2-40B4-BE49-F238E27FC236}">
-                <a16:creationId xmlns="" xmlns:a16="http://schemas.microsoft.com/office/drawing/2014/main" id="{F47A2ABB-E7C4-4D42-B8DE-397D78141089}"/>
+                <a16:creationId xmlns:a16="http://schemas.microsoft.com/office/drawing/2014/main" id="{F47A2ABB-E7C4-4D42-B8DE-397D78141089}"/>
               </a:ext>
             </a:extLst>
           </p:cNvPr>
@@ -584,7 +584,7 @@
           <p:cNvPr id="2" name="竖排标题 1">
             <a:extLst>
               <a:ext uri="{FF2B5EF4-FFF2-40B4-BE49-F238E27FC236}">
-                <a16:creationId xmlns="" xmlns:a16="http://schemas.microsoft.com/office/drawing/2014/main" id="{212FD67C-C09A-4C33-A873-3999819AAA53}"/>
+                <a16:creationId xmlns:a16="http://schemas.microsoft.com/office/drawing/2014/main" id="{212FD67C-C09A-4C33-A873-3999819AAA53}"/>
               </a:ext>
             </a:extLst>
           </p:cNvPr>
@@ -617,7 +617,7 @@
           <p:cNvPr id="3" name="竖排文字占位符 2">
             <a:extLst>
               <a:ext uri="{FF2B5EF4-FFF2-40B4-BE49-F238E27FC236}">
-                <a16:creationId xmlns="" xmlns:a16="http://schemas.microsoft.com/office/drawing/2014/main" id="{62264A36-EEFB-4FFC-87BB-745BB661E961}"/>
+                <a16:creationId xmlns:a16="http://schemas.microsoft.com/office/drawing/2014/main" id="{62264A36-EEFB-4FFC-87BB-745BB661E961}"/>
               </a:ext>
             </a:extLst>
           </p:cNvPr>
@@ -679,7 +679,7 @@
           <p:cNvPr id="4" name="日期占位符 3">
             <a:extLst>
               <a:ext uri="{FF2B5EF4-FFF2-40B4-BE49-F238E27FC236}">
-                <a16:creationId xmlns="" xmlns:a16="http://schemas.microsoft.com/office/drawing/2014/main" id="{BC3BF732-4EF5-40B4-A9E0-68DC263C1CD5}"/>
+                <a16:creationId xmlns:a16="http://schemas.microsoft.com/office/drawing/2014/main" id="{BC3BF732-4EF5-40B4-A9E0-68DC263C1CD5}"/>
               </a:ext>
             </a:extLst>
           </p:cNvPr>
@@ -697,7 +697,7 @@
           <a:p>
             <a:fld id="{6A465375-4056-467D-A4D8-FDABD3E2ADC4}" type="datetimeFigureOut">
               <a:rPr lang="zh-CN" altLang="en-US" smtClean="0"/>
-              <a:t>2018/12/29</a:t>
+              <a:t>2020/6/23</a:t>
             </a:fld>
             <a:endParaRPr lang="zh-CN" altLang="en-US"/>
           </a:p>
@@ -708,7 +708,7 @@
           <p:cNvPr id="5" name="页脚占位符 4">
             <a:extLst>
               <a:ext uri="{FF2B5EF4-FFF2-40B4-BE49-F238E27FC236}">
-                <a16:creationId xmlns="" xmlns:a16="http://schemas.microsoft.com/office/drawing/2014/main" id="{C4F624F7-3FB2-4FE4-BA4D-2BF429072EAB}"/>
+                <a16:creationId xmlns:a16="http://schemas.microsoft.com/office/drawing/2014/main" id="{C4F624F7-3FB2-4FE4-BA4D-2BF429072EAB}"/>
               </a:ext>
             </a:extLst>
           </p:cNvPr>
@@ -733,7 +733,7 @@
           <p:cNvPr id="6" name="灯片编号占位符 5">
             <a:extLst>
               <a:ext uri="{FF2B5EF4-FFF2-40B4-BE49-F238E27FC236}">
-                <a16:creationId xmlns="" xmlns:a16="http://schemas.microsoft.com/office/drawing/2014/main" id="{D11A64FA-F825-4ABF-BE94-FC8E223D4AE1}"/>
+                <a16:creationId xmlns:a16="http://schemas.microsoft.com/office/drawing/2014/main" id="{D11A64FA-F825-4ABF-BE94-FC8E223D4AE1}"/>
               </a:ext>
             </a:extLst>
           </p:cNvPr>
@@ -792,7 +792,7 @@
           <p:cNvPr id="2" name="标题 1">
             <a:extLst>
               <a:ext uri="{FF2B5EF4-FFF2-40B4-BE49-F238E27FC236}">
-                <a16:creationId xmlns="" xmlns:a16="http://schemas.microsoft.com/office/drawing/2014/main" id="{364DAE8F-431D-4001-A6F1-886DF9DE1F3D}"/>
+                <a16:creationId xmlns:a16="http://schemas.microsoft.com/office/drawing/2014/main" id="{364DAE8F-431D-4001-A6F1-886DF9DE1F3D}"/>
               </a:ext>
             </a:extLst>
           </p:cNvPr>
@@ -820,7 +820,7 @@
           <p:cNvPr id="3" name="内容占位符 2">
             <a:extLst>
               <a:ext uri="{FF2B5EF4-FFF2-40B4-BE49-F238E27FC236}">
-                <a16:creationId xmlns="" xmlns:a16="http://schemas.microsoft.com/office/drawing/2014/main" id="{620EEA25-38B7-43C3-A2AD-A37C5D600142}"/>
+                <a16:creationId xmlns:a16="http://schemas.microsoft.com/office/drawing/2014/main" id="{620EEA25-38B7-43C3-A2AD-A37C5D600142}"/>
               </a:ext>
             </a:extLst>
           </p:cNvPr>
@@ -877,7 +877,7 @@
           <p:cNvPr id="4" name="日期占位符 3">
             <a:extLst>
               <a:ext uri="{FF2B5EF4-FFF2-40B4-BE49-F238E27FC236}">
-                <a16:creationId xmlns="" xmlns:a16="http://schemas.microsoft.com/office/drawing/2014/main" id="{A53D684A-A8D0-4D13-ACF9-6E019AB53B85}"/>
+                <a16:creationId xmlns:a16="http://schemas.microsoft.com/office/drawing/2014/main" id="{A53D684A-A8D0-4D13-ACF9-6E019AB53B85}"/>
               </a:ext>
             </a:extLst>
           </p:cNvPr>
@@ -895,7 +895,7 @@
           <a:p>
             <a:fld id="{6A465375-4056-467D-A4D8-FDABD3E2ADC4}" type="datetimeFigureOut">
               <a:rPr lang="zh-CN" altLang="en-US" smtClean="0"/>
-              <a:t>2018/12/29</a:t>
+              <a:t>2020/6/23</a:t>
             </a:fld>
             <a:endParaRPr lang="zh-CN" altLang="en-US"/>
           </a:p>
@@ -906,7 +906,7 @@
           <p:cNvPr id="5" name="页脚占位符 4">
             <a:extLst>
               <a:ext uri="{FF2B5EF4-FFF2-40B4-BE49-F238E27FC236}">
-                <a16:creationId xmlns="" xmlns:a16="http://schemas.microsoft.com/office/drawing/2014/main" id="{A5B0C251-D715-4477-907C-3396978058FC}"/>
+                <a16:creationId xmlns:a16="http://schemas.microsoft.com/office/drawing/2014/main" id="{A5B0C251-D715-4477-907C-3396978058FC}"/>
               </a:ext>
             </a:extLst>
           </p:cNvPr>
@@ -931,7 +931,7 @@
           <p:cNvPr id="6" name="灯片编号占位符 5">
             <a:extLst>
               <a:ext uri="{FF2B5EF4-FFF2-40B4-BE49-F238E27FC236}">
-                <a16:creationId xmlns="" xmlns:a16="http://schemas.microsoft.com/office/drawing/2014/main" id="{F5C86CA9-3450-4945-98A1-F9AC50342042}"/>
+                <a16:creationId xmlns:a16="http://schemas.microsoft.com/office/drawing/2014/main" id="{F5C86CA9-3450-4945-98A1-F9AC50342042}"/>
               </a:ext>
             </a:extLst>
           </p:cNvPr>
@@ -990,7 +990,7 @@
           <p:cNvPr id="2" name="标题 1">
             <a:extLst>
               <a:ext uri="{FF2B5EF4-FFF2-40B4-BE49-F238E27FC236}">
-                <a16:creationId xmlns="" xmlns:a16="http://schemas.microsoft.com/office/drawing/2014/main" id="{E51B38A9-08F6-405B-9222-AEE307D8B8D9}"/>
+                <a16:creationId xmlns:a16="http://schemas.microsoft.com/office/drawing/2014/main" id="{E51B38A9-08F6-405B-9222-AEE307D8B8D9}"/>
               </a:ext>
             </a:extLst>
           </p:cNvPr>
@@ -1027,7 +1027,7 @@
           <p:cNvPr id="3" name="文本占位符 2">
             <a:extLst>
               <a:ext uri="{FF2B5EF4-FFF2-40B4-BE49-F238E27FC236}">
-                <a16:creationId xmlns="" xmlns:a16="http://schemas.microsoft.com/office/drawing/2014/main" id="{0D1113A2-CDC1-4471-BC26-6CE647BEED4A}"/>
+                <a16:creationId xmlns:a16="http://schemas.microsoft.com/office/drawing/2014/main" id="{0D1113A2-CDC1-4471-BC26-6CE647BEED4A}"/>
               </a:ext>
             </a:extLst>
           </p:cNvPr>
@@ -1152,7 +1152,7 @@
           <p:cNvPr id="4" name="日期占位符 3">
             <a:extLst>
               <a:ext uri="{FF2B5EF4-FFF2-40B4-BE49-F238E27FC236}">
-                <a16:creationId xmlns="" xmlns:a16="http://schemas.microsoft.com/office/drawing/2014/main" id="{9C27651A-6611-4FA4-9C32-1E989BED4B22}"/>
+                <a16:creationId xmlns:a16="http://schemas.microsoft.com/office/drawing/2014/main" id="{9C27651A-6611-4FA4-9C32-1E989BED4B22}"/>
               </a:ext>
             </a:extLst>
           </p:cNvPr>
@@ -1170,7 +1170,7 @@
           <a:p>
             <a:fld id="{6A465375-4056-467D-A4D8-FDABD3E2ADC4}" type="datetimeFigureOut">
               <a:rPr lang="zh-CN" altLang="en-US" smtClean="0"/>
-              <a:t>2018/12/29</a:t>
+              <a:t>2020/6/23</a:t>
             </a:fld>
             <a:endParaRPr lang="zh-CN" altLang="en-US"/>
           </a:p>
@@ -1181,7 +1181,7 @@
           <p:cNvPr id="5" name="页脚占位符 4">
             <a:extLst>
               <a:ext uri="{FF2B5EF4-FFF2-40B4-BE49-F238E27FC236}">
-                <a16:creationId xmlns="" xmlns:a16="http://schemas.microsoft.com/office/drawing/2014/main" id="{553201FB-0107-44A5-8676-9212B411CA04}"/>
+                <a16:creationId xmlns:a16="http://schemas.microsoft.com/office/drawing/2014/main" id="{553201FB-0107-44A5-8676-9212B411CA04}"/>
               </a:ext>
             </a:extLst>
           </p:cNvPr>
@@ -1206,7 +1206,7 @@
           <p:cNvPr id="6" name="灯片编号占位符 5">
             <a:extLst>
               <a:ext uri="{FF2B5EF4-FFF2-40B4-BE49-F238E27FC236}">
-                <a16:creationId xmlns="" xmlns:a16="http://schemas.microsoft.com/office/drawing/2014/main" id="{45E1ED79-A1C3-4483-978C-30293405E56E}"/>
+                <a16:creationId xmlns:a16="http://schemas.microsoft.com/office/drawing/2014/main" id="{45E1ED79-A1C3-4483-978C-30293405E56E}"/>
               </a:ext>
             </a:extLst>
           </p:cNvPr>
@@ -1265,7 +1265,7 @@
           <p:cNvPr id="2" name="标题 1">
             <a:extLst>
               <a:ext uri="{FF2B5EF4-FFF2-40B4-BE49-F238E27FC236}">
-                <a16:creationId xmlns="" xmlns:a16="http://schemas.microsoft.com/office/drawing/2014/main" id="{BAE0CFE3-F97C-454A-B181-6E9A2DA72CCB}"/>
+                <a16:creationId xmlns:a16="http://schemas.microsoft.com/office/drawing/2014/main" id="{BAE0CFE3-F97C-454A-B181-6E9A2DA72CCB}"/>
               </a:ext>
             </a:extLst>
           </p:cNvPr>
@@ -1293,7 +1293,7 @@
           <p:cNvPr id="3" name="内容占位符 2">
             <a:extLst>
               <a:ext uri="{FF2B5EF4-FFF2-40B4-BE49-F238E27FC236}">
-                <a16:creationId xmlns="" xmlns:a16="http://schemas.microsoft.com/office/drawing/2014/main" id="{91EA1ACE-0388-4BA9-A3E1-53F86DF1CFFD}"/>
+                <a16:creationId xmlns:a16="http://schemas.microsoft.com/office/drawing/2014/main" id="{91EA1ACE-0388-4BA9-A3E1-53F86DF1CFFD}"/>
               </a:ext>
             </a:extLst>
           </p:cNvPr>
@@ -1355,7 +1355,7 @@
           <p:cNvPr id="4" name="内容占位符 3">
             <a:extLst>
               <a:ext uri="{FF2B5EF4-FFF2-40B4-BE49-F238E27FC236}">
-                <a16:creationId xmlns="" xmlns:a16="http://schemas.microsoft.com/office/drawing/2014/main" id="{8616BA6C-419A-4A19-A49C-CC03D2787731}"/>
+                <a16:creationId xmlns:a16="http://schemas.microsoft.com/office/drawing/2014/main" id="{8616BA6C-419A-4A19-A49C-CC03D2787731}"/>
               </a:ext>
             </a:extLst>
           </p:cNvPr>
@@ -1417,7 +1417,7 @@
           <p:cNvPr id="5" name="日期占位符 4">
             <a:extLst>
               <a:ext uri="{FF2B5EF4-FFF2-40B4-BE49-F238E27FC236}">
-                <a16:creationId xmlns="" xmlns:a16="http://schemas.microsoft.com/office/drawing/2014/main" id="{37F8F3A7-A1E8-4388-929A-880F8C0EB300}"/>
+                <a16:creationId xmlns:a16="http://schemas.microsoft.com/office/drawing/2014/main" id="{37F8F3A7-A1E8-4388-929A-880F8C0EB300}"/>
               </a:ext>
             </a:extLst>
           </p:cNvPr>
@@ -1435,7 +1435,7 @@
           <a:p>
             <a:fld id="{6A465375-4056-467D-A4D8-FDABD3E2ADC4}" type="datetimeFigureOut">
               <a:rPr lang="zh-CN" altLang="en-US" smtClean="0"/>
-              <a:t>2018/12/29</a:t>
+              <a:t>2020/6/23</a:t>
             </a:fld>
             <a:endParaRPr lang="zh-CN" altLang="en-US"/>
           </a:p>
@@ -1446,7 +1446,7 @@
           <p:cNvPr id="6" name="页脚占位符 5">
             <a:extLst>
               <a:ext uri="{FF2B5EF4-FFF2-40B4-BE49-F238E27FC236}">
-                <a16:creationId xmlns="" xmlns:a16="http://schemas.microsoft.com/office/drawing/2014/main" id="{6D9B6D76-C08B-4E75-BD9D-F748A245E465}"/>
+                <a16:creationId xmlns:a16="http://schemas.microsoft.com/office/drawing/2014/main" id="{6D9B6D76-C08B-4E75-BD9D-F748A245E465}"/>
               </a:ext>
             </a:extLst>
           </p:cNvPr>
@@ -1471,7 +1471,7 @@
           <p:cNvPr id="7" name="灯片编号占位符 6">
             <a:extLst>
               <a:ext uri="{FF2B5EF4-FFF2-40B4-BE49-F238E27FC236}">
-                <a16:creationId xmlns="" xmlns:a16="http://schemas.microsoft.com/office/drawing/2014/main" id="{FAEC4110-D0B5-4C23-BD35-45F55247E790}"/>
+                <a16:creationId xmlns:a16="http://schemas.microsoft.com/office/drawing/2014/main" id="{FAEC4110-D0B5-4C23-BD35-45F55247E790}"/>
               </a:ext>
             </a:extLst>
           </p:cNvPr>
@@ -1530,7 +1530,7 @@
           <p:cNvPr id="2" name="标题 1">
             <a:extLst>
               <a:ext uri="{FF2B5EF4-FFF2-40B4-BE49-F238E27FC236}">
-                <a16:creationId xmlns="" xmlns:a16="http://schemas.microsoft.com/office/drawing/2014/main" id="{CD578F75-B7FA-4C2C-84F3-AB90CE916B05}"/>
+                <a16:creationId xmlns:a16="http://schemas.microsoft.com/office/drawing/2014/main" id="{CD578F75-B7FA-4C2C-84F3-AB90CE916B05}"/>
               </a:ext>
             </a:extLst>
           </p:cNvPr>
@@ -1563,7 +1563,7 @@
           <p:cNvPr id="3" name="文本占位符 2">
             <a:extLst>
               <a:ext uri="{FF2B5EF4-FFF2-40B4-BE49-F238E27FC236}">
-                <a16:creationId xmlns="" xmlns:a16="http://schemas.microsoft.com/office/drawing/2014/main" id="{4ED433CE-E68C-4D60-BAB1-0899164B2DBA}"/>
+                <a16:creationId xmlns:a16="http://schemas.microsoft.com/office/drawing/2014/main" id="{4ED433CE-E68C-4D60-BAB1-0899164B2DBA}"/>
               </a:ext>
             </a:extLst>
           </p:cNvPr>
@@ -1634,7 +1634,7 @@
           <p:cNvPr id="4" name="内容占位符 3">
             <a:extLst>
               <a:ext uri="{FF2B5EF4-FFF2-40B4-BE49-F238E27FC236}">
-                <a16:creationId xmlns="" xmlns:a16="http://schemas.microsoft.com/office/drawing/2014/main" id="{CB1822DC-BCA1-4455-B5D2-0F630136687E}"/>
+                <a16:creationId xmlns:a16="http://schemas.microsoft.com/office/drawing/2014/main" id="{CB1822DC-BCA1-4455-B5D2-0F630136687E}"/>
               </a:ext>
             </a:extLst>
           </p:cNvPr>
@@ -1696,7 +1696,7 @@
           <p:cNvPr id="5" name="文本占位符 4">
             <a:extLst>
               <a:ext uri="{FF2B5EF4-FFF2-40B4-BE49-F238E27FC236}">
-                <a16:creationId xmlns="" xmlns:a16="http://schemas.microsoft.com/office/drawing/2014/main" id="{187923DF-3644-441C-AE1B-6CA8C4865EF2}"/>
+                <a16:creationId xmlns:a16="http://schemas.microsoft.com/office/drawing/2014/main" id="{187923DF-3644-441C-AE1B-6CA8C4865EF2}"/>
               </a:ext>
             </a:extLst>
           </p:cNvPr>
@@ -1767,7 +1767,7 @@
           <p:cNvPr id="6" name="内容占位符 5">
             <a:extLst>
               <a:ext uri="{FF2B5EF4-FFF2-40B4-BE49-F238E27FC236}">
-                <a16:creationId xmlns="" xmlns:a16="http://schemas.microsoft.com/office/drawing/2014/main" id="{C1A8394F-DDCF-43BF-BE51-BB19CDC599B3}"/>
+                <a16:creationId xmlns:a16="http://schemas.microsoft.com/office/drawing/2014/main" id="{C1A8394F-DDCF-43BF-BE51-BB19CDC599B3}"/>
               </a:ext>
             </a:extLst>
           </p:cNvPr>
@@ -1829,7 +1829,7 @@
           <p:cNvPr id="7" name="日期占位符 6">
             <a:extLst>
               <a:ext uri="{FF2B5EF4-FFF2-40B4-BE49-F238E27FC236}">
-                <a16:creationId xmlns="" xmlns:a16="http://schemas.microsoft.com/office/drawing/2014/main" id="{019A26E8-60F1-4E09-AAEA-84719361E922}"/>
+                <a16:creationId xmlns:a16="http://schemas.microsoft.com/office/drawing/2014/main" id="{019A26E8-60F1-4E09-AAEA-84719361E922}"/>
               </a:ext>
             </a:extLst>
           </p:cNvPr>
@@ -1847,7 +1847,7 @@
           <a:p>
             <a:fld id="{6A465375-4056-467D-A4D8-FDABD3E2ADC4}" type="datetimeFigureOut">
               <a:rPr lang="zh-CN" altLang="en-US" smtClean="0"/>
-              <a:t>2018/12/29</a:t>
+              <a:t>2020/6/23</a:t>
             </a:fld>
             <a:endParaRPr lang="zh-CN" altLang="en-US"/>
           </a:p>
@@ -1858,7 +1858,7 @@
           <p:cNvPr id="8" name="页脚占位符 7">
             <a:extLst>
               <a:ext uri="{FF2B5EF4-FFF2-40B4-BE49-F238E27FC236}">
-                <a16:creationId xmlns="" xmlns:a16="http://schemas.microsoft.com/office/drawing/2014/main" id="{5B5914DC-D3B3-4AE0-8A42-3BC56863F3FD}"/>
+                <a16:creationId xmlns:a16="http://schemas.microsoft.com/office/drawing/2014/main" id="{5B5914DC-D3B3-4AE0-8A42-3BC56863F3FD}"/>
               </a:ext>
             </a:extLst>
           </p:cNvPr>
@@ -1883,7 +1883,7 @@
           <p:cNvPr id="9" name="灯片编号占位符 8">
             <a:extLst>
               <a:ext uri="{FF2B5EF4-FFF2-40B4-BE49-F238E27FC236}">
-                <a16:creationId xmlns="" xmlns:a16="http://schemas.microsoft.com/office/drawing/2014/main" id="{F15D700E-9C64-46F0-9B20-6553559B9C85}"/>
+                <a16:creationId xmlns:a16="http://schemas.microsoft.com/office/drawing/2014/main" id="{F15D700E-9C64-46F0-9B20-6553559B9C85}"/>
               </a:ext>
             </a:extLst>
           </p:cNvPr>
@@ -1942,7 +1942,7 @@
           <p:cNvPr id="2" name="标题 1">
             <a:extLst>
               <a:ext uri="{FF2B5EF4-FFF2-40B4-BE49-F238E27FC236}">
-                <a16:creationId xmlns="" xmlns:a16="http://schemas.microsoft.com/office/drawing/2014/main" id="{B3F56557-8AF2-4C9D-B29B-F455936CB52F}"/>
+                <a16:creationId xmlns:a16="http://schemas.microsoft.com/office/drawing/2014/main" id="{B3F56557-8AF2-4C9D-B29B-F455936CB52F}"/>
               </a:ext>
             </a:extLst>
           </p:cNvPr>
@@ -1970,7 +1970,7 @@
           <p:cNvPr id="3" name="日期占位符 2">
             <a:extLst>
               <a:ext uri="{FF2B5EF4-FFF2-40B4-BE49-F238E27FC236}">
-                <a16:creationId xmlns="" xmlns:a16="http://schemas.microsoft.com/office/drawing/2014/main" id="{A75C5354-4A78-411D-B181-C4E951CAC3BC}"/>
+                <a16:creationId xmlns:a16="http://schemas.microsoft.com/office/drawing/2014/main" id="{A75C5354-4A78-411D-B181-C4E951CAC3BC}"/>
               </a:ext>
             </a:extLst>
           </p:cNvPr>
@@ -1988,7 +1988,7 @@
           <a:p>
             <a:fld id="{6A465375-4056-467D-A4D8-FDABD3E2ADC4}" type="datetimeFigureOut">
               <a:rPr lang="zh-CN" altLang="en-US" smtClean="0"/>
-              <a:t>2018/12/29</a:t>
+              <a:t>2020/6/23</a:t>
             </a:fld>
             <a:endParaRPr lang="zh-CN" altLang="en-US"/>
           </a:p>
@@ -1999,7 +1999,7 @@
           <p:cNvPr id="4" name="页脚占位符 3">
             <a:extLst>
               <a:ext uri="{FF2B5EF4-FFF2-40B4-BE49-F238E27FC236}">
-                <a16:creationId xmlns="" xmlns:a16="http://schemas.microsoft.com/office/drawing/2014/main" id="{422E66F9-F773-43AF-A11B-4E7CBD02F278}"/>
+                <a16:creationId xmlns:a16="http://schemas.microsoft.com/office/drawing/2014/main" id="{422E66F9-F773-43AF-A11B-4E7CBD02F278}"/>
               </a:ext>
             </a:extLst>
           </p:cNvPr>
@@ -2024,7 +2024,7 @@
           <p:cNvPr id="5" name="灯片编号占位符 4">
             <a:extLst>
               <a:ext uri="{FF2B5EF4-FFF2-40B4-BE49-F238E27FC236}">
-                <a16:creationId xmlns="" xmlns:a16="http://schemas.microsoft.com/office/drawing/2014/main" id="{532A3341-7D12-47AF-9F38-007E36119F82}"/>
+                <a16:creationId xmlns:a16="http://schemas.microsoft.com/office/drawing/2014/main" id="{532A3341-7D12-47AF-9F38-007E36119F82}"/>
               </a:ext>
             </a:extLst>
           </p:cNvPr>
@@ -2083,7 +2083,7 @@
           <p:cNvPr id="2" name="日期占位符 1">
             <a:extLst>
               <a:ext uri="{FF2B5EF4-FFF2-40B4-BE49-F238E27FC236}">
-                <a16:creationId xmlns="" xmlns:a16="http://schemas.microsoft.com/office/drawing/2014/main" id="{90A4B74C-4F5F-4559-9631-C68C736C9524}"/>
+                <a16:creationId xmlns:a16="http://schemas.microsoft.com/office/drawing/2014/main" id="{90A4B74C-4F5F-4559-9631-C68C736C9524}"/>
               </a:ext>
             </a:extLst>
           </p:cNvPr>
@@ -2101,7 +2101,7 @@
           <a:p>
             <a:fld id="{6A465375-4056-467D-A4D8-FDABD3E2ADC4}" type="datetimeFigureOut">
               <a:rPr lang="zh-CN" altLang="en-US" smtClean="0"/>
-              <a:t>2018/12/29</a:t>
+              <a:t>2020/6/23</a:t>
             </a:fld>
             <a:endParaRPr lang="zh-CN" altLang="en-US"/>
           </a:p>
@@ -2112,7 +2112,7 @@
           <p:cNvPr id="3" name="页脚占位符 2">
             <a:extLst>
               <a:ext uri="{FF2B5EF4-FFF2-40B4-BE49-F238E27FC236}">
-                <a16:creationId xmlns="" xmlns:a16="http://schemas.microsoft.com/office/drawing/2014/main" id="{5EC9297A-492A-4A89-BD1F-273B951E733D}"/>
+                <a16:creationId xmlns:a16="http://schemas.microsoft.com/office/drawing/2014/main" id="{5EC9297A-492A-4A89-BD1F-273B951E733D}"/>
               </a:ext>
             </a:extLst>
           </p:cNvPr>
@@ -2137,7 +2137,7 @@
           <p:cNvPr id="4" name="灯片编号占位符 3">
             <a:extLst>
               <a:ext uri="{FF2B5EF4-FFF2-40B4-BE49-F238E27FC236}">
-                <a16:creationId xmlns="" xmlns:a16="http://schemas.microsoft.com/office/drawing/2014/main" id="{A604EAF8-A77E-4D91-A7F9-DE0147BCC49F}"/>
+                <a16:creationId xmlns:a16="http://schemas.microsoft.com/office/drawing/2014/main" id="{A604EAF8-A77E-4D91-A7F9-DE0147BCC49F}"/>
               </a:ext>
             </a:extLst>
           </p:cNvPr>
@@ -2196,7 +2196,7 @@
           <p:cNvPr id="2" name="标题 1">
             <a:extLst>
               <a:ext uri="{FF2B5EF4-FFF2-40B4-BE49-F238E27FC236}">
-                <a16:creationId xmlns="" xmlns:a16="http://schemas.microsoft.com/office/drawing/2014/main" id="{BC9AB639-F08C-49D6-8C00-8E4304010CDF}"/>
+                <a16:creationId xmlns:a16="http://schemas.microsoft.com/office/drawing/2014/main" id="{BC9AB639-F08C-49D6-8C00-8E4304010CDF}"/>
               </a:ext>
             </a:extLst>
           </p:cNvPr>
@@ -2233,7 +2233,7 @@
           <p:cNvPr id="3" name="内容占位符 2">
             <a:extLst>
               <a:ext uri="{FF2B5EF4-FFF2-40B4-BE49-F238E27FC236}">
-                <a16:creationId xmlns="" xmlns:a16="http://schemas.microsoft.com/office/drawing/2014/main" id="{F38B3E49-AA1B-4DDE-A269-1C994E4D4939}"/>
+                <a16:creationId xmlns:a16="http://schemas.microsoft.com/office/drawing/2014/main" id="{F38B3E49-AA1B-4DDE-A269-1C994E4D4939}"/>
               </a:ext>
             </a:extLst>
           </p:cNvPr>
@@ -2323,7 +2323,7 @@
           <p:cNvPr id="4" name="文本占位符 3">
             <a:extLst>
               <a:ext uri="{FF2B5EF4-FFF2-40B4-BE49-F238E27FC236}">
-                <a16:creationId xmlns="" xmlns:a16="http://schemas.microsoft.com/office/drawing/2014/main" id="{2885907F-0784-4958-93D7-D83064AA3402}"/>
+                <a16:creationId xmlns:a16="http://schemas.microsoft.com/office/drawing/2014/main" id="{2885907F-0784-4958-93D7-D83064AA3402}"/>
               </a:ext>
             </a:extLst>
           </p:cNvPr>
@@ -2394,7 +2394,7 @@
           <p:cNvPr id="5" name="日期占位符 4">
             <a:extLst>
               <a:ext uri="{FF2B5EF4-FFF2-40B4-BE49-F238E27FC236}">
-                <a16:creationId xmlns="" xmlns:a16="http://schemas.microsoft.com/office/drawing/2014/main" id="{6A375E42-3538-4318-BA6A-DC057B30BC0F}"/>
+                <a16:creationId xmlns:a16="http://schemas.microsoft.com/office/drawing/2014/main" id="{6A375E42-3538-4318-BA6A-DC057B30BC0F}"/>
               </a:ext>
             </a:extLst>
           </p:cNvPr>
@@ -2412,7 +2412,7 @@
           <a:p>
             <a:fld id="{6A465375-4056-467D-A4D8-FDABD3E2ADC4}" type="datetimeFigureOut">
               <a:rPr lang="zh-CN" altLang="en-US" smtClean="0"/>
-              <a:t>2018/12/29</a:t>
+              <a:t>2020/6/23</a:t>
             </a:fld>
             <a:endParaRPr lang="zh-CN" altLang="en-US"/>
           </a:p>
@@ -2423,7 +2423,7 @@
           <p:cNvPr id="6" name="页脚占位符 5">
             <a:extLst>
               <a:ext uri="{FF2B5EF4-FFF2-40B4-BE49-F238E27FC236}">
-                <a16:creationId xmlns="" xmlns:a16="http://schemas.microsoft.com/office/drawing/2014/main" id="{64C0B755-ADAE-47E7-BC7F-8B843F860A59}"/>
+                <a16:creationId xmlns:a16="http://schemas.microsoft.com/office/drawing/2014/main" id="{64C0B755-ADAE-47E7-BC7F-8B843F860A59}"/>
               </a:ext>
             </a:extLst>
           </p:cNvPr>
@@ -2448,7 +2448,7 @@
           <p:cNvPr id="7" name="灯片编号占位符 6">
             <a:extLst>
               <a:ext uri="{FF2B5EF4-FFF2-40B4-BE49-F238E27FC236}">
-                <a16:creationId xmlns="" xmlns:a16="http://schemas.microsoft.com/office/drawing/2014/main" id="{76F10171-EFAC-44C2-8D0E-DA56D21AE729}"/>
+                <a16:creationId xmlns:a16="http://schemas.microsoft.com/office/drawing/2014/main" id="{76F10171-EFAC-44C2-8D0E-DA56D21AE729}"/>
               </a:ext>
             </a:extLst>
           </p:cNvPr>
@@ -2507,7 +2507,7 @@
           <p:cNvPr id="2" name="标题 1">
             <a:extLst>
               <a:ext uri="{FF2B5EF4-FFF2-40B4-BE49-F238E27FC236}">
-                <a16:creationId xmlns="" xmlns:a16="http://schemas.microsoft.com/office/drawing/2014/main" id="{237693E4-33C8-4A32-8092-7245B9F74212}"/>
+                <a16:creationId xmlns:a16="http://schemas.microsoft.com/office/drawing/2014/main" id="{237693E4-33C8-4A32-8092-7245B9F74212}"/>
               </a:ext>
             </a:extLst>
           </p:cNvPr>
@@ -2544,7 +2544,7 @@
           <p:cNvPr id="3" name="图片占位符 2">
             <a:extLst>
               <a:ext uri="{FF2B5EF4-FFF2-40B4-BE49-F238E27FC236}">
-                <a16:creationId xmlns="" xmlns:a16="http://schemas.microsoft.com/office/drawing/2014/main" id="{F3D18D0E-8162-4201-BA12-E35A009A7D40}"/>
+                <a16:creationId xmlns:a16="http://schemas.microsoft.com/office/drawing/2014/main" id="{F3D18D0E-8162-4201-BA12-E35A009A7D40}"/>
               </a:ext>
             </a:extLst>
           </p:cNvPr>
@@ -2611,7 +2611,7 @@
           <p:cNvPr id="4" name="文本占位符 3">
             <a:extLst>
               <a:ext uri="{FF2B5EF4-FFF2-40B4-BE49-F238E27FC236}">
-                <a16:creationId xmlns="" xmlns:a16="http://schemas.microsoft.com/office/drawing/2014/main" id="{76276873-F2BC-4F38-86C0-8AC9E1F8AE04}"/>
+                <a16:creationId xmlns:a16="http://schemas.microsoft.com/office/drawing/2014/main" id="{76276873-F2BC-4F38-86C0-8AC9E1F8AE04}"/>
               </a:ext>
             </a:extLst>
           </p:cNvPr>
@@ -2682,7 +2682,7 @@
           <p:cNvPr id="5" name="日期占位符 4">
             <a:extLst>
               <a:ext uri="{FF2B5EF4-FFF2-40B4-BE49-F238E27FC236}">
-                <a16:creationId xmlns="" xmlns:a16="http://schemas.microsoft.com/office/drawing/2014/main" id="{38E497AE-7F2C-4325-B749-A53161561A91}"/>
+                <a16:creationId xmlns:a16="http://schemas.microsoft.com/office/drawing/2014/main" id="{38E497AE-7F2C-4325-B749-A53161561A91}"/>
               </a:ext>
             </a:extLst>
           </p:cNvPr>
@@ -2700,7 +2700,7 @@
           <a:p>
             <a:fld id="{6A465375-4056-467D-A4D8-FDABD3E2ADC4}" type="datetimeFigureOut">
               <a:rPr lang="zh-CN" altLang="en-US" smtClean="0"/>
-              <a:t>2018/12/29</a:t>
+              <a:t>2020/6/23</a:t>
             </a:fld>
             <a:endParaRPr lang="zh-CN" altLang="en-US"/>
           </a:p>
@@ -2711,7 +2711,7 @@
           <p:cNvPr id="6" name="页脚占位符 5">
             <a:extLst>
               <a:ext uri="{FF2B5EF4-FFF2-40B4-BE49-F238E27FC236}">
-                <a16:creationId xmlns="" xmlns:a16="http://schemas.microsoft.com/office/drawing/2014/main" id="{608A3E07-25D5-47DC-ADE6-A8B06D5B8F2B}"/>
+                <a16:creationId xmlns:a16="http://schemas.microsoft.com/office/drawing/2014/main" id="{608A3E07-25D5-47DC-ADE6-A8B06D5B8F2B}"/>
               </a:ext>
             </a:extLst>
           </p:cNvPr>
@@ -2736,7 +2736,7 @@
           <p:cNvPr id="7" name="灯片编号占位符 6">
             <a:extLst>
               <a:ext uri="{FF2B5EF4-FFF2-40B4-BE49-F238E27FC236}">
-                <a16:creationId xmlns="" xmlns:a16="http://schemas.microsoft.com/office/drawing/2014/main" id="{2BFBCA8A-AF4D-4E11-930E-40FFCD2EE376}"/>
+                <a16:creationId xmlns:a16="http://schemas.microsoft.com/office/drawing/2014/main" id="{2BFBCA8A-AF4D-4E11-930E-40FFCD2EE376}"/>
               </a:ext>
             </a:extLst>
           </p:cNvPr>
@@ -2800,7 +2800,7 @@
           <p:cNvPr id="2" name="标题占位符 1">
             <a:extLst>
               <a:ext uri="{FF2B5EF4-FFF2-40B4-BE49-F238E27FC236}">
-                <a16:creationId xmlns="" xmlns:a16="http://schemas.microsoft.com/office/drawing/2014/main" id="{75E532A0-53ED-4BA0-AC5C-CFB10FA79667}"/>
+                <a16:creationId xmlns:a16="http://schemas.microsoft.com/office/drawing/2014/main" id="{75E532A0-53ED-4BA0-AC5C-CFB10FA79667}"/>
               </a:ext>
             </a:extLst>
           </p:cNvPr>
@@ -2838,7 +2838,7 @@
           <p:cNvPr id="3" name="文本占位符 2">
             <a:extLst>
               <a:ext uri="{FF2B5EF4-FFF2-40B4-BE49-F238E27FC236}">
-                <a16:creationId xmlns="" xmlns:a16="http://schemas.microsoft.com/office/drawing/2014/main" id="{43E5CC6E-0646-4BF3-ABDF-4C304580B19D}"/>
+                <a16:creationId xmlns:a16="http://schemas.microsoft.com/office/drawing/2014/main" id="{43E5CC6E-0646-4BF3-ABDF-4C304580B19D}"/>
               </a:ext>
             </a:extLst>
           </p:cNvPr>
@@ -2905,7 +2905,7 @@
           <p:cNvPr id="4" name="日期占位符 3">
             <a:extLst>
               <a:ext uri="{FF2B5EF4-FFF2-40B4-BE49-F238E27FC236}">
-                <a16:creationId xmlns="" xmlns:a16="http://schemas.microsoft.com/office/drawing/2014/main" id="{9034BB4A-C33A-47F4-95BF-2406CCA98EE1}"/>
+                <a16:creationId xmlns:a16="http://schemas.microsoft.com/office/drawing/2014/main" id="{9034BB4A-C33A-47F4-95BF-2406CCA98EE1}"/>
               </a:ext>
             </a:extLst>
           </p:cNvPr>
@@ -2941,7 +2941,7 @@
           <a:p>
             <a:fld id="{6A465375-4056-467D-A4D8-FDABD3E2ADC4}" type="datetimeFigureOut">
               <a:rPr lang="zh-CN" altLang="en-US" smtClean="0"/>
-              <a:t>2018/12/29</a:t>
+              <a:t>2020/6/23</a:t>
             </a:fld>
             <a:endParaRPr lang="zh-CN" altLang="en-US"/>
           </a:p>
@@ -2952,7 +2952,7 @@
           <p:cNvPr id="5" name="页脚占位符 4">
             <a:extLst>
               <a:ext uri="{FF2B5EF4-FFF2-40B4-BE49-F238E27FC236}">
-                <a16:creationId xmlns="" xmlns:a16="http://schemas.microsoft.com/office/drawing/2014/main" id="{C3487536-5743-446E-91DE-F265AC329AF9}"/>
+                <a16:creationId xmlns:a16="http://schemas.microsoft.com/office/drawing/2014/main" id="{C3487536-5743-446E-91DE-F265AC329AF9}"/>
               </a:ext>
             </a:extLst>
           </p:cNvPr>
@@ -2995,7 +2995,7 @@
           <p:cNvPr id="6" name="灯片编号占位符 5">
             <a:extLst>
               <a:ext uri="{FF2B5EF4-FFF2-40B4-BE49-F238E27FC236}">
-                <a16:creationId xmlns="" xmlns:a16="http://schemas.microsoft.com/office/drawing/2014/main" id="{7F500C76-0052-4C4D-A485-5B3ED41BB456}"/>
+                <a16:creationId xmlns:a16="http://schemas.microsoft.com/office/drawing/2014/main" id="{7F500C76-0052-4C4D-A485-5B3ED41BB456}"/>
               </a:ext>
             </a:extLst>
           </p:cNvPr>
@@ -3429,31 +3429,166 @@
           <a:lstStyle/>
           <a:p>
             <a:r>
-              <a:rPr lang="zh-CN" altLang="en-US" dirty="0" smtClean="0">
+              <a:rPr lang="zh-CN" altLang="en-US" dirty="0">
                 <a:solidFill>
                   <a:srgbClr val="C00000"/>
                 </a:solidFill>
               </a:rPr>
               <a:t>前端打包和调试窗口</a:t>
             </a:r>
-            <a:endParaRPr lang="zh-CN" altLang="en-US" dirty="0">
+          </a:p>
+        </p:txBody>
+      </p:sp>
+      <p:sp>
+        <p:nvSpPr>
+          <p:cNvPr id="7" name="文本框 6"/>
+          <p:cNvSpPr txBox="1"/>
+          <p:nvPr/>
+        </p:nvSpPr>
+        <p:spPr>
+          <a:xfrm>
+            <a:off x="6771125" y="3305176"/>
+            <a:ext cx="1439818" cy="369332"/>
+          </a:xfrm>
+          <a:prstGeom prst="rect">
+            <a:avLst/>
+          </a:prstGeom>
+          <a:noFill/>
+        </p:spPr>
+        <p:txBody>
+          <a:bodyPr wrap="none" rtlCol="0">
+            <a:spAutoFit/>
+          </a:bodyPr>
+          <a:lstStyle/>
+          <a:p>
+            <a:r>
+              <a:rPr lang="zh-CN" altLang="en-US" dirty="0">
+                <a:solidFill>
+                  <a:srgbClr val="C00000"/>
+                </a:solidFill>
+              </a:rPr>
+              <a:t>后台</a:t>
+            </a:r>
+            <a:r>
+              <a:rPr lang="en-US" altLang="zh-CN" dirty="0">
+                <a:solidFill>
+                  <a:srgbClr val="C00000"/>
+                </a:solidFill>
+              </a:rPr>
+              <a:t>API</a:t>
+            </a:r>
+            <a:r>
+              <a:rPr lang="zh-CN" altLang="en-US" dirty="0">
+                <a:solidFill>
+                  <a:srgbClr val="C00000"/>
+                </a:solidFill>
+              </a:rPr>
+              <a:t>接口</a:t>
+            </a:r>
+          </a:p>
+        </p:txBody>
+      </p:sp>
+      <p:sp>
+        <p:nvSpPr>
+          <p:cNvPr id="8" name="文本框 7"/>
+          <p:cNvSpPr txBox="1"/>
+          <p:nvPr/>
+        </p:nvSpPr>
+        <p:spPr>
+          <a:xfrm>
+            <a:off x="466999" y="253922"/>
+            <a:ext cx="6946132" cy="646331"/>
+          </a:xfrm>
+          <a:prstGeom prst="rect">
+            <a:avLst/>
+          </a:prstGeom>
+          <a:noFill/>
+        </p:spPr>
+        <p:txBody>
+          <a:bodyPr wrap="none" rtlCol="0">
+            <a:spAutoFit/>
+          </a:bodyPr>
+          <a:lstStyle/>
+          <a:p>
+            <a:pPr marL="342900" indent="-342900">
+              <a:buAutoNum type="arabicPeriod"/>
+            </a:pPr>
+            <a:r>
+              <a:rPr lang="zh-CN" altLang="en-US" dirty="0">
+                <a:solidFill>
+                  <a:srgbClr val="C00000"/>
+                </a:solidFill>
+              </a:rPr>
+              <a:t>启动桌面上</a:t>
+            </a:r>
+            <a:r>
+              <a:rPr lang="zh-CN" altLang="en-US" dirty="0">
+                <a:solidFill>
+                  <a:srgbClr val="0070C0"/>
+                </a:solidFill>
+              </a:rPr>
+              <a:t>启动平台预报后端</a:t>
+            </a:r>
+            <a:r>
+              <a:rPr lang="en-US" altLang="zh-CN" dirty="0">
+                <a:solidFill>
+                  <a:srgbClr val="0070C0"/>
+                </a:solidFill>
+              </a:rPr>
+              <a:t>.bat</a:t>
+            </a:r>
+            <a:r>
+              <a:rPr lang="zh-CN" altLang="en-US" dirty="0">
+                <a:solidFill>
+                  <a:srgbClr val="C00000"/>
+                </a:solidFill>
+              </a:rPr>
+              <a:t>文件，会出现两个</a:t>
+            </a:r>
+            <a:r>
+              <a:rPr lang="en-US" altLang="zh-CN" dirty="0">
+                <a:solidFill>
+                  <a:srgbClr val="C00000"/>
+                </a:solidFill>
+              </a:rPr>
+              <a:t>CMD</a:t>
+            </a:r>
+            <a:r>
+              <a:rPr lang="zh-CN" altLang="en-US" dirty="0">
+                <a:solidFill>
+                  <a:srgbClr val="C00000"/>
+                </a:solidFill>
+              </a:rPr>
+              <a:t>窗口。</a:t>
+            </a:r>
+            <a:endParaRPr lang="en-US" altLang="zh-CN" dirty="0">
               <a:solidFill>
                 <a:srgbClr val="C00000"/>
               </a:solidFill>
             </a:endParaRPr>
           </a:p>
-        </p:txBody>
-      </p:sp>
-      <p:sp>
-        <p:nvSpPr>
-          <p:cNvPr id="7" name="文本框 6"/>
+          <a:p>
+            <a:r>
+              <a:rPr lang="zh-CN" altLang="en-US" dirty="0">
+                <a:solidFill>
+                  <a:srgbClr val="C00000"/>
+                </a:solidFill>
+              </a:rPr>
+              <a:t>      此后保持两个后台程序打开。如果已打开跳过次步骤</a:t>
+            </a:r>
+          </a:p>
+        </p:txBody>
+      </p:sp>
+      <p:sp>
+        <p:nvSpPr>
+          <p:cNvPr id="9" name="文本框 8"/>
           <p:cNvSpPr txBox="1"/>
           <p:nvPr/>
         </p:nvSpPr>
         <p:spPr>
           <a:xfrm>
-            <a:off x="6771125" y="3305176"/>
-            <a:ext cx="1439818" cy="369332"/>
+            <a:off x="466999" y="4961293"/>
+            <a:ext cx="5724644" cy="646331"/>
           </a:xfrm>
           <a:prstGeom prst="rect">
             <a:avLst/>
@@ -3467,255 +3602,28 @@
           <a:lstStyle/>
           <a:p>
             <a:r>
-              <a:rPr lang="zh-CN" altLang="en-US" dirty="0" smtClean="0">
+              <a:rPr lang="zh-CN" altLang="en-US" dirty="0">
                 <a:solidFill>
                   <a:srgbClr val="C00000"/>
                 </a:solidFill>
               </a:rPr>
-              <a:t>后台</a:t>
-            </a:r>
-            <a:r>
-              <a:rPr lang="en-US" altLang="zh-CN" dirty="0" smtClean="0">
-                <a:solidFill>
-                  <a:srgbClr val="C00000"/>
-                </a:solidFill>
-              </a:rPr>
-              <a:t>API</a:t>
-            </a:r>
-            <a:r>
-              <a:rPr lang="zh-CN" altLang="en-US" dirty="0" smtClean="0">
-                <a:solidFill>
-                  <a:srgbClr val="C00000"/>
-                </a:solidFill>
-              </a:rPr>
-              <a:t>接口</a:t>
-            </a:r>
-            <a:endParaRPr lang="zh-CN" altLang="en-US" dirty="0">
+              <a:t>注意：平时不要关闭这两个窗口。</a:t>
+            </a:r>
+            <a:endParaRPr lang="en-US" altLang="zh-CN" dirty="0">
               <a:solidFill>
                 <a:srgbClr val="C00000"/>
               </a:solidFill>
             </a:endParaRPr>
           </a:p>
-        </p:txBody>
-      </p:sp>
-      <p:sp>
-        <p:nvSpPr>
-          <p:cNvPr id="8" name="文本框 7"/>
-          <p:cNvSpPr txBox="1"/>
-          <p:nvPr/>
-        </p:nvSpPr>
-        <p:spPr>
-          <a:xfrm>
-            <a:off x="466999" y="253922"/>
-            <a:ext cx="6946132" cy="646331"/>
-          </a:xfrm>
-          <a:prstGeom prst="rect">
-            <a:avLst/>
-          </a:prstGeom>
-          <a:noFill/>
-        </p:spPr>
-        <p:txBody>
-          <a:bodyPr wrap="none" rtlCol="0">
-            <a:spAutoFit/>
-          </a:bodyPr>
-          <a:lstStyle/>
-          <a:p>
-            <a:pPr marL="342900" indent="-342900">
-              <a:buAutoNum type="arabicPeriod"/>
-            </a:pPr>
-            <a:r>
-              <a:rPr lang="zh-CN" altLang="en-US" dirty="0" smtClean="0">
+          <a:p>
+            <a:r>
+              <a:rPr lang="zh-CN" altLang="en-US" dirty="0">
                 <a:solidFill>
                   <a:srgbClr val="C00000"/>
                 </a:solidFill>
               </a:rPr>
-              <a:t>启动</a:t>
-            </a:r>
-            <a:r>
-              <a:rPr lang="zh-CN" altLang="en-US" dirty="0" smtClean="0">
-                <a:solidFill>
-                  <a:srgbClr val="C00000"/>
-                </a:solidFill>
-              </a:rPr>
-              <a:t>桌面</a:t>
-            </a:r>
-            <a:r>
-              <a:rPr lang="zh-CN" altLang="en-US" dirty="0">
-                <a:solidFill>
-                  <a:srgbClr val="C00000"/>
-                </a:solidFill>
-              </a:rPr>
-              <a:t>上</a:t>
-            </a:r>
-            <a:r>
-              <a:rPr lang="zh-CN" altLang="en-US" dirty="0">
-                <a:solidFill>
-                  <a:srgbClr val="0070C0"/>
-                </a:solidFill>
-              </a:rPr>
-              <a:t>启动平台预报后端</a:t>
-            </a:r>
-            <a:r>
-              <a:rPr lang="en-US" altLang="zh-CN" dirty="0" smtClean="0">
-                <a:solidFill>
-                  <a:srgbClr val="0070C0"/>
-                </a:solidFill>
-              </a:rPr>
-              <a:t>.</a:t>
-            </a:r>
-            <a:r>
-              <a:rPr lang="en-US" altLang="zh-CN" dirty="0" smtClean="0">
-                <a:solidFill>
-                  <a:srgbClr val="0070C0"/>
-                </a:solidFill>
-              </a:rPr>
-              <a:t>bat</a:t>
-            </a:r>
-            <a:r>
-              <a:rPr lang="zh-CN" altLang="en-US" dirty="0" smtClean="0">
-                <a:solidFill>
-                  <a:srgbClr val="C00000"/>
-                </a:solidFill>
-              </a:rPr>
-              <a:t>文件，会出现两个</a:t>
-            </a:r>
-            <a:r>
-              <a:rPr lang="en-US" altLang="zh-CN" dirty="0" smtClean="0">
-                <a:solidFill>
-                  <a:srgbClr val="C00000"/>
-                </a:solidFill>
-              </a:rPr>
-              <a:t>CMD</a:t>
-            </a:r>
-            <a:r>
-              <a:rPr lang="zh-CN" altLang="en-US" dirty="0" smtClean="0">
-                <a:solidFill>
-                  <a:srgbClr val="C00000"/>
-                </a:solidFill>
-              </a:rPr>
-              <a:t>窗口</a:t>
-            </a:r>
-            <a:r>
-              <a:rPr lang="zh-CN" altLang="en-US" dirty="0" smtClean="0">
-                <a:solidFill>
-                  <a:srgbClr val="C00000"/>
-                </a:solidFill>
-              </a:rPr>
-              <a:t>。</a:t>
-            </a:r>
-            <a:endParaRPr lang="en-US" altLang="zh-CN" dirty="0" smtClean="0">
-              <a:solidFill>
-                <a:srgbClr val="C00000"/>
-              </a:solidFill>
-            </a:endParaRPr>
-          </a:p>
-          <a:p>
-            <a:r>
-              <a:rPr lang="zh-CN" altLang="en-US" dirty="0" smtClean="0">
-                <a:solidFill>
-                  <a:srgbClr val="C00000"/>
-                </a:solidFill>
-              </a:rPr>
-              <a:t>      此后</a:t>
-            </a:r>
-            <a:r>
-              <a:rPr lang="zh-CN" altLang="en-US" dirty="0" smtClean="0">
-                <a:solidFill>
-                  <a:srgbClr val="C00000"/>
-                </a:solidFill>
-              </a:rPr>
-              <a:t>保持两个后台程序打开。如果已打开跳过次步骤</a:t>
-            </a:r>
-            <a:endParaRPr lang="zh-CN" altLang="en-US" dirty="0">
-              <a:solidFill>
-                <a:srgbClr val="C00000"/>
-              </a:solidFill>
-            </a:endParaRPr>
-          </a:p>
-        </p:txBody>
-      </p:sp>
-      <p:sp>
-        <p:nvSpPr>
-          <p:cNvPr id="9" name="文本框 8"/>
-          <p:cNvSpPr txBox="1"/>
-          <p:nvPr/>
-        </p:nvSpPr>
-        <p:spPr>
-          <a:xfrm>
-            <a:off x="466999" y="4961293"/>
-            <a:ext cx="5724644" cy="646331"/>
-          </a:xfrm>
-          <a:prstGeom prst="rect">
-            <a:avLst/>
-          </a:prstGeom>
-          <a:noFill/>
-        </p:spPr>
-        <p:txBody>
-          <a:bodyPr wrap="none" rtlCol="0">
-            <a:spAutoFit/>
-          </a:bodyPr>
-          <a:lstStyle/>
-          <a:p>
-            <a:r>
-              <a:rPr lang="zh-CN" altLang="en-US" dirty="0" smtClean="0">
-                <a:solidFill>
-                  <a:srgbClr val="C00000"/>
-                </a:solidFill>
-              </a:rPr>
-              <a:t>注意：</a:t>
-            </a:r>
-            <a:r>
-              <a:rPr lang="zh-CN" altLang="en-US" dirty="0">
-                <a:solidFill>
-                  <a:srgbClr val="C00000"/>
-                </a:solidFill>
-              </a:rPr>
-              <a:t>平时</a:t>
-            </a:r>
-            <a:r>
-              <a:rPr lang="zh-CN" altLang="en-US" dirty="0" smtClean="0">
-                <a:solidFill>
-                  <a:srgbClr val="C00000"/>
-                </a:solidFill>
-              </a:rPr>
-              <a:t>不要关闭这两个窗口。</a:t>
-            </a:r>
-            <a:endParaRPr lang="en-US" altLang="zh-CN" dirty="0" smtClean="0">
-              <a:solidFill>
-                <a:srgbClr val="C00000"/>
-              </a:solidFill>
-            </a:endParaRPr>
-          </a:p>
-          <a:p>
-            <a:r>
-              <a:rPr lang="zh-CN" altLang="en-US" dirty="0" smtClean="0">
-                <a:solidFill>
-                  <a:srgbClr val="C00000"/>
-                </a:solidFill>
-              </a:rPr>
-              <a:t>另外不能同时打开多份程序，会因端口</a:t>
-            </a:r>
-            <a:r>
-              <a:rPr lang="zh-CN" altLang="en-US" dirty="0">
-                <a:solidFill>
-                  <a:srgbClr val="C00000"/>
-                </a:solidFill>
-              </a:rPr>
-              <a:t>占用</a:t>
-            </a:r>
-            <a:r>
-              <a:rPr lang="zh-CN" altLang="en-US" dirty="0" smtClean="0">
-                <a:solidFill>
-                  <a:srgbClr val="C00000"/>
-                </a:solidFill>
-              </a:rPr>
-              <a:t>冲突而报错</a:t>
-            </a:r>
-            <a:endParaRPr lang="zh-CN" altLang="en-US" dirty="0">
-              <a:solidFill>
-                <a:srgbClr val="C00000"/>
-              </a:solidFill>
-            </a:endParaRPr>
+              <a:t>另外不能同时打开多份程序，会因端口占用冲突而报错</a:t>
+            </a:r>
           </a:p>
         </p:txBody>
       </p:sp>
@@ -3729,13 +3637,6 @@
   <p:clrMapOvr>
     <a:masterClrMapping/>
   </p:clrMapOvr>
-  <p:timing>
-    <p:tnLst>
-      <p:par>
-        <p:cTn id="1" dur="indefinite" restart="never" nodeType="tmRoot"/>
-      </p:par>
-    </p:tnLst>
-  </p:timing>
 </p:sld>
 </file>
 
@@ -3779,7 +3680,7 @@
           <a:lstStyle/>
           <a:p>
             <a:r>
-              <a:rPr lang="en-US" altLang="zh-CN" dirty="0" smtClean="0">
+              <a:rPr lang="en-US" altLang="zh-CN" dirty="0">
                 <a:solidFill>
                   <a:srgbClr val="C00000"/>
                 </a:solidFill>
@@ -3787,70 +3688,54 @@
               <a:t>2. </a:t>
             </a:r>
             <a:r>
-              <a:rPr lang="zh-CN" altLang="en-US" dirty="0" smtClean="0">
+              <a:rPr lang="zh-CN" altLang="en-US" dirty="0">
                 <a:solidFill>
                   <a:srgbClr val="C00000"/>
                 </a:solidFill>
               </a:rPr>
-              <a:t>启动桌面</a:t>
+              <a:t>启动桌面上</a:t>
             </a:r>
             <a:r>
               <a:rPr lang="zh-CN" altLang="en-US" dirty="0">
                 <a:solidFill>
+                  <a:srgbClr val="0070C0"/>
+                </a:solidFill>
+              </a:rPr>
+              <a:t>读取数据和生成</a:t>
+            </a:r>
+            <a:r>
+              <a:rPr lang="en-US" altLang="zh-CN" dirty="0">
+                <a:solidFill>
+                  <a:srgbClr val="0070C0"/>
+                </a:solidFill>
+              </a:rPr>
+              <a:t>PDF.bat</a:t>
+            </a:r>
+            <a:r>
+              <a:rPr lang="zh-CN" altLang="en-US" dirty="0">
+                <a:solidFill>
                   <a:srgbClr val="C00000"/>
                 </a:solidFill>
               </a:rPr>
-              <a:t>上</a:t>
+              <a:t>文件，此过程大概需要</a:t>
+            </a:r>
+            <a:r>
+              <a:rPr lang="en-US" altLang="zh-CN" dirty="0">
+                <a:solidFill>
+                  <a:srgbClr val="C00000"/>
+                </a:solidFill>
+              </a:rPr>
+              <a:t>1</a:t>
             </a:r>
             <a:r>
               <a:rPr lang="zh-CN" altLang="en-US" dirty="0">
                 <a:solidFill>
-                  <a:srgbClr val="0070C0"/>
-                </a:solidFill>
-              </a:rPr>
-              <a:t>读取数据和生成</a:t>
-            </a:r>
-            <a:r>
-              <a:rPr lang="en-US" altLang="zh-CN" dirty="0">
-                <a:solidFill>
-                  <a:srgbClr val="0070C0"/>
-                </a:solidFill>
-              </a:rPr>
-              <a:t>PDF.bat</a:t>
-            </a:r>
-            <a:r>
-              <a:rPr lang="zh-CN" altLang="en-US" dirty="0" smtClean="0">
-                <a:solidFill>
                   <a:srgbClr val="C00000"/>
                 </a:solidFill>
               </a:rPr>
-              <a:t>文件，此过程大概需要</a:t>
-            </a:r>
-            <a:r>
-              <a:rPr lang="en-US" altLang="zh-CN" dirty="0" smtClean="0">
-                <a:solidFill>
-                  <a:srgbClr val="C00000"/>
-                </a:solidFill>
-              </a:rPr>
-              <a:t>1</a:t>
-            </a:r>
-            <a:r>
-              <a:rPr lang="zh-CN" altLang="en-US" dirty="0" smtClean="0">
-                <a:solidFill>
-                  <a:srgbClr val="C00000"/>
-                </a:solidFill>
-              </a:rPr>
-              <a:t>分多钟</a:t>
-            </a:r>
-            <a:r>
-              <a:rPr lang="zh-CN" altLang="en-US" dirty="0" smtClean="0">
-                <a:solidFill>
-                  <a:srgbClr val="C00000"/>
-                </a:solidFill>
-              </a:rPr>
-              <a:t>。</a:t>
-            </a:r>
-            <a:endParaRPr lang="en-US" altLang="zh-CN" dirty="0" smtClean="0">
+              <a:t>分多钟。</a:t>
+            </a:r>
+            <a:endParaRPr lang="en-US" altLang="zh-CN" dirty="0">
               <a:solidFill>
                 <a:srgbClr val="C00000"/>
               </a:solidFill>
@@ -3858,54 +3743,46 @@
           </a:p>
           <a:p>
             <a:r>
-              <a:rPr lang="zh-CN" altLang="en-US" dirty="0" smtClean="0">
+              <a:rPr lang="zh-CN" altLang="en-US" dirty="0">
                 <a:solidFill>
                   <a:srgbClr val="C00000"/>
                 </a:solidFill>
               </a:rPr>
-              <a:t>完成</a:t>
-            </a:r>
-            <a:r>
-              <a:rPr lang="zh-CN" altLang="en-US" dirty="0" smtClean="0">
+              <a:t>完成后会输出</a:t>
+            </a:r>
+            <a:r>
+              <a:rPr lang="en-US" altLang="zh-CN" dirty="0">
                 <a:solidFill>
                   <a:srgbClr val="C00000"/>
                 </a:solidFill>
               </a:rPr>
-              <a:t>后会输出</a:t>
-            </a:r>
-            <a:r>
-              <a:rPr lang="en-US" altLang="zh-CN" dirty="0" smtClean="0">
+              <a:t>PDF</a:t>
+            </a:r>
+            <a:r>
+              <a:rPr lang="zh-CN" altLang="en-US" dirty="0">
                 <a:solidFill>
                   <a:srgbClr val="C00000"/>
                 </a:solidFill>
               </a:rPr>
+              <a:t>文件，并且会打开</a:t>
+            </a:r>
+            <a:r>
+              <a:rPr lang="en-US" altLang="zh-CN" dirty="0">
+                <a:solidFill>
+                  <a:srgbClr val="C00000"/>
+                </a:solidFill>
+              </a:rPr>
               <a:t>PDF</a:t>
             </a:r>
             <a:r>
-              <a:rPr lang="zh-CN" altLang="en-US" dirty="0" smtClean="0">
+              <a:rPr lang="zh-CN" altLang="en-US" dirty="0">
                 <a:solidFill>
                   <a:srgbClr val="C00000"/>
                 </a:solidFill>
               </a:rPr>
-              <a:t>文件，并且会打开</a:t>
-            </a:r>
-            <a:r>
-              <a:rPr lang="en-US" altLang="zh-CN" dirty="0" smtClean="0">
-                <a:solidFill>
-                  <a:srgbClr val="C00000"/>
-                </a:solidFill>
-              </a:rPr>
-              <a:t>PDF</a:t>
-            </a:r>
-            <a:r>
-              <a:rPr lang="zh-CN" altLang="en-US" dirty="0" smtClean="0">
-                <a:solidFill>
-                  <a:srgbClr val="C00000"/>
-                </a:solidFill>
-              </a:rPr>
               <a:t>所在文件夹</a:t>
             </a:r>
-            <a:endParaRPr lang="en-US" altLang="zh-CN" dirty="0" smtClean="0">
+            <a:endParaRPr lang="en-US" altLang="zh-CN" dirty="0">
               <a:solidFill>
                 <a:srgbClr val="C00000"/>
               </a:solidFill>
@@ -3913,7 +3790,7 @@
           </a:p>
           <a:p>
             <a:r>
-              <a:rPr lang="zh-CN" altLang="en-US" dirty="0" smtClean="0">
+              <a:rPr lang="zh-CN" altLang="en-US" dirty="0">
                 <a:solidFill>
                   <a:srgbClr val="C00000"/>
                 </a:solidFill>
@@ -3921,7 +3798,7 @@
               <a:t>本地</a:t>
             </a:r>
             <a:r>
-              <a:rPr lang="en-US" altLang="zh-CN" dirty="0" smtClean="0">
+              <a:rPr lang="en-US" altLang="zh-CN" dirty="0">
                 <a:solidFill>
                   <a:srgbClr val="C00000"/>
                 </a:solidFill>
@@ -3929,7 +3806,7 @@
               <a:t>PDF</a:t>
             </a:r>
             <a:r>
-              <a:rPr lang="zh-CN" altLang="en-US" dirty="0" smtClean="0">
+              <a:rPr lang="zh-CN" altLang="en-US" dirty="0">
                 <a:solidFill>
                   <a:srgbClr val="C00000"/>
                 </a:solidFill>
@@ -3937,70 +3814,41 @@
               <a:t>储存在 </a:t>
             </a:r>
             <a:r>
-              <a:rPr lang="en-US" altLang="zh-CN" dirty="0" smtClean="0">
+              <a:rPr lang="en-US" altLang="zh-CN" dirty="0">
                 <a:solidFill>
                   <a:srgbClr val="0070C0"/>
                 </a:solidFill>
               </a:rPr>
-              <a:t>D</a:t>
+              <a:t>D:\app\wind-force\service\pdf\</a:t>
+            </a:r>
+          </a:p>
+          <a:p>
+            <a:r>
+              <a:rPr lang="zh-CN" altLang="en-US" dirty="0">
+                <a:solidFill>
+                  <a:srgbClr val="C00000"/>
+                </a:solidFill>
+              </a:rPr>
+              <a:t>远程</a:t>
             </a:r>
             <a:r>
               <a:rPr lang="en-US" altLang="zh-CN" dirty="0">
                 <a:solidFill>
-                  <a:srgbClr val="0070C0"/>
-                </a:solidFill>
-              </a:rPr>
-              <a:t>:\</a:t>
-            </a:r>
-            <a:r>
-              <a:rPr lang="en-US" altLang="zh-CN" dirty="0" smtClean="0">
-                <a:solidFill>
-                  <a:srgbClr val="0070C0"/>
-                </a:solidFill>
-              </a:rPr>
-              <a:t>app\wind-force\service\pdf</a:t>
+                  <a:srgbClr val="C00000"/>
+                </a:solidFill>
+              </a:rPr>
+              <a:t>PDF</a:t>
+            </a:r>
+            <a:r>
+              <a:rPr lang="zh-CN" altLang="en-US" dirty="0">
+                <a:solidFill>
+                  <a:srgbClr val="C00000"/>
+                </a:solidFill>
+              </a:rPr>
+              <a:t>储存在 </a:t>
             </a:r>
             <a:r>
               <a:rPr lang="en-US" altLang="zh-CN" dirty="0">
-                <a:solidFill>
-                  <a:srgbClr val="0070C0"/>
-                </a:solidFill>
-              </a:rPr>
-              <a:t>\</a:t>
-            </a:r>
-            <a:endParaRPr lang="en-US" altLang="zh-CN" dirty="0" smtClean="0">
-              <a:solidFill>
-                <a:srgbClr val="0070C0"/>
-              </a:solidFill>
-            </a:endParaRPr>
-          </a:p>
-          <a:p>
-            <a:r>
-              <a:rPr lang="zh-CN" altLang="en-US" dirty="0" smtClean="0">
-                <a:solidFill>
-                  <a:srgbClr val="C00000"/>
-                </a:solidFill>
-              </a:rPr>
-              <a:t>远程</a:t>
-            </a:r>
-            <a:r>
-              <a:rPr lang="en-US" altLang="zh-CN" dirty="0" smtClean="0">
-                <a:solidFill>
-                  <a:srgbClr val="C00000"/>
-                </a:solidFill>
-              </a:rPr>
-              <a:t>PDF</a:t>
-            </a:r>
-            <a:r>
-              <a:rPr lang="zh-CN" altLang="en-US" dirty="0" smtClean="0">
-                <a:solidFill>
-                  <a:srgbClr val="C00000"/>
-                </a:solidFill>
-              </a:rPr>
-              <a:t>储存在 </a:t>
-            </a:r>
-            <a:r>
-              <a:rPr lang="en-US" altLang="zh-CN" dirty="0" smtClean="0">
                 <a:solidFill>
                   <a:srgbClr val="0070C0"/>
                 </a:solidFill>
@@ -4099,27 +3947,23 @@
           <a:lstStyle/>
           <a:p>
             <a:r>
-              <a:rPr lang="en-US" altLang="zh-CN" dirty="0" smtClean="0"/>
+              <a:rPr lang="en-US" altLang="zh-CN" dirty="0"/>
               <a:t>3. </a:t>
             </a:r>
             <a:r>
-              <a:rPr lang="zh-CN" altLang="en-US" dirty="0" smtClean="0"/>
+              <a:rPr lang="zh-CN" altLang="en-US" dirty="0"/>
               <a:t>检查</a:t>
             </a:r>
             <a:r>
-              <a:rPr lang="en-US" altLang="zh-CN" dirty="0" smtClean="0"/>
+              <a:rPr lang="en-US" altLang="zh-CN" dirty="0"/>
               <a:t>PDF</a:t>
             </a:r>
             <a:r>
-              <a:rPr lang="zh-CN" altLang="en-US" dirty="0" smtClean="0"/>
-              <a:t>是否有误，特别注意读取的数据日期是否正确</a:t>
-            </a:r>
-            <a:r>
-              <a:rPr lang="zh-CN" altLang="en-US" dirty="0" smtClean="0"/>
-              <a:t>。</a:t>
-            </a:r>
-            <a:r>
-              <a:rPr lang="zh-CN" altLang="en-US" dirty="0" smtClean="0">
+              <a:rPr lang="zh-CN" altLang="en-US" dirty="0"/>
+              <a:t>是否有误，特别注意读取的数据日期是否正确。</a:t>
+            </a:r>
+            <a:r>
+              <a:rPr lang="zh-CN" altLang="en-US" dirty="0">
                 <a:solidFill>
                   <a:srgbClr val="C00000"/>
                 </a:solidFill>
@@ -4127,7 +3971,7 @@
               <a:t>检查完</a:t>
             </a:r>
             <a:r>
-              <a:rPr lang="en-US" altLang="zh-CN" dirty="0" smtClean="0">
+              <a:rPr lang="en-US" altLang="zh-CN" dirty="0">
                 <a:solidFill>
                   <a:srgbClr val="C00000"/>
                 </a:solidFill>
@@ -4135,7 +3979,7 @@
               <a:t>pdf</a:t>
             </a:r>
             <a:r>
-              <a:rPr lang="zh-CN" altLang="en-US" dirty="0" smtClean="0">
+              <a:rPr lang="zh-CN" altLang="en-US" dirty="0">
                 <a:solidFill>
                   <a:srgbClr val="C00000"/>
                 </a:solidFill>
@@ -4143,7 +3987,7 @@
               <a:t>后务必关闭</a:t>
             </a:r>
             <a:r>
-              <a:rPr lang="en-US" altLang="zh-CN" dirty="0" smtClean="0">
+              <a:rPr lang="en-US" altLang="zh-CN" dirty="0">
                 <a:solidFill>
                   <a:srgbClr val="C00000"/>
                 </a:solidFill>
@@ -4151,7 +3995,7 @@
               <a:t>pdf</a:t>
             </a:r>
             <a:r>
-              <a:rPr lang="zh-CN" altLang="en-US" dirty="0" smtClean="0">
+              <a:rPr lang="zh-CN" altLang="en-US" dirty="0">
                 <a:solidFill>
                   <a:srgbClr val="C00000"/>
                 </a:solidFill>
@@ -4176,13 +4020,6 @@
   <p:clrMapOvr>
     <a:masterClrMapping/>
   </p:clrMapOvr>
-  <p:timing>
-    <p:tnLst>
-      <p:par>
-        <p:cTn id="1" dur="indefinite" restart="never" nodeType="tmRoot"/>
-      </p:par>
-    </p:tnLst>
-  </p:timing>
 </p:sld>
 </file>
 
@@ -4226,7 +4063,7 @@
           <a:lstStyle/>
           <a:p>
             <a:r>
-              <a:rPr lang="zh-CN" altLang="en-US" sz="3200" dirty="0" smtClean="0">
+              <a:rPr lang="zh-CN" altLang="en-US" sz="3200" dirty="0">
                 <a:solidFill>
                   <a:srgbClr val="C00000"/>
                 </a:solidFill>
@@ -4264,65 +4101,47 @@
           <a:lstStyle/>
           <a:p>
             <a:r>
-              <a:rPr lang="zh-CN" altLang="en-US" dirty="0" smtClean="0"/>
+              <a:rPr lang="zh-CN" altLang="en-US" dirty="0"/>
               <a:t>如果</a:t>
             </a:r>
             <a:r>
-              <a:rPr lang="en-US" altLang="zh-CN" dirty="0" smtClean="0"/>
+              <a:rPr lang="en-US" altLang="zh-CN" dirty="0"/>
               <a:t>PDF</a:t>
             </a:r>
             <a:r>
-              <a:rPr lang="zh-CN" altLang="en-US" dirty="0" smtClean="0"/>
+              <a:rPr lang="zh-CN" altLang="en-US" dirty="0"/>
               <a:t>生成不对，请打开浏览器   </a:t>
-            </a:r>
-            <a:r>
-              <a:rPr lang="en-US" altLang="zh-CN" dirty="0" smtClean="0">
-                <a:hlinkClick r:id="rId2"/>
-              </a:rPr>
-              <a:t>http</a:t>
             </a:r>
             <a:r>
               <a:rPr lang="en-US" altLang="zh-CN" dirty="0">
                 <a:hlinkClick r:id="rId2"/>
               </a:rPr>
-              <a:t>://localhost:8080</a:t>
-            </a:r>
-            <a:r>
-              <a:rPr lang="en-US" altLang="zh-CN" dirty="0" smtClean="0">
-                <a:hlinkClick r:id="rId2"/>
-              </a:rPr>
-              <a:t>/</a:t>
-            </a:r>
-            <a:r>
-              <a:rPr lang="en-US" altLang="zh-CN" dirty="0" smtClean="0"/>
+              <a:t>http://localhost:8080/</a:t>
+            </a:r>
+            <a:r>
+              <a:rPr lang="en-US" altLang="zh-CN" dirty="0"/>
               <a:t> </a:t>
             </a:r>
           </a:p>
           <a:p>
             <a:r>
-              <a:rPr lang="zh-CN" altLang="en-US" dirty="0" smtClean="0"/>
+              <a:rPr lang="zh-CN" altLang="en-US" dirty="0"/>
               <a:t>远程地址</a:t>
             </a:r>
             <a:r>
               <a:rPr lang="en-US" altLang="zh-CN" dirty="0">
                 <a:hlinkClick r:id="rId3"/>
               </a:rPr>
-              <a:t>http://10.148.44.9:8080</a:t>
-            </a:r>
-            <a:r>
-              <a:rPr lang="en-US" altLang="zh-CN" dirty="0" smtClean="0">
-                <a:hlinkClick r:id="rId3"/>
-              </a:rPr>
-              <a:t>/</a:t>
-            </a:r>
-            <a:endParaRPr lang="en-US" altLang="zh-CN" dirty="0" smtClean="0"/>
-          </a:p>
-          <a:p>
-            <a:r>
-              <a:rPr lang="zh-CN" altLang="en-US" dirty="0" smtClean="0"/>
+              <a:t>http://10.148.44.9:8080/</a:t>
+            </a:r>
+            <a:endParaRPr lang="en-US" altLang="zh-CN" dirty="0"/>
+          </a:p>
+          <a:p>
+            <a:r>
+              <a:rPr lang="zh-CN" altLang="en-US" dirty="0"/>
               <a:t>单击头部区域打开编辑框</a:t>
             </a:r>
-            <a:endParaRPr lang="en-US" altLang="zh-CN" dirty="0" smtClean="0"/>
+            <a:endParaRPr lang="en-US" altLang="zh-CN" dirty="0"/>
           </a:p>
         </p:txBody>
       </p:sp>
@@ -4432,17 +4251,9 @@
                   <a:srgbClr val="C00000"/>
                 </a:solidFill>
               </a:rPr>
-              <a:t>从</a:t>
-            </a:r>
-            <a:r>
-              <a:rPr lang="zh-CN" altLang="en-US" dirty="0" smtClean="0">
-                <a:solidFill>
-                  <a:srgbClr val="C00000"/>
-                </a:solidFill>
-              </a:rPr>
-              <a:t>信息中心接口获取数据</a:t>
-            </a:r>
-            <a:endParaRPr lang="en-US" altLang="zh-CN" dirty="0" smtClean="0">
+              <a:t>从信息中心接口获取数据</a:t>
+            </a:r>
+            <a:endParaRPr lang="en-US" altLang="zh-CN" dirty="0">
               <a:solidFill>
                 <a:srgbClr val="C00000"/>
               </a:solidFill>
@@ -4527,7 +4338,7 @@
           <a:lstStyle/>
           <a:p>
             <a:r>
-              <a:rPr lang="zh-CN" altLang="en-US" dirty="0" smtClean="0">
+              <a:rPr lang="zh-CN" altLang="en-US" dirty="0">
                 <a:solidFill>
                   <a:srgbClr val="C00000"/>
                 </a:solidFill>
@@ -4535,7 +4346,7 @@
               <a:t>从本地，也就是步骤</a:t>
             </a:r>
             <a:r>
-              <a:rPr lang="en-US" altLang="zh-CN" dirty="0" smtClean="0">
+              <a:rPr lang="en-US" altLang="zh-CN" dirty="0">
                 <a:solidFill>
                   <a:srgbClr val="C00000"/>
                 </a:solidFill>
@@ -4543,14 +4354,14 @@
               <a:t>2</a:t>
             </a:r>
             <a:r>
-              <a:rPr lang="zh-CN" altLang="en-US" dirty="0" smtClean="0">
+              <a:rPr lang="zh-CN" altLang="en-US" dirty="0">
                 <a:solidFill>
                   <a:srgbClr val="C00000"/>
                 </a:solidFill>
               </a:rPr>
               <a:t>获取数据</a:t>
             </a:r>
-            <a:endParaRPr lang="en-US" altLang="zh-CN" dirty="0" smtClean="0">
+            <a:endParaRPr lang="en-US" altLang="zh-CN" dirty="0">
               <a:solidFill>
                 <a:srgbClr val="C00000"/>
               </a:solidFill>
@@ -4586,14 +4397,14 @@
           <a:lstStyle/>
           <a:p>
             <a:r>
-              <a:rPr lang="zh-CN" altLang="en-US" dirty="0" smtClean="0">
+              <a:rPr lang="zh-CN" altLang="en-US" dirty="0">
                 <a:solidFill>
                   <a:srgbClr val="C00000"/>
                 </a:solidFill>
               </a:rPr>
               <a:t>调整日期</a:t>
             </a:r>
-            <a:endParaRPr lang="en-US" altLang="zh-CN" dirty="0" smtClean="0">
+            <a:endParaRPr lang="en-US" altLang="zh-CN" dirty="0">
               <a:solidFill>
                 <a:srgbClr val="C00000"/>
               </a:solidFill>
@@ -4660,13 +4471,6 @@
   <p:clrMapOvr>
     <a:masterClrMapping/>
   </p:clrMapOvr>
-  <p:timing>
-    <p:tnLst>
-      <p:par>
-        <p:cTn id="1" dur="indefinite" restart="never" nodeType="tmRoot"/>
-      </p:par>
-    </p:tnLst>
-  </p:timing>
 </p:sld>
 </file>
 
@@ -4855,18 +4659,13 @@
           <a:lstStyle/>
           <a:p>
             <a:r>
-              <a:rPr lang="zh-CN" altLang="en-US" sz="1400" dirty="0" smtClean="0">
+              <a:rPr lang="zh-CN" altLang="en-US" sz="1400" dirty="0">
                 <a:solidFill>
                   <a:srgbClr val="C00000"/>
                 </a:solidFill>
               </a:rPr>
               <a:t>鼠标单击红框标题内可弹出编辑区，再次单击隐藏</a:t>
             </a:r>
-            <a:endParaRPr lang="zh-CN" altLang="en-US" sz="1400" dirty="0">
-              <a:solidFill>
-                <a:srgbClr val="C00000"/>
-              </a:solidFill>
-            </a:endParaRPr>
           </a:p>
         </p:txBody>
       </p:sp>
@@ -4895,14 +4694,14 @@
           <a:lstStyle/>
           <a:p>
             <a:r>
-              <a:rPr lang="zh-CN" altLang="en-US" dirty="0" smtClean="0">
+              <a:rPr lang="zh-CN" altLang="en-US" dirty="0">
                 <a:solidFill>
                   <a:srgbClr val="0070C0"/>
                 </a:solidFill>
               </a:rPr>
               <a:t>蓝色框内为可编辑区，</a:t>
             </a:r>
-            <a:endParaRPr lang="en-US" altLang="zh-CN" dirty="0" smtClean="0">
+            <a:endParaRPr lang="en-US" altLang="zh-CN" dirty="0">
               <a:solidFill>
                 <a:srgbClr val="0070C0"/>
               </a:solidFill>
@@ -4910,18 +4709,13 @@
           </a:p>
           <a:p>
             <a:r>
-              <a:rPr lang="zh-CN" altLang="en-US" dirty="0" smtClean="0">
+              <a:rPr lang="zh-CN" altLang="en-US" dirty="0">
                 <a:solidFill>
                   <a:srgbClr val="0070C0"/>
                 </a:solidFill>
               </a:rPr>
               <a:t>可增删文字内容</a:t>
             </a:r>
-            <a:endParaRPr lang="zh-CN" altLang="en-US" dirty="0">
-              <a:solidFill>
-                <a:srgbClr val="0070C0"/>
-              </a:solidFill>
-            </a:endParaRPr>
           </a:p>
         </p:txBody>
       </p:sp>
@@ -4979,8 +4773,8 @@
         </p:nvSpPr>
         <p:spPr>
           <a:xfrm>
-            <a:off x="6305550" y="2971608"/>
-            <a:ext cx="3087705" cy="2308324"/>
+            <a:off x="5800725" y="2523933"/>
+            <a:ext cx="4185761" cy="2308324"/>
           </a:xfrm>
           <a:prstGeom prst="rect">
             <a:avLst/>
@@ -4996,85 +4790,13 @@
           <a:lstStyle/>
           <a:p>
             <a:r>
-              <a:rPr lang="zh-CN" altLang="en-US" dirty="0" smtClean="0">
+              <a:rPr lang="zh-CN" altLang="en-US" dirty="0">
                 <a:solidFill>
                   <a:srgbClr val="0070C0"/>
                 </a:solidFill>
               </a:rPr>
               <a:t>改好后，单击打印</a:t>
             </a:r>
-            <a:endParaRPr lang="en-US" altLang="zh-CN" dirty="0" smtClean="0">
-              <a:solidFill>
-                <a:srgbClr val="0070C0"/>
-              </a:solidFill>
-            </a:endParaRPr>
-          </a:p>
-          <a:p>
-            <a:r>
-              <a:rPr lang="zh-CN" altLang="en-US" dirty="0" smtClean="0">
-                <a:solidFill>
-                  <a:srgbClr val="0070C0"/>
-                </a:solidFill>
-              </a:rPr>
-              <a:t>另存为</a:t>
-            </a:r>
-            <a:r>
-              <a:rPr lang="en-US" altLang="zh-CN" dirty="0" smtClean="0">
-                <a:solidFill>
-                  <a:srgbClr val="0070C0"/>
-                </a:solidFill>
-              </a:rPr>
-              <a:t>PDF.</a:t>
-            </a:r>
-          </a:p>
-          <a:p>
-            <a:r>
-              <a:rPr lang="zh-CN" altLang="en-US" dirty="0" smtClean="0">
-                <a:solidFill>
-                  <a:srgbClr val="0070C0"/>
-                </a:solidFill>
-              </a:rPr>
-              <a:t>把</a:t>
-            </a:r>
-            <a:r>
-              <a:rPr lang="en-US" altLang="zh-CN" dirty="0" smtClean="0">
-                <a:solidFill>
-                  <a:srgbClr val="0070C0"/>
-                </a:solidFill>
-              </a:rPr>
-              <a:t>PDF</a:t>
-            </a:r>
-            <a:r>
-              <a:rPr lang="zh-CN" altLang="en-US" dirty="0" smtClean="0">
-                <a:solidFill>
-                  <a:srgbClr val="0070C0"/>
-                </a:solidFill>
-              </a:rPr>
-              <a:t>保存到</a:t>
-            </a:r>
-            <a:endParaRPr lang="en-US" altLang="zh-CN" dirty="0" smtClean="0">
-              <a:solidFill>
-                <a:srgbClr val="0070C0"/>
-              </a:solidFill>
-            </a:endParaRPr>
-          </a:p>
-          <a:p>
-            <a:r>
-              <a:rPr lang="en-US" altLang="zh-CN" dirty="0" smtClean="0">
-                <a:solidFill>
-                  <a:srgbClr val="0070C0"/>
-                </a:solidFill>
-                <a:hlinkClick r:id="rId4" action="ppaction://hlinkfile"/>
-              </a:rPr>
-              <a:t>\\10.148.16.32\e\ssow\email\</a:t>
-            </a:r>
-            <a:endParaRPr lang="en-US" altLang="zh-CN" dirty="0" smtClean="0">
-              <a:solidFill>
-                <a:srgbClr val="0070C0"/>
-              </a:solidFill>
-            </a:endParaRPr>
-          </a:p>
-          <a:p>
             <a:endParaRPr lang="en-US" altLang="zh-CN" dirty="0">
               <a:solidFill>
                 <a:srgbClr val="0070C0"/>
@@ -5083,14 +4805,48 @@
           </a:p>
           <a:p>
             <a:r>
-              <a:rPr lang="zh-CN" altLang="en-US" dirty="0" smtClean="0">
+              <a:rPr lang="zh-CN" altLang="en-US" dirty="0">
                 <a:solidFill>
                   <a:srgbClr val="0070C0"/>
                 </a:solidFill>
               </a:rPr>
-              <a:t>文件名：</a:t>
-            </a:r>
-            <a:endParaRPr lang="en-US" altLang="zh-CN" dirty="0" smtClean="0">
+              <a:t>另存为</a:t>
+            </a:r>
+            <a:r>
+              <a:rPr lang="en-US" altLang="zh-CN" dirty="0">
+                <a:solidFill>
+                  <a:srgbClr val="0070C0"/>
+                </a:solidFill>
+              </a:rPr>
+              <a:t>PDF.</a:t>
+            </a:r>
+          </a:p>
+          <a:p>
+            <a:r>
+              <a:rPr lang="zh-CN" altLang="en-US" dirty="0">
+                <a:solidFill>
+                  <a:srgbClr val="0070C0"/>
+                </a:solidFill>
+              </a:rPr>
+              <a:t>把</a:t>
+            </a:r>
+            <a:r>
+              <a:rPr lang="en-US" altLang="zh-CN" dirty="0">
+                <a:solidFill>
+                  <a:srgbClr val="0070C0"/>
+                </a:solidFill>
+              </a:rPr>
+              <a:t>PDF</a:t>
+            </a:r>
+            <a:r>
+              <a:rPr lang="zh-CN" altLang="en-US" dirty="0">
+                <a:solidFill>
+                  <a:srgbClr val="0070C0"/>
+                </a:solidFill>
+              </a:rPr>
+              <a:t>保存到</a:t>
+            </a:r>
+            <a:endParaRPr lang="en-US" altLang="zh-CN" dirty="0">
               <a:solidFill>
                 <a:srgbClr val="0070C0"/>
               </a:solidFill>
@@ -5098,28 +4854,61 @@
           </a:p>
           <a:p>
             <a:r>
-              <a:rPr lang="en-US" altLang="zh-CN" dirty="0" smtClean="0">
-                <a:solidFill>
-                  <a:srgbClr val="C00000"/>
-                </a:solidFill>
-              </a:rPr>
-              <a:t>HZ25-10-1-YYMMDDHH.pdf</a:t>
-            </a:r>
-          </a:p>
-          <a:p>
-            <a:r>
-              <a:rPr lang="zh-CN" altLang="en-US" dirty="0" smtClean="0">
+              <a:rPr lang="en-US" altLang="zh-CN" dirty="0">
                 <a:solidFill>
                   <a:srgbClr val="0070C0"/>
                 </a:solidFill>
-              </a:rPr>
-              <a:t>日期为北京时</a:t>
-            </a:r>
-            <a:endParaRPr lang="zh-CN" altLang="en-US" dirty="0">
+                <a:hlinkClick r:id="rId4" action="ppaction://hlinkfile"/>
+              </a:rPr>
+              <a:t>\\10.148.16.32\e\ssow\email\</a:t>
+            </a:r>
+            <a:endParaRPr lang="en-US" altLang="zh-CN" dirty="0">
               <a:solidFill>
                 <a:srgbClr val="0070C0"/>
               </a:solidFill>
             </a:endParaRPr>
+          </a:p>
+          <a:p>
+            <a:endParaRPr lang="en-US" altLang="zh-CN" dirty="0">
+              <a:solidFill>
+                <a:srgbClr val="0070C0"/>
+              </a:solidFill>
+            </a:endParaRPr>
+          </a:p>
+          <a:p>
+            <a:r>
+              <a:rPr lang="zh-CN" altLang="en-US" dirty="0">
+                <a:solidFill>
+                  <a:srgbClr val="0070C0"/>
+                </a:solidFill>
+              </a:rPr>
+              <a:t>文件名：</a:t>
+            </a:r>
+            <a:endParaRPr lang="en-US" altLang="zh-CN" dirty="0">
+              <a:solidFill>
+                <a:srgbClr val="0070C0"/>
+              </a:solidFill>
+            </a:endParaRPr>
+          </a:p>
+          <a:p>
+            <a:r>
+              <a:rPr lang="en-US" altLang="zh-CN" dirty="0">
+                <a:solidFill>
+                  <a:srgbClr val="C00000"/>
+                </a:solidFill>
+              </a:rPr>
+              <a:t>YJFD-nanpeng-hourly-YYMMDDHH.pdf</a:t>
+            </a:r>
+          </a:p>
+          <a:p>
+            <a:r>
+              <a:rPr lang="zh-CN" altLang="en-US" dirty="0">
+                <a:solidFill>
+                  <a:srgbClr val="0070C0"/>
+                </a:solidFill>
+              </a:rPr>
+              <a:t>日期为北京时</a:t>
+            </a:r>
           </a:p>
         </p:txBody>
       </p:sp>
@@ -5139,7 +4928,7 @@
         </p:blipFill>
         <p:spPr>
           <a:xfrm>
-            <a:off x="9870062" y="2474605"/>
+            <a:off x="10136762" y="2407930"/>
             <a:ext cx="1846742" cy="3608512"/>
           </a:xfrm>
           <a:prstGeom prst="rect">
@@ -5162,13 +4951,6 @@
   <p:clrMapOvr>
     <a:masterClrMapping/>
   </p:clrMapOvr>
-  <p:timing>
-    <p:tnLst>
-      <p:par>
-        <p:cTn id="1" dur="indefinite" restart="never" nodeType="tmRoot"/>
-      </p:par>
-    </p:tnLst>
-  </p:timing>
 </p:sld>
 </file>
 
@@ -5212,10 +4994,9 @@
           <a:lstStyle/>
           <a:p>
             <a:r>
-              <a:rPr lang="zh-CN" altLang="en-US" sz="3200" dirty="0" smtClean="0"/>
+              <a:rPr lang="zh-CN" altLang="en-US" sz="3200" dirty="0"/>
               <a:t>有其他问题联系韩浦城</a:t>
             </a:r>
-            <a:endParaRPr lang="zh-CN" altLang="en-US" sz="3200" dirty="0"/>
           </a:p>
         </p:txBody>
       </p:sp>
@@ -5242,26 +5023,26 @@
           <a:lstStyle/>
           <a:p>
             <a:r>
-              <a:rPr lang="zh-CN" altLang="en-US" sz="2000" dirty="0" smtClean="0"/>
+              <a:rPr lang="zh-CN" altLang="en-US" sz="2000" dirty="0"/>
               <a:t>保证挂载</a:t>
             </a:r>
             <a:r>
-              <a:rPr lang="en-US" altLang="zh-CN" sz="2000" dirty="0" smtClean="0"/>
+              <a:rPr lang="en-US" altLang="zh-CN" sz="2000" dirty="0"/>
               <a:t>2</a:t>
             </a:r>
             <a:r>
-              <a:rPr lang="zh-CN" altLang="en-US" sz="2000" dirty="0" smtClean="0"/>
+              <a:rPr lang="zh-CN" altLang="en-US" sz="2000" dirty="0"/>
               <a:t>个网络位置，挂载掉了请</a:t>
             </a:r>
             <a:r>
-              <a:rPr lang="zh-CN" altLang="en-US" sz="2000" dirty="0" smtClean="0">
+              <a:rPr lang="zh-CN" altLang="en-US" sz="2000" dirty="0">
                 <a:solidFill>
                   <a:srgbClr val="C00000"/>
                 </a:solidFill>
               </a:rPr>
               <a:t>“添加一个网络位置”</a:t>
             </a:r>
-            <a:endParaRPr lang="en-US" altLang="zh-CN" sz="2000" dirty="0" smtClean="0">
+            <a:endParaRPr lang="en-US" altLang="zh-CN" sz="2000" dirty="0">
               <a:solidFill>
                 <a:srgbClr val="C00000"/>
               </a:solidFill>
@@ -5269,22 +5050,17 @@
           </a:p>
           <a:p>
             <a:r>
-              <a:rPr lang="zh-CN" altLang="en-US" sz="2000" dirty="0" smtClean="0"/>
+              <a:rPr lang="zh-CN" altLang="en-US" sz="2000" dirty="0"/>
               <a:t>注意不是</a:t>
             </a:r>
             <a:r>
-              <a:rPr lang="zh-CN" altLang="en-US" sz="2000" strike="sngStrike" dirty="0" smtClean="0">
+              <a:rPr lang="zh-CN" altLang="en-US" sz="2000" strike="sngStrike" dirty="0">
                 <a:solidFill>
                   <a:srgbClr val="C00000"/>
                 </a:solidFill>
               </a:rPr>
               <a:t>映射网络驱动器</a:t>
             </a:r>
-            <a:endParaRPr lang="zh-CN" altLang="en-US" sz="2000" strike="sngStrike" dirty="0">
-              <a:solidFill>
-                <a:srgbClr val="C00000"/>
-              </a:solidFill>
-            </a:endParaRPr>
           </a:p>
         </p:txBody>
       </p:sp>
@@ -5335,13 +5111,8 @@
           <a:p>
             <a:r>
               <a:rPr lang="zh-CN" altLang="en-US" dirty="0"/>
-              <a:t>\\10.148.16.19</a:t>
-            </a:r>
-            <a:r>
-              <a:rPr lang="zh-CN" altLang="en-US" dirty="0" smtClean="0"/>
-              <a:t>\d\</a:t>
-            </a:r>
-            <a:endParaRPr lang="zh-CN" altLang="en-US" dirty="0"/>
+              <a:t>\\10.148.16.19\d\</a:t>
+            </a:r>
           </a:p>
         </p:txBody>
       </p:sp>
@@ -5367,27 +5138,23 @@
           <a:lstStyle/>
           <a:p>
             <a:r>
-              <a:rPr lang="zh-CN" altLang="en-US" dirty="0" smtClean="0"/>
+              <a:rPr lang="zh-CN" altLang="en-US" dirty="0"/>
               <a:t>账号</a:t>
             </a:r>
             <a:r>
-              <a:rPr lang="en-US" altLang="zh-CN" dirty="0" err="1" smtClean="0"/>
+              <a:rPr lang="en-US" altLang="zh-CN" dirty="0" err="1"/>
               <a:t>dq</a:t>
             </a:r>
             <a:r>
               <a:rPr lang="en-US" altLang="zh-CN" dirty="0"/>
-              <a:t> </a:t>
-            </a:r>
-            <a:r>
-              <a:rPr lang="en-US" altLang="zh-CN" dirty="0" smtClean="0"/>
-              <a:t> </a:t>
-            </a:r>
-            <a:r>
-              <a:rPr lang="zh-CN" altLang="en-US" dirty="0" smtClean="0"/>
+              <a:t>  </a:t>
+            </a:r>
+            <a:r>
+              <a:rPr lang="zh-CN" altLang="en-US" dirty="0"/>
               <a:t>密码</a:t>
             </a:r>
             <a:r>
-              <a:rPr lang="en-US" altLang="zh-CN" dirty="0" err="1" smtClean="0"/>
+              <a:rPr lang="en-US" altLang="zh-CN" dirty="0" err="1"/>
               <a:t>dqdq</a:t>
             </a:r>
             <a:endParaRPr lang="zh-CN" altLang="en-US" dirty="0"/>
@@ -5417,11 +5184,7 @@
           <a:p>
             <a:r>
               <a:rPr lang="en-US" altLang="zh-CN" dirty="0"/>
-              <a:t>\\</a:t>
-            </a:r>
-            <a:r>
-              <a:rPr lang="en-US" altLang="zh-CN" dirty="0" smtClean="0"/>
-              <a:t>10.148.16.32\e</a:t>
+              <a:t>\\10.148.16.32\e</a:t>
             </a:r>
             <a:endParaRPr lang="zh-CN" altLang="en-US" dirty="0"/>
           </a:p>
@@ -5461,13 +5224,6 @@
   <p:clrMapOvr>
     <a:masterClrMapping/>
   </p:clrMapOvr>
-  <p:timing>
-    <p:tnLst>
-      <p:par>
-        <p:cTn id="1" dur="indefinite" restart="never" nodeType="tmRoot"/>
-      </p:par>
-    </p:tnLst>
-  </p:timing>
 </p:sld>
 </file>
 

--- a/说明文档.pptx
+++ b/说明文档.pptx
@@ -166,7 +166,7 @@
           <p:cNvPr id="2" name="标题 1">
             <a:extLst>
               <a:ext uri="{FF2B5EF4-FFF2-40B4-BE49-F238E27FC236}">
-                <a16:creationId xmlns:a16="http://schemas.microsoft.com/office/drawing/2014/main" id="{53C949D3-9A08-4D6A-A138-C0DE0297650B}"/>
+                <a16:creationId xmlns:a16="http://schemas.microsoft.com/office/drawing/2014/main" xmlns="" id="{53C949D3-9A08-4D6A-A138-C0DE0297650B}"/>
               </a:ext>
             </a:extLst>
           </p:cNvPr>
@@ -203,7 +203,7 @@
           <p:cNvPr id="3" name="副标题 2">
             <a:extLst>
               <a:ext uri="{FF2B5EF4-FFF2-40B4-BE49-F238E27FC236}">
-                <a16:creationId xmlns:a16="http://schemas.microsoft.com/office/drawing/2014/main" id="{FEFF90A7-3607-4021-AF90-95A8127E2B7F}"/>
+                <a16:creationId xmlns:a16="http://schemas.microsoft.com/office/drawing/2014/main" xmlns="" id="{FEFF90A7-3607-4021-AF90-95A8127E2B7F}"/>
               </a:ext>
             </a:extLst>
           </p:cNvPr>
@@ -273,7 +273,7 @@
           <p:cNvPr id="4" name="日期占位符 3">
             <a:extLst>
               <a:ext uri="{FF2B5EF4-FFF2-40B4-BE49-F238E27FC236}">
-                <a16:creationId xmlns:a16="http://schemas.microsoft.com/office/drawing/2014/main" id="{FD1EE030-9041-4433-94D8-5664EA412B61}"/>
+                <a16:creationId xmlns:a16="http://schemas.microsoft.com/office/drawing/2014/main" xmlns="" id="{FD1EE030-9041-4433-94D8-5664EA412B61}"/>
               </a:ext>
             </a:extLst>
           </p:cNvPr>
@@ -302,7 +302,7 @@
           <p:cNvPr id="5" name="页脚占位符 4">
             <a:extLst>
               <a:ext uri="{FF2B5EF4-FFF2-40B4-BE49-F238E27FC236}">
-                <a16:creationId xmlns:a16="http://schemas.microsoft.com/office/drawing/2014/main" id="{53EB7311-BC53-46E6-9E30-697F0A7C6DA4}"/>
+                <a16:creationId xmlns:a16="http://schemas.microsoft.com/office/drawing/2014/main" xmlns="" id="{53EB7311-BC53-46E6-9E30-697F0A7C6DA4}"/>
               </a:ext>
             </a:extLst>
           </p:cNvPr>
@@ -327,7 +327,7 @@
           <p:cNvPr id="6" name="灯片编号占位符 5">
             <a:extLst>
               <a:ext uri="{FF2B5EF4-FFF2-40B4-BE49-F238E27FC236}">
-                <a16:creationId xmlns:a16="http://schemas.microsoft.com/office/drawing/2014/main" id="{98EB563E-05CC-464E-96F5-7364F66C8E25}"/>
+                <a16:creationId xmlns:a16="http://schemas.microsoft.com/office/drawing/2014/main" xmlns="" id="{98EB563E-05CC-464E-96F5-7364F66C8E25}"/>
               </a:ext>
             </a:extLst>
           </p:cNvPr>
@@ -386,7 +386,7 @@
           <p:cNvPr id="2" name="标题 1">
             <a:extLst>
               <a:ext uri="{FF2B5EF4-FFF2-40B4-BE49-F238E27FC236}">
-                <a16:creationId xmlns:a16="http://schemas.microsoft.com/office/drawing/2014/main" id="{52581FFF-7FA6-4440-A31D-44A04E174034}"/>
+                <a16:creationId xmlns:a16="http://schemas.microsoft.com/office/drawing/2014/main" xmlns="" id="{52581FFF-7FA6-4440-A31D-44A04E174034}"/>
               </a:ext>
             </a:extLst>
           </p:cNvPr>
@@ -414,7 +414,7 @@
           <p:cNvPr id="3" name="竖排文字占位符 2">
             <a:extLst>
               <a:ext uri="{FF2B5EF4-FFF2-40B4-BE49-F238E27FC236}">
-                <a16:creationId xmlns:a16="http://schemas.microsoft.com/office/drawing/2014/main" id="{DC8FFA98-746F-4FA2-A0B3-E57D58D2C731}"/>
+                <a16:creationId xmlns:a16="http://schemas.microsoft.com/office/drawing/2014/main" xmlns="" id="{DC8FFA98-746F-4FA2-A0B3-E57D58D2C731}"/>
               </a:ext>
             </a:extLst>
           </p:cNvPr>
@@ -471,7 +471,7 @@
           <p:cNvPr id="4" name="日期占位符 3">
             <a:extLst>
               <a:ext uri="{FF2B5EF4-FFF2-40B4-BE49-F238E27FC236}">
-                <a16:creationId xmlns:a16="http://schemas.microsoft.com/office/drawing/2014/main" id="{6DC6B6B1-071A-48F4-859C-5552417C8FB6}"/>
+                <a16:creationId xmlns:a16="http://schemas.microsoft.com/office/drawing/2014/main" xmlns="" id="{6DC6B6B1-071A-48F4-859C-5552417C8FB6}"/>
               </a:ext>
             </a:extLst>
           </p:cNvPr>
@@ -500,7 +500,7 @@
           <p:cNvPr id="5" name="页脚占位符 4">
             <a:extLst>
               <a:ext uri="{FF2B5EF4-FFF2-40B4-BE49-F238E27FC236}">
-                <a16:creationId xmlns:a16="http://schemas.microsoft.com/office/drawing/2014/main" id="{2ABCCD0B-1CED-491D-8231-612DB1E7A108}"/>
+                <a16:creationId xmlns:a16="http://schemas.microsoft.com/office/drawing/2014/main" xmlns="" id="{2ABCCD0B-1CED-491D-8231-612DB1E7A108}"/>
               </a:ext>
             </a:extLst>
           </p:cNvPr>
@@ -525,7 +525,7 @@
           <p:cNvPr id="6" name="灯片编号占位符 5">
             <a:extLst>
               <a:ext uri="{FF2B5EF4-FFF2-40B4-BE49-F238E27FC236}">
-                <a16:creationId xmlns:a16="http://schemas.microsoft.com/office/drawing/2014/main" id="{F47A2ABB-E7C4-4D42-B8DE-397D78141089}"/>
+                <a16:creationId xmlns:a16="http://schemas.microsoft.com/office/drawing/2014/main" xmlns="" id="{F47A2ABB-E7C4-4D42-B8DE-397D78141089}"/>
               </a:ext>
             </a:extLst>
           </p:cNvPr>
@@ -584,7 +584,7 @@
           <p:cNvPr id="2" name="竖排标题 1">
             <a:extLst>
               <a:ext uri="{FF2B5EF4-FFF2-40B4-BE49-F238E27FC236}">
-                <a16:creationId xmlns:a16="http://schemas.microsoft.com/office/drawing/2014/main" id="{212FD67C-C09A-4C33-A873-3999819AAA53}"/>
+                <a16:creationId xmlns:a16="http://schemas.microsoft.com/office/drawing/2014/main" xmlns="" id="{212FD67C-C09A-4C33-A873-3999819AAA53}"/>
               </a:ext>
             </a:extLst>
           </p:cNvPr>
@@ -617,7 +617,7 @@
           <p:cNvPr id="3" name="竖排文字占位符 2">
             <a:extLst>
               <a:ext uri="{FF2B5EF4-FFF2-40B4-BE49-F238E27FC236}">
-                <a16:creationId xmlns:a16="http://schemas.microsoft.com/office/drawing/2014/main" id="{62264A36-EEFB-4FFC-87BB-745BB661E961}"/>
+                <a16:creationId xmlns:a16="http://schemas.microsoft.com/office/drawing/2014/main" xmlns="" id="{62264A36-EEFB-4FFC-87BB-745BB661E961}"/>
               </a:ext>
             </a:extLst>
           </p:cNvPr>
@@ -679,7 +679,7 @@
           <p:cNvPr id="4" name="日期占位符 3">
             <a:extLst>
               <a:ext uri="{FF2B5EF4-FFF2-40B4-BE49-F238E27FC236}">
-                <a16:creationId xmlns:a16="http://schemas.microsoft.com/office/drawing/2014/main" id="{BC3BF732-4EF5-40B4-A9E0-68DC263C1CD5}"/>
+                <a16:creationId xmlns:a16="http://schemas.microsoft.com/office/drawing/2014/main" xmlns="" id="{BC3BF732-4EF5-40B4-A9E0-68DC263C1CD5}"/>
               </a:ext>
             </a:extLst>
           </p:cNvPr>
@@ -708,7 +708,7 @@
           <p:cNvPr id="5" name="页脚占位符 4">
             <a:extLst>
               <a:ext uri="{FF2B5EF4-FFF2-40B4-BE49-F238E27FC236}">
-                <a16:creationId xmlns:a16="http://schemas.microsoft.com/office/drawing/2014/main" id="{C4F624F7-3FB2-4FE4-BA4D-2BF429072EAB}"/>
+                <a16:creationId xmlns:a16="http://schemas.microsoft.com/office/drawing/2014/main" xmlns="" id="{C4F624F7-3FB2-4FE4-BA4D-2BF429072EAB}"/>
               </a:ext>
             </a:extLst>
           </p:cNvPr>
@@ -733,7 +733,7 @@
           <p:cNvPr id="6" name="灯片编号占位符 5">
             <a:extLst>
               <a:ext uri="{FF2B5EF4-FFF2-40B4-BE49-F238E27FC236}">
-                <a16:creationId xmlns:a16="http://schemas.microsoft.com/office/drawing/2014/main" id="{D11A64FA-F825-4ABF-BE94-FC8E223D4AE1}"/>
+                <a16:creationId xmlns:a16="http://schemas.microsoft.com/office/drawing/2014/main" xmlns="" id="{D11A64FA-F825-4ABF-BE94-FC8E223D4AE1}"/>
               </a:ext>
             </a:extLst>
           </p:cNvPr>
@@ -792,7 +792,7 @@
           <p:cNvPr id="2" name="标题 1">
             <a:extLst>
               <a:ext uri="{FF2B5EF4-FFF2-40B4-BE49-F238E27FC236}">
-                <a16:creationId xmlns:a16="http://schemas.microsoft.com/office/drawing/2014/main" id="{364DAE8F-431D-4001-A6F1-886DF9DE1F3D}"/>
+                <a16:creationId xmlns:a16="http://schemas.microsoft.com/office/drawing/2014/main" xmlns="" id="{364DAE8F-431D-4001-A6F1-886DF9DE1F3D}"/>
               </a:ext>
             </a:extLst>
           </p:cNvPr>
@@ -820,7 +820,7 @@
           <p:cNvPr id="3" name="内容占位符 2">
             <a:extLst>
               <a:ext uri="{FF2B5EF4-FFF2-40B4-BE49-F238E27FC236}">
-                <a16:creationId xmlns:a16="http://schemas.microsoft.com/office/drawing/2014/main" id="{620EEA25-38B7-43C3-A2AD-A37C5D600142}"/>
+                <a16:creationId xmlns:a16="http://schemas.microsoft.com/office/drawing/2014/main" xmlns="" id="{620EEA25-38B7-43C3-A2AD-A37C5D600142}"/>
               </a:ext>
             </a:extLst>
           </p:cNvPr>
@@ -877,7 +877,7 @@
           <p:cNvPr id="4" name="日期占位符 3">
             <a:extLst>
               <a:ext uri="{FF2B5EF4-FFF2-40B4-BE49-F238E27FC236}">
-                <a16:creationId xmlns:a16="http://schemas.microsoft.com/office/drawing/2014/main" id="{A53D684A-A8D0-4D13-ACF9-6E019AB53B85}"/>
+                <a16:creationId xmlns:a16="http://schemas.microsoft.com/office/drawing/2014/main" xmlns="" id="{A53D684A-A8D0-4D13-ACF9-6E019AB53B85}"/>
               </a:ext>
             </a:extLst>
           </p:cNvPr>
@@ -906,7 +906,7 @@
           <p:cNvPr id="5" name="页脚占位符 4">
             <a:extLst>
               <a:ext uri="{FF2B5EF4-FFF2-40B4-BE49-F238E27FC236}">
-                <a16:creationId xmlns:a16="http://schemas.microsoft.com/office/drawing/2014/main" id="{A5B0C251-D715-4477-907C-3396978058FC}"/>
+                <a16:creationId xmlns:a16="http://schemas.microsoft.com/office/drawing/2014/main" xmlns="" id="{A5B0C251-D715-4477-907C-3396978058FC}"/>
               </a:ext>
             </a:extLst>
           </p:cNvPr>
@@ -931,7 +931,7 @@
           <p:cNvPr id="6" name="灯片编号占位符 5">
             <a:extLst>
               <a:ext uri="{FF2B5EF4-FFF2-40B4-BE49-F238E27FC236}">
-                <a16:creationId xmlns:a16="http://schemas.microsoft.com/office/drawing/2014/main" id="{F5C86CA9-3450-4945-98A1-F9AC50342042}"/>
+                <a16:creationId xmlns:a16="http://schemas.microsoft.com/office/drawing/2014/main" xmlns="" id="{F5C86CA9-3450-4945-98A1-F9AC50342042}"/>
               </a:ext>
             </a:extLst>
           </p:cNvPr>
@@ -990,7 +990,7 @@
           <p:cNvPr id="2" name="标题 1">
             <a:extLst>
               <a:ext uri="{FF2B5EF4-FFF2-40B4-BE49-F238E27FC236}">
-                <a16:creationId xmlns:a16="http://schemas.microsoft.com/office/drawing/2014/main" id="{E51B38A9-08F6-405B-9222-AEE307D8B8D9}"/>
+                <a16:creationId xmlns:a16="http://schemas.microsoft.com/office/drawing/2014/main" xmlns="" id="{E51B38A9-08F6-405B-9222-AEE307D8B8D9}"/>
               </a:ext>
             </a:extLst>
           </p:cNvPr>
@@ -1027,7 +1027,7 @@
           <p:cNvPr id="3" name="文本占位符 2">
             <a:extLst>
               <a:ext uri="{FF2B5EF4-FFF2-40B4-BE49-F238E27FC236}">
-                <a16:creationId xmlns:a16="http://schemas.microsoft.com/office/drawing/2014/main" id="{0D1113A2-CDC1-4471-BC26-6CE647BEED4A}"/>
+                <a16:creationId xmlns:a16="http://schemas.microsoft.com/office/drawing/2014/main" xmlns="" id="{0D1113A2-CDC1-4471-BC26-6CE647BEED4A}"/>
               </a:ext>
             </a:extLst>
           </p:cNvPr>
@@ -1152,7 +1152,7 @@
           <p:cNvPr id="4" name="日期占位符 3">
             <a:extLst>
               <a:ext uri="{FF2B5EF4-FFF2-40B4-BE49-F238E27FC236}">
-                <a16:creationId xmlns:a16="http://schemas.microsoft.com/office/drawing/2014/main" id="{9C27651A-6611-4FA4-9C32-1E989BED4B22}"/>
+                <a16:creationId xmlns:a16="http://schemas.microsoft.com/office/drawing/2014/main" xmlns="" id="{9C27651A-6611-4FA4-9C32-1E989BED4B22}"/>
               </a:ext>
             </a:extLst>
           </p:cNvPr>
@@ -1181,7 +1181,7 @@
           <p:cNvPr id="5" name="页脚占位符 4">
             <a:extLst>
               <a:ext uri="{FF2B5EF4-FFF2-40B4-BE49-F238E27FC236}">
-                <a16:creationId xmlns:a16="http://schemas.microsoft.com/office/drawing/2014/main" id="{553201FB-0107-44A5-8676-9212B411CA04}"/>
+                <a16:creationId xmlns:a16="http://schemas.microsoft.com/office/drawing/2014/main" xmlns="" id="{553201FB-0107-44A5-8676-9212B411CA04}"/>
               </a:ext>
             </a:extLst>
           </p:cNvPr>
@@ -1206,7 +1206,7 @@
           <p:cNvPr id="6" name="灯片编号占位符 5">
             <a:extLst>
               <a:ext uri="{FF2B5EF4-FFF2-40B4-BE49-F238E27FC236}">
-                <a16:creationId xmlns:a16="http://schemas.microsoft.com/office/drawing/2014/main" id="{45E1ED79-A1C3-4483-978C-30293405E56E}"/>
+                <a16:creationId xmlns:a16="http://schemas.microsoft.com/office/drawing/2014/main" xmlns="" id="{45E1ED79-A1C3-4483-978C-30293405E56E}"/>
               </a:ext>
             </a:extLst>
           </p:cNvPr>
@@ -1265,7 +1265,7 @@
           <p:cNvPr id="2" name="标题 1">
             <a:extLst>
               <a:ext uri="{FF2B5EF4-FFF2-40B4-BE49-F238E27FC236}">
-                <a16:creationId xmlns:a16="http://schemas.microsoft.com/office/drawing/2014/main" id="{BAE0CFE3-F97C-454A-B181-6E9A2DA72CCB}"/>
+                <a16:creationId xmlns:a16="http://schemas.microsoft.com/office/drawing/2014/main" xmlns="" id="{BAE0CFE3-F97C-454A-B181-6E9A2DA72CCB}"/>
               </a:ext>
             </a:extLst>
           </p:cNvPr>
@@ -1293,7 +1293,7 @@
           <p:cNvPr id="3" name="内容占位符 2">
             <a:extLst>
               <a:ext uri="{FF2B5EF4-FFF2-40B4-BE49-F238E27FC236}">
-                <a16:creationId xmlns:a16="http://schemas.microsoft.com/office/drawing/2014/main" id="{91EA1ACE-0388-4BA9-A3E1-53F86DF1CFFD}"/>
+                <a16:creationId xmlns:a16="http://schemas.microsoft.com/office/drawing/2014/main" xmlns="" id="{91EA1ACE-0388-4BA9-A3E1-53F86DF1CFFD}"/>
               </a:ext>
             </a:extLst>
           </p:cNvPr>
@@ -1355,7 +1355,7 @@
           <p:cNvPr id="4" name="内容占位符 3">
             <a:extLst>
               <a:ext uri="{FF2B5EF4-FFF2-40B4-BE49-F238E27FC236}">
-                <a16:creationId xmlns:a16="http://schemas.microsoft.com/office/drawing/2014/main" id="{8616BA6C-419A-4A19-A49C-CC03D2787731}"/>
+                <a16:creationId xmlns:a16="http://schemas.microsoft.com/office/drawing/2014/main" xmlns="" id="{8616BA6C-419A-4A19-A49C-CC03D2787731}"/>
               </a:ext>
             </a:extLst>
           </p:cNvPr>
@@ -1417,7 +1417,7 @@
           <p:cNvPr id="5" name="日期占位符 4">
             <a:extLst>
               <a:ext uri="{FF2B5EF4-FFF2-40B4-BE49-F238E27FC236}">
-                <a16:creationId xmlns:a16="http://schemas.microsoft.com/office/drawing/2014/main" id="{37F8F3A7-A1E8-4388-929A-880F8C0EB300}"/>
+                <a16:creationId xmlns:a16="http://schemas.microsoft.com/office/drawing/2014/main" xmlns="" id="{37F8F3A7-A1E8-4388-929A-880F8C0EB300}"/>
               </a:ext>
             </a:extLst>
           </p:cNvPr>
@@ -1446,7 +1446,7 @@
           <p:cNvPr id="6" name="页脚占位符 5">
             <a:extLst>
               <a:ext uri="{FF2B5EF4-FFF2-40B4-BE49-F238E27FC236}">
-                <a16:creationId xmlns:a16="http://schemas.microsoft.com/office/drawing/2014/main" id="{6D9B6D76-C08B-4E75-BD9D-F748A245E465}"/>
+                <a16:creationId xmlns:a16="http://schemas.microsoft.com/office/drawing/2014/main" xmlns="" id="{6D9B6D76-C08B-4E75-BD9D-F748A245E465}"/>
               </a:ext>
             </a:extLst>
           </p:cNvPr>
@@ -1471,7 +1471,7 @@
           <p:cNvPr id="7" name="灯片编号占位符 6">
             <a:extLst>
               <a:ext uri="{FF2B5EF4-FFF2-40B4-BE49-F238E27FC236}">
-                <a16:creationId xmlns:a16="http://schemas.microsoft.com/office/drawing/2014/main" id="{FAEC4110-D0B5-4C23-BD35-45F55247E790}"/>
+                <a16:creationId xmlns:a16="http://schemas.microsoft.com/office/drawing/2014/main" xmlns="" id="{FAEC4110-D0B5-4C23-BD35-45F55247E790}"/>
               </a:ext>
             </a:extLst>
           </p:cNvPr>
@@ -1530,7 +1530,7 @@
           <p:cNvPr id="2" name="标题 1">
             <a:extLst>
               <a:ext uri="{FF2B5EF4-FFF2-40B4-BE49-F238E27FC236}">
-                <a16:creationId xmlns:a16="http://schemas.microsoft.com/office/drawing/2014/main" id="{CD578F75-B7FA-4C2C-84F3-AB90CE916B05}"/>
+                <a16:creationId xmlns:a16="http://schemas.microsoft.com/office/drawing/2014/main" xmlns="" id="{CD578F75-B7FA-4C2C-84F3-AB90CE916B05}"/>
               </a:ext>
             </a:extLst>
           </p:cNvPr>
@@ -1563,7 +1563,7 @@
           <p:cNvPr id="3" name="文本占位符 2">
             <a:extLst>
               <a:ext uri="{FF2B5EF4-FFF2-40B4-BE49-F238E27FC236}">
-                <a16:creationId xmlns:a16="http://schemas.microsoft.com/office/drawing/2014/main" id="{4ED433CE-E68C-4D60-BAB1-0899164B2DBA}"/>
+                <a16:creationId xmlns:a16="http://schemas.microsoft.com/office/drawing/2014/main" xmlns="" id="{4ED433CE-E68C-4D60-BAB1-0899164B2DBA}"/>
               </a:ext>
             </a:extLst>
           </p:cNvPr>
@@ -1634,7 +1634,7 @@
           <p:cNvPr id="4" name="内容占位符 3">
             <a:extLst>
               <a:ext uri="{FF2B5EF4-FFF2-40B4-BE49-F238E27FC236}">
-                <a16:creationId xmlns:a16="http://schemas.microsoft.com/office/drawing/2014/main" id="{CB1822DC-BCA1-4455-B5D2-0F630136687E}"/>
+                <a16:creationId xmlns:a16="http://schemas.microsoft.com/office/drawing/2014/main" xmlns="" id="{CB1822DC-BCA1-4455-B5D2-0F630136687E}"/>
               </a:ext>
             </a:extLst>
           </p:cNvPr>
@@ -1696,7 +1696,7 @@
           <p:cNvPr id="5" name="文本占位符 4">
             <a:extLst>
               <a:ext uri="{FF2B5EF4-FFF2-40B4-BE49-F238E27FC236}">
-                <a16:creationId xmlns:a16="http://schemas.microsoft.com/office/drawing/2014/main" id="{187923DF-3644-441C-AE1B-6CA8C4865EF2}"/>
+                <a16:creationId xmlns:a16="http://schemas.microsoft.com/office/drawing/2014/main" xmlns="" id="{187923DF-3644-441C-AE1B-6CA8C4865EF2}"/>
               </a:ext>
             </a:extLst>
           </p:cNvPr>
@@ -1767,7 +1767,7 @@
           <p:cNvPr id="6" name="内容占位符 5">
             <a:extLst>
               <a:ext uri="{FF2B5EF4-FFF2-40B4-BE49-F238E27FC236}">
-                <a16:creationId xmlns:a16="http://schemas.microsoft.com/office/drawing/2014/main" id="{C1A8394F-DDCF-43BF-BE51-BB19CDC599B3}"/>
+                <a16:creationId xmlns:a16="http://schemas.microsoft.com/office/drawing/2014/main" xmlns="" id="{C1A8394F-DDCF-43BF-BE51-BB19CDC599B3}"/>
               </a:ext>
             </a:extLst>
           </p:cNvPr>
@@ -1829,7 +1829,7 @@
           <p:cNvPr id="7" name="日期占位符 6">
             <a:extLst>
               <a:ext uri="{FF2B5EF4-FFF2-40B4-BE49-F238E27FC236}">
-                <a16:creationId xmlns:a16="http://schemas.microsoft.com/office/drawing/2014/main" id="{019A26E8-60F1-4E09-AAEA-84719361E922}"/>
+                <a16:creationId xmlns:a16="http://schemas.microsoft.com/office/drawing/2014/main" xmlns="" id="{019A26E8-60F1-4E09-AAEA-84719361E922}"/>
               </a:ext>
             </a:extLst>
           </p:cNvPr>
@@ -1858,7 +1858,7 @@
           <p:cNvPr id="8" name="页脚占位符 7">
             <a:extLst>
               <a:ext uri="{FF2B5EF4-FFF2-40B4-BE49-F238E27FC236}">
-                <a16:creationId xmlns:a16="http://schemas.microsoft.com/office/drawing/2014/main" id="{5B5914DC-D3B3-4AE0-8A42-3BC56863F3FD}"/>
+                <a16:creationId xmlns:a16="http://schemas.microsoft.com/office/drawing/2014/main" xmlns="" id="{5B5914DC-D3B3-4AE0-8A42-3BC56863F3FD}"/>
               </a:ext>
             </a:extLst>
           </p:cNvPr>
@@ -1883,7 +1883,7 @@
           <p:cNvPr id="9" name="灯片编号占位符 8">
             <a:extLst>
               <a:ext uri="{FF2B5EF4-FFF2-40B4-BE49-F238E27FC236}">
-                <a16:creationId xmlns:a16="http://schemas.microsoft.com/office/drawing/2014/main" id="{F15D700E-9C64-46F0-9B20-6553559B9C85}"/>
+                <a16:creationId xmlns:a16="http://schemas.microsoft.com/office/drawing/2014/main" xmlns="" id="{F15D700E-9C64-46F0-9B20-6553559B9C85}"/>
               </a:ext>
             </a:extLst>
           </p:cNvPr>
@@ -1942,7 +1942,7 @@
           <p:cNvPr id="2" name="标题 1">
             <a:extLst>
               <a:ext uri="{FF2B5EF4-FFF2-40B4-BE49-F238E27FC236}">
-                <a16:creationId xmlns:a16="http://schemas.microsoft.com/office/drawing/2014/main" id="{B3F56557-8AF2-4C9D-B29B-F455936CB52F}"/>
+                <a16:creationId xmlns:a16="http://schemas.microsoft.com/office/drawing/2014/main" xmlns="" id="{B3F56557-8AF2-4C9D-B29B-F455936CB52F}"/>
               </a:ext>
             </a:extLst>
           </p:cNvPr>
@@ -1970,7 +1970,7 @@
           <p:cNvPr id="3" name="日期占位符 2">
             <a:extLst>
               <a:ext uri="{FF2B5EF4-FFF2-40B4-BE49-F238E27FC236}">
-                <a16:creationId xmlns:a16="http://schemas.microsoft.com/office/drawing/2014/main" id="{A75C5354-4A78-411D-B181-C4E951CAC3BC}"/>
+                <a16:creationId xmlns:a16="http://schemas.microsoft.com/office/drawing/2014/main" xmlns="" id="{A75C5354-4A78-411D-B181-C4E951CAC3BC}"/>
               </a:ext>
             </a:extLst>
           </p:cNvPr>
@@ -1999,7 +1999,7 @@
           <p:cNvPr id="4" name="页脚占位符 3">
             <a:extLst>
               <a:ext uri="{FF2B5EF4-FFF2-40B4-BE49-F238E27FC236}">
-                <a16:creationId xmlns:a16="http://schemas.microsoft.com/office/drawing/2014/main" id="{422E66F9-F773-43AF-A11B-4E7CBD02F278}"/>
+                <a16:creationId xmlns:a16="http://schemas.microsoft.com/office/drawing/2014/main" xmlns="" id="{422E66F9-F773-43AF-A11B-4E7CBD02F278}"/>
               </a:ext>
             </a:extLst>
           </p:cNvPr>
@@ -2024,7 +2024,7 @@
           <p:cNvPr id="5" name="灯片编号占位符 4">
             <a:extLst>
               <a:ext uri="{FF2B5EF4-FFF2-40B4-BE49-F238E27FC236}">
-                <a16:creationId xmlns:a16="http://schemas.microsoft.com/office/drawing/2014/main" id="{532A3341-7D12-47AF-9F38-007E36119F82}"/>
+                <a16:creationId xmlns:a16="http://schemas.microsoft.com/office/drawing/2014/main" xmlns="" id="{532A3341-7D12-47AF-9F38-007E36119F82}"/>
               </a:ext>
             </a:extLst>
           </p:cNvPr>
@@ -2083,7 +2083,7 @@
           <p:cNvPr id="2" name="日期占位符 1">
             <a:extLst>
               <a:ext uri="{FF2B5EF4-FFF2-40B4-BE49-F238E27FC236}">
-                <a16:creationId xmlns:a16="http://schemas.microsoft.com/office/drawing/2014/main" id="{90A4B74C-4F5F-4559-9631-C68C736C9524}"/>
+                <a16:creationId xmlns:a16="http://schemas.microsoft.com/office/drawing/2014/main" xmlns="" id="{90A4B74C-4F5F-4559-9631-C68C736C9524}"/>
               </a:ext>
             </a:extLst>
           </p:cNvPr>
@@ -2112,7 +2112,7 @@
           <p:cNvPr id="3" name="页脚占位符 2">
             <a:extLst>
               <a:ext uri="{FF2B5EF4-FFF2-40B4-BE49-F238E27FC236}">
-                <a16:creationId xmlns:a16="http://schemas.microsoft.com/office/drawing/2014/main" id="{5EC9297A-492A-4A89-BD1F-273B951E733D}"/>
+                <a16:creationId xmlns:a16="http://schemas.microsoft.com/office/drawing/2014/main" xmlns="" id="{5EC9297A-492A-4A89-BD1F-273B951E733D}"/>
               </a:ext>
             </a:extLst>
           </p:cNvPr>
@@ -2137,7 +2137,7 @@
           <p:cNvPr id="4" name="灯片编号占位符 3">
             <a:extLst>
               <a:ext uri="{FF2B5EF4-FFF2-40B4-BE49-F238E27FC236}">
-                <a16:creationId xmlns:a16="http://schemas.microsoft.com/office/drawing/2014/main" id="{A604EAF8-A77E-4D91-A7F9-DE0147BCC49F}"/>
+                <a16:creationId xmlns:a16="http://schemas.microsoft.com/office/drawing/2014/main" xmlns="" id="{A604EAF8-A77E-4D91-A7F9-DE0147BCC49F}"/>
               </a:ext>
             </a:extLst>
           </p:cNvPr>
@@ -2196,7 +2196,7 @@
           <p:cNvPr id="2" name="标题 1">
             <a:extLst>
               <a:ext uri="{FF2B5EF4-FFF2-40B4-BE49-F238E27FC236}">
-                <a16:creationId xmlns:a16="http://schemas.microsoft.com/office/drawing/2014/main" id="{BC9AB639-F08C-49D6-8C00-8E4304010CDF}"/>
+                <a16:creationId xmlns:a16="http://schemas.microsoft.com/office/drawing/2014/main" xmlns="" id="{BC9AB639-F08C-49D6-8C00-8E4304010CDF}"/>
               </a:ext>
             </a:extLst>
           </p:cNvPr>
@@ -2233,7 +2233,7 @@
           <p:cNvPr id="3" name="内容占位符 2">
             <a:extLst>
               <a:ext uri="{FF2B5EF4-FFF2-40B4-BE49-F238E27FC236}">
-                <a16:creationId xmlns:a16="http://schemas.microsoft.com/office/drawing/2014/main" id="{F38B3E49-AA1B-4DDE-A269-1C994E4D4939}"/>
+                <a16:creationId xmlns:a16="http://schemas.microsoft.com/office/drawing/2014/main" xmlns="" id="{F38B3E49-AA1B-4DDE-A269-1C994E4D4939}"/>
               </a:ext>
             </a:extLst>
           </p:cNvPr>
@@ -2323,7 +2323,7 @@
           <p:cNvPr id="4" name="文本占位符 3">
             <a:extLst>
               <a:ext uri="{FF2B5EF4-FFF2-40B4-BE49-F238E27FC236}">
-                <a16:creationId xmlns:a16="http://schemas.microsoft.com/office/drawing/2014/main" id="{2885907F-0784-4958-93D7-D83064AA3402}"/>
+                <a16:creationId xmlns:a16="http://schemas.microsoft.com/office/drawing/2014/main" xmlns="" id="{2885907F-0784-4958-93D7-D83064AA3402}"/>
               </a:ext>
             </a:extLst>
           </p:cNvPr>
@@ -2394,7 +2394,7 @@
           <p:cNvPr id="5" name="日期占位符 4">
             <a:extLst>
               <a:ext uri="{FF2B5EF4-FFF2-40B4-BE49-F238E27FC236}">
-                <a16:creationId xmlns:a16="http://schemas.microsoft.com/office/drawing/2014/main" id="{6A375E42-3538-4318-BA6A-DC057B30BC0F}"/>
+                <a16:creationId xmlns:a16="http://schemas.microsoft.com/office/drawing/2014/main" xmlns="" id="{6A375E42-3538-4318-BA6A-DC057B30BC0F}"/>
               </a:ext>
             </a:extLst>
           </p:cNvPr>
@@ -2423,7 +2423,7 @@
           <p:cNvPr id="6" name="页脚占位符 5">
             <a:extLst>
               <a:ext uri="{FF2B5EF4-FFF2-40B4-BE49-F238E27FC236}">
-                <a16:creationId xmlns:a16="http://schemas.microsoft.com/office/drawing/2014/main" id="{64C0B755-ADAE-47E7-BC7F-8B843F860A59}"/>
+                <a16:creationId xmlns:a16="http://schemas.microsoft.com/office/drawing/2014/main" xmlns="" id="{64C0B755-ADAE-47E7-BC7F-8B843F860A59}"/>
               </a:ext>
             </a:extLst>
           </p:cNvPr>
@@ -2448,7 +2448,7 @@
           <p:cNvPr id="7" name="灯片编号占位符 6">
             <a:extLst>
               <a:ext uri="{FF2B5EF4-FFF2-40B4-BE49-F238E27FC236}">
-                <a16:creationId xmlns:a16="http://schemas.microsoft.com/office/drawing/2014/main" id="{76F10171-EFAC-44C2-8D0E-DA56D21AE729}"/>
+                <a16:creationId xmlns:a16="http://schemas.microsoft.com/office/drawing/2014/main" xmlns="" id="{76F10171-EFAC-44C2-8D0E-DA56D21AE729}"/>
               </a:ext>
             </a:extLst>
           </p:cNvPr>
@@ -2507,7 +2507,7 @@
           <p:cNvPr id="2" name="标题 1">
             <a:extLst>
               <a:ext uri="{FF2B5EF4-FFF2-40B4-BE49-F238E27FC236}">
-                <a16:creationId xmlns:a16="http://schemas.microsoft.com/office/drawing/2014/main" id="{237693E4-33C8-4A32-8092-7245B9F74212}"/>
+                <a16:creationId xmlns:a16="http://schemas.microsoft.com/office/drawing/2014/main" xmlns="" id="{237693E4-33C8-4A32-8092-7245B9F74212}"/>
               </a:ext>
             </a:extLst>
           </p:cNvPr>
@@ -2544,7 +2544,7 @@
           <p:cNvPr id="3" name="图片占位符 2">
             <a:extLst>
               <a:ext uri="{FF2B5EF4-FFF2-40B4-BE49-F238E27FC236}">
-                <a16:creationId xmlns:a16="http://schemas.microsoft.com/office/drawing/2014/main" id="{F3D18D0E-8162-4201-BA12-E35A009A7D40}"/>
+                <a16:creationId xmlns:a16="http://schemas.microsoft.com/office/drawing/2014/main" xmlns="" id="{F3D18D0E-8162-4201-BA12-E35A009A7D40}"/>
               </a:ext>
             </a:extLst>
           </p:cNvPr>
@@ -2611,7 +2611,7 @@
           <p:cNvPr id="4" name="文本占位符 3">
             <a:extLst>
               <a:ext uri="{FF2B5EF4-FFF2-40B4-BE49-F238E27FC236}">
-                <a16:creationId xmlns:a16="http://schemas.microsoft.com/office/drawing/2014/main" id="{76276873-F2BC-4F38-86C0-8AC9E1F8AE04}"/>
+                <a16:creationId xmlns:a16="http://schemas.microsoft.com/office/drawing/2014/main" xmlns="" id="{76276873-F2BC-4F38-86C0-8AC9E1F8AE04}"/>
               </a:ext>
             </a:extLst>
           </p:cNvPr>
@@ -2682,7 +2682,7 @@
           <p:cNvPr id="5" name="日期占位符 4">
             <a:extLst>
               <a:ext uri="{FF2B5EF4-FFF2-40B4-BE49-F238E27FC236}">
-                <a16:creationId xmlns:a16="http://schemas.microsoft.com/office/drawing/2014/main" id="{38E497AE-7F2C-4325-B749-A53161561A91}"/>
+                <a16:creationId xmlns:a16="http://schemas.microsoft.com/office/drawing/2014/main" xmlns="" id="{38E497AE-7F2C-4325-B749-A53161561A91}"/>
               </a:ext>
             </a:extLst>
           </p:cNvPr>
@@ -2711,7 +2711,7 @@
           <p:cNvPr id="6" name="页脚占位符 5">
             <a:extLst>
               <a:ext uri="{FF2B5EF4-FFF2-40B4-BE49-F238E27FC236}">
-                <a16:creationId xmlns:a16="http://schemas.microsoft.com/office/drawing/2014/main" id="{608A3E07-25D5-47DC-ADE6-A8B06D5B8F2B}"/>
+                <a16:creationId xmlns:a16="http://schemas.microsoft.com/office/drawing/2014/main" xmlns="" id="{608A3E07-25D5-47DC-ADE6-A8B06D5B8F2B}"/>
               </a:ext>
             </a:extLst>
           </p:cNvPr>
@@ -2736,7 +2736,7 @@
           <p:cNvPr id="7" name="灯片编号占位符 6">
             <a:extLst>
               <a:ext uri="{FF2B5EF4-FFF2-40B4-BE49-F238E27FC236}">
-                <a16:creationId xmlns:a16="http://schemas.microsoft.com/office/drawing/2014/main" id="{2BFBCA8A-AF4D-4E11-930E-40FFCD2EE376}"/>
+                <a16:creationId xmlns:a16="http://schemas.microsoft.com/office/drawing/2014/main" xmlns="" id="{2BFBCA8A-AF4D-4E11-930E-40FFCD2EE376}"/>
               </a:ext>
             </a:extLst>
           </p:cNvPr>
@@ -2800,7 +2800,7 @@
           <p:cNvPr id="2" name="标题占位符 1">
             <a:extLst>
               <a:ext uri="{FF2B5EF4-FFF2-40B4-BE49-F238E27FC236}">
-                <a16:creationId xmlns:a16="http://schemas.microsoft.com/office/drawing/2014/main" id="{75E532A0-53ED-4BA0-AC5C-CFB10FA79667}"/>
+                <a16:creationId xmlns:a16="http://schemas.microsoft.com/office/drawing/2014/main" xmlns="" id="{75E532A0-53ED-4BA0-AC5C-CFB10FA79667}"/>
               </a:ext>
             </a:extLst>
           </p:cNvPr>
@@ -2838,7 +2838,7 @@
           <p:cNvPr id="3" name="文本占位符 2">
             <a:extLst>
               <a:ext uri="{FF2B5EF4-FFF2-40B4-BE49-F238E27FC236}">
-                <a16:creationId xmlns:a16="http://schemas.microsoft.com/office/drawing/2014/main" id="{43E5CC6E-0646-4BF3-ABDF-4C304580B19D}"/>
+                <a16:creationId xmlns:a16="http://schemas.microsoft.com/office/drawing/2014/main" xmlns="" id="{43E5CC6E-0646-4BF3-ABDF-4C304580B19D}"/>
               </a:ext>
             </a:extLst>
           </p:cNvPr>
@@ -2905,7 +2905,7 @@
           <p:cNvPr id="4" name="日期占位符 3">
             <a:extLst>
               <a:ext uri="{FF2B5EF4-FFF2-40B4-BE49-F238E27FC236}">
-                <a16:creationId xmlns:a16="http://schemas.microsoft.com/office/drawing/2014/main" id="{9034BB4A-C33A-47F4-95BF-2406CCA98EE1}"/>
+                <a16:creationId xmlns:a16="http://schemas.microsoft.com/office/drawing/2014/main" xmlns="" id="{9034BB4A-C33A-47F4-95BF-2406CCA98EE1}"/>
               </a:ext>
             </a:extLst>
           </p:cNvPr>
@@ -2952,7 +2952,7 @@
           <p:cNvPr id="5" name="页脚占位符 4">
             <a:extLst>
               <a:ext uri="{FF2B5EF4-FFF2-40B4-BE49-F238E27FC236}">
-                <a16:creationId xmlns:a16="http://schemas.microsoft.com/office/drawing/2014/main" id="{C3487536-5743-446E-91DE-F265AC329AF9}"/>
+                <a16:creationId xmlns:a16="http://schemas.microsoft.com/office/drawing/2014/main" xmlns="" id="{C3487536-5743-446E-91DE-F265AC329AF9}"/>
               </a:ext>
             </a:extLst>
           </p:cNvPr>
@@ -2995,7 +2995,7 @@
           <p:cNvPr id="6" name="灯片编号占位符 5">
             <a:extLst>
               <a:ext uri="{FF2B5EF4-FFF2-40B4-BE49-F238E27FC236}">
-                <a16:creationId xmlns:a16="http://schemas.microsoft.com/office/drawing/2014/main" id="{7F500C76-0052-4C4D-A485-5B3ED41BB456}"/>
+                <a16:creationId xmlns:a16="http://schemas.microsoft.com/office/drawing/2014/main" xmlns="" id="{7F500C76-0052-4C4D-A485-5B3ED41BB456}"/>
               </a:ext>
             </a:extLst>
           </p:cNvPr>
@@ -3497,7 +3497,7 @@
         <p:spPr>
           <a:xfrm>
             <a:off x="466999" y="253922"/>
-            <a:ext cx="6946132" cy="646331"/>
+            <a:ext cx="8100294" cy="646331"/>
           </a:xfrm>
           <a:prstGeom prst="rect">
             <a:avLst/>
@@ -3519,7 +3519,15 @@
                   <a:srgbClr val="C00000"/>
                 </a:solidFill>
               </a:rPr>
-              <a:t>启动桌面上</a:t>
+              <a:t>启动桌面</a:t>
+            </a:r>
+            <a:r>
+              <a:rPr lang="zh-CN" altLang="en-US" dirty="0" smtClean="0">
+                <a:solidFill>
+                  <a:srgbClr val="C00000"/>
+                </a:solidFill>
+              </a:rPr>
+              <a:t>上</a:t>
             </a:r>
             <a:r>
               <a:rPr lang="zh-CN" altLang="en-US" dirty="0">
@@ -3527,7 +3535,7 @@
                   <a:srgbClr val="0070C0"/>
                 </a:solidFill>
               </a:rPr>
-              <a:t>启动平台预报后端</a:t>
+              <a:t>启动阳江风电逐小时预报后端</a:t>
             </a:r>
             <a:r>
               <a:rPr lang="en-US" altLang="zh-CN" dirty="0">
@@ -3538,12 +3546,20 @@
               <a:t>.bat</a:t>
             </a:r>
             <a:r>
+              <a:rPr lang="zh-CN" altLang="en-US" dirty="0" smtClean="0">
+                <a:solidFill>
+                  <a:srgbClr val="C00000"/>
+                </a:solidFill>
+              </a:rPr>
+              <a:t>文件</a:t>
+            </a:r>
+            <a:r>
               <a:rPr lang="zh-CN" altLang="en-US" dirty="0">
                 <a:solidFill>
                   <a:srgbClr val="C00000"/>
                 </a:solidFill>
               </a:rPr>
-              <a:t>文件，会出现两个</a:t>
+              <a:t>，会出现两个</a:t>
             </a:r>
             <a:r>
               <a:rPr lang="en-US" altLang="zh-CN" dirty="0">
@@ -3666,7 +3682,7 @@
         <p:spPr>
           <a:xfrm>
             <a:off x="0" y="324351"/>
-            <a:ext cx="7313220" cy="1200329"/>
+            <a:ext cx="7766870" cy="1200329"/>
           </a:xfrm>
           <a:prstGeom prst="rect">
             <a:avLst/>
@@ -3693,7 +3709,15 @@
                   <a:srgbClr val="C00000"/>
                 </a:solidFill>
               </a:rPr>
-              <a:t>启动桌面上</a:t>
+              <a:t>启动桌面</a:t>
+            </a:r>
+            <a:r>
+              <a:rPr lang="zh-CN" altLang="en-US" dirty="0" smtClean="0">
+                <a:solidFill>
+                  <a:srgbClr val="C00000"/>
+                </a:solidFill>
+              </a:rPr>
+              <a:t>上</a:t>
             </a:r>
             <a:r>
               <a:rPr lang="zh-CN" altLang="en-US" dirty="0">
@@ -3701,15 +3725,55 @@
                   <a:srgbClr val="0070C0"/>
                 </a:solidFill>
               </a:rPr>
-              <a:t>读取数据和生成</a:t>
+              <a:t>生成阳江风电南鹏岛</a:t>
+            </a:r>
+            <a:r>
+              <a:rPr lang="zh-CN" altLang="en-US" dirty="0" smtClean="0">
+                <a:solidFill>
+                  <a:srgbClr val="0070C0"/>
+                </a:solidFill>
+              </a:rPr>
+              <a:t>预报</a:t>
+            </a:r>
+            <a:r>
+              <a:rPr lang="en-US" altLang="zh-CN" dirty="0" smtClean="0">
+                <a:solidFill>
+                  <a:srgbClr val="0070C0"/>
+                </a:solidFill>
+              </a:rPr>
+              <a:t>.bat</a:t>
+            </a:r>
+            <a:r>
+              <a:rPr lang="zh-CN" altLang="en-US" dirty="0" smtClean="0">
+                <a:solidFill>
+                  <a:srgbClr val="C00000"/>
+                </a:solidFill>
+              </a:rPr>
+              <a:t>文件</a:t>
+            </a:r>
+            <a:r>
+              <a:rPr lang="zh-CN" altLang="en-US" dirty="0">
+                <a:solidFill>
+                  <a:srgbClr val="C00000"/>
+                </a:solidFill>
+              </a:rPr>
+              <a:t>，此过程大概需要</a:t>
             </a:r>
             <a:r>
               <a:rPr lang="en-US" altLang="zh-CN" dirty="0">
                 <a:solidFill>
-                  <a:srgbClr val="0070C0"/>
-                </a:solidFill>
-              </a:rPr>
-              <a:t>PDF.bat</a:t>
+                  <a:srgbClr val="C00000"/>
+                </a:solidFill>
+              </a:rPr>
+              <a:t>1</a:t>
+            </a:r>
+            <a:r>
+              <a:rPr lang="zh-CN" altLang="en-US" dirty="0" smtClean="0">
+                <a:solidFill>
+                  <a:srgbClr val="C00000"/>
+                </a:solidFill>
+              </a:rPr>
+              <a:t>分钟</a:t>
             </a:r>
             <a:r>
               <a:rPr lang="zh-CN" altLang="en-US" dirty="0">
@@ -3717,23 +3781,7 @@
                   <a:srgbClr val="C00000"/>
                 </a:solidFill>
               </a:rPr>
-              <a:t>文件，此过程大概需要</a:t>
-            </a:r>
-            <a:r>
-              <a:rPr lang="en-US" altLang="zh-CN" dirty="0">
-                <a:solidFill>
-                  <a:srgbClr val="C00000"/>
-                </a:solidFill>
-              </a:rPr>
-              <a:t>1</a:t>
-            </a:r>
-            <a:r>
-              <a:rPr lang="zh-CN" altLang="en-US" dirty="0">
-                <a:solidFill>
-                  <a:srgbClr val="C00000"/>
-                </a:solidFill>
-              </a:rPr>
-              <a:t>分多钟。</a:t>
+              <a:t>。</a:t>
             </a:r>
             <a:endParaRPr lang="en-US" altLang="zh-CN" dirty="0">
               <a:solidFill>

--- a/说明文档.pptx
+++ b/说明文档.pptx
@@ -5,11 +5,13 @@
     <p:sldMasterId id="2147483648" r:id="rId1"/>
   </p:sldMasterIdLst>
   <p:sldIdLst>
-    <p:sldId id="256" r:id="rId2"/>
-    <p:sldId id="261" r:id="rId3"/>
-    <p:sldId id="262" r:id="rId4"/>
-    <p:sldId id="257" r:id="rId5"/>
+    <p:sldId id="262" r:id="rId2"/>
+    <p:sldId id="264" r:id="rId3"/>
+    <p:sldId id="256" r:id="rId4"/>
+    <p:sldId id="261" r:id="rId5"/>
     <p:sldId id="258" r:id="rId6"/>
+    <p:sldId id="257" r:id="rId7"/>
+    <p:sldId id="263" r:id="rId8"/>
   </p:sldIdLst>
   <p:sldSz cx="12192000" cy="6858000"/>
   <p:notesSz cx="6858000" cy="9144000"/>
@@ -111,17 +113,27 @@
   <p:extLst>
     <p:ext uri="{521415D9-36F7-43E2-AB2F-B90AF26B5E84}">
       <p14:sectionLst xmlns:p14="http://schemas.microsoft.com/office/powerpoint/2010/main">
-        <p14:section name="默认节" id="{748E98E0-034B-4531-B5E9-2F6C758D12F3}">
+        <p14:section name="调整数据" id="{748E98E0-034B-4531-B5E9-2F6C758D12F3}">
+          <p14:sldIdLst>
+            <p14:sldId id="262"/>
+            <p14:sldId id="264"/>
+          </p14:sldIdLst>
+        </p14:section>
+        <p14:section name="远程网址无法打开" id="{3585DE0B-0C5E-4BE6-A8B1-34C0F3BAFFF0}">
           <p14:sldIdLst>
             <p14:sldId id="256"/>
             <p14:sldId id="261"/>
           </p14:sldIdLst>
         </p14:section>
-        <p14:section name="无标题节" id="{4A09D9B5-041E-4063-9F0F-E87495024B48}">
+        <p14:section name="挂载网络位置" id="{4A09D9B5-041E-4063-9F0F-E87495024B48}">
           <p14:sldIdLst>
-            <p14:sldId id="262"/>
+            <p14:sldId id="258"/>
             <p14:sldId id="257"/>
-            <p14:sldId id="258"/>
+          </p14:sldIdLst>
+        </p14:section>
+        <p14:section name="无标题节" id="{5A9AC468-38B7-48BE-BD25-ACB43E8C5B6F}">
+          <p14:sldIdLst>
+            <p14:sldId id="263"/>
           </p14:sldIdLst>
         </p14:section>
       </p14:sectionLst>
@@ -166,7 +178,7 @@
           <p:cNvPr id="2" name="标题 1">
             <a:extLst>
               <a:ext uri="{FF2B5EF4-FFF2-40B4-BE49-F238E27FC236}">
-                <a16:creationId xmlns:a16="http://schemas.microsoft.com/office/drawing/2014/main" xmlns="" id="{53C949D3-9A08-4D6A-A138-C0DE0297650B}"/>
+                <a16:creationId xmlns="" xmlns:a16="http://schemas.microsoft.com/office/drawing/2014/main" id="{53C949D3-9A08-4D6A-A138-C0DE0297650B}"/>
               </a:ext>
             </a:extLst>
           </p:cNvPr>
@@ -203,7 +215,7 @@
           <p:cNvPr id="3" name="副标题 2">
             <a:extLst>
               <a:ext uri="{FF2B5EF4-FFF2-40B4-BE49-F238E27FC236}">
-                <a16:creationId xmlns:a16="http://schemas.microsoft.com/office/drawing/2014/main" xmlns="" id="{FEFF90A7-3607-4021-AF90-95A8127E2B7F}"/>
+                <a16:creationId xmlns="" xmlns:a16="http://schemas.microsoft.com/office/drawing/2014/main" id="{FEFF90A7-3607-4021-AF90-95A8127E2B7F}"/>
               </a:ext>
             </a:extLst>
           </p:cNvPr>
@@ -273,7 +285,7 @@
           <p:cNvPr id="4" name="日期占位符 3">
             <a:extLst>
               <a:ext uri="{FF2B5EF4-FFF2-40B4-BE49-F238E27FC236}">
-                <a16:creationId xmlns:a16="http://schemas.microsoft.com/office/drawing/2014/main" xmlns="" id="{FD1EE030-9041-4433-94D8-5664EA412B61}"/>
+                <a16:creationId xmlns="" xmlns:a16="http://schemas.microsoft.com/office/drawing/2014/main" id="{FD1EE030-9041-4433-94D8-5664EA412B61}"/>
               </a:ext>
             </a:extLst>
           </p:cNvPr>
@@ -291,7 +303,7 @@
           <a:p>
             <a:fld id="{6A465375-4056-467D-A4D8-FDABD3E2ADC4}" type="datetimeFigureOut">
               <a:rPr lang="zh-CN" altLang="en-US" smtClean="0"/>
-              <a:t>2020/6/23</a:t>
+              <a:t>2021/3/15</a:t>
             </a:fld>
             <a:endParaRPr lang="zh-CN" altLang="en-US"/>
           </a:p>
@@ -302,7 +314,7 @@
           <p:cNvPr id="5" name="页脚占位符 4">
             <a:extLst>
               <a:ext uri="{FF2B5EF4-FFF2-40B4-BE49-F238E27FC236}">
-                <a16:creationId xmlns:a16="http://schemas.microsoft.com/office/drawing/2014/main" xmlns="" id="{53EB7311-BC53-46E6-9E30-697F0A7C6DA4}"/>
+                <a16:creationId xmlns="" xmlns:a16="http://schemas.microsoft.com/office/drawing/2014/main" id="{53EB7311-BC53-46E6-9E30-697F0A7C6DA4}"/>
               </a:ext>
             </a:extLst>
           </p:cNvPr>
@@ -327,7 +339,7 @@
           <p:cNvPr id="6" name="灯片编号占位符 5">
             <a:extLst>
               <a:ext uri="{FF2B5EF4-FFF2-40B4-BE49-F238E27FC236}">
-                <a16:creationId xmlns:a16="http://schemas.microsoft.com/office/drawing/2014/main" xmlns="" id="{98EB563E-05CC-464E-96F5-7364F66C8E25}"/>
+                <a16:creationId xmlns="" xmlns:a16="http://schemas.microsoft.com/office/drawing/2014/main" id="{98EB563E-05CC-464E-96F5-7364F66C8E25}"/>
               </a:ext>
             </a:extLst>
           </p:cNvPr>
@@ -386,7 +398,7 @@
           <p:cNvPr id="2" name="标题 1">
             <a:extLst>
               <a:ext uri="{FF2B5EF4-FFF2-40B4-BE49-F238E27FC236}">
-                <a16:creationId xmlns:a16="http://schemas.microsoft.com/office/drawing/2014/main" xmlns="" id="{52581FFF-7FA6-4440-A31D-44A04E174034}"/>
+                <a16:creationId xmlns="" xmlns:a16="http://schemas.microsoft.com/office/drawing/2014/main" id="{52581FFF-7FA6-4440-A31D-44A04E174034}"/>
               </a:ext>
             </a:extLst>
           </p:cNvPr>
@@ -414,7 +426,7 @@
           <p:cNvPr id="3" name="竖排文字占位符 2">
             <a:extLst>
               <a:ext uri="{FF2B5EF4-FFF2-40B4-BE49-F238E27FC236}">
-                <a16:creationId xmlns:a16="http://schemas.microsoft.com/office/drawing/2014/main" xmlns="" id="{DC8FFA98-746F-4FA2-A0B3-E57D58D2C731}"/>
+                <a16:creationId xmlns="" xmlns:a16="http://schemas.microsoft.com/office/drawing/2014/main" id="{DC8FFA98-746F-4FA2-A0B3-E57D58D2C731}"/>
               </a:ext>
             </a:extLst>
           </p:cNvPr>
@@ -471,7 +483,7 @@
           <p:cNvPr id="4" name="日期占位符 3">
             <a:extLst>
               <a:ext uri="{FF2B5EF4-FFF2-40B4-BE49-F238E27FC236}">
-                <a16:creationId xmlns:a16="http://schemas.microsoft.com/office/drawing/2014/main" xmlns="" id="{6DC6B6B1-071A-48F4-859C-5552417C8FB6}"/>
+                <a16:creationId xmlns="" xmlns:a16="http://schemas.microsoft.com/office/drawing/2014/main" id="{6DC6B6B1-071A-48F4-859C-5552417C8FB6}"/>
               </a:ext>
             </a:extLst>
           </p:cNvPr>
@@ -489,7 +501,7 @@
           <a:p>
             <a:fld id="{6A465375-4056-467D-A4D8-FDABD3E2ADC4}" type="datetimeFigureOut">
               <a:rPr lang="zh-CN" altLang="en-US" smtClean="0"/>
-              <a:t>2020/6/23</a:t>
+              <a:t>2021/3/15</a:t>
             </a:fld>
             <a:endParaRPr lang="zh-CN" altLang="en-US"/>
           </a:p>
@@ -500,7 +512,7 @@
           <p:cNvPr id="5" name="页脚占位符 4">
             <a:extLst>
               <a:ext uri="{FF2B5EF4-FFF2-40B4-BE49-F238E27FC236}">
-                <a16:creationId xmlns:a16="http://schemas.microsoft.com/office/drawing/2014/main" xmlns="" id="{2ABCCD0B-1CED-491D-8231-612DB1E7A108}"/>
+                <a16:creationId xmlns="" xmlns:a16="http://schemas.microsoft.com/office/drawing/2014/main" id="{2ABCCD0B-1CED-491D-8231-612DB1E7A108}"/>
               </a:ext>
             </a:extLst>
           </p:cNvPr>
@@ -525,7 +537,7 @@
           <p:cNvPr id="6" name="灯片编号占位符 5">
             <a:extLst>
               <a:ext uri="{FF2B5EF4-FFF2-40B4-BE49-F238E27FC236}">
-                <a16:creationId xmlns:a16="http://schemas.microsoft.com/office/drawing/2014/main" xmlns="" id="{F47A2ABB-E7C4-4D42-B8DE-397D78141089}"/>
+                <a16:creationId xmlns="" xmlns:a16="http://schemas.microsoft.com/office/drawing/2014/main" id="{F47A2ABB-E7C4-4D42-B8DE-397D78141089}"/>
               </a:ext>
             </a:extLst>
           </p:cNvPr>
@@ -584,7 +596,7 @@
           <p:cNvPr id="2" name="竖排标题 1">
             <a:extLst>
               <a:ext uri="{FF2B5EF4-FFF2-40B4-BE49-F238E27FC236}">
-                <a16:creationId xmlns:a16="http://schemas.microsoft.com/office/drawing/2014/main" xmlns="" id="{212FD67C-C09A-4C33-A873-3999819AAA53}"/>
+                <a16:creationId xmlns="" xmlns:a16="http://schemas.microsoft.com/office/drawing/2014/main" id="{212FD67C-C09A-4C33-A873-3999819AAA53}"/>
               </a:ext>
             </a:extLst>
           </p:cNvPr>
@@ -617,7 +629,7 @@
           <p:cNvPr id="3" name="竖排文字占位符 2">
             <a:extLst>
               <a:ext uri="{FF2B5EF4-FFF2-40B4-BE49-F238E27FC236}">
-                <a16:creationId xmlns:a16="http://schemas.microsoft.com/office/drawing/2014/main" xmlns="" id="{62264A36-EEFB-4FFC-87BB-745BB661E961}"/>
+                <a16:creationId xmlns="" xmlns:a16="http://schemas.microsoft.com/office/drawing/2014/main" id="{62264A36-EEFB-4FFC-87BB-745BB661E961}"/>
               </a:ext>
             </a:extLst>
           </p:cNvPr>
@@ -679,7 +691,7 @@
           <p:cNvPr id="4" name="日期占位符 3">
             <a:extLst>
               <a:ext uri="{FF2B5EF4-FFF2-40B4-BE49-F238E27FC236}">
-                <a16:creationId xmlns:a16="http://schemas.microsoft.com/office/drawing/2014/main" xmlns="" id="{BC3BF732-4EF5-40B4-A9E0-68DC263C1CD5}"/>
+                <a16:creationId xmlns="" xmlns:a16="http://schemas.microsoft.com/office/drawing/2014/main" id="{BC3BF732-4EF5-40B4-A9E0-68DC263C1CD5}"/>
               </a:ext>
             </a:extLst>
           </p:cNvPr>
@@ -697,7 +709,7 @@
           <a:p>
             <a:fld id="{6A465375-4056-467D-A4D8-FDABD3E2ADC4}" type="datetimeFigureOut">
               <a:rPr lang="zh-CN" altLang="en-US" smtClean="0"/>
-              <a:t>2020/6/23</a:t>
+              <a:t>2021/3/15</a:t>
             </a:fld>
             <a:endParaRPr lang="zh-CN" altLang="en-US"/>
           </a:p>
@@ -708,7 +720,7 @@
           <p:cNvPr id="5" name="页脚占位符 4">
             <a:extLst>
               <a:ext uri="{FF2B5EF4-FFF2-40B4-BE49-F238E27FC236}">
-                <a16:creationId xmlns:a16="http://schemas.microsoft.com/office/drawing/2014/main" xmlns="" id="{C4F624F7-3FB2-4FE4-BA4D-2BF429072EAB}"/>
+                <a16:creationId xmlns="" xmlns:a16="http://schemas.microsoft.com/office/drawing/2014/main" id="{C4F624F7-3FB2-4FE4-BA4D-2BF429072EAB}"/>
               </a:ext>
             </a:extLst>
           </p:cNvPr>
@@ -733,7 +745,7 @@
           <p:cNvPr id="6" name="灯片编号占位符 5">
             <a:extLst>
               <a:ext uri="{FF2B5EF4-FFF2-40B4-BE49-F238E27FC236}">
-                <a16:creationId xmlns:a16="http://schemas.microsoft.com/office/drawing/2014/main" xmlns="" id="{D11A64FA-F825-4ABF-BE94-FC8E223D4AE1}"/>
+                <a16:creationId xmlns="" xmlns:a16="http://schemas.microsoft.com/office/drawing/2014/main" id="{D11A64FA-F825-4ABF-BE94-FC8E223D4AE1}"/>
               </a:ext>
             </a:extLst>
           </p:cNvPr>
@@ -792,7 +804,7 @@
           <p:cNvPr id="2" name="标题 1">
             <a:extLst>
               <a:ext uri="{FF2B5EF4-FFF2-40B4-BE49-F238E27FC236}">
-                <a16:creationId xmlns:a16="http://schemas.microsoft.com/office/drawing/2014/main" xmlns="" id="{364DAE8F-431D-4001-A6F1-886DF9DE1F3D}"/>
+                <a16:creationId xmlns="" xmlns:a16="http://schemas.microsoft.com/office/drawing/2014/main" id="{364DAE8F-431D-4001-A6F1-886DF9DE1F3D}"/>
               </a:ext>
             </a:extLst>
           </p:cNvPr>
@@ -820,7 +832,7 @@
           <p:cNvPr id="3" name="内容占位符 2">
             <a:extLst>
               <a:ext uri="{FF2B5EF4-FFF2-40B4-BE49-F238E27FC236}">
-                <a16:creationId xmlns:a16="http://schemas.microsoft.com/office/drawing/2014/main" xmlns="" id="{620EEA25-38B7-43C3-A2AD-A37C5D600142}"/>
+                <a16:creationId xmlns="" xmlns:a16="http://schemas.microsoft.com/office/drawing/2014/main" id="{620EEA25-38B7-43C3-A2AD-A37C5D600142}"/>
               </a:ext>
             </a:extLst>
           </p:cNvPr>
@@ -877,7 +889,7 @@
           <p:cNvPr id="4" name="日期占位符 3">
             <a:extLst>
               <a:ext uri="{FF2B5EF4-FFF2-40B4-BE49-F238E27FC236}">
-                <a16:creationId xmlns:a16="http://schemas.microsoft.com/office/drawing/2014/main" xmlns="" id="{A53D684A-A8D0-4D13-ACF9-6E019AB53B85}"/>
+                <a16:creationId xmlns="" xmlns:a16="http://schemas.microsoft.com/office/drawing/2014/main" id="{A53D684A-A8D0-4D13-ACF9-6E019AB53B85}"/>
               </a:ext>
             </a:extLst>
           </p:cNvPr>
@@ -895,7 +907,7 @@
           <a:p>
             <a:fld id="{6A465375-4056-467D-A4D8-FDABD3E2ADC4}" type="datetimeFigureOut">
               <a:rPr lang="zh-CN" altLang="en-US" smtClean="0"/>
-              <a:t>2020/6/23</a:t>
+              <a:t>2021/3/15</a:t>
             </a:fld>
             <a:endParaRPr lang="zh-CN" altLang="en-US"/>
           </a:p>
@@ -906,7 +918,7 @@
           <p:cNvPr id="5" name="页脚占位符 4">
             <a:extLst>
               <a:ext uri="{FF2B5EF4-FFF2-40B4-BE49-F238E27FC236}">
-                <a16:creationId xmlns:a16="http://schemas.microsoft.com/office/drawing/2014/main" xmlns="" id="{A5B0C251-D715-4477-907C-3396978058FC}"/>
+                <a16:creationId xmlns="" xmlns:a16="http://schemas.microsoft.com/office/drawing/2014/main" id="{A5B0C251-D715-4477-907C-3396978058FC}"/>
               </a:ext>
             </a:extLst>
           </p:cNvPr>
@@ -931,7 +943,7 @@
           <p:cNvPr id="6" name="灯片编号占位符 5">
             <a:extLst>
               <a:ext uri="{FF2B5EF4-FFF2-40B4-BE49-F238E27FC236}">
-                <a16:creationId xmlns:a16="http://schemas.microsoft.com/office/drawing/2014/main" xmlns="" id="{F5C86CA9-3450-4945-98A1-F9AC50342042}"/>
+                <a16:creationId xmlns="" xmlns:a16="http://schemas.microsoft.com/office/drawing/2014/main" id="{F5C86CA9-3450-4945-98A1-F9AC50342042}"/>
               </a:ext>
             </a:extLst>
           </p:cNvPr>
@@ -990,7 +1002,7 @@
           <p:cNvPr id="2" name="标题 1">
             <a:extLst>
               <a:ext uri="{FF2B5EF4-FFF2-40B4-BE49-F238E27FC236}">
-                <a16:creationId xmlns:a16="http://schemas.microsoft.com/office/drawing/2014/main" xmlns="" id="{E51B38A9-08F6-405B-9222-AEE307D8B8D9}"/>
+                <a16:creationId xmlns="" xmlns:a16="http://schemas.microsoft.com/office/drawing/2014/main" id="{E51B38A9-08F6-405B-9222-AEE307D8B8D9}"/>
               </a:ext>
             </a:extLst>
           </p:cNvPr>
@@ -1027,7 +1039,7 @@
           <p:cNvPr id="3" name="文本占位符 2">
             <a:extLst>
               <a:ext uri="{FF2B5EF4-FFF2-40B4-BE49-F238E27FC236}">
-                <a16:creationId xmlns:a16="http://schemas.microsoft.com/office/drawing/2014/main" xmlns="" id="{0D1113A2-CDC1-4471-BC26-6CE647BEED4A}"/>
+                <a16:creationId xmlns="" xmlns:a16="http://schemas.microsoft.com/office/drawing/2014/main" id="{0D1113A2-CDC1-4471-BC26-6CE647BEED4A}"/>
               </a:ext>
             </a:extLst>
           </p:cNvPr>
@@ -1152,7 +1164,7 @@
           <p:cNvPr id="4" name="日期占位符 3">
             <a:extLst>
               <a:ext uri="{FF2B5EF4-FFF2-40B4-BE49-F238E27FC236}">
-                <a16:creationId xmlns:a16="http://schemas.microsoft.com/office/drawing/2014/main" xmlns="" id="{9C27651A-6611-4FA4-9C32-1E989BED4B22}"/>
+                <a16:creationId xmlns="" xmlns:a16="http://schemas.microsoft.com/office/drawing/2014/main" id="{9C27651A-6611-4FA4-9C32-1E989BED4B22}"/>
               </a:ext>
             </a:extLst>
           </p:cNvPr>
@@ -1170,7 +1182,7 @@
           <a:p>
             <a:fld id="{6A465375-4056-467D-A4D8-FDABD3E2ADC4}" type="datetimeFigureOut">
               <a:rPr lang="zh-CN" altLang="en-US" smtClean="0"/>
-              <a:t>2020/6/23</a:t>
+              <a:t>2021/3/15</a:t>
             </a:fld>
             <a:endParaRPr lang="zh-CN" altLang="en-US"/>
           </a:p>
@@ -1181,7 +1193,7 @@
           <p:cNvPr id="5" name="页脚占位符 4">
             <a:extLst>
               <a:ext uri="{FF2B5EF4-FFF2-40B4-BE49-F238E27FC236}">
-                <a16:creationId xmlns:a16="http://schemas.microsoft.com/office/drawing/2014/main" xmlns="" id="{553201FB-0107-44A5-8676-9212B411CA04}"/>
+                <a16:creationId xmlns="" xmlns:a16="http://schemas.microsoft.com/office/drawing/2014/main" id="{553201FB-0107-44A5-8676-9212B411CA04}"/>
               </a:ext>
             </a:extLst>
           </p:cNvPr>
@@ -1206,7 +1218,7 @@
           <p:cNvPr id="6" name="灯片编号占位符 5">
             <a:extLst>
               <a:ext uri="{FF2B5EF4-FFF2-40B4-BE49-F238E27FC236}">
-                <a16:creationId xmlns:a16="http://schemas.microsoft.com/office/drawing/2014/main" xmlns="" id="{45E1ED79-A1C3-4483-978C-30293405E56E}"/>
+                <a16:creationId xmlns="" xmlns:a16="http://schemas.microsoft.com/office/drawing/2014/main" id="{45E1ED79-A1C3-4483-978C-30293405E56E}"/>
               </a:ext>
             </a:extLst>
           </p:cNvPr>
@@ -1265,7 +1277,7 @@
           <p:cNvPr id="2" name="标题 1">
             <a:extLst>
               <a:ext uri="{FF2B5EF4-FFF2-40B4-BE49-F238E27FC236}">
-                <a16:creationId xmlns:a16="http://schemas.microsoft.com/office/drawing/2014/main" xmlns="" id="{BAE0CFE3-F97C-454A-B181-6E9A2DA72CCB}"/>
+                <a16:creationId xmlns="" xmlns:a16="http://schemas.microsoft.com/office/drawing/2014/main" id="{BAE0CFE3-F97C-454A-B181-6E9A2DA72CCB}"/>
               </a:ext>
             </a:extLst>
           </p:cNvPr>
@@ -1293,7 +1305,7 @@
           <p:cNvPr id="3" name="内容占位符 2">
             <a:extLst>
               <a:ext uri="{FF2B5EF4-FFF2-40B4-BE49-F238E27FC236}">
-                <a16:creationId xmlns:a16="http://schemas.microsoft.com/office/drawing/2014/main" xmlns="" id="{91EA1ACE-0388-4BA9-A3E1-53F86DF1CFFD}"/>
+                <a16:creationId xmlns="" xmlns:a16="http://schemas.microsoft.com/office/drawing/2014/main" id="{91EA1ACE-0388-4BA9-A3E1-53F86DF1CFFD}"/>
               </a:ext>
             </a:extLst>
           </p:cNvPr>
@@ -1355,7 +1367,7 @@
           <p:cNvPr id="4" name="内容占位符 3">
             <a:extLst>
               <a:ext uri="{FF2B5EF4-FFF2-40B4-BE49-F238E27FC236}">
-                <a16:creationId xmlns:a16="http://schemas.microsoft.com/office/drawing/2014/main" xmlns="" id="{8616BA6C-419A-4A19-A49C-CC03D2787731}"/>
+                <a16:creationId xmlns="" xmlns:a16="http://schemas.microsoft.com/office/drawing/2014/main" id="{8616BA6C-419A-4A19-A49C-CC03D2787731}"/>
               </a:ext>
             </a:extLst>
           </p:cNvPr>
@@ -1417,7 +1429,7 @@
           <p:cNvPr id="5" name="日期占位符 4">
             <a:extLst>
               <a:ext uri="{FF2B5EF4-FFF2-40B4-BE49-F238E27FC236}">
-                <a16:creationId xmlns:a16="http://schemas.microsoft.com/office/drawing/2014/main" xmlns="" id="{37F8F3A7-A1E8-4388-929A-880F8C0EB300}"/>
+                <a16:creationId xmlns="" xmlns:a16="http://schemas.microsoft.com/office/drawing/2014/main" id="{37F8F3A7-A1E8-4388-929A-880F8C0EB300}"/>
               </a:ext>
             </a:extLst>
           </p:cNvPr>
@@ -1435,7 +1447,7 @@
           <a:p>
             <a:fld id="{6A465375-4056-467D-A4D8-FDABD3E2ADC4}" type="datetimeFigureOut">
               <a:rPr lang="zh-CN" altLang="en-US" smtClean="0"/>
-              <a:t>2020/6/23</a:t>
+              <a:t>2021/3/15</a:t>
             </a:fld>
             <a:endParaRPr lang="zh-CN" altLang="en-US"/>
           </a:p>
@@ -1446,7 +1458,7 @@
           <p:cNvPr id="6" name="页脚占位符 5">
             <a:extLst>
               <a:ext uri="{FF2B5EF4-FFF2-40B4-BE49-F238E27FC236}">
-                <a16:creationId xmlns:a16="http://schemas.microsoft.com/office/drawing/2014/main" xmlns="" id="{6D9B6D76-C08B-4E75-BD9D-F748A245E465}"/>
+                <a16:creationId xmlns="" xmlns:a16="http://schemas.microsoft.com/office/drawing/2014/main" id="{6D9B6D76-C08B-4E75-BD9D-F748A245E465}"/>
               </a:ext>
             </a:extLst>
           </p:cNvPr>
@@ -1471,7 +1483,7 @@
           <p:cNvPr id="7" name="灯片编号占位符 6">
             <a:extLst>
               <a:ext uri="{FF2B5EF4-FFF2-40B4-BE49-F238E27FC236}">
-                <a16:creationId xmlns:a16="http://schemas.microsoft.com/office/drawing/2014/main" xmlns="" id="{FAEC4110-D0B5-4C23-BD35-45F55247E790}"/>
+                <a16:creationId xmlns="" xmlns:a16="http://schemas.microsoft.com/office/drawing/2014/main" id="{FAEC4110-D0B5-4C23-BD35-45F55247E790}"/>
               </a:ext>
             </a:extLst>
           </p:cNvPr>
@@ -1530,7 +1542,7 @@
           <p:cNvPr id="2" name="标题 1">
             <a:extLst>
               <a:ext uri="{FF2B5EF4-FFF2-40B4-BE49-F238E27FC236}">
-                <a16:creationId xmlns:a16="http://schemas.microsoft.com/office/drawing/2014/main" xmlns="" id="{CD578F75-B7FA-4C2C-84F3-AB90CE916B05}"/>
+                <a16:creationId xmlns="" xmlns:a16="http://schemas.microsoft.com/office/drawing/2014/main" id="{CD578F75-B7FA-4C2C-84F3-AB90CE916B05}"/>
               </a:ext>
             </a:extLst>
           </p:cNvPr>
@@ -1563,7 +1575,7 @@
           <p:cNvPr id="3" name="文本占位符 2">
             <a:extLst>
               <a:ext uri="{FF2B5EF4-FFF2-40B4-BE49-F238E27FC236}">
-                <a16:creationId xmlns:a16="http://schemas.microsoft.com/office/drawing/2014/main" xmlns="" id="{4ED433CE-E68C-4D60-BAB1-0899164B2DBA}"/>
+                <a16:creationId xmlns="" xmlns:a16="http://schemas.microsoft.com/office/drawing/2014/main" id="{4ED433CE-E68C-4D60-BAB1-0899164B2DBA}"/>
               </a:ext>
             </a:extLst>
           </p:cNvPr>
@@ -1634,7 +1646,7 @@
           <p:cNvPr id="4" name="内容占位符 3">
             <a:extLst>
               <a:ext uri="{FF2B5EF4-FFF2-40B4-BE49-F238E27FC236}">
-                <a16:creationId xmlns:a16="http://schemas.microsoft.com/office/drawing/2014/main" xmlns="" id="{CB1822DC-BCA1-4455-B5D2-0F630136687E}"/>
+                <a16:creationId xmlns="" xmlns:a16="http://schemas.microsoft.com/office/drawing/2014/main" id="{CB1822DC-BCA1-4455-B5D2-0F630136687E}"/>
               </a:ext>
             </a:extLst>
           </p:cNvPr>
@@ -1696,7 +1708,7 @@
           <p:cNvPr id="5" name="文本占位符 4">
             <a:extLst>
               <a:ext uri="{FF2B5EF4-FFF2-40B4-BE49-F238E27FC236}">
-                <a16:creationId xmlns:a16="http://schemas.microsoft.com/office/drawing/2014/main" xmlns="" id="{187923DF-3644-441C-AE1B-6CA8C4865EF2}"/>
+                <a16:creationId xmlns="" xmlns:a16="http://schemas.microsoft.com/office/drawing/2014/main" id="{187923DF-3644-441C-AE1B-6CA8C4865EF2}"/>
               </a:ext>
             </a:extLst>
           </p:cNvPr>
@@ -1767,7 +1779,7 @@
           <p:cNvPr id="6" name="内容占位符 5">
             <a:extLst>
               <a:ext uri="{FF2B5EF4-FFF2-40B4-BE49-F238E27FC236}">
-                <a16:creationId xmlns:a16="http://schemas.microsoft.com/office/drawing/2014/main" xmlns="" id="{C1A8394F-DDCF-43BF-BE51-BB19CDC599B3}"/>
+                <a16:creationId xmlns="" xmlns:a16="http://schemas.microsoft.com/office/drawing/2014/main" id="{C1A8394F-DDCF-43BF-BE51-BB19CDC599B3}"/>
               </a:ext>
             </a:extLst>
           </p:cNvPr>
@@ -1829,7 +1841,7 @@
           <p:cNvPr id="7" name="日期占位符 6">
             <a:extLst>
               <a:ext uri="{FF2B5EF4-FFF2-40B4-BE49-F238E27FC236}">
-                <a16:creationId xmlns:a16="http://schemas.microsoft.com/office/drawing/2014/main" xmlns="" id="{019A26E8-60F1-4E09-AAEA-84719361E922}"/>
+                <a16:creationId xmlns="" xmlns:a16="http://schemas.microsoft.com/office/drawing/2014/main" id="{019A26E8-60F1-4E09-AAEA-84719361E922}"/>
               </a:ext>
             </a:extLst>
           </p:cNvPr>
@@ -1847,7 +1859,7 @@
           <a:p>
             <a:fld id="{6A465375-4056-467D-A4D8-FDABD3E2ADC4}" type="datetimeFigureOut">
               <a:rPr lang="zh-CN" altLang="en-US" smtClean="0"/>
-              <a:t>2020/6/23</a:t>
+              <a:t>2021/3/15</a:t>
             </a:fld>
             <a:endParaRPr lang="zh-CN" altLang="en-US"/>
           </a:p>
@@ -1858,7 +1870,7 @@
           <p:cNvPr id="8" name="页脚占位符 7">
             <a:extLst>
               <a:ext uri="{FF2B5EF4-FFF2-40B4-BE49-F238E27FC236}">
-                <a16:creationId xmlns:a16="http://schemas.microsoft.com/office/drawing/2014/main" xmlns="" id="{5B5914DC-D3B3-4AE0-8A42-3BC56863F3FD}"/>
+                <a16:creationId xmlns="" xmlns:a16="http://schemas.microsoft.com/office/drawing/2014/main" id="{5B5914DC-D3B3-4AE0-8A42-3BC56863F3FD}"/>
               </a:ext>
             </a:extLst>
           </p:cNvPr>
@@ -1883,7 +1895,7 @@
           <p:cNvPr id="9" name="灯片编号占位符 8">
             <a:extLst>
               <a:ext uri="{FF2B5EF4-FFF2-40B4-BE49-F238E27FC236}">
-                <a16:creationId xmlns:a16="http://schemas.microsoft.com/office/drawing/2014/main" xmlns="" id="{F15D700E-9C64-46F0-9B20-6553559B9C85}"/>
+                <a16:creationId xmlns="" xmlns:a16="http://schemas.microsoft.com/office/drawing/2014/main" id="{F15D700E-9C64-46F0-9B20-6553559B9C85}"/>
               </a:ext>
             </a:extLst>
           </p:cNvPr>
@@ -1942,7 +1954,7 @@
           <p:cNvPr id="2" name="标题 1">
             <a:extLst>
               <a:ext uri="{FF2B5EF4-FFF2-40B4-BE49-F238E27FC236}">
-                <a16:creationId xmlns:a16="http://schemas.microsoft.com/office/drawing/2014/main" xmlns="" id="{B3F56557-8AF2-4C9D-B29B-F455936CB52F}"/>
+                <a16:creationId xmlns="" xmlns:a16="http://schemas.microsoft.com/office/drawing/2014/main" id="{B3F56557-8AF2-4C9D-B29B-F455936CB52F}"/>
               </a:ext>
             </a:extLst>
           </p:cNvPr>
@@ -1970,7 +1982,7 @@
           <p:cNvPr id="3" name="日期占位符 2">
             <a:extLst>
               <a:ext uri="{FF2B5EF4-FFF2-40B4-BE49-F238E27FC236}">
-                <a16:creationId xmlns:a16="http://schemas.microsoft.com/office/drawing/2014/main" xmlns="" id="{A75C5354-4A78-411D-B181-C4E951CAC3BC}"/>
+                <a16:creationId xmlns="" xmlns:a16="http://schemas.microsoft.com/office/drawing/2014/main" id="{A75C5354-4A78-411D-B181-C4E951CAC3BC}"/>
               </a:ext>
             </a:extLst>
           </p:cNvPr>
@@ -1988,7 +2000,7 @@
           <a:p>
             <a:fld id="{6A465375-4056-467D-A4D8-FDABD3E2ADC4}" type="datetimeFigureOut">
               <a:rPr lang="zh-CN" altLang="en-US" smtClean="0"/>
-              <a:t>2020/6/23</a:t>
+              <a:t>2021/3/15</a:t>
             </a:fld>
             <a:endParaRPr lang="zh-CN" altLang="en-US"/>
           </a:p>
@@ -1999,7 +2011,7 @@
           <p:cNvPr id="4" name="页脚占位符 3">
             <a:extLst>
               <a:ext uri="{FF2B5EF4-FFF2-40B4-BE49-F238E27FC236}">
-                <a16:creationId xmlns:a16="http://schemas.microsoft.com/office/drawing/2014/main" xmlns="" id="{422E66F9-F773-43AF-A11B-4E7CBD02F278}"/>
+                <a16:creationId xmlns="" xmlns:a16="http://schemas.microsoft.com/office/drawing/2014/main" id="{422E66F9-F773-43AF-A11B-4E7CBD02F278}"/>
               </a:ext>
             </a:extLst>
           </p:cNvPr>
@@ -2024,7 +2036,7 @@
           <p:cNvPr id="5" name="灯片编号占位符 4">
             <a:extLst>
               <a:ext uri="{FF2B5EF4-FFF2-40B4-BE49-F238E27FC236}">
-                <a16:creationId xmlns:a16="http://schemas.microsoft.com/office/drawing/2014/main" xmlns="" id="{532A3341-7D12-47AF-9F38-007E36119F82}"/>
+                <a16:creationId xmlns="" xmlns:a16="http://schemas.microsoft.com/office/drawing/2014/main" id="{532A3341-7D12-47AF-9F38-007E36119F82}"/>
               </a:ext>
             </a:extLst>
           </p:cNvPr>
@@ -2083,7 +2095,7 @@
           <p:cNvPr id="2" name="日期占位符 1">
             <a:extLst>
               <a:ext uri="{FF2B5EF4-FFF2-40B4-BE49-F238E27FC236}">
-                <a16:creationId xmlns:a16="http://schemas.microsoft.com/office/drawing/2014/main" xmlns="" id="{90A4B74C-4F5F-4559-9631-C68C736C9524}"/>
+                <a16:creationId xmlns="" xmlns:a16="http://schemas.microsoft.com/office/drawing/2014/main" id="{90A4B74C-4F5F-4559-9631-C68C736C9524}"/>
               </a:ext>
             </a:extLst>
           </p:cNvPr>
@@ -2101,7 +2113,7 @@
           <a:p>
             <a:fld id="{6A465375-4056-467D-A4D8-FDABD3E2ADC4}" type="datetimeFigureOut">
               <a:rPr lang="zh-CN" altLang="en-US" smtClean="0"/>
-              <a:t>2020/6/23</a:t>
+              <a:t>2021/3/15</a:t>
             </a:fld>
             <a:endParaRPr lang="zh-CN" altLang="en-US"/>
           </a:p>
@@ -2112,7 +2124,7 @@
           <p:cNvPr id="3" name="页脚占位符 2">
             <a:extLst>
               <a:ext uri="{FF2B5EF4-FFF2-40B4-BE49-F238E27FC236}">
-                <a16:creationId xmlns:a16="http://schemas.microsoft.com/office/drawing/2014/main" xmlns="" id="{5EC9297A-492A-4A89-BD1F-273B951E733D}"/>
+                <a16:creationId xmlns="" xmlns:a16="http://schemas.microsoft.com/office/drawing/2014/main" id="{5EC9297A-492A-4A89-BD1F-273B951E733D}"/>
               </a:ext>
             </a:extLst>
           </p:cNvPr>
@@ -2137,7 +2149,7 @@
           <p:cNvPr id="4" name="灯片编号占位符 3">
             <a:extLst>
               <a:ext uri="{FF2B5EF4-FFF2-40B4-BE49-F238E27FC236}">
-                <a16:creationId xmlns:a16="http://schemas.microsoft.com/office/drawing/2014/main" xmlns="" id="{A604EAF8-A77E-4D91-A7F9-DE0147BCC49F}"/>
+                <a16:creationId xmlns="" xmlns:a16="http://schemas.microsoft.com/office/drawing/2014/main" id="{A604EAF8-A77E-4D91-A7F9-DE0147BCC49F}"/>
               </a:ext>
             </a:extLst>
           </p:cNvPr>
@@ -2196,7 +2208,7 @@
           <p:cNvPr id="2" name="标题 1">
             <a:extLst>
               <a:ext uri="{FF2B5EF4-FFF2-40B4-BE49-F238E27FC236}">
-                <a16:creationId xmlns:a16="http://schemas.microsoft.com/office/drawing/2014/main" xmlns="" id="{BC9AB639-F08C-49D6-8C00-8E4304010CDF}"/>
+                <a16:creationId xmlns="" xmlns:a16="http://schemas.microsoft.com/office/drawing/2014/main" id="{BC9AB639-F08C-49D6-8C00-8E4304010CDF}"/>
               </a:ext>
             </a:extLst>
           </p:cNvPr>
@@ -2233,7 +2245,7 @@
           <p:cNvPr id="3" name="内容占位符 2">
             <a:extLst>
               <a:ext uri="{FF2B5EF4-FFF2-40B4-BE49-F238E27FC236}">
-                <a16:creationId xmlns:a16="http://schemas.microsoft.com/office/drawing/2014/main" xmlns="" id="{F38B3E49-AA1B-4DDE-A269-1C994E4D4939}"/>
+                <a16:creationId xmlns="" xmlns:a16="http://schemas.microsoft.com/office/drawing/2014/main" id="{F38B3E49-AA1B-4DDE-A269-1C994E4D4939}"/>
               </a:ext>
             </a:extLst>
           </p:cNvPr>
@@ -2323,7 +2335,7 @@
           <p:cNvPr id="4" name="文本占位符 3">
             <a:extLst>
               <a:ext uri="{FF2B5EF4-FFF2-40B4-BE49-F238E27FC236}">
-                <a16:creationId xmlns:a16="http://schemas.microsoft.com/office/drawing/2014/main" xmlns="" id="{2885907F-0784-4958-93D7-D83064AA3402}"/>
+                <a16:creationId xmlns="" xmlns:a16="http://schemas.microsoft.com/office/drawing/2014/main" id="{2885907F-0784-4958-93D7-D83064AA3402}"/>
               </a:ext>
             </a:extLst>
           </p:cNvPr>
@@ -2394,7 +2406,7 @@
           <p:cNvPr id="5" name="日期占位符 4">
             <a:extLst>
               <a:ext uri="{FF2B5EF4-FFF2-40B4-BE49-F238E27FC236}">
-                <a16:creationId xmlns:a16="http://schemas.microsoft.com/office/drawing/2014/main" xmlns="" id="{6A375E42-3538-4318-BA6A-DC057B30BC0F}"/>
+                <a16:creationId xmlns="" xmlns:a16="http://schemas.microsoft.com/office/drawing/2014/main" id="{6A375E42-3538-4318-BA6A-DC057B30BC0F}"/>
               </a:ext>
             </a:extLst>
           </p:cNvPr>
@@ -2412,7 +2424,7 @@
           <a:p>
             <a:fld id="{6A465375-4056-467D-A4D8-FDABD3E2ADC4}" type="datetimeFigureOut">
               <a:rPr lang="zh-CN" altLang="en-US" smtClean="0"/>
-              <a:t>2020/6/23</a:t>
+              <a:t>2021/3/15</a:t>
             </a:fld>
             <a:endParaRPr lang="zh-CN" altLang="en-US"/>
           </a:p>
@@ -2423,7 +2435,7 @@
           <p:cNvPr id="6" name="页脚占位符 5">
             <a:extLst>
               <a:ext uri="{FF2B5EF4-FFF2-40B4-BE49-F238E27FC236}">
-                <a16:creationId xmlns:a16="http://schemas.microsoft.com/office/drawing/2014/main" xmlns="" id="{64C0B755-ADAE-47E7-BC7F-8B843F860A59}"/>
+                <a16:creationId xmlns="" xmlns:a16="http://schemas.microsoft.com/office/drawing/2014/main" id="{64C0B755-ADAE-47E7-BC7F-8B843F860A59}"/>
               </a:ext>
             </a:extLst>
           </p:cNvPr>
@@ -2448,7 +2460,7 @@
           <p:cNvPr id="7" name="灯片编号占位符 6">
             <a:extLst>
               <a:ext uri="{FF2B5EF4-FFF2-40B4-BE49-F238E27FC236}">
-                <a16:creationId xmlns:a16="http://schemas.microsoft.com/office/drawing/2014/main" xmlns="" id="{76F10171-EFAC-44C2-8D0E-DA56D21AE729}"/>
+                <a16:creationId xmlns="" xmlns:a16="http://schemas.microsoft.com/office/drawing/2014/main" id="{76F10171-EFAC-44C2-8D0E-DA56D21AE729}"/>
               </a:ext>
             </a:extLst>
           </p:cNvPr>
@@ -2507,7 +2519,7 @@
           <p:cNvPr id="2" name="标题 1">
             <a:extLst>
               <a:ext uri="{FF2B5EF4-FFF2-40B4-BE49-F238E27FC236}">
-                <a16:creationId xmlns:a16="http://schemas.microsoft.com/office/drawing/2014/main" xmlns="" id="{237693E4-33C8-4A32-8092-7245B9F74212}"/>
+                <a16:creationId xmlns="" xmlns:a16="http://schemas.microsoft.com/office/drawing/2014/main" id="{237693E4-33C8-4A32-8092-7245B9F74212}"/>
               </a:ext>
             </a:extLst>
           </p:cNvPr>
@@ -2544,7 +2556,7 @@
           <p:cNvPr id="3" name="图片占位符 2">
             <a:extLst>
               <a:ext uri="{FF2B5EF4-FFF2-40B4-BE49-F238E27FC236}">
-                <a16:creationId xmlns:a16="http://schemas.microsoft.com/office/drawing/2014/main" xmlns="" id="{F3D18D0E-8162-4201-BA12-E35A009A7D40}"/>
+                <a16:creationId xmlns="" xmlns:a16="http://schemas.microsoft.com/office/drawing/2014/main" id="{F3D18D0E-8162-4201-BA12-E35A009A7D40}"/>
               </a:ext>
             </a:extLst>
           </p:cNvPr>
@@ -2611,7 +2623,7 @@
           <p:cNvPr id="4" name="文本占位符 3">
             <a:extLst>
               <a:ext uri="{FF2B5EF4-FFF2-40B4-BE49-F238E27FC236}">
-                <a16:creationId xmlns:a16="http://schemas.microsoft.com/office/drawing/2014/main" xmlns="" id="{76276873-F2BC-4F38-86C0-8AC9E1F8AE04}"/>
+                <a16:creationId xmlns="" xmlns:a16="http://schemas.microsoft.com/office/drawing/2014/main" id="{76276873-F2BC-4F38-86C0-8AC9E1F8AE04}"/>
               </a:ext>
             </a:extLst>
           </p:cNvPr>
@@ -2682,7 +2694,7 @@
           <p:cNvPr id="5" name="日期占位符 4">
             <a:extLst>
               <a:ext uri="{FF2B5EF4-FFF2-40B4-BE49-F238E27FC236}">
-                <a16:creationId xmlns:a16="http://schemas.microsoft.com/office/drawing/2014/main" xmlns="" id="{38E497AE-7F2C-4325-B749-A53161561A91}"/>
+                <a16:creationId xmlns="" xmlns:a16="http://schemas.microsoft.com/office/drawing/2014/main" id="{38E497AE-7F2C-4325-B749-A53161561A91}"/>
               </a:ext>
             </a:extLst>
           </p:cNvPr>
@@ -2700,7 +2712,7 @@
           <a:p>
             <a:fld id="{6A465375-4056-467D-A4D8-FDABD3E2ADC4}" type="datetimeFigureOut">
               <a:rPr lang="zh-CN" altLang="en-US" smtClean="0"/>
-              <a:t>2020/6/23</a:t>
+              <a:t>2021/3/15</a:t>
             </a:fld>
             <a:endParaRPr lang="zh-CN" altLang="en-US"/>
           </a:p>
@@ -2711,7 +2723,7 @@
           <p:cNvPr id="6" name="页脚占位符 5">
             <a:extLst>
               <a:ext uri="{FF2B5EF4-FFF2-40B4-BE49-F238E27FC236}">
-                <a16:creationId xmlns:a16="http://schemas.microsoft.com/office/drawing/2014/main" xmlns="" id="{608A3E07-25D5-47DC-ADE6-A8B06D5B8F2B}"/>
+                <a16:creationId xmlns="" xmlns:a16="http://schemas.microsoft.com/office/drawing/2014/main" id="{608A3E07-25D5-47DC-ADE6-A8B06D5B8F2B}"/>
               </a:ext>
             </a:extLst>
           </p:cNvPr>
@@ -2736,7 +2748,7 @@
           <p:cNvPr id="7" name="灯片编号占位符 6">
             <a:extLst>
               <a:ext uri="{FF2B5EF4-FFF2-40B4-BE49-F238E27FC236}">
-                <a16:creationId xmlns:a16="http://schemas.microsoft.com/office/drawing/2014/main" xmlns="" id="{2BFBCA8A-AF4D-4E11-930E-40FFCD2EE376}"/>
+                <a16:creationId xmlns="" xmlns:a16="http://schemas.microsoft.com/office/drawing/2014/main" id="{2BFBCA8A-AF4D-4E11-930E-40FFCD2EE376}"/>
               </a:ext>
             </a:extLst>
           </p:cNvPr>
@@ -2800,7 +2812,7 @@
           <p:cNvPr id="2" name="标题占位符 1">
             <a:extLst>
               <a:ext uri="{FF2B5EF4-FFF2-40B4-BE49-F238E27FC236}">
-                <a16:creationId xmlns:a16="http://schemas.microsoft.com/office/drawing/2014/main" xmlns="" id="{75E532A0-53ED-4BA0-AC5C-CFB10FA79667}"/>
+                <a16:creationId xmlns="" xmlns:a16="http://schemas.microsoft.com/office/drawing/2014/main" id="{75E532A0-53ED-4BA0-AC5C-CFB10FA79667}"/>
               </a:ext>
             </a:extLst>
           </p:cNvPr>
@@ -2838,7 +2850,7 @@
           <p:cNvPr id="3" name="文本占位符 2">
             <a:extLst>
               <a:ext uri="{FF2B5EF4-FFF2-40B4-BE49-F238E27FC236}">
-                <a16:creationId xmlns:a16="http://schemas.microsoft.com/office/drawing/2014/main" xmlns="" id="{43E5CC6E-0646-4BF3-ABDF-4C304580B19D}"/>
+                <a16:creationId xmlns="" xmlns:a16="http://schemas.microsoft.com/office/drawing/2014/main" id="{43E5CC6E-0646-4BF3-ABDF-4C304580B19D}"/>
               </a:ext>
             </a:extLst>
           </p:cNvPr>
@@ -2905,7 +2917,7 @@
           <p:cNvPr id="4" name="日期占位符 3">
             <a:extLst>
               <a:ext uri="{FF2B5EF4-FFF2-40B4-BE49-F238E27FC236}">
-                <a16:creationId xmlns:a16="http://schemas.microsoft.com/office/drawing/2014/main" xmlns="" id="{9034BB4A-C33A-47F4-95BF-2406CCA98EE1}"/>
+                <a16:creationId xmlns="" xmlns:a16="http://schemas.microsoft.com/office/drawing/2014/main" id="{9034BB4A-C33A-47F4-95BF-2406CCA98EE1}"/>
               </a:ext>
             </a:extLst>
           </p:cNvPr>
@@ -2941,7 +2953,7 @@
           <a:p>
             <a:fld id="{6A465375-4056-467D-A4D8-FDABD3E2ADC4}" type="datetimeFigureOut">
               <a:rPr lang="zh-CN" altLang="en-US" smtClean="0"/>
-              <a:t>2020/6/23</a:t>
+              <a:t>2021/3/15</a:t>
             </a:fld>
             <a:endParaRPr lang="zh-CN" altLang="en-US"/>
           </a:p>
@@ -2952,7 +2964,7 @@
           <p:cNvPr id="5" name="页脚占位符 4">
             <a:extLst>
               <a:ext uri="{FF2B5EF4-FFF2-40B4-BE49-F238E27FC236}">
-                <a16:creationId xmlns:a16="http://schemas.microsoft.com/office/drawing/2014/main" xmlns="" id="{C3487536-5743-446E-91DE-F265AC329AF9}"/>
+                <a16:creationId xmlns="" xmlns:a16="http://schemas.microsoft.com/office/drawing/2014/main" id="{C3487536-5743-446E-91DE-F265AC329AF9}"/>
               </a:ext>
             </a:extLst>
           </p:cNvPr>
@@ -2995,7 +3007,7 @@
           <p:cNvPr id="6" name="灯片编号占位符 5">
             <a:extLst>
               <a:ext uri="{FF2B5EF4-FFF2-40B4-BE49-F238E27FC236}">
-                <a16:creationId xmlns:a16="http://schemas.microsoft.com/office/drawing/2014/main" xmlns="" id="{7F500C76-0052-4C4D-A485-5B3ED41BB456}"/>
+                <a16:creationId xmlns="" xmlns:a16="http://schemas.microsoft.com/office/drawing/2014/main" id="{7F500C76-0052-4C4D-A485-5B3ED41BB456}"/>
               </a:ext>
             </a:extLst>
           </p:cNvPr>
@@ -3360,7 +3372,7 @@
       </p:grpSpPr>
       <p:pic>
         <p:nvPicPr>
-          <p:cNvPr id="2" name="图片 1"/>
+          <p:cNvPr id="7" name="图片 6"/>
           <p:cNvPicPr>
             <a:picLocks noChangeAspect="1"/>
           </p:cNvPicPr>
@@ -3374,8 +3386,8 @@
         </p:blipFill>
         <p:spPr>
           <a:xfrm>
-            <a:off x="438817" y="1667050"/>
-            <a:ext cx="4380952" cy="2800000"/>
+            <a:off x="7792070" y="1952634"/>
+            <a:ext cx="3794996" cy="2494195"/>
           </a:xfrm>
           <a:prstGeom prst="rect">
             <a:avLst/>
@@ -3384,7 +3396,7 @@
       </p:pic>
       <p:pic>
         <p:nvPicPr>
-          <p:cNvPr id="5" name="图片 4"/>
+          <p:cNvPr id="3" name="图片 2"/>
           <p:cNvPicPr>
             <a:picLocks noChangeAspect="1"/>
           </p:cNvPicPr>
@@ -3398,8 +3410,8 @@
         </p:blipFill>
         <p:spPr>
           <a:xfrm>
-            <a:off x="5320467" y="1676575"/>
-            <a:ext cx="5780952" cy="2266667"/>
+            <a:off x="1707171" y="2656800"/>
+            <a:ext cx="8705850" cy="4238625"/>
           </a:xfrm>
           <a:prstGeom prst="rect">
             <a:avLst/>
@@ -3408,14 +3420,14 @@
       </p:pic>
       <p:sp>
         <p:nvSpPr>
-          <p:cNvPr id="6" name="文本框 5"/>
+          <p:cNvPr id="4" name="文本框 3"/>
           <p:cNvSpPr txBox="1"/>
           <p:nvPr/>
         </p:nvSpPr>
         <p:spPr>
           <a:xfrm>
-            <a:off x="1498214" y="3305175"/>
-            <a:ext cx="2262158" cy="369332"/>
+            <a:off x="3307223" y="-7897"/>
+            <a:ext cx="6489818" cy="584775"/>
           </a:xfrm>
           <a:prstGeom prst="rect">
             <a:avLst/>
@@ -3423,32 +3435,53 @@
           <a:noFill/>
         </p:spPr>
         <p:txBody>
-          <a:bodyPr wrap="none" rtlCol="0">
+          <a:bodyPr wrap="square" rtlCol="0">
             <a:spAutoFit/>
           </a:bodyPr>
           <a:lstStyle/>
           <a:p>
             <a:r>
-              <a:rPr lang="zh-CN" altLang="en-US" dirty="0">
-                <a:solidFill>
-                  <a:srgbClr val="C00000"/>
-                </a:solidFill>
-              </a:rPr>
-              <a:t>前端打包和调试窗口</a:t>
-            </a:r>
-          </a:p>
-        </p:txBody>
-      </p:sp>
-      <p:sp>
-        <p:nvSpPr>
-          <p:cNvPr id="7" name="文本框 6"/>
+              <a:rPr lang="zh-CN" altLang="en-US" sz="3200" dirty="0" smtClean="0">
+                <a:solidFill>
+                  <a:srgbClr val="C00000"/>
+                </a:solidFill>
+              </a:rPr>
+              <a:t>阳江风电特殊情况处理</a:t>
+            </a:r>
+            <a:r>
+              <a:rPr lang="en-US" altLang="zh-CN" sz="3200" dirty="0" smtClean="0">
+                <a:solidFill>
+                  <a:srgbClr val="C00000"/>
+                </a:solidFill>
+              </a:rPr>
+              <a:t>—</a:t>
+            </a:r>
+            <a:r>
+              <a:rPr lang="zh-CN" altLang="en-US" sz="3200" dirty="0" smtClean="0">
+                <a:solidFill>
+                  <a:srgbClr val="C00000"/>
+                </a:solidFill>
+              </a:rPr>
+              <a:t>调整数据</a:t>
+            </a:r>
+            <a:endParaRPr lang="zh-CN" altLang="en-US" sz="3200" dirty="0">
+              <a:solidFill>
+                <a:srgbClr val="0070C0"/>
+              </a:solidFill>
+            </a:endParaRPr>
+          </a:p>
+        </p:txBody>
+      </p:sp>
+      <p:sp>
+        <p:nvSpPr>
+          <p:cNvPr id="5" name="文本框 4"/>
           <p:cNvSpPr txBox="1"/>
           <p:nvPr/>
         </p:nvSpPr>
         <p:spPr>
           <a:xfrm>
-            <a:off x="6771125" y="3305176"/>
-            <a:ext cx="1439818" cy="369332"/>
+            <a:off x="75432" y="523664"/>
+            <a:ext cx="11773668" cy="1754326"/>
           </a:xfrm>
           <a:prstGeom prst="rect">
             <a:avLst/>
@@ -3456,126 +3489,118 @@
           <a:noFill/>
         </p:spPr>
         <p:txBody>
-          <a:bodyPr wrap="none" rtlCol="0">
+          <a:bodyPr wrap="square" rtlCol="0">
             <a:spAutoFit/>
           </a:bodyPr>
           <a:lstStyle/>
           <a:p>
             <a:r>
-              <a:rPr lang="zh-CN" altLang="en-US" dirty="0">
-                <a:solidFill>
-                  <a:srgbClr val="C00000"/>
-                </a:solidFill>
-              </a:rPr>
-              <a:t>后台</a:t>
+              <a:rPr lang="en-US" altLang="zh-CN" dirty="0" smtClean="0"/>
+              <a:t>1. </a:t>
+            </a:r>
+            <a:r>
+              <a:rPr lang="zh-CN" altLang="en-US" dirty="0" smtClean="0"/>
+              <a:t>如果生成产品数据缺失不对</a:t>
+            </a:r>
+            <a:r>
+              <a:rPr lang="zh-CN" altLang="en-US" dirty="0"/>
+              <a:t>，请</a:t>
+            </a:r>
+            <a:r>
+              <a:rPr lang="zh-CN" altLang="en-US" dirty="0" smtClean="0"/>
+              <a:t>打开火狐浏览器   </a:t>
             </a:r>
             <a:r>
               <a:rPr lang="en-US" altLang="zh-CN" dirty="0">
-                <a:solidFill>
-                  <a:srgbClr val="C00000"/>
-                </a:solidFill>
-              </a:rPr>
-              <a:t>API</a:t>
-            </a:r>
-            <a:r>
-              <a:rPr lang="zh-CN" altLang="en-US" dirty="0">
-                <a:solidFill>
-                  <a:srgbClr val="C00000"/>
-                </a:solidFill>
-              </a:rPr>
-              <a:t>接口</a:t>
-            </a:r>
-          </a:p>
-        </p:txBody>
-      </p:sp>
-      <p:sp>
-        <p:nvSpPr>
-          <p:cNvPr id="8" name="文本框 7"/>
-          <p:cNvSpPr txBox="1"/>
-          <p:nvPr/>
-        </p:nvSpPr>
-        <p:spPr>
-          <a:xfrm>
-            <a:off x="466999" y="253922"/>
-            <a:ext cx="8100294" cy="646331"/>
-          </a:xfrm>
-          <a:prstGeom prst="rect">
-            <a:avLst/>
-          </a:prstGeom>
-          <a:noFill/>
-        </p:spPr>
-        <p:txBody>
-          <a:bodyPr wrap="none" rtlCol="0">
-            <a:spAutoFit/>
-          </a:bodyPr>
-          <a:lstStyle/>
-          <a:p>
-            <a:pPr marL="342900" indent="-342900">
-              <a:buAutoNum type="arabicPeriod"/>
-            </a:pPr>
-            <a:r>
-              <a:rPr lang="zh-CN" altLang="en-US" dirty="0">
-                <a:solidFill>
-                  <a:srgbClr val="C00000"/>
-                </a:solidFill>
-              </a:rPr>
-              <a:t>启动桌面</a:t>
-            </a:r>
-            <a:r>
-              <a:rPr lang="zh-CN" altLang="en-US" dirty="0" smtClean="0">
-                <a:solidFill>
-                  <a:srgbClr val="C00000"/>
-                </a:solidFill>
-              </a:rPr>
-              <a:t>上</a:t>
-            </a:r>
-            <a:r>
-              <a:rPr lang="zh-CN" altLang="en-US" dirty="0">
-                <a:solidFill>
-                  <a:srgbClr val="0070C0"/>
-                </a:solidFill>
-              </a:rPr>
-              <a:t>启动阳江风电逐小时预报后端</a:t>
+                <a:hlinkClick r:id="rId4"/>
+              </a:rPr>
+              <a:t>http://10.148.16.20:10077</a:t>
+            </a:r>
+            <a:r>
+              <a:rPr lang="en-US" altLang="zh-CN" dirty="0" smtClean="0">
+                <a:hlinkClick r:id="rId4"/>
+              </a:rPr>
+              <a:t>/</a:t>
+            </a:r>
+            <a:endParaRPr lang="en-US" altLang="zh-CN" dirty="0" smtClean="0"/>
+          </a:p>
+          <a:p>
+            <a:r>
+              <a:rPr lang="en-US" altLang="zh-CN" dirty="0" smtClean="0"/>
+              <a:t>2. </a:t>
+            </a:r>
+            <a:r>
+              <a:rPr lang="zh-CN" altLang="en-US" dirty="0" smtClean="0"/>
+              <a:t>单击</a:t>
+            </a:r>
+            <a:r>
+              <a:rPr lang="zh-CN" altLang="en-US" dirty="0"/>
+              <a:t>头部区域打开编辑</a:t>
+            </a:r>
+            <a:r>
+              <a:rPr lang="zh-CN" altLang="en-US" dirty="0" smtClean="0"/>
+              <a:t>框，进行相应编辑</a:t>
+            </a:r>
+            <a:endParaRPr lang="en-US" altLang="zh-CN" dirty="0" smtClean="0"/>
+          </a:p>
+          <a:p>
+            <a:r>
+              <a:rPr lang="en-US" altLang="zh-CN" dirty="0" smtClean="0"/>
+              <a:t>3. </a:t>
+            </a:r>
+            <a:r>
+              <a:rPr lang="zh-CN" altLang="en-US" dirty="0" smtClean="0"/>
+              <a:t>改</a:t>
+            </a:r>
+            <a:r>
+              <a:rPr lang="zh-CN" altLang="en-US" dirty="0"/>
+              <a:t>好后</a:t>
+            </a:r>
+            <a:r>
+              <a:rPr lang="zh-CN" altLang="en-US" dirty="0" smtClean="0"/>
+              <a:t>，使用地址栏的</a:t>
+            </a:r>
+            <a:r>
+              <a:rPr lang="en-US" altLang="zh-CN" dirty="0" smtClean="0"/>
+              <a:t>【</a:t>
+            </a:r>
+            <a:r>
+              <a:rPr lang="zh-CN" altLang="en-US" dirty="0" smtClean="0"/>
+              <a:t>截屏按钮</a:t>
+            </a:r>
+            <a:r>
+              <a:rPr lang="en-US" altLang="zh-CN" dirty="0" smtClean="0"/>
+              <a:t>】</a:t>
+            </a:r>
+            <a:r>
+              <a:rPr lang="zh-CN" altLang="en-US" dirty="0" smtClean="0"/>
+              <a:t>，截取需要的范围保存两份图片到指定目录</a:t>
+            </a:r>
+            <a:r>
+              <a:rPr lang="en-US" altLang="zh-CN" dirty="0" smtClean="0"/>
+              <a:t>,</a:t>
+            </a:r>
+            <a:r>
+              <a:rPr lang="zh-CN" altLang="en-US" dirty="0" smtClean="0"/>
+              <a:t>一份带日期一份不带日期：</a:t>
+            </a:r>
+            <a:r>
+              <a:rPr lang="en-US" altLang="zh-CN" dirty="0" smtClean="0">
+                <a:solidFill>
+                  <a:srgbClr val="C00000"/>
+                </a:solidFill>
+                <a:hlinkClick r:id="rId5" action="ppaction://hlinkfile"/>
+              </a:rPr>
+              <a:t>\\</a:t>
             </a:r>
             <a:r>
               <a:rPr lang="en-US" altLang="zh-CN" dirty="0">
                 <a:solidFill>
-                  <a:srgbClr val="0070C0"/>
-                </a:solidFill>
-              </a:rPr>
-              <a:t>.bat</a:t>
-            </a:r>
-            <a:r>
-              <a:rPr lang="zh-CN" altLang="en-US" dirty="0" smtClean="0">
-                <a:solidFill>
-                  <a:srgbClr val="C00000"/>
-                </a:solidFill>
-              </a:rPr>
-              <a:t>文件</a:t>
-            </a:r>
-            <a:r>
-              <a:rPr lang="zh-CN" altLang="en-US" dirty="0">
-                <a:solidFill>
-                  <a:srgbClr val="C00000"/>
-                </a:solidFill>
-              </a:rPr>
-              <a:t>，会出现两个</a:t>
-            </a:r>
-            <a:r>
-              <a:rPr lang="en-US" altLang="zh-CN" dirty="0">
-                <a:solidFill>
-                  <a:srgbClr val="C00000"/>
-                </a:solidFill>
-              </a:rPr>
-              <a:t>CMD</a:t>
-            </a:r>
-            <a:r>
-              <a:rPr lang="zh-CN" altLang="en-US" dirty="0">
-                <a:solidFill>
-                  <a:srgbClr val="C00000"/>
-                </a:solidFill>
-              </a:rPr>
-              <a:t>窗口。</a:t>
+                  <a:srgbClr val="C00000"/>
+                </a:solidFill>
+                <a:hlinkClick r:id="rId5" action="ppaction://hlinkfile"/>
+              </a:rPr>
+              <a:t>10.148.16.32\e\ssow\html\YJFD-nanpeng-hourly.jpg</a:t>
             </a:r>
             <a:endParaRPr lang="en-US" altLang="zh-CN" dirty="0">
               <a:solidFill>
@@ -3585,45 +3610,109 @@
           </a:p>
           <a:p>
             <a:r>
-              <a:rPr lang="zh-CN" altLang="en-US" dirty="0">
-                <a:solidFill>
-                  <a:srgbClr val="C00000"/>
-                </a:solidFill>
-              </a:rPr>
-              <a:t>      此后保持两个后台程序打开。如果已打开跳过次步骤</a:t>
-            </a:r>
-          </a:p>
-        </p:txBody>
-      </p:sp>
-      <p:sp>
-        <p:nvSpPr>
-          <p:cNvPr id="9" name="文本框 8"/>
-          <p:cNvSpPr txBox="1"/>
-          <p:nvPr/>
-        </p:nvSpPr>
-        <p:spPr>
-          <a:xfrm>
-            <a:off x="466999" y="4961293"/>
-            <a:ext cx="5724644" cy="646331"/>
-          </a:xfrm>
-          <a:prstGeom prst="rect">
-            <a:avLst/>
-          </a:prstGeom>
-          <a:noFill/>
-        </p:spPr>
-        <p:txBody>
-          <a:bodyPr wrap="none" rtlCol="0">
-            <a:spAutoFit/>
-          </a:bodyPr>
-          <a:lstStyle/>
-          <a:p>
-            <a:r>
-              <a:rPr lang="zh-CN" altLang="en-US" dirty="0">
-                <a:solidFill>
-                  <a:srgbClr val="C00000"/>
-                </a:solidFill>
-              </a:rPr>
-              <a:t>注意：平时不要关闭这两个窗口。</a:t>
+              <a:rPr lang="en-US" altLang="zh-CN" dirty="0">
+                <a:solidFill>
+                  <a:srgbClr val="C00000"/>
+                </a:solidFill>
+                <a:hlinkClick r:id="rId6" action="ppaction://hlinkfile"/>
+              </a:rPr>
+              <a:t>\\</a:t>
+            </a:r>
+            <a:r>
+              <a:rPr lang="en-US" altLang="zh-CN" dirty="0" smtClean="0">
+                <a:solidFill>
+                  <a:srgbClr val="C00000"/>
+                </a:solidFill>
+                <a:hlinkClick r:id="rId6" action="ppaction://hlinkfile"/>
+              </a:rPr>
+              <a:t>10.148.16.32\e\ssow\html\YJFD-nanpeng-hourly-YYMMDDHH.jpg</a:t>
+            </a:r>
+            <a:endParaRPr lang="en-US" altLang="zh-CN" dirty="0" smtClean="0">
+              <a:solidFill>
+                <a:srgbClr val="C00000"/>
+              </a:solidFill>
+            </a:endParaRPr>
+          </a:p>
+          <a:p>
+            <a:r>
+              <a:rPr lang="zh-CN" altLang="en-US" dirty="0" smtClean="0">
+                <a:solidFill>
+                  <a:srgbClr val="C00000"/>
+                </a:solidFill>
+              </a:rPr>
+              <a:t>日期格式示例：</a:t>
+            </a:r>
+            <a:r>
+              <a:rPr lang="en-US" altLang="zh-CN" dirty="0" smtClean="0">
+                <a:solidFill>
+                  <a:srgbClr val="C00000"/>
+                </a:solidFill>
+              </a:rPr>
+              <a:t>2020</a:t>
+            </a:r>
+            <a:r>
+              <a:rPr lang="zh-CN" altLang="en-US" dirty="0" smtClean="0">
+                <a:solidFill>
+                  <a:srgbClr val="C00000"/>
+                </a:solidFill>
+              </a:rPr>
+              <a:t>年</a:t>
+            </a:r>
+            <a:r>
+              <a:rPr lang="en-US" altLang="zh-CN" dirty="0" smtClean="0">
+                <a:solidFill>
+                  <a:srgbClr val="C00000"/>
+                </a:solidFill>
+              </a:rPr>
+              <a:t>10</a:t>
+            </a:r>
+            <a:r>
+              <a:rPr lang="zh-CN" altLang="en-US" dirty="0" smtClean="0">
+                <a:solidFill>
+                  <a:srgbClr val="C00000"/>
+                </a:solidFill>
+              </a:rPr>
+              <a:t>月</a:t>
+            </a:r>
+            <a:r>
+              <a:rPr lang="en-US" altLang="zh-CN" dirty="0" smtClean="0">
+                <a:solidFill>
+                  <a:srgbClr val="C00000"/>
+                </a:solidFill>
+              </a:rPr>
+              <a:t>11</a:t>
+            </a:r>
+            <a:r>
+              <a:rPr lang="zh-CN" altLang="en-US" dirty="0" smtClean="0">
+                <a:solidFill>
+                  <a:srgbClr val="C00000"/>
+                </a:solidFill>
+              </a:rPr>
+              <a:t>日</a:t>
+            </a:r>
+            <a:r>
+              <a:rPr lang="en-US" altLang="zh-CN" dirty="0" smtClean="0">
+                <a:solidFill>
+                  <a:srgbClr val="C00000"/>
+                </a:solidFill>
+              </a:rPr>
+              <a:t>08</a:t>
+            </a:r>
+            <a:r>
+              <a:rPr lang="zh-CN" altLang="en-US" dirty="0" smtClean="0">
+                <a:solidFill>
+                  <a:srgbClr val="C00000"/>
+                </a:solidFill>
+              </a:rPr>
+              <a:t>时</a:t>
+            </a:r>
+            <a:r>
+              <a:rPr lang="en-US" altLang="zh-CN" dirty="0" smtClean="0">
+                <a:solidFill>
+                  <a:srgbClr val="C00000"/>
+                </a:solidFill>
+              </a:rPr>
+              <a:t>=&gt;20101108</a:t>
             </a:r>
             <a:endParaRPr lang="en-US" altLang="zh-CN" dirty="0">
               <a:solidFill>
@@ -3631,22 +3720,426 @@
               </a:solidFill>
             </a:endParaRPr>
           </a:p>
-          <a:p>
-            <a:r>
-              <a:rPr lang="zh-CN" altLang="en-US" dirty="0">
-                <a:solidFill>
-                  <a:srgbClr val="C00000"/>
-                </a:solidFill>
-              </a:rPr>
-              <a:t>另外不能同时打开多份程序，会因端口占用冲突而报错</a:t>
-            </a:r>
+        </p:txBody>
+      </p:sp>
+      <p:sp>
+        <p:nvSpPr>
+          <p:cNvPr id="11" name="右箭头 10"/>
+          <p:cNvSpPr/>
+          <p:nvPr/>
+        </p:nvSpPr>
+        <p:spPr>
+          <a:xfrm rot="17397579">
+            <a:off x="8211977" y="2963442"/>
+            <a:ext cx="640271" cy="139493"/>
+          </a:xfrm>
+          <a:prstGeom prst="rightArrow">
+            <a:avLst>
+              <a:gd name="adj1" fmla="val 20593"/>
+              <a:gd name="adj2" fmla="val 230112"/>
+            </a:avLst>
+          </a:prstGeom>
+          <a:solidFill>
+            <a:srgbClr val="C00000"/>
+          </a:solidFill>
+          <a:ln>
+            <a:noFill/>
+          </a:ln>
+        </p:spPr>
+        <p:style>
+          <a:lnRef idx="2">
+            <a:schemeClr val="accent1">
+              <a:shade val="50000"/>
+            </a:schemeClr>
+          </a:lnRef>
+          <a:fillRef idx="1">
+            <a:schemeClr val="accent1"/>
+          </a:fillRef>
+          <a:effectRef idx="0">
+            <a:schemeClr val="accent1"/>
+          </a:effectRef>
+          <a:fontRef idx="minor">
+            <a:schemeClr val="lt1"/>
+          </a:fontRef>
+        </p:style>
+        <p:txBody>
+          <a:bodyPr rtlCol="0" anchor="ctr"/>
+          <a:lstStyle/>
+          <a:p>
+            <a:pPr algn="ctr"/>
+            <a:endParaRPr lang="zh-CN" altLang="en-US"/>
+          </a:p>
+        </p:txBody>
+      </p:sp>
+      <p:sp>
+        <p:nvSpPr>
+          <p:cNvPr id="12" name="文本框 11"/>
+          <p:cNvSpPr txBox="1"/>
+          <p:nvPr/>
+        </p:nvSpPr>
+        <p:spPr>
+          <a:xfrm>
+            <a:off x="7652129" y="3259098"/>
+            <a:ext cx="1886162" cy="369332"/>
+          </a:xfrm>
+          <a:prstGeom prst="rect">
+            <a:avLst/>
+          </a:prstGeom>
+          <a:noFill/>
+          <a:ln>
+            <a:solidFill>
+              <a:srgbClr val="C00000"/>
+            </a:solidFill>
+          </a:ln>
+        </p:spPr>
+        <p:txBody>
+          <a:bodyPr wrap="square" rtlCol="0">
+            <a:spAutoFit/>
+          </a:bodyPr>
+          <a:lstStyle/>
+          <a:p>
+            <a:r>
+              <a:rPr lang="zh-CN" altLang="en-US" dirty="0" smtClean="0">
+                <a:solidFill>
+                  <a:srgbClr val="C00000"/>
+                </a:solidFill>
+              </a:rPr>
+              <a:t>点击搜索</a:t>
+            </a:r>
+            <a:endParaRPr lang="en-US" altLang="zh-CN" dirty="0">
+              <a:solidFill>
+                <a:srgbClr val="C00000"/>
+              </a:solidFill>
+            </a:endParaRPr>
+          </a:p>
+        </p:txBody>
+      </p:sp>
+      <p:sp>
+        <p:nvSpPr>
+          <p:cNvPr id="13" name="文本框 12"/>
+          <p:cNvSpPr txBox="1"/>
+          <p:nvPr/>
+        </p:nvSpPr>
+        <p:spPr>
+          <a:xfrm>
+            <a:off x="5375054" y="2186857"/>
+            <a:ext cx="2231923" cy="369332"/>
+          </a:xfrm>
+          <a:prstGeom prst="rect">
+            <a:avLst/>
+          </a:prstGeom>
+          <a:noFill/>
+          <a:ln>
+            <a:solidFill>
+              <a:srgbClr val="C00000"/>
+            </a:solidFill>
+          </a:ln>
+        </p:spPr>
+        <p:txBody>
+          <a:bodyPr wrap="square" rtlCol="0">
+            <a:spAutoFit/>
+          </a:bodyPr>
+          <a:lstStyle/>
+          <a:p>
+            <a:r>
+              <a:rPr lang="zh-CN" altLang="en-US" dirty="0" smtClean="0">
+                <a:solidFill>
+                  <a:srgbClr val="C00000"/>
+                </a:solidFill>
+              </a:rPr>
+              <a:t>调整模式起报时间</a:t>
+            </a:r>
+            <a:endParaRPr lang="en-US" altLang="zh-CN" dirty="0">
+              <a:solidFill>
+                <a:srgbClr val="C00000"/>
+              </a:solidFill>
+            </a:endParaRPr>
+          </a:p>
+        </p:txBody>
+      </p:sp>
+      <p:sp>
+        <p:nvSpPr>
+          <p:cNvPr id="14" name="右箭头 13"/>
+          <p:cNvSpPr/>
+          <p:nvPr/>
+        </p:nvSpPr>
+        <p:spPr>
+          <a:xfrm rot="9499617">
+            <a:off x="5659322" y="2588675"/>
+            <a:ext cx="640271" cy="139493"/>
+          </a:xfrm>
+          <a:prstGeom prst="rightArrow">
+            <a:avLst>
+              <a:gd name="adj1" fmla="val 20593"/>
+              <a:gd name="adj2" fmla="val 230112"/>
+            </a:avLst>
+          </a:prstGeom>
+          <a:solidFill>
+            <a:srgbClr val="C00000"/>
+          </a:solidFill>
+          <a:ln>
+            <a:noFill/>
+          </a:ln>
+        </p:spPr>
+        <p:style>
+          <a:lnRef idx="2">
+            <a:schemeClr val="accent1">
+              <a:shade val="50000"/>
+            </a:schemeClr>
+          </a:lnRef>
+          <a:fillRef idx="1">
+            <a:schemeClr val="accent1"/>
+          </a:fillRef>
+          <a:effectRef idx="0">
+            <a:schemeClr val="accent1"/>
+          </a:effectRef>
+          <a:fontRef idx="minor">
+            <a:schemeClr val="lt1"/>
+          </a:fontRef>
+        </p:style>
+        <p:txBody>
+          <a:bodyPr rtlCol="0" anchor="ctr"/>
+          <a:lstStyle/>
+          <a:p>
+            <a:pPr algn="ctr"/>
+            <a:endParaRPr lang="zh-CN" altLang="en-US"/>
+          </a:p>
+        </p:txBody>
+      </p:sp>
+      <p:sp>
+        <p:nvSpPr>
+          <p:cNvPr id="15" name="文本框 14"/>
+          <p:cNvSpPr txBox="1"/>
+          <p:nvPr/>
+        </p:nvSpPr>
+        <p:spPr>
+          <a:xfrm>
+            <a:off x="-2232" y="5462465"/>
+            <a:ext cx="1354782" cy="646331"/>
+          </a:xfrm>
+          <a:prstGeom prst="rect">
+            <a:avLst/>
+          </a:prstGeom>
+          <a:noFill/>
+          <a:ln>
+            <a:solidFill>
+              <a:srgbClr val="C00000"/>
+            </a:solidFill>
+          </a:ln>
+        </p:spPr>
+        <p:txBody>
+          <a:bodyPr wrap="square" rtlCol="0">
+            <a:spAutoFit/>
+          </a:bodyPr>
+          <a:lstStyle/>
+          <a:p>
+            <a:r>
+              <a:rPr lang="zh-CN" altLang="en-US" dirty="0" smtClean="0">
+                <a:solidFill>
+                  <a:srgbClr val="C00000"/>
+                </a:solidFill>
+              </a:rPr>
+              <a:t>单击此处打开编辑框</a:t>
+            </a:r>
+            <a:endParaRPr lang="en-US" altLang="zh-CN" dirty="0">
+              <a:solidFill>
+                <a:srgbClr val="C00000"/>
+              </a:solidFill>
+            </a:endParaRPr>
+          </a:p>
+        </p:txBody>
+      </p:sp>
+      <p:sp>
+        <p:nvSpPr>
+          <p:cNvPr id="16" name="右箭头 15"/>
+          <p:cNvSpPr/>
+          <p:nvPr/>
+        </p:nvSpPr>
+        <p:spPr>
+          <a:xfrm rot="2232647">
+            <a:off x="1200990" y="5770050"/>
+            <a:ext cx="640271" cy="139493"/>
+          </a:xfrm>
+          <a:prstGeom prst="rightArrow">
+            <a:avLst>
+              <a:gd name="adj1" fmla="val 20593"/>
+              <a:gd name="adj2" fmla="val 230112"/>
+            </a:avLst>
+          </a:prstGeom>
+          <a:solidFill>
+            <a:srgbClr val="C00000"/>
+          </a:solidFill>
+          <a:ln>
+            <a:noFill/>
+          </a:ln>
+        </p:spPr>
+        <p:style>
+          <a:lnRef idx="2">
+            <a:schemeClr val="accent1">
+              <a:shade val="50000"/>
+            </a:schemeClr>
+          </a:lnRef>
+          <a:fillRef idx="1">
+            <a:schemeClr val="accent1"/>
+          </a:fillRef>
+          <a:effectRef idx="0">
+            <a:schemeClr val="accent1"/>
+          </a:effectRef>
+          <a:fontRef idx="minor">
+            <a:schemeClr val="lt1"/>
+          </a:fontRef>
+        </p:style>
+        <p:txBody>
+          <a:bodyPr rtlCol="0" anchor="ctr"/>
+          <a:lstStyle/>
+          <a:p>
+            <a:pPr algn="ctr"/>
+            <a:endParaRPr lang="zh-CN" altLang="en-US"/>
+          </a:p>
+        </p:txBody>
+      </p:sp>
+      <p:sp>
+        <p:nvSpPr>
+          <p:cNvPr id="17" name="文本框 16"/>
+          <p:cNvSpPr txBox="1"/>
+          <p:nvPr/>
+        </p:nvSpPr>
+        <p:spPr>
+          <a:xfrm>
+            <a:off x="108023" y="3259099"/>
+            <a:ext cx="1244527" cy="369332"/>
+          </a:xfrm>
+          <a:prstGeom prst="rect">
+            <a:avLst/>
+          </a:prstGeom>
+          <a:noFill/>
+          <a:ln>
+            <a:solidFill>
+              <a:srgbClr val="C00000"/>
+            </a:solidFill>
+          </a:ln>
+        </p:spPr>
+        <p:txBody>
+          <a:bodyPr wrap="square" rtlCol="0">
+            <a:spAutoFit/>
+          </a:bodyPr>
+          <a:lstStyle/>
+          <a:p>
+            <a:r>
+              <a:rPr lang="zh-CN" altLang="en-US" dirty="0" smtClean="0">
+                <a:solidFill>
+                  <a:srgbClr val="C00000"/>
+                </a:solidFill>
+              </a:rPr>
+              <a:t>小值调整</a:t>
+            </a:r>
+            <a:endParaRPr lang="en-US" altLang="zh-CN" dirty="0">
+              <a:solidFill>
+                <a:srgbClr val="C00000"/>
+              </a:solidFill>
+            </a:endParaRPr>
+          </a:p>
+        </p:txBody>
+      </p:sp>
+      <p:sp>
+        <p:nvSpPr>
+          <p:cNvPr id="18" name="右箭头 17"/>
+          <p:cNvSpPr/>
+          <p:nvPr/>
+        </p:nvSpPr>
+        <p:spPr>
+          <a:xfrm rot="21208767">
+            <a:off x="1200991" y="3374018"/>
+            <a:ext cx="640271" cy="139493"/>
+          </a:xfrm>
+          <a:prstGeom prst="rightArrow">
+            <a:avLst>
+              <a:gd name="adj1" fmla="val 20593"/>
+              <a:gd name="adj2" fmla="val 230112"/>
+            </a:avLst>
+          </a:prstGeom>
+          <a:solidFill>
+            <a:srgbClr val="C00000"/>
+          </a:solidFill>
+          <a:ln>
+            <a:noFill/>
+          </a:ln>
+        </p:spPr>
+        <p:style>
+          <a:lnRef idx="2">
+            <a:schemeClr val="accent1">
+              <a:shade val="50000"/>
+            </a:schemeClr>
+          </a:lnRef>
+          <a:fillRef idx="1">
+            <a:schemeClr val="accent1"/>
+          </a:fillRef>
+          <a:effectRef idx="0">
+            <a:schemeClr val="accent1"/>
+          </a:effectRef>
+          <a:fontRef idx="minor">
+            <a:schemeClr val="lt1"/>
+          </a:fontRef>
+        </p:style>
+        <p:txBody>
+          <a:bodyPr rtlCol="0" anchor="ctr"/>
+          <a:lstStyle/>
+          <a:p>
+            <a:pPr algn="ctr"/>
+            <a:endParaRPr lang="zh-CN" altLang="en-US"/>
+          </a:p>
+        </p:txBody>
+      </p:sp>
+      <p:sp>
+        <p:nvSpPr>
+          <p:cNvPr id="2" name="矩形 1"/>
+          <p:cNvSpPr/>
+          <p:nvPr/>
+        </p:nvSpPr>
+        <p:spPr>
+          <a:xfrm>
+            <a:off x="1776411" y="3259099"/>
+            <a:ext cx="3036955" cy="290316"/>
+          </a:xfrm>
+          <a:prstGeom prst="rect">
+            <a:avLst/>
+          </a:prstGeom>
+          <a:noFill/>
+          <a:ln>
+            <a:solidFill>
+              <a:srgbClr val="C00000"/>
+            </a:solidFill>
+          </a:ln>
+        </p:spPr>
+        <p:style>
+          <a:lnRef idx="2">
+            <a:schemeClr val="accent1">
+              <a:shade val="50000"/>
+            </a:schemeClr>
+          </a:lnRef>
+          <a:fillRef idx="1">
+            <a:schemeClr val="accent1"/>
+          </a:fillRef>
+          <a:effectRef idx="0">
+            <a:schemeClr val="accent1"/>
+          </a:effectRef>
+          <a:fontRef idx="minor">
+            <a:schemeClr val="lt1"/>
+          </a:fontRef>
+        </p:style>
+        <p:txBody>
+          <a:bodyPr rtlCol="0" anchor="ctr"/>
+          <a:lstStyle/>
+          <a:p>
+            <a:pPr algn="ctr"/>
+            <a:endParaRPr lang="zh-CN" altLang="en-US"/>
           </a:p>
         </p:txBody>
       </p:sp>
     </p:spTree>
     <p:extLst>
       <p:ext uri="{BB962C8B-B14F-4D97-AF65-F5344CB8AC3E}">
-        <p14:creationId xmlns:p14="http://schemas.microsoft.com/office/powerpoint/2010/main" val="1327359080"/>
+        <p14:creationId xmlns:p14="http://schemas.microsoft.com/office/powerpoint/2010/main" val="1101274734"/>
       </p:ext>
     </p:extLst>
   </p:cSld>
@@ -3673,16 +4166,40 @@
           <a:chExt cx="0" cy="0"/>
         </a:xfrm>
       </p:grpSpPr>
-      <p:sp>
-        <p:nvSpPr>
-          <p:cNvPr id="8" name="文本框 7"/>
+      <p:pic>
+        <p:nvPicPr>
+          <p:cNvPr id="3" name="图片 2"/>
+          <p:cNvPicPr>
+            <a:picLocks noChangeAspect="1"/>
+          </p:cNvPicPr>
+          <p:nvPr/>
+        </p:nvPicPr>
+        <p:blipFill>
+          <a:blip r:embed="rId2"/>
+          <a:stretch>
+            <a:fillRect/>
+          </a:stretch>
+        </p:blipFill>
+        <p:spPr>
+          <a:xfrm>
+            <a:off x="1707171" y="2656800"/>
+            <a:ext cx="8705850" cy="4238625"/>
+          </a:xfrm>
+          <a:prstGeom prst="rect">
+            <a:avLst/>
+          </a:prstGeom>
+        </p:spPr>
+      </p:pic>
+      <p:sp>
+        <p:nvSpPr>
+          <p:cNvPr id="4" name="文本框 3"/>
           <p:cNvSpPr txBox="1"/>
           <p:nvPr/>
         </p:nvSpPr>
         <p:spPr>
           <a:xfrm>
-            <a:off x="0" y="324351"/>
-            <a:ext cx="7766870" cy="1200329"/>
+            <a:off x="2341548" y="-7897"/>
+            <a:ext cx="7455493" cy="584775"/>
           </a:xfrm>
           <a:prstGeom prst="rect">
             <a:avLst/>
@@ -3690,98 +4207,172 @@
           <a:noFill/>
         </p:spPr>
         <p:txBody>
-          <a:bodyPr wrap="none" rtlCol="0">
+          <a:bodyPr wrap="square" rtlCol="0">
             <a:spAutoFit/>
           </a:bodyPr>
           <a:lstStyle/>
           <a:p>
             <a:r>
+              <a:rPr lang="zh-CN" altLang="en-US" sz="3200" dirty="0" smtClean="0">
+                <a:solidFill>
+                  <a:srgbClr val="C00000"/>
+                </a:solidFill>
+              </a:rPr>
+              <a:t>珠海万山沙场特殊情况处理</a:t>
+            </a:r>
+            <a:r>
+              <a:rPr lang="en-US" altLang="zh-CN" sz="3200" dirty="0" smtClean="0">
+                <a:solidFill>
+                  <a:srgbClr val="C00000"/>
+                </a:solidFill>
+              </a:rPr>
+              <a:t>—</a:t>
+            </a:r>
+            <a:r>
+              <a:rPr lang="zh-CN" altLang="en-US" sz="3200" dirty="0" smtClean="0">
+                <a:solidFill>
+                  <a:srgbClr val="C00000"/>
+                </a:solidFill>
+              </a:rPr>
+              <a:t>调整数据</a:t>
+            </a:r>
+            <a:endParaRPr lang="zh-CN" altLang="en-US" sz="3200" dirty="0">
+              <a:solidFill>
+                <a:srgbClr val="0070C0"/>
+              </a:solidFill>
+            </a:endParaRPr>
+          </a:p>
+        </p:txBody>
+      </p:sp>
+      <p:sp>
+        <p:nvSpPr>
+          <p:cNvPr id="5" name="文本框 4"/>
+          <p:cNvSpPr txBox="1"/>
+          <p:nvPr/>
+        </p:nvSpPr>
+        <p:spPr>
+          <a:xfrm>
+            <a:off x="75432" y="523664"/>
+            <a:ext cx="11773668" cy="1754326"/>
+          </a:xfrm>
+          <a:prstGeom prst="rect">
+            <a:avLst/>
+          </a:prstGeom>
+          <a:noFill/>
+        </p:spPr>
+        <p:txBody>
+          <a:bodyPr wrap="square" rtlCol="0">
+            <a:spAutoFit/>
+          </a:bodyPr>
+          <a:lstStyle/>
+          <a:p>
+            <a:r>
+              <a:rPr lang="en-US" altLang="zh-CN" dirty="0" smtClean="0"/>
+              <a:t>1. </a:t>
+            </a:r>
+            <a:r>
+              <a:rPr lang="zh-CN" altLang="en-US" dirty="0" smtClean="0"/>
+              <a:t>如果生成产品数据缺失不对</a:t>
+            </a:r>
+            <a:r>
+              <a:rPr lang="zh-CN" altLang="en-US" dirty="0"/>
+              <a:t>，请</a:t>
+            </a:r>
+            <a:r>
+              <a:rPr lang="zh-CN" altLang="en-US" dirty="0" smtClean="0"/>
+              <a:t>打开火狐浏览器   </a:t>
+            </a:r>
+            <a:r>
               <a:rPr lang="en-US" altLang="zh-CN" dirty="0">
-                <a:solidFill>
-                  <a:srgbClr val="C00000"/>
-                </a:solidFill>
-              </a:rPr>
+                <a:hlinkClick r:id="rId3"/>
+              </a:rPr>
+              <a:t>http://</a:t>
+            </a:r>
+            <a:r>
+              <a:rPr lang="en-US" altLang="zh-CN" dirty="0" smtClean="0">
+                <a:hlinkClick r:id="rId3"/>
+              </a:rPr>
+              <a:t>10.148.16.20:10079/</a:t>
+            </a:r>
+            <a:endParaRPr lang="en-US" altLang="zh-CN" dirty="0" smtClean="0"/>
+          </a:p>
+          <a:p>
+            <a:r>
+              <a:rPr lang="en-US" altLang="zh-CN" dirty="0" smtClean="0"/>
               <a:t>2. </a:t>
             </a:r>
             <a:r>
-              <a:rPr lang="zh-CN" altLang="en-US" dirty="0">
-                <a:solidFill>
-                  <a:srgbClr val="C00000"/>
-                </a:solidFill>
-              </a:rPr>
-              <a:t>启动桌面</a:t>
-            </a:r>
-            <a:r>
-              <a:rPr lang="zh-CN" altLang="en-US" dirty="0" smtClean="0">
-                <a:solidFill>
-                  <a:srgbClr val="C00000"/>
-                </a:solidFill>
-              </a:rPr>
-              <a:t>上</a:t>
-            </a:r>
-            <a:r>
-              <a:rPr lang="zh-CN" altLang="en-US" dirty="0">
-                <a:solidFill>
-                  <a:srgbClr val="0070C0"/>
-                </a:solidFill>
-              </a:rPr>
-              <a:t>生成阳江风电南鹏岛</a:t>
-            </a:r>
-            <a:r>
-              <a:rPr lang="zh-CN" altLang="en-US" dirty="0" smtClean="0">
-                <a:solidFill>
-                  <a:srgbClr val="0070C0"/>
-                </a:solidFill>
-              </a:rPr>
-              <a:t>预报</a:t>
+              <a:rPr lang="zh-CN" altLang="en-US" dirty="0" smtClean="0"/>
+              <a:t>单击</a:t>
+            </a:r>
+            <a:r>
+              <a:rPr lang="zh-CN" altLang="en-US" dirty="0"/>
+              <a:t>头部区域打开编辑</a:t>
+            </a:r>
+            <a:r>
+              <a:rPr lang="zh-CN" altLang="en-US" dirty="0" smtClean="0"/>
+              <a:t>框，进行相应编辑</a:t>
+            </a:r>
+            <a:endParaRPr lang="en-US" altLang="zh-CN" dirty="0" smtClean="0"/>
+          </a:p>
+          <a:p>
+            <a:r>
+              <a:rPr lang="en-US" altLang="zh-CN" dirty="0" smtClean="0"/>
+              <a:t>3. </a:t>
+            </a:r>
+            <a:r>
+              <a:rPr lang="zh-CN" altLang="en-US" dirty="0" smtClean="0"/>
+              <a:t>改</a:t>
+            </a:r>
+            <a:r>
+              <a:rPr lang="zh-CN" altLang="en-US" dirty="0"/>
+              <a:t>好后</a:t>
+            </a:r>
+            <a:r>
+              <a:rPr lang="zh-CN" altLang="en-US" dirty="0" smtClean="0"/>
+              <a:t>，使用地址栏的</a:t>
+            </a:r>
+            <a:r>
+              <a:rPr lang="en-US" altLang="zh-CN" dirty="0" smtClean="0"/>
+              <a:t>【</a:t>
+            </a:r>
+            <a:r>
+              <a:rPr lang="zh-CN" altLang="en-US" dirty="0" smtClean="0"/>
+              <a:t>截屏按钮</a:t>
+            </a:r>
+            <a:r>
+              <a:rPr lang="en-US" altLang="zh-CN" dirty="0" smtClean="0"/>
+              <a:t>】</a:t>
+            </a:r>
+            <a:r>
+              <a:rPr lang="zh-CN" altLang="en-US" dirty="0" smtClean="0"/>
+              <a:t>，截取需要的范围保存两份图片到指定目录</a:t>
+            </a:r>
+            <a:r>
+              <a:rPr lang="en-US" altLang="zh-CN" dirty="0" smtClean="0"/>
+              <a:t>,</a:t>
+            </a:r>
+            <a:r>
+              <a:rPr lang="zh-CN" altLang="en-US" dirty="0" smtClean="0"/>
+              <a:t>一份带日期一份不带日期：</a:t>
             </a:r>
             <a:r>
               <a:rPr lang="en-US" altLang="zh-CN" dirty="0" smtClean="0">
                 <a:solidFill>
-                  <a:srgbClr val="0070C0"/>
-                </a:solidFill>
-              </a:rPr>
-              <a:t>.bat</a:t>
-            </a:r>
-            <a:r>
-              <a:rPr lang="zh-CN" altLang="en-US" dirty="0" smtClean="0">
-                <a:solidFill>
-                  <a:srgbClr val="C00000"/>
-                </a:solidFill>
-              </a:rPr>
-              <a:t>文件</a:t>
-            </a:r>
-            <a:r>
-              <a:rPr lang="zh-CN" altLang="en-US" dirty="0">
-                <a:solidFill>
-                  <a:srgbClr val="C00000"/>
-                </a:solidFill>
-              </a:rPr>
-              <a:t>，此过程大概需要</a:t>
+                  <a:srgbClr val="C00000"/>
+                </a:solidFill>
+                <a:hlinkClick r:id="rId4" action="ppaction://hlinkfile"/>
+              </a:rPr>
+              <a:t>\\</a:t>
             </a:r>
             <a:r>
               <a:rPr lang="en-US" altLang="zh-CN" dirty="0">
                 <a:solidFill>
                   <a:srgbClr val="C00000"/>
                 </a:solidFill>
-              </a:rPr>
-              <a:t>1</a:t>
-            </a:r>
-            <a:r>
-              <a:rPr lang="zh-CN" altLang="en-US" dirty="0" smtClean="0">
-                <a:solidFill>
-                  <a:srgbClr val="C00000"/>
-                </a:solidFill>
-              </a:rPr>
-              <a:t>分钟</a:t>
-            </a:r>
-            <a:r>
-              <a:rPr lang="zh-CN" altLang="en-US" dirty="0">
-                <a:solidFill>
-                  <a:srgbClr val="C00000"/>
-                </a:solidFill>
-              </a:rPr>
-              <a:t>。</a:t>
+                <a:hlinkClick r:id="rId4" action="ppaction://hlinkfile"/>
+              </a:rPr>
+              <a:t>10.148.16.32\e\ssow\html\ZHWS-zhuwai-hourly.jpg</a:t>
             </a:r>
             <a:endParaRPr lang="en-US" altLang="zh-CN" dirty="0">
               <a:solidFill>
@@ -3791,44 +4382,127 @@
           </a:p>
           <a:p>
             <a:r>
-              <a:rPr lang="zh-CN" altLang="en-US" dirty="0">
-                <a:solidFill>
-                  <a:srgbClr val="C00000"/>
-                </a:solidFill>
-              </a:rPr>
-              <a:t>完成后会输出</a:t>
-            </a:r>
-            <a:r>
               <a:rPr lang="en-US" altLang="zh-CN" dirty="0">
                 <a:solidFill>
                   <a:srgbClr val="C00000"/>
                 </a:solidFill>
-              </a:rPr>
-              <a:t>PDF</a:t>
-            </a:r>
-            <a:r>
-              <a:rPr lang="zh-CN" altLang="en-US" dirty="0">
-                <a:solidFill>
-                  <a:srgbClr val="C00000"/>
-                </a:solidFill>
-              </a:rPr>
-              <a:t>文件，并且会打开</a:t>
+                <a:hlinkClick r:id="rId5" action="ppaction://hlinkfile"/>
+              </a:rPr>
+              <a:t>\\</a:t>
+            </a:r>
+            <a:r>
+              <a:rPr lang="en-US" altLang="zh-CN" dirty="0" smtClean="0">
+                <a:solidFill>
+                  <a:srgbClr val="C00000"/>
+                </a:solidFill>
+                <a:hlinkClick r:id="rId5" action="ppaction://hlinkfile"/>
+              </a:rPr>
+              <a:t>10.148.16.32\e\ssow\html\</a:t>
             </a:r>
             <a:r>
               <a:rPr lang="en-US" altLang="zh-CN" dirty="0">
                 <a:solidFill>
                   <a:srgbClr val="C00000"/>
                 </a:solidFill>
-              </a:rPr>
-              <a:t>PDF</a:t>
-            </a:r>
-            <a:r>
-              <a:rPr lang="zh-CN" altLang="en-US" dirty="0">
-                <a:solidFill>
-                  <a:srgbClr val="C00000"/>
-                </a:solidFill>
-              </a:rPr>
-              <a:t>所在文件夹</a:t>
+                <a:hlinkClick r:id="rId4" action="ppaction://hlinkfile"/>
+              </a:rPr>
+              <a:t>ZHWS</a:t>
+            </a:r>
+            <a:r>
+              <a:rPr lang="en-US" altLang="zh-CN" dirty="0" smtClean="0">
+                <a:solidFill>
+                  <a:srgbClr val="C00000"/>
+                </a:solidFill>
+                <a:hlinkClick r:id="rId5" action="ppaction://hlinkfile"/>
+              </a:rPr>
+              <a:t>-zhuwai-hourly-YYMMDDHH.jpg</a:t>
+            </a:r>
+            <a:endParaRPr lang="en-US" altLang="zh-CN" dirty="0" smtClean="0">
+              <a:solidFill>
+                <a:srgbClr val="C00000"/>
+              </a:solidFill>
+            </a:endParaRPr>
+          </a:p>
+          <a:p>
+            <a:r>
+              <a:rPr lang="zh-CN" altLang="en-US" dirty="0" smtClean="0">
+                <a:solidFill>
+                  <a:srgbClr val="C00000"/>
+                </a:solidFill>
+              </a:rPr>
+              <a:t>日期格式示例：</a:t>
+            </a:r>
+            <a:r>
+              <a:rPr lang="en-US" altLang="zh-CN" dirty="0" smtClean="0">
+                <a:solidFill>
+                  <a:srgbClr val="C00000"/>
+                </a:solidFill>
+              </a:rPr>
+              <a:t>2020</a:t>
+            </a:r>
+            <a:r>
+              <a:rPr lang="zh-CN" altLang="en-US" dirty="0" smtClean="0">
+                <a:solidFill>
+                  <a:srgbClr val="C00000"/>
+                </a:solidFill>
+              </a:rPr>
+              <a:t>年</a:t>
+            </a:r>
+            <a:r>
+              <a:rPr lang="en-US" altLang="zh-CN" dirty="0" smtClean="0">
+                <a:solidFill>
+                  <a:srgbClr val="C00000"/>
+                </a:solidFill>
+              </a:rPr>
+              <a:t>10</a:t>
+            </a:r>
+            <a:r>
+              <a:rPr lang="zh-CN" altLang="en-US" dirty="0" smtClean="0">
+                <a:solidFill>
+                  <a:srgbClr val="C00000"/>
+                </a:solidFill>
+              </a:rPr>
+              <a:t>月</a:t>
+            </a:r>
+            <a:r>
+              <a:rPr lang="en-US" altLang="zh-CN" dirty="0" smtClean="0">
+                <a:solidFill>
+                  <a:srgbClr val="C00000"/>
+                </a:solidFill>
+              </a:rPr>
+              <a:t>11</a:t>
+            </a:r>
+            <a:r>
+              <a:rPr lang="zh-CN" altLang="en-US" dirty="0" smtClean="0">
+                <a:solidFill>
+                  <a:srgbClr val="C00000"/>
+                </a:solidFill>
+              </a:rPr>
+              <a:t>日</a:t>
+            </a:r>
+            <a:r>
+              <a:rPr lang="en-US" altLang="zh-CN" dirty="0" smtClean="0">
+                <a:solidFill>
+                  <a:srgbClr val="C00000"/>
+                </a:solidFill>
+              </a:rPr>
+              <a:t>08</a:t>
+            </a:r>
+            <a:r>
+              <a:rPr lang="zh-CN" altLang="en-US" dirty="0" smtClean="0">
+                <a:solidFill>
+                  <a:srgbClr val="C00000"/>
+                </a:solidFill>
+              </a:rPr>
+              <a:t>时</a:t>
+            </a:r>
+            <a:r>
+              <a:rPr lang="en-US" altLang="zh-CN" dirty="0" smtClean="0">
+                <a:solidFill>
+                  <a:srgbClr val="C00000"/>
+                </a:solidFill>
+              </a:rPr>
+              <a:t>=&gt;20101108</a:t>
             </a:r>
             <a:endParaRPr lang="en-US" altLang="zh-CN" dirty="0">
               <a:solidFill>
@@ -3836,6 +4510,545 @@
               </a:solidFill>
             </a:endParaRPr>
           </a:p>
+        </p:txBody>
+      </p:sp>
+      <p:sp>
+        <p:nvSpPr>
+          <p:cNvPr id="11" name="右箭头 10"/>
+          <p:cNvSpPr/>
+          <p:nvPr/>
+        </p:nvSpPr>
+        <p:spPr>
+          <a:xfrm rot="17397579">
+            <a:off x="8211977" y="2963442"/>
+            <a:ext cx="640271" cy="139493"/>
+          </a:xfrm>
+          <a:prstGeom prst="rightArrow">
+            <a:avLst>
+              <a:gd name="adj1" fmla="val 20593"/>
+              <a:gd name="adj2" fmla="val 230112"/>
+            </a:avLst>
+          </a:prstGeom>
+          <a:solidFill>
+            <a:srgbClr val="C00000"/>
+          </a:solidFill>
+          <a:ln>
+            <a:noFill/>
+          </a:ln>
+        </p:spPr>
+        <p:style>
+          <a:lnRef idx="2">
+            <a:schemeClr val="accent1">
+              <a:shade val="50000"/>
+            </a:schemeClr>
+          </a:lnRef>
+          <a:fillRef idx="1">
+            <a:schemeClr val="accent1"/>
+          </a:fillRef>
+          <a:effectRef idx="0">
+            <a:schemeClr val="accent1"/>
+          </a:effectRef>
+          <a:fontRef idx="minor">
+            <a:schemeClr val="lt1"/>
+          </a:fontRef>
+        </p:style>
+        <p:txBody>
+          <a:bodyPr rtlCol="0" anchor="ctr"/>
+          <a:lstStyle/>
+          <a:p>
+            <a:pPr algn="ctr"/>
+            <a:endParaRPr lang="zh-CN" altLang="en-US"/>
+          </a:p>
+        </p:txBody>
+      </p:sp>
+      <p:sp>
+        <p:nvSpPr>
+          <p:cNvPr id="12" name="文本框 11"/>
+          <p:cNvSpPr txBox="1"/>
+          <p:nvPr/>
+        </p:nvSpPr>
+        <p:spPr>
+          <a:xfrm>
+            <a:off x="7652129" y="3259098"/>
+            <a:ext cx="1886162" cy="369332"/>
+          </a:xfrm>
+          <a:prstGeom prst="rect">
+            <a:avLst/>
+          </a:prstGeom>
+          <a:noFill/>
+          <a:ln>
+            <a:solidFill>
+              <a:srgbClr val="C00000"/>
+            </a:solidFill>
+          </a:ln>
+        </p:spPr>
+        <p:txBody>
+          <a:bodyPr wrap="square" rtlCol="0">
+            <a:spAutoFit/>
+          </a:bodyPr>
+          <a:lstStyle/>
+          <a:p>
+            <a:r>
+              <a:rPr lang="zh-CN" altLang="en-US" dirty="0" smtClean="0">
+                <a:solidFill>
+                  <a:srgbClr val="C00000"/>
+                </a:solidFill>
+              </a:rPr>
+              <a:t>点击搜索</a:t>
+            </a:r>
+            <a:endParaRPr lang="en-US" altLang="zh-CN" dirty="0">
+              <a:solidFill>
+                <a:srgbClr val="C00000"/>
+              </a:solidFill>
+            </a:endParaRPr>
+          </a:p>
+        </p:txBody>
+      </p:sp>
+      <p:sp>
+        <p:nvSpPr>
+          <p:cNvPr id="13" name="文本框 12"/>
+          <p:cNvSpPr txBox="1"/>
+          <p:nvPr/>
+        </p:nvSpPr>
+        <p:spPr>
+          <a:xfrm>
+            <a:off x="5375054" y="2186857"/>
+            <a:ext cx="2231923" cy="369332"/>
+          </a:xfrm>
+          <a:prstGeom prst="rect">
+            <a:avLst/>
+          </a:prstGeom>
+          <a:noFill/>
+          <a:ln>
+            <a:solidFill>
+              <a:srgbClr val="C00000"/>
+            </a:solidFill>
+          </a:ln>
+        </p:spPr>
+        <p:txBody>
+          <a:bodyPr wrap="square" rtlCol="0">
+            <a:spAutoFit/>
+          </a:bodyPr>
+          <a:lstStyle/>
+          <a:p>
+            <a:r>
+              <a:rPr lang="zh-CN" altLang="en-US" dirty="0" smtClean="0">
+                <a:solidFill>
+                  <a:srgbClr val="C00000"/>
+                </a:solidFill>
+              </a:rPr>
+              <a:t>调整模式起报时间</a:t>
+            </a:r>
+            <a:endParaRPr lang="en-US" altLang="zh-CN" dirty="0">
+              <a:solidFill>
+                <a:srgbClr val="C00000"/>
+              </a:solidFill>
+            </a:endParaRPr>
+          </a:p>
+        </p:txBody>
+      </p:sp>
+      <p:sp>
+        <p:nvSpPr>
+          <p:cNvPr id="14" name="右箭头 13"/>
+          <p:cNvSpPr/>
+          <p:nvPr/>
+        </p:nvSpPr>
+        <p:spPr>
+          <a:xfrm rot="9499617">
+            <a:off x="5659322" y="2588675"/>
+            <a:ext cx="640271" cy="139493"/>
+          </a:xfrm>
+          <a:prstGeom prst="rightArrow">
+            <a:avLst>
+              <a:gd name="adj1" fmla="val 20593"/>
+              <a:gd name="adj2" fmla="val 230112"/>
+            </a:avLst>
+          </a:prstGeom>
+          <a:solidFill>
+            <a:srgbClr val="C00000"/>
+          </a:solidFill>
+          <a:ln>
+            <a:noFill/>
+          </a:ln>
+        </p:spPr>
+        <p:style>
+          <a:lnRef idx="2">
+            <a:schemeClr val="accent1">
+              <a:shade val="50000"/>
+            </a:schemeClr>
+          </a:lnRef>
+          <a:fillRef idx="1">
+            <a:schemeClr val="accent1"/>
+          </a:fillRef>
+          <a:effectRef idx="0">
+            <a:schemeClr val="accent1"/>
+          </a:effectRef>
+          <a:fontRef idx="minor">
+            <a:schemeClr val="lt1"/>
+          </a:fontRef>
+        </p:style>
+        <p:txBody>
+          <a:bodyPr rtlCol="0" anchor="ctr"/>
+          <a:lstStyle/>
+          <a:p>
+            <a:pPr algn="ctr"/>
+            <a:endParaRPr lang="zh-CN" altLang="en-US"/>
+          </a:p>
+        </p:txBody>
+      </p:sp>
+      <p:sp>
+        <p:nvSpPr>
+          <p:cNvPr id="15" name="文本框 14"/>
+          <p:cNvSpPr txBox="1"/>
+          <p:nvPr/>
+        </p:nvSpPr>
+        <p:spPr>
+          <a:xfrm>
+            <a:off x="-2232" y="5462465"/>
+            <a:ext cx="1354782" cy="646331"/>
+          </a:xfrm>
+          <a:prstGeom prst="rect">
+            <a:avLst/>
+          </a:prstGeom>
+          <a:noFill/>
+          <a:ln>
+            <a:solidFill>
+              <a:srgbClr val="C00000"/>
+            </a:solidFill>
+          </a:ln>
+        </p:spPr>
+        <p:txBody>
+          <a:bodyPr wrap="square" rtlCol="0">
+            <a:spAutoFit/>
+          </a:bodyPr>
+          <a:lstStyle/>
+          <a:p>
+            <a:r>
+              <a:rPr lang="zh-CN" altLang="en-US" dirty="0" smtClean="0">
+                <a:solidFill>
+                  <a:srgbClr val="C00000"/>
+                </a:solidFill>
+              </a:rPr>
+              <a:t>单击此处打开编辑框</a:t>
+            </a:r>
+            <a:endParaRPr lang="en-US" altLang="zh-CN" dirty="0">
+              <a:solidFill>
+                <a:srgbClr val="C00000"/>
+              </a:solidFill>
+            </a:endParaRPr>
+          </a:p>
+        </p:txBody>
+      </p:sp>
+      <p:sp>
+        <p:nvSpPr>
+          <p:cNvPr id="16" name="右箭头 15"/>
+          <p:cNvSpPr/>
+          <p:nvPr/>
+        </p:nvSpPr>
+        <p:spPr>
+          <a:xfrm rot="2232647">
+            <a:off x="1200990" y="5770050"/>
+            <a:ext cx="640271" cy="139493"/>
+          </a:xfrm>
+          <a:prstGeom prst="rightArrow">
+            <a:avLst>
+              <a:gd name="adj1" fmla="val 20593"/>
+              <a:gd name="adj2" fmla="val 230112"/>
+            </a:avLst>
+          </a:prstGeom>
+          <a:solidFill>
+            <a:srgbClr val="C00000"/>
+          </a:solidFill>
+          <a:ln>
+            <a:noFill/>
+          </a:ln>
+        </p:spPr>
+        <p:style>
+          <a:lnRef idx="2">
+            <a:schemeClr val="accent1">
+              <a:shade val="50000"/>
+            </a:schemeClr>
+          </a:lnRef>
+          <a:fillRef idx="1">
+            <a:schemeClr val="accent1"/>
+          </a:fillRef>
+          <a:effectRef idx="0">
+            <a:schemeClr val="accent1"/>
+          </a:effectRef>
+          <a:fontRef idx="minor">
+            <a:schemeClr val="lt1"/>
+          </a:fontRef>
+        </p:style>
+        <p:txBody>
+          <a:bodyPr rtlCol="0" anchor="ctr"/>
+          <a:lstStyle/>
+          <a:p>
+            <a:pPr algn="ctr"/>
+            <a:endParaRPr lang="zh-CN" altLang="en-US"/>
+          </a:p>
+        </p:txBody>
+      </p:sp>
+      <p:sp>
+        <p:nvSpPr>
+          <p:cNvPr id="17" name="文本框 16"/>
+          <p:cNvSpPr txBox="1"/>
+          <p:nvPr/>
+        </p:nvSpPr>
+        <p:spPr>
+          <a:xfrm>
+            <a:off x="108023" y="3259099"/>
+            <a:ext cx="1244527" cy="369332"/>
+          </a:xfrm>
+          <a:prstGeom prst="rect">
+            <a:avLst/>
+          </a:prstGeom>
+          <a:noFill/>
+          <a:ln>
+            <a:solidFill>
+              <a:srgbClr val="C00000"/>
+            </a:solidFill>
+          </a:ln>
+        </p:spPr>
+        <p:txBody>
+          <a:bodyPr wrap="square" rtlCol="0">
+            <a:spAutoFit/>
+          </a:bodyPr>
+          <a:lstStyle/>
+          <a:p>
+            <a:r>
+              <a:rPr lang="zh-CN" altLang="en-US" dirty="0" smtClean="0">
+                <a:solidFill>
+                  <a:srgbClr val="C00000"/>
+                </a:solidFill>
+              </a:rPr>
+              <a:t>小值调整</a:t>
+            </a:r>
+            <a:endParaRPr lang="en-US" altLang="zh-CN" dirty="0">
+              <a:solidFill>
+                <a:srgbClr val="C00000"/>
+              </a:solidFill>
+            </a:endParaRPr>
+          </a:p>
+        </p:txBody>
+      </p:sp>
+      <p:sp>
+        <p:nvSpPr>
+          <p:cNvPr id="18" name="右箭头 17"/>
+          <p:cNvSpPr/>
+          <p:nvPr/>
+        </p:nvSpPr>
+        <p:spPr>
+          <a:xfrm rot="21208767">
+            <a:off x="1200991" y="3374018"/>
+            <a:ext cx="640271" cy="139493"/>
+          </a:xfrm>
+          <a:prstGeom prst="rightArrow">
+            <a:avLst>
+              <a:gd name="adj1" fmla="val 20593"/>
+              <a:gd name="adj2" fmla="val 230112"/>
+            </a:avLst>
+          </a:prstGeom>
+          <a:solidFill>
+            <a:srgbClr val="C00000"/>
+          </a:solidFill>
+          <a:ln>
+            <a:noFill/>
+          </a:ln>
+        </p:spPr>
+        <p:style>
+          <a:lnRef idx="2">
+            <a:schemeClr val="accent1">
+              <a:shade val="50000"/>
+            </a:schemeClr>
+          </a:lnRef>
+          <a:fillRef idx="1">
+            <a:schemeClr val="accent1"/>
+          </a:fillRef>
+          <a:effectRef idx="0">
+            <a:schemeClr val="accent1"/>
+          </a:effectRef>
+          <a:fontRef idx="minor">
+            <a:schemeClr val="lt1"/>
+          </a:fontRef>
+        </p:style>
+        <p:txBody>
+          <a:bodyPr rtlCol="0" anchor="ctr"/>
+          <a:lstStyle/>
+          <a:p>
+            <a:pPr algn="ctr"/>
+            <a:endParaRPr lang="zh-CN" altLang="en-US"/>
+          </a:p>
+        </p:txBody>
+      </p:sp>
+      <p:sp>
+        <p:nvSpPr>
+          <p:cNvPr id="2" name="矩形 1"/>
+          <p:cNvSpPr/>
+          <p:nvPr/>
+        </p:nvSpPr>
+        <p:spPr>
+          <a:xfrm>
+            <a:off x="1776411" y="3259099"/>
+            <a:ext cx="3036955" cy="290316"/>
+          </a:xfrm>
+          <a:prstGeom prst="rect">
+            <a:avLst/>
+          </a:prstGeom>
+          <a:noFill/>
+          <a:ln>
+            <a:solidFill>
+              <a:srgbClr val="C00000"/>
+            </a:solidFill>
+          </a:ln>
+        </p:spPr>
+        <p:style>
+          <a:lnRef idx="2">
+            <a:schemeClr val="accent1">
+              <a:shade val="50000"/>
+            </a:schemeClr>
+          </a:lnRef>
+          <a:fillRef idx="1">
+            <a:schemeClr val="accent1"/>
+          </a:fillRef>
+          <a:effectRef idx="0">
+            <a:schemeClr val="accent1"/>
+          </a:effectRef>
+          <a:fontRef idx="minor">
+            <a:schemeClr val="lt1"/>
+          </a:fontRef>
+        </p:style>
+        <p:txBody>
+          <a:bodyPr rtlCol="0" anchor="ctr"/>
+          <a:lstStyle/>
+          <a:p>
+            <a:pPr algn="ctr"/>
+            <a:endParaRPr lang="zh-CN" altLang="en-US"/>
+          </a:p>
+        </p:txBody>
+      </p:sp>
+      <p:pic>
+        <p:nvPicPr>
+          <p:cNvPr id="6" name="图片 5"/>
+          <p:cNvPicPr>
+            <a:picLocks noChangeAspect="1"/>
+          </p:cNvPicPr>
+          <p:nvPr/>
+        </p:nvPicPr>
+        <p:blipFill>
+          <a:blip r:embed="rId6"/>
+          <a:stretch>
+            <a:fillRect/>
+          </a:stretch>
+        </p:blipFill>
+        <p:spPr>
+          <a:xfrm>
+            <a:off x="1776411" y="5462465"/>
+            <a:ext cx="5801535" cy="1343212"/>
+          </a:xfrm>
+          <a:prstGeom prst="rect">
+            <a:avLst/>
+          </a:prstGeom>
+        </p:spPr>
+      </p:pic>
+    </p:spTree>
+    <p:extLst>
+      <p:ext uri="{BB962C8B-B14F-4D97-AF65-F5344CB8AC3E}">
+        <p14:creationId xmlns:p14="http://schemas.microsoft.com/office/powerpoint/2010/main" val="240936430"/>
+      </p:ext>
+    </p:extLst>
+  </p:cSld>
+  <p:clrMapOvr>
+    <a:masterClrMapping/>
+  </p:clrMapOvr>
+</p:sld>
+</file>
+
+<file path=ppt/slides/slide3.xml><?xml version="1.0" encoding="utf-8"?>
+<p:sld xmlns:a="http://schemas.openxmlformats.org/drawingml/2006/main" xmlns:r="http://schemas.openxmlformats.org/officeDocument/2006/relationships" xmlns:p="http://schemas.openxmlformats.org/presentationml/2006/main">
+  <p:cSld>
+    <p:spTree>
+      <p:nvGrpSpPr>
+        <p:cNvPr id="1" name=""/>
+        <p:cNvGrpSpPr/>
+        <p:nvPr/>
+      </p:nvGrpSpPr>
+      <p:grpSpPr>
+        <a:xfrm>
+          <a:off x="0" y="0"/>
+          <a:ext cx="0" cy="0"/>
+          <a:chOff x="0" y="0"/>
+          <a:chExt cx="0" cy="0"/>
+        </a:xfrm>
+      </p:grpSpPr>
+      <p:pic>
+        <p:nvPicPr>
+          <p:cNvPr id="2" name="图片 1"/>
+          <p:cNvPicPr>
+            <a:picLocks noChangeAspect="1"/>
+          </p:cNvPicPr>
+          <p:nvPr/>
+        </p:nvPicPr>
+        <p:blipFill>
+          <a:blip r:embed="rId2"/>
+          <a:stretch>
+            <a:fillRect/>
+          </a:stretch>
+        </p:blipFill>
+        <p:spPr>
+          <a:xfrm>
+            <a:off x="438817" y="1667050"/>
+            <a:ext cx="4380952" cy="2800000"/>
+          </a:xfrm>
+          <a:prstGeom prst="rect">
+            <a:avLst/>
+          </a:prstGeom>
+        </p:spPr>
+      </p:pic>
+      <p:pic>
+        <p:nvPicPr>
+          <p:cNvPr id="5" name="图片 4"/>
+          <p:cNvPicPr>
+            <a:picLocks noChangeAspect="1"/>
+          </p:cNvPicPr>
+          <p:nvPr/>
+        </p:nvPicPr>
+        <p:blipFill>
+          <a:blip r:embed="rId3"/>
+          <a:stretch>
+            <a:fillRect/>
+          </a:stretch>
+        </p:blipFill>
+        <p:spPr>
+          <a:xfrm>
+            <a:off x="5320467" y="1676575"/>
+            <a:ext cx="5780952" cy="2266667"/>
+          </a:xfrm>
+          <a:prstGeom prst="rect">
+            <a:avLst/>
+          </a:prstGeom>
+        </p:spPr>
+      </p:pic>
+      <p:sp>
+        <p:nvSpPr>
+          <p:cNvPr id="6" name="文本框 5"/>
+          <p:cNvSpPr txBox="1"/>
+          <p:nvPr/>
+        </p:nvSpPr>
+        <p:spPr>
+          <a:xfrm>
+            <a:off x="1498214" y="3305175"/>
+            <a:ext cx="2262158" cy="369332"/>
+          </a:xfrm>
+          <a:prstGeom prst="rect">
+            <a:avLst/>
+          </a:prstGeom>
+          <a:noFill/>
+        </p:spPr>
+        <p:txBody>
+          <a:bodyPr wrap="none" rtlCol="0">
+            <a:spAutoFit/>
+          </a:bodyPr>
+          <a:lstStyle/>
           <a:p>
             <a:r>
               <a:rPr lang="zh-CN" altLang="en-US" dirty="0">
@@ -3843,6 +5056,492 @@
                   <a:srgbClr val="C00000"/>
                 </a:solidFill>
               </a:rPr>
+              <a:t>前端打包和调试窗口</a:t>
+            </a:r>
+          </a:p>
+        </p:txBody>
+      </p:sp>
+      <p:sp>
+        <p:nvSpPr>
+          <p:cNvPr id="7" name="文本框 6"/>
+          <p:cNvSpPr txBox="1"/>
+          <p:nvPr/>
+        </p:nvSpPr>
+        <p:spPr>
+          <a:xfrm>
+            <a:off x="6771125" y="3305176"/>
+            <a:ext cx="1439818" cy="369332"/>
+          </a:xfrm>
+          <a:prstGeom prst="rect">
+            <a:avLst/>
+          </a:prstGeom>
+          <a:noFill/>
+        </p:spPr>
+        <p:txBody>
+          <a:bodyPr wrap="none" rtlCol="0">
+            <a:spAutoFit/>
+          </a:bodyPr>
+          <a:lstStyle/>
+          <a:p>
+            <a:r>
+              <a:rPr lang="zh-CN" altLang="en-US" dirty="0">
+                <a:solidFill>
+                  <a:srgbClr val="C00000"/>
+                </a:solidFill>
+              </a:rPr>
+              <a:t>后台</a:t>
+            </a:r>
+            <a:r>
+              <a:rPr lang="en-US" altLang="zh-CN" dirty="0">
+                <a:solidFill>
+                  <a:srgbClr val="C00000"/>
+                </a:solidFill>
+              </a:rPr>
+              <a:t>API</a:t>
+            </a:r>
+            <a:r>
+              <a:rPr lang="zh-CN" altLang="en-US" dirty="0">
+                <a:solidFill>
+                  <a:srgbClr val="C00000"/>
+                </a:solidFill>
+              </a:rPr>
+              <a:t>接口</a:t>
+            </a:r>
+          </a:p>
+        </p:txBody>
+      </p:sp>
+      <p:sp>
+        <p:nvSpPr>
+          <p:cNvPr id="8" name="文本框 7"/>
+          <p:cNvSpPr txBox="1"/>
+          <p:nvPr/>
+        </p:nvSpPr>
+        <p:spPr>
+          <a:xfrm>
+            <a:off x="531735" y="834859"/>
+            <a:ext cx="8908208" cy="646331"/>
+          </a:xfrm>
+          <a:prstGeom prst="rect">
+            <a:avLst/>
+          </a:prstGeom>
+          <a:noFill/>
+        </p:spPr>
+        <p:txBody>
+          <a:bodyPr wrap="none" rtlCol="0">
+            <a:spAutoFit/>
+          </a:bodyPr>
+          <a:lstStyle/>
+          <a:p>
+            <a:pPr marL="342900" indent="-342900">
+              <a:buAutoNum type="arabicPeriod"/>
+            </a:pPr>
+            <a:r>
+              <a:rPr lang="zh-CN" altLang="en-US" dirty="0">
+                <a:solidFill>
+                  <a:srgbClr val="C00000"/>
+                </a:solidFill>
+              </a:rPr>
+              <a:t>启动桌面</a:t>
+            </a:r>
+            <a:r>
+              <a:rPr lang="zh-CN" altLang="en-US" dirty="0" smtClean="0">
+                <a:solidFill>
+                  <a:srgbClr val="C00000"/>
+                </a:solidFill>
+              </a:rPr>
+              <a:t>上</a:t>
+            </a:r>
+            <a:r>
+              <a:rPr lang="zh-CN" altLang="en-US" dirty="0">
+                <a:solidFill>
+                  <a:srgbClr val="0070C0"/>
+                </a:solidFill>
+              </a:rPr>
+              <a:t>后端</a:t>
+            </a:r>
+            <a:r>
+              <a:rPr lang="en-US" altLang="zh-CN" dirty="0">
+                <a:solidFill>
+                  <a:srgbClr val="0070C0"/>
+                </a:solidFill>
+              </a:rPr>
+              <a:t>-</a:t>
+            </a:r>
+            <a:r>
+              <a:rPr lang="zh-CN" altLang="en-US" dirty="0">
+                <a:solidFill>
+                  <a:srgbClr val="0070C0"/>
+                </a:solidFill>
+              </a:rPr>
+              <a:t>不点击启动阳江风电逐小时</a:t>
+            </a:r>
+            <a:r>
+              <a:rPr lang="zh-CN" altLang="en-US" dirty="0" smtClean="0">
+                <a:solidFill>
+                  <a:srgbClr val="0070C0"/>
+                </a:solidFill>
+              </a:rPr>
+              <a:t>预报</a:t>
+            </a:r>
+            <a:r>
+              <a:rPr lang="en-US" altLang="zh-CN" dirty="0" smtClean="0">
+                <a:solidFill>
+                  <a:srgbClr val="0070C0"/>
+                </a:solidFill>
+              </a:rPr>
+              <a:t>.bat</a:t>
+            </a:r>
+            <a:r>
+              <a:rPr lang="zh-CN" altLang="en-US" dirty="0" smtClean="0">
+                <a:solidFill>
+                  <a:srgbClr val="C00000"/>
+                </a:solidFill>
+              </a:rPr>
+              <a:t>文件</a:t>
+            </a:r>
+            <a:r>
+              <a:rPr lang="zh-CN" altLang="en-US" dirty="0">
+                <a:solidFill>
+                  <a:srgbClr val="C00000"/>
+                </a:solidFill>
+              </a:rPr>
+              <a:t>，会出现两个</a:t>
+            </a:r>
+            <a:r>
+              <a:rPr lang="en-US" altLang="zh-CN" dirty="0">
+                <a:solidFill>
+                  <a:srgbClr val="C00000"/>
+                </a:solidFill>
+              </a:rPr>
+              <a:t>CMD</a:t>
+            </a:r>
+            <a:r>
+              <a:rPr lang="zh-CN" altLang="en-US" dirty="0">
+                <a:solidFill>
+                  <a:srgbClr val="C00000"/>
+                </a:solidFill>
+              </a:rPr>
+              <a:t>窗口。</a:t>
+            </a:r>
+            <a:endParaRPr lang="en-US" altLang="zh-CN" dirty="0">
+              <a:solidFill>
+                <a:srgbClr val="C00000"/>
+              </a:solidFill>
+            </a:endParaRPr>
+          </a:p>
+          <a:p>
+            <a:r>
+              <a:rPr lang="zh-CN" altLang="en-US" dirty="0">
+                <a:solidFill>
+                  <a:srgbClr val="C00000"/>
+                </a:solidFill>
+              </a:rPr>
+              <a:t>      此后保持两个后台程序打开。如果已打开跳过次步骤</a:t>
+            </a:r>
+          </a:p>
+        </p:txBody>
+      </p:sp>
+      <p:sp>
+        <p:nvSpPr>
+          <p:cNvPr id="9" name="文本框 8"/>
+          <p:cNvSpPr txBox="1"/>
+          <p:nvPr/>
+        </p:nvSpPr>
+        <p:spPr>
+          <a:xfrm>
+            <a:off x="466999" y="4961293"/>
+            <a:ext cx="5724644" cy="646331"/>
+          </a:xfrm>
+          <a:prstGeom prst="rect">
+            <a:avLst/>
+          </a:prstGeom>
+          <a:noFill/>
+        </p:spPr>
+        <p:txBody>
+          <a:bodyPr wrap="none" rtlCol="0">
+            <a:spAutoFit/>
+          </a:bodyPr>
+          <a:lstStyle/>
+          <a:p>
+            <a:r>
+              <a:rPr lang="zh-CN" altLang="en-US" dirty="0">
+                <a:solidFill>
+                  <a:srgbClr val="C00000"/>
+                </a:solidFill>
+              </a:rPr>
+              <a:t>注意：平时不要关闭这两个窗口。</a:t>
+            </a:r>
+            <a:endParaRPr lang="en-US" altLang="zh-CN" dirty="0">
+              <a:solidFill>
+                <a:srgbClr val="C00000"/>
+              </a:solidFill>
+            </a:endParaRPr>
+          </a:p>
+          <a:p>
+            <a:r>
+              <a:rPr lang="zh-CN" altLang="en-US" dirty="0">
+                <a:solidFill>
+                  <a:srgbClr val="C00000"/>
+                </a:solidFill>
+              </a:rPr>
+              <a:t>另外不能同时打开多份程序，会因端口占用冲突而报错</a:t>
+            </a:r>
+          </a:p>
+        </p:txBody>
+      </p:sp>
+      <p:sp>
+        <p:nvSpPr>
+          <p:cNvPr id="10" name="文本框 9"/>
+          <p:cNvSpPr txBox="1"/>
+          <p:nvPr/>
+        </p:nvSpPr>
+        <p:spPr>
+          <a:xfrm>
+            <a:off x="1591791" y="42316"/>
+            <a:ext cx="10942771" cy="1077218"/>
+          </a:xfrm>
+          <a:prstGeom prst="rect">
+            <a:avLst/>
+          </a:prstGeom>
+          <a:noFill/>
+        </p:spPr>
+        <p:txBody>
+          <a:bodyPr wrap="square" rtlCol="0">
+            <a:spAutoFit/>
+          </a:bodyPr>
+          <a:lstStyle/>
+          <a:p>
+            <a:r>
+              <a:rPr lang="zh-CN" altLang="en-US" sz="3200" dirty="0" smtClean="0">
+                <a:solidFill>
+                  <a:srgbClr val="C00000"/>
+                </a:solidFill>
+              </a:rPr>
+              <a:t>远程网址无法打开</a:t>
+            </a:r>
+            <a:r>
+              <a:rPr lang="en-US" altLang="zh-CN" sz="3200" dirty="0" smtClean="0">
+                <a:hlinkClick r:id="rId4"/>
+              </a:rPr>
+              <a:t>http</a:t>
+            </a:r>
+            <a:r>
+              <a:rPr lang="en-US" altLang="zh-CN" sz="3200" dirty="0">
+                <a:hlinkClick r:id="rId4"/>
+              </a:rPr>
+              <a:t>://10.148.16.20:10077/</a:t>
+            </a:r>
+            <a:endParaRPr lang="en-US" altLang="zh-CN" sz="3200" dirty="0"/>
+          </a:p>
+          <a:p>
+            <a:endParaRPr lang="zh-CN" altLang="en-US" sz="3200" dirty="0">
+              <a:solidFill>
+                <a:srgbClr val="0070C0"/>
+              </a:solidFill>
+            </a:endParaRPr>
+          </a:p>
+        </p:txBody>
+      </p:sp>
+    </p:spTree>
+    <p:extLst>
+      <p:ext uri="{BB962C8B-B14F-4D97-AF65-F5344CB8AC3E}">
+        <p14:creationId xmlns:p14="http://schemas.microsoft.com/office/powerpoint/2010/main" val="1327359080"/>
+      </p:ext>
+    </p:extLst>
+  </p:cSld>
+  <p:clrMapOvr>
+    <a:masterClrMapping/>
+  </p:clrMapOvr>
+</p:sld>
+</file>
+
+<file path=ppt/slides/slide4.xml><?xml version="1.0" encoding="utf-8"?>
+<p:sld xmlns:a="http://schemas.openxmlformats.org/drawingml/2006/main" xmlns:r="http://schemas.openxmlformats.org/officeDocument/2006/relationships" xmlns:p="http://schemas.openxmlformats.org/presentationml/2006/main">
+  <p:cSld>
+    <p:spTree>
+      <p:nvGrpSpPr>
+        <p:cNvPr id="1" name=""/>
+        <p:cNvGrpSpPr/>
+        <p:nvPr/>
+      </p:nvGrpSpPr>
+      <p:grpSpPr>
+        <a:xfrm>
+          <a:off x="0" y="0"/>
+          <a:ext cx="0" cy="0"/>
+          <a:chOff x="0" y="0"/>
+          <a:chExt cx="0" cy="0"/>
+        </a:xfrm>
+      </p:grpSpPr>
+      <p:sp>
+        <p:nvSpPr>
+          <p:cNvPr id="8" name="文本框 7"/>
+          <p:cNvSpPr txBox="1"/>
+          <p:nvPr/>
+        </p:nvSpPr>
+        <p:spPr>
+          <a:xfrm>
+            <a:off x="0" y="324351"/>
+            <a:ext cx="7609776" cy="1200329"/>
+          </a:xfrm>
+          <a:prstGeom prst="rect">
+            <a:avLst/>
+          </a:prstGeom>
+          <a:noFill/>
+        </p:spPr>
+        <p:txBody>
+          <a:bodyPr wrap="none" rtlCol="0">
+            <a:spAutoFit/>
+          </a:bodyPr>
+          <a:lstStyle/>
+          <a:p>
+            <a:r>
+              <a:rPr lang="en-US" altLang="zh-CN" dirty="0">
+                <a:solidFill>
+                  <a:srgbClr val="C00000"/>
+                </a:solidFill>
+              </a:rPr>
+              <a:t>2. </a:t>
+            </a:r>
+            <a:r>
+              <a:rPr lang="zh-CN" altLang="en-US" dirty="0">
+                <a:solidFill>
+                  <a:srgbClr val="C00000"/>
+                </a:solidFill>
+              </a:rPr>
+              <a:t>启动桌面</a:t>
+            </a:r>
+            <a:r>
+              <a:rPr lang="zh-CN" altLang="en-US" dirty="0" smtClean="0">
+                <a:solidFill>
+                  <a:srgbClr val="C00000"/>
+                </a:solidFill>
+              </a:rPr>
+              <a:t>上</a:t>
+            </a:r>
+            <a:r>
+              <a:rPr lang="zh-CN" altLang="en-US" dirty="0">
+                <a:solidFill>
+                  <a:srgbClr val="0070C0"/>
+                </a:solidFill>
+              </a:rPr>
+              <a:t>生成阳江风电南鹏岛</a:t>
+            </a:r>
+            <a:r>
+              <a:rPr lang="zh-CN" altLang="en-US" dirty="0" smtClean="0">
+                <a:solidFill>
+                  <a:srgbClr val="0070C0"/>
+                </a:solidFill>
+              </a:rPr>
+              <a:t>预报</a:t>
+            </a:r>
+            <a:r>
+              <a:rPr lang="en-US" altLang="zh-CN" dirty="0" smtClean="0">
+                <a:solidFill>
+                  <a:srgbClr val="0070C0"/>
+                </a:solidFill>
+              </a:rPr>
+              <a:t>.bat</a:t>
+            </a:r>
+            <a:r>
+              <a:rPr lang="zh-CN" altLang="en-US" dirty="0" smtClean="0">
+                <a:solidFill>
+                  <a:srgbClr val="C00000"/>
+                </a:solidFill>
+              </a:rPr>
+              <a:t>文件</a:t>
+            </a:r>
+            <a:r>
+              <a:rPr lang="zh-CN" altLang="en-US" dirty="0">
+                <a:solidFill>
+                  <a:srgbClr val="C00000"/>
+                </a:solidFill>
+              </a:rPr>
+              <a:t>，此过程大概需要</a:t>
+            </a:r>
+            <a:r>
+              <a:rPr lang="en-US" altLang="zh-CN" dirty="0">
+                <a:solidFill>
+                  <a:srgbClr val="C00000"/>
+                </a:solidFill>
+              </a:rPr>
+              <a:t>1</a:t>
+            </a:r>
+            <a:r>
+              <a:rPr lang="zh-CN" altLang="en-US" dirty="0" smtClean="0">
+                <a:solidFill>
+                  <a:srgbClr val="C00000"/>
+                </a:solidFill>
+              </a:rPr>
+              <a:t>分钟</a:t>
+            </a:r>
+            <a:r>
+              <a:rPr lang="zh-CN" altLang="en-US" dirty="0">
+                <a:solidFill>
+                  <a:srgbClr val="C00000"/>
+                </a:solidFill>
+              </a:rPr>
+              <a:t>。</a:t>
+            </a:r>
+            <a:endParaRPr lang="en-US" altLang="zh-CN" dirty="0">
+              <a:solidFill>
+                <a:srgbClr val="C00000"/>
+              </a:solidFill>
+            </a:endParaRPr>
+          </a:p>
+          <a:p>
+            <a:r>
+              <a:rPr lang="zh-CN" altLang="en-US" dirty="0">
+                <a:solidFill>
+                  <a:srgbClr val="C00000"/>
+                </a:solidFill>
+              </a:rPr>
+              <a:t>完成后会输出</a:t>
+            </a:r>
+            <a:r>
+              <a:rPr lang="en-US" altLang="zh-CN" dirty="0">
+                <a:solidFill>
+                  <a:srgbClr val="C00000"/>
+                </a:solidFill>
+              </a:rPr>
+              <a:t>PDF</a:t>
+            </a:r>
+            <a:r>
+              <a:rPr lang="zh-CN" altLang="en-US" dirty="0">
+                <a:solidFill>
+                  <a:srgbClr val="C00000"/>
+                </a:solidFill>
+              </a:rPr>
+              <a:t>文件，并且会打开</a:t>
+            </a:r>
+            <a:r>
+              <a:rPr lang="en-US" altLang="zh-CN" dirty="0">
+                <a:solidFill>
+                  <a:srgbClr val="C00000"/>
+                </a:solidFill>
+              </a:rPr>
+              <a:t>PDF</a:t>
+            </a:r>
+            <a:r>
+              <a:rPr lang="zh-CN" altLang="en-US" dirty="0">
+                <a:solidFill>
+                  <a:srgbClr val="C00000"/>
+                </a:solidFill>
+              </a:rPr>
+              <a:t>所在文件夹</a:t>
+            </a:r>
+            <a:endParaRPr lang="en-US" altLang="zh-CN" dirty="0">
+              <a:solidFill>
+                <a:srgbClr val="C00000"/>
+              </a:solidFill>
+            </a:endParaRPr>
+          </a:p>
+          <a:p>
+            <a:r>
+              <a:rPr lang="zh-CN" altLang="en-US" dirty="0">
+                <a:solidFill>
+                  <a:srgbClr val="C00000"/>
+                </a:solidFill>
+              </a:rPr>
               <a:t>本地</a:t>
             </a:r>
             <a:r>
@@ -3867,12 +5566,20 @@
                   <a:srgbClr val="0070C0"/>
                 </a:solidFill>
               </a:rPr>
-              <a:t>D:\app\wind-force\service\pdf\</a:t>
-            </a:r>
-          </a:p>
-          <a:p>
-            <a:r>
-              <a:rPr lang="zh-CN" altLang="en-US" dirty="0">
+              <a:t>D:\</a:t>
+            </a:r>
+            <a:r>
+              <a:rPr lang="en-US" altLang="zh-CN" dirty="0" smtClean="0">
+                <a:solidFill>
+                  <a:srgbClr val="0070C0"/>
+                </a:solidFill>
+              </a:rPr>
+              <a:t>app\wind-force-YJFD\service\pdf</a:t>
+            </a:r>
+          </a:p>
+          <a:p>
+            <a:r>
+              <a:rPr lang="zh-CN" altLang="en-US" dirty="0" smtClean="0">
                 <a:solidFill>
                   <a:srgbClr val="C00000"/>
                 </a:solidFill>
@@ -4071,7 +5778,7 @@
 </p:sld>
 </file>
 
-<file path=ppt/slides/slide3.xml><?xml version="1.0" encoding="utf-8"?>
+<file path=ppt/slides/slide5.xml><?xml version="1.0" encoding="utf-8"?>
 <p:sld xmlns:a="http://schemas.openxmlformats.org/drawingml/2006/main" xmlns:r="http://schemas.openxmlformats.org/officeDocument/2006/relationships" xmlns:p="http://schemas.openxmlformats.org/presentationml/2006/main">
   <p:cSld>
     <p:spTree>
@@ -4096,8 +5803,8 @@
         </p:nvSpPr>
         <p:spPr>
           <a:xfrm>
-            <a:off x="4324196" y="152901"/>
-            <a:ext cx="2752880" cy="584775"/>
+            <a:off x="3609821" y="4582026"/>
+            <a:ext cx="4448329" cy="584775"/>
           </a:xfrm>
           <a:prstGeom prst="rect">
             <a:avLst/>
@@ -4111,18 +5818,9 @@
           <a:lstStyle/>
           <a:p>
             <a:r>
-              <a:rPr lang="zh-CN" altLang="en-US" sz="3200" dirty="0">
-                <a:solidFill>
-                  <a:srgbClr val="C00000"/>
-                </a:solidFill>
-              </a:rPr>
-              <a:t>特殊情况处理</a:t>
-            </a:r>
-            <a:endParaRPr lang="zh-CN" altLang="en-US" sz="3200" dirty="0">
-              <a:solidFill>
-                <a:srgbClr val="0070C0"/>
-              </a:solidFill>
-            </a:endParaRPr>
+              <a:rPr lang="zh-CN" altLang="en-US" sz="3200" dirty="0"/>
+              <a:t>有其他问题联系韩浦城</a:t>
+            </a:r>
           </a:p>
         </p:txBody>
       </p:sp>
@@ -4134,8 +5832,8 @@
         </p:nvSpPr>
         <p:spPr>
           <a:xfrm>
-            <a:off x="409421" y="871067"/>
-            <a:ext cx="6096154" cy="923330"/>
+            <a:off x="514196" y="562476"/>
+            <a:ext cx="4448329" cy="1015663"/>
           </a:xfrm>
           <a:prstGeom prst="rect">
             <a:avLst/>
@@ -4149,47 +5847,44 @@
           <a:lstStyle/>
           <a:p>
             <a:r>
-              <a:rPr lang="zh-CN" altLang="en-US" dirty="0"/>
-              <a:t>如果</a:t>
-            </a:r>
-            <a:r>
-              <a:rPr lang="en-US" altLang="zh-CN" dirty="0"/>
-              <a:t>PDF</a:t>
-            </a:r>
-            <a:r>
-              <a:rPr lang="zh-CN" altLang="en-US" dirty="0"/>
-              <a:t>生成不对，请打开浏览器   </a:t>
-            </a:r>
-            <a:r>
-              <a:rPr lang="en-US" altLang="zh-CN" dirty="0">
-                <a:hlinkClick r:id="rId2"/>
-              </a:rPr>
-              <a:t>http://localhost:8080/</a:t>
-            </a:r>
-            <a:r>
-              <a:rPr lang="en-US" altLang="zh-CN" dirty="0"/>
-              <a:t> </a:t>
-            </a:r>
-          </a:p>
-          <a:p>
-            <a:r>
-              <a:rPr lang="zh-CN" altLang="en-US" dirty="0"/>
-              <a:t>远程地址</a:t>
-            </a:r>
-            <a:r>
-              <a:rPr lang="en-US" altLang="zh-CN" dirty="0">
-                <a:hlinkClick r:id="rId3"/>
-              </a:rPr>
-              <a:t>http://10.148.44.9:8080/</a:t>
-            </a:r>
-            <a:endParaRPr lang="en-US" altLang="zh-CN" dirty="0"/>
-          </a:p>
-          <a:p>
-            <a:r>
-              <a:rPr lang="zh-CN" altLang="en-US" dirty="0"/>
-              <a:t>单击头部区域打开编辑框</a:t>
-            </a:r>
-            <a:endParaRPr lang="en-US" altLang="zh-CN" dirty="0"/>
+              <a:rPr lang="zh-CN" altLang="en-US" sz="2000" dirty="0"/>
+              <a:t>保证挂载</a:t>
+            </a:r>
+            <a:r>
+              <a:rPr lang="en-US" altLang="zh-CN" sz="2000" dirty="0"/>
+              <a:t>2</a:t>
+            </a:r>
+            <a:r>
+              <a:rPr lang="zh-CN" altLang="en-US" sz="2000" dirty="0"/>
+              <a:t>个网络位置，挂载掉了请</a:t>
+            </a:r>
+            <a:r>
+              <a:rPr lang="zh-CN" altLang="en-US" sz="2000" dirty="0">
+                <a:solidFill>
+                  <a:srgbClr val="C00000"/>
+                </a:solidFill>
+              </a:rPr>
+              <a:t>“添加一个网络位置”</a:t>
+            </a:r>
+            <a:endParaRPr lang="en-US" altLang="zh-CN" sz="2000" dirty="0">
+              <a:solidFill>
+                <a:srgbClr val="C00000"/>
+              </a:solidFill>
+            </a:endParaRPr>
+          </a:p>
+          <a:p>
+            <a:r>
+              <a:rPr lang="zh-CN" altLang="en-US" sz="2000" dirty="0"/>
+              <a:t>注意不是</a:t>
+            </a:r>
+            <a:r>
+              <a:rPr lang="zh-CN" altLang="en-US" sz="2000" strike="sngStrike" dirty="0">
+                <a:solidFill>
+                  <a:srgbClr val="C00000"/>
+                </a:solidFill>
+              </a:rPr>
+              <a:t>映射网络驱动器</a:t>
+            </a:r>
           </a:p>
         </p:txBody>
       </p:sp>
@@ -4202,15 +5897,15 @@
           <p:nvPr/>
         </p:nvPicPr>
         <p:blipFill>
-          <a:blip r:embed="rId4"/>
+          <a:blip r:embed="rId2"/>
           <a:stretch>
             <a:fillRect/>
           </a:stretch>
         </p:blipFill>
         <p:spPr>
           <a:xfrm>
-            <a:off x="2430472" y="3752850"/>
-            <a:ext cx="6721148" cy="2252415"/>
+            <a:off x="6301106" y="709697"/>
+            <a:ext cx="5095238" cy="1361905"/>
           </a:xfrm>
           <a:prstGeom prst="rect">
             <a:avLst/>
@@ -4219,300 +5914,134 @@
       </p:pic>
       <p:sp>
         <p:nvSpPr>
-          <p:cNvPr id="8" name="右箭头 7"/>
+          <p:cNvPr id="7" name="矩形 6"/>
           <p:cNvSpPr/>
           <p:nvPr/>
         </p:nvSpPr>
         <p:spPr>
-          <a:xfrm rot="2232647">
-            <a:off x="6407547" y="3454856"/>
-            <a:ext cx="640271" cy="139493"/>
-          </a:xfrm>
-          <a:prstGeom prst="rightArrow">
-            <a:avLst>
-              <a:gd name="adj1" fmla="val 20593"/>
-              <a:gd name="adj2" fmla="val 230112"/>
-            </a:avLst>
-          </a:prstGeom>
-          <a:solidFill>
-            <a:srgbClr val="C00000"/>
-          </a:solidFill>
-          <a:ln>
-            <a:noFill/>
-          </a:ln>
-        </p:spPr>
-        <p:style>
-          <a:lnRef idx="2">
-            <a:schemeClr val="accent1">
-              <a:shade val="50000"/>
-            </a:schemeClr>
-          </a:lnRef>
-          <a:fillRef idx="1">
-            <a:schemeClr val="accent1"/>
-          </a:fillRef>
-          <a:effectRef idx="0">
-            <a:schemeClr val="accent1"/>
-          </a:effectRef>
-          <a:fontRef idx="minor">
-            <a:schemeClr val="lt1"/>
-          </a:fontRef>
-        </p:style>
-        <p:txBody>
-          <a:bodyPr rtlCol="0" anchor="ctr"/>
-          <a:lstStyle/>
-          <a:p>
-            <a:pPr algn="ctr"/>
-            <a:endParaRPr lang="zh-CN" altLang="en-US"/>
-          </a:p>
-        </p:txBody>
-      </p:sp>
-      <p:sp>
-        <p:nvSpPr>
-          <p:cNvPr id="9" name="文本框 8"/>
-          <p:cNvSpPr txBox="1"/>
-          <p:nvPr/>
-        </p:nvSpPr>
-        <p:spPr>
-          <a:xfrm>
-            <a:off x="5347104" y="2650913"/>
-            <a:ext cx="1211734" cy="923330"/>
+          <a:xfrm>
+            <a:off x="1089477" y="1759420"/>
+            <a:ext cx="1914307" cy="369332"/>
           </a:xfrm>
           <a:prstGeom prst="rect">
             <a:avLst/>
           </a:prstGeom>
-          <a:noFill/>
-          <a:ln>
-            <a:solidFill>
-              <a:srgbClr val="C00000"/>
-            </a:solidFill>
-          </a:ln>
-        </p:spPr>
-        <p:txBody>
-          <a:bodyPr wrap="square" rtlCol="0">
+        </p:spPr>
+        <p:txBody>
+          <a:bodyPr wrap="none">
             <a:spAutoFit/>
           </a:bodyPr>
           <a:lstStyle/>
           <a:p>
             <a:r>
-              <a:rPr lang="zh-CN" altLang="en-US" dirty="0">
-                <a:solidFill>
-                  <a:srgbClr val="C00000"/>
-                </a:solidFill>
-              </a:rPr>
-              <a:t>从信息中心接口获取数据</a:t>
-            </a:r>
-            <a:endParaRPr lang="en-US" altLang="zh-CN" dirty="0">
-              <a:solidFill>
-                <a:srgbClr val="C00000"/>
-              </a:solidFill>
-            </a:endParaRPr>
-          </a:p>
-        </p:txBody>
-      </p:sp>
-      <p:sp>
-        <p:nvSpPr>
-          <p:cNvPr id="11" name="右箭头 10"/>
+              <a:rPr lang="zh-CN" altLang="en-US" dirty="0"/>
+              <a:t>\\10.148.16.19\d\</a:t>
+            </a:r>
+          </a:p>
+        </p:txBody>
+      </p:sp>
+      <p:sp>
+        <p:nvSpPr>
+          <p:cNvPr id="8" name="矩形 7"/>
           <p:cNvSpPr/>
           <p:nvPr/>
         </p:nvSpPr>
         <p:spPr>
-          <a:xfrm rot="8056894">
-            <a:off x="8430267" y="3504497"/>
-            <a:ext cx="640271" cy="139493"/>
-          </a:xfrm>
-          <a:prstGeom prst="rightArrow">
-            <a:avLst>
-              <a:gd name="adj1" fmla="val 20593"/>
-              <a:gd name="adj2" fmla="val 230112"/>
-            </a:avLst>
-          </a:prstGeom>
-          <a:solidFill>
-            <a:srgbClr val="C00000"/>
-          </a:solidFill>
-          <a:ln>
-            <a:noFill/>
-          </a:ln>
-        </p:spPr>
-        <p:style>
-          <a:lnRef idx="2">
-            <a:schemeClr val="accent1">
-              <a:shade val="50000"/>
-            </a:schemeClr>
-          </a:lnRef>
-          <a:fillRef idx="1">
-            <a:schemeClr val="accent1"/>
-          </a:fillRef>
-          <a:effectRef idx="0">
-            <a:schemeClr val="accent1"/>
-          </a:effectRef>
-          <a:fontRef idx="minor">
-            <a:schemeClr val="lt1"/>
-          </a:fontRef>
-        </p:style>
-        <p:txBody>
-          <a:bodyPr rtlCol="0" anchor="ctr"/>
-          <a:lstStyle/>
-          <a:p>
-            <a:pPr algn="ctr"/>
-            <a:endParaRPr lang="zh-CN" altLang="en-US"/>
-          </a:p>
-        </p:txBody>
-      </p:sp>
-      <p:sp>
-        <p:nvSpPr>
-          <p:cNvPr id="12" name="文本框 11"/>
-          <p:cNvSpPr txBox="1"/>
-          <p:nvPr/>
-        </p:nvSpPr>
-        <p:spPr>
-          <a:xfrm>
-            <a:off x="9000913" y="2373026"/>
-            <a:ext cx="1886162" cy="646331"/>
+          <a:xfrm>
+            <a:off x="3499302" y="1759420"/>
+            <a:ext cx="2031325" cy="369332"/>
           </a:xfrm>
           <a:prstGeom prst="rect">
             <a:avLst/>
           </a:prstGeom>
-          <a:noFill/>
-          <a:ln>
-            <a:solidFill>
-              <a:srgbClr val="C00000"/>
-            </a:solidFill>
-          </a:ln>
-        </p:spPr>
-        <p:txBody>
-          <a:bodyPr wrap="square" rtlCol="0">
+        </p:spPr>
+        <p:txBody>
+          <a:bodyPr wrap="none">
             <a:spAutoFit/>
           </a:bodyPr>
           <a:lstStyle/>
           <a:p>
             <a:r>
-              <a:rPr lang="zh-CN" altLang="en-US" dirty="0">
-                <a:solidFill>
-                  <a:srgbClr val="C00000"/>
-                </a:solidFill>
-              </a:rPr>
-              <a:t>从本地，也就是步骤</a:t>
-            </a:r>
-            <a:r>
-              <a:rPr lang="en-US" altLang="zh-CN" dirty="0">
-                <a:solidFill>
-                  <a:srgbClr val="C00000"/>
-                </a:solidFill>
-              </a:rPr>
-              <a:t>2</a:t>
-            </a:r>
-            <a:r>
-              <a:rPr lang="zh-CN" altLang="en-US" dirty="0">
-                <a:solidFill>
-                  <a:srgbClr val="C00000"/>
-                </a:solidFill>
-              </a:rPr>
-              <a:t>获取数据</a:t>
-            </a:r>
-            <a:endParaRPr lang="en-US" altLang="zh-CN" dirty="0">
-              <a:solidFill>
-                <a:srgbClr val="C00000"/>
-              </a:solidFill>
-            </a:endParaRPr>
-          </a:p>
-        </p:txBody>
-      </p:sp>
-      <p:sp>
-        <p:nvSpPr>
-          <p:cNvPr id="13" name="文本框 12"/>
-          <p:cNvSpPr txBox="1"/>
+              <a:rPr lang="zh-CN" altLang="en-US" dirty="0"/>
+              <a:t>账号</a:t>
+            </a:r>
+            <a:r>
+              <a:rPr lang="en-US" altLang="zh-CN" dirty="0" err="1"/>
+              <a:t>dq</a:t>
+            </a:r>
+            <a:r>
+              <a:rPr lang="en-US" altLang="zh-CN" dirty="0"/>
+              <a:t>  </a:t>
+            </a:r>
+            <a:r>
+              <a:rPr lang="zh-CN" altLang="en-US" dirty="0"/>
+              <a:t>密码</a:t>
+            </a:r>
+            <a:r>
+              <a:rPr lang="en-US" altLang="zh-CN" dirty="0" err="1"/>
+              <a:t>dqdq</a:t>
+            </a:r>
+            <a:endParaRPr lang="zh-CN" altLang="en-US" dirty="0"/>
+          </a:p>
+        </p:txBody>
+      </p:sp>
+      <p:sp>
+        <p:nvSpPr>
+          <p:cNvPr id="9" name="矩形 8"/>
+          <p:cNvSpPr/>
           <p:nvPr/>
         </p:nvSpPr>
         <p:spPr>
           <a:xfrm>
-            <a:off x="2905029" y="3112578"/>
-            <a:ext cx="1370399" cy="369332"/>
+            <a:off x="1089476" y="2362935"/>
+            <a:ext cx="1813317" cy="369332"/>
           </a:xfrm>
           <a:prstGeom prst="rect">
             <a:avLst/>
           </a:prstGeom>
-          <a:noFill/>
-          <a:ln>
-            <a:solidFill>
-              <a:srgbClr val="C00000"/>
-            </a:solidFill>
-          </a:ln>
-        </p:spPr>
-        <p:txBody>
-          <a:bodyPr wrap="square" rtlCol="0">
+        </p:spPr>
+        <p:txBody>
+          <a:bodyPr wrap="none">
             <a:spAutoFit/>
           </a:bodyPr>
           <a:lstStyle/>
           <a:p>
             <a:r>
-              <a:rPr lang="zh-CN" altLang="en-US" dirty="0">
-                <a:solidFill>
-                  <a:srgbClr val="C00000"/>
-                </a:solidFill>
-              </a:rPr>
-              <a:t>调整日期</a:t>
-            </a:r>
-            <a:endParaRPr lang="en-US" altLang="zh-CN" dirty="0">
-              <a:solidFill>
-                <a:srgbClr val="C00000"/>
-              </a:solidFill>
-            </a:endParaRPr>
-          </a:p>
-        </p:txBody>
-      </p:sp>
-      <p:sp>
-        <p:nvSpPr>
-          <p:cNvPr id="14" name="右箭头 13"/>
-          <p:cNvSpPr/>
+              <a:rPr lang="en-US" altLang="zh-CN" dirty="0"/>
+              <a:t>\\10.148.16.32\e</a:t>
+            </a:r>
+            <a:endParaRPr lang="zh-CN" altLang="en-US" dirty="0"/>
+          </a:p>
+        </p:txBody>
+      </p:sp>
+      <p:pic>
+        <p:nvPicPr>
+          <p:cNvPr id="10" name="图片 9"/>
+          <p:cNvPicPr>
+            <a:picLocks noChangeAspect="1"/>
+          </p:cNvPicPr>
           <p:nvPr/>
-        </p:nvSpPr>
-        <p:spPr>
-          <a:xfrm rot="2232647">
-            <a:off x="4110372" y="3535088"/>
-            <a:ext cx="640271" cy="139493"/>
-          </a:xfrm>
-          <a:prstGeom prst="rightArrow">
-            <a:avLst>
-              <a:gd name="adj1" fmla="val 20593"/>
-              <a:gd name="adj2" fmla="val 230112"/>
-            </a:avLst>
+        </p:nvPicPr>
+        <p:blipFill>
+          <a:blip r:embed="rId3"/>
+          <a:stretch>
+            <a:fillRect/>
+          </a:stretch>
+        </p:blipFill>
+        <p:spPr>
+          <a:xfrm>
+            <a:off x="6943874" y="2128752"/>
+            <a:ext cx="2380952" cy="1780952"/>
+          </a:xfrm>
+          <a:prstGeom prst="rect">
+            <a:avLst/>
           </a:prstGeom>
-          <a:solidFill>
-            <a:srgbClr val="C00000"/>
-          </a:solidFill>
-          <a:ln>
-            <a:noFill/>
-          </a:ln>
-        </p:spPr>
-        <p:style>
-          <a:lnRef idx="2">
-            <a:schemeClr val="accent1">
-              <a:shade val="50000"/>
-            </a:schemeClr>
-          </a:lnRef>
-          <a:fillRef idx="1">
-            <a:schemeClr val="accent1"/>
-          </a:fillRef>
-          <a:effectRef idx="0">
-            <a:schemeClr val="accent1"/>
-          </a:effectRef>
-          <a:fontRef idx="minor">
-            <a:schemeClr val="lt1"/>
-          </a:fontRef>
-        </p:style>
-        <p:txBody>
-          <a:bodyPr rtlCol="0" anchor="ctr"/>
-          <a:lstStyle/>
-          <a:p>
-            <a:pPr algn="ctr"/>
-            <a:endParaRPr lang="zh-CN" altLang="en-US"/>
-          </a:p>
-        </p:txBody>
-      </p:sp>
+        </p:spPr>
+      </p:pic>
     </p:spTree>
     <p:extLst>
       <p:ext uri="{BB962C8B-B14F-4D97-AF65-F5344CB8AC3E}">
-        <p14:creationId xmlns:p14="http://schemas.microsoft.com/office/powerpoint/2010/main" val="1101274734"/>
+        <p14:creationId xmlns:p14="http://schemas.microsoft.com/office/powerpoint/2010/main" val="2862854178"/>
       </p:ext>
     </p:extLst>
   </p:cSld>
@@ -4522,7 +6051,7 @@
 </p:sld>
 </file>
 
-<file path=ppt/slides/slide4.xml><?xml version="1.0" encoding="utf-8"?>
+<file path=ppt/slides/slide6.xml><?xml version="1.0" encoding="utf-8"?>
 <p:sld xmlns:a="http://schemas.openxmlformats.org/drawingml/2006/main" xmlns:r="http://schemas.openxmlformats.org/officeDocument/2006/relationships" xmlns:p="http://schemas.openxmlformats.org/presentationml/2006/main">
   <p:cSld>
     <p:spTree>
@@ -4555,7 +6084,7 @@
         </p:blipFill>
         <p:spPr>
           <a:xfrm>
-            <a:off x="0" y="-222190"/>
+            <a:off x="-10559" y="-355893"/>
             <a:ext cx="5790166" cy="6682981"/>
           </a:xfrm>
           <a:prstGeom prst="rect">
@@ -4822,7 +6351,7 @@
         <p:spPr>
           <a:xfrm>
             <a:off x="5800725" y="2523933"/>
-            <a:ext cx="4185761" cy="2308324"/>
+            <a:ext cx="5580374" cy="646331"/>
           </a:xfrm>
           <a:prstGeom prst="rect">
             <a:avLst/>
@@ -4843,7 +6372,39 @@
                   <a:srgbClr val="0070C0"/>
                 </a:solidFill>
               </a:rPr>
-              <a:t>改好后，单击打印</a:t>
+              <a:t>改好后</a:t>
+            </a:r>
+            <a:r>
+              <a:rPr lang="zh-CN" altLang="en-US" dirty="0" smtClean="0">
+                <a:solidFill>
+                  <a:srgbClr val="0070C0"/>
+                </a:solidFill>
+              </a:rPr>
+              <a:t>，蓝色框部分全页截屏，把</a:t>
+            </a:r>
+            <a:r>
+              <a:rPr lang="en-US" altLang="zh-CN" dirty="0" smtClean="0">
+                <a:solidFill>
+                  <a:srgbClr val="0070C0"/>
+                </a:solidFill>
+              </a:rPr>
+              <a:t>jpg</a:t>
+            </a:r>
+            <a:r>
+              <a:rPr lang="zh-CN" altLang="en-US" dirty="0" smtClean="0">
+                <a:solidFill>
+                  <a:srgbClr val="0070C0"/>
+                </a:solidFill>
+              </a:rPr>
+              <a:t>图片保存</a:t>
+            </a:r>
+            <a:r>
+              <a:rPr lang="zh-CN" altLang="en-US" dirty="0">
+                <a:solidFill>
+                  <a:srgbClr val="0070C0"/>
+                </a:solidFill>
+              </a:rPr>
+              <a:t>到</a:t>
             </a:r>
             <a:endParaRPr lang="en-US" altLang="zh-CN" dirty="0">
               <a:solidFill>
@@ -4853,142 +6414,31 @@
           </a:p>
           <a:p>
             <a:r>
-              <a:rPr lang="zh-CN" altLang="en-US" dirty="0">
-                <a:solidFill>
-                  <a:srgbClr val="0070C0"/>
-                </a:solidFill>
-              </a:rPr>
-              <a:t>另存为</a:t>
-            </a:r>
-            <a:r>
               <a:rPr lang="en-US" altLang="zh-CN" dirty="0">
                 <a:solidFill>
-                  <a:srgbClr val="0070C0"/>
-                </a:solidFill>
-              </a:rPr>
-              <a:t>PDF.</a:t>
-            </a:r>
-          </a:p>
-          <a:p>
-            <a:r>
-              <a:rPr lang="zh-CN" altLang="en-US" dirty="0">
-                <a:solidFill>
-                  <a:srgbClr val="0070C0"/>
-                </a:solidFill>
-              </a:rPr>
-              <a:t>把</a:t>
-            </a:r>
-            <a:r>
-              <a:rPr lang="en-US" altLang="zh-CN" dirty="0">
-                <a:solidFill>
-                  <a:srgbClr val="0070C0"/>
-                </a:solidFill>
-              </a:rPr>
-              <a:t>PDF</a:t>
-            </a:r>
-            <a:r>
-              <a:rPr lang="zh-CN" altLang="en-US" dirty="0">
-                <a:solidFill>
-                  <a:srgbClr val="0070C0"/>
-                </a:solidFill>
-              </a:rPr>
-              <a:t>保存到</a:t>
+                  <a:srgbClr val="C00000"/>
+                </a:solidFill>
+                <a:hlinkClick r:id="rId4" action="ppaction://hlinkfile"/>
+              </a:rPr>
+              <a:t>\\</a:t>
+            </a:r>
+            <a:r>
+              <a:rPr lang="en-US" altLang="zh-CN" dirty="0" smtClean="0">
+                <a:solidFill>
+                  <a:srgbClr val="C00000"/>
+                </a:solidFill>
+                <a:hlinkClick r:id="rId4" action="ppaction://hlinkfile"/>
+              </a:rPr>
+              <a:t>10.148.16.32\e\ssow\html\YJFD-nanpeng-hourly.jpg</a:t>
             </a:r>
             <a:endParaRPr lang="en-US" altLang="zh-CN" dirty="0">
               <a:solidFill>
-                <a:srgbClr val="0070C0"/>
+                <a:srgbClr val="C00000"/>
               </a:solidFill>
             </a:endParaRPr>
           </a:p>
-          <a:p>
-            <a:r>
-              <a:rPr lang="en-US" altLang="zh-CN" dirty="0">
-                <a:solidFill>
-                  <a:srgbClr val="0070C0"/>
-                </a:solidFill>
-                <a:hlinkClick r:id="rId4" action="ppaction://hlinkfile"/>
-              </a:rPr>
-              <a:t>\\10.148.16.32\e\ssow\email\</a:t>
-            </a:r>
-            <a:endParaRPr lang="en-US" altLang="zh-CN" dirty="0">
-              <a:solidFill>
-                <a:srgbClr val="0070C0"/>
-              </a:solidFill>
-            </a:endParaRPr>
-          </a:p>
-          <a:p>
-            <a:endParaRPr lang="en-US" altLang="zh-CN" dirty="0">
-              <a:solidFill>
-                <a:srgbClr val="0070C0"/>
-              </a:solidFill>
-            </a:endParaRPr>
-          </a:p>
-          <a:p>
-            <a:r>
-              <a:rPr lang="zh-CN" altLang="en-US" dirty="0">
-                <a:solidFill>
-                  <a:srgbClr val="0070C0"/>
-                </a:solidFill>
-              </a:rPr>
-              <a:t>文件名：</a:t>
-            </a:r>
-            <a:endParaRPr lang="en-US" altLang="zh-CN" dirty="0">
-              <a:solidFill>
-                <a:srgbClr val="0070C0"/>
-              </a:solidFill>
-            </a:endParaRPr>
-          </a:p>
-          <a:p>
-            <a:r>
-              <a:rPr lang="en-US" altLang="zh-CN" dirty="0">
-                <a:solidFill>
-                  <a:srgbClr val="C00000"/>
-                </a:solidFill>
-              </a:rPr>
-              <a:t>YJFD-nanpeng-hourly-YYMMDDHH.pdf</a:t>
-            </a:r>
-          </a:p>
-          <a:p>
-            <a:r>
-              <a:rPr lang="zh-CN" altLang="en-US" dirty="0">
-                <a:solidFill>
-                  <a:srgbClr val="0070C0"/>
-                </a:solidFill>
-              </a:rPr>
-              <a:t>日期为北京时</a:t>
-            </a:r>
-          </a:p>
-        </p:txBody>
-      </p:sp>
-      <p:pic>
-        <p:nvPicPr>
-          <p:cNvPr id="11" name="图片 10"/>
-          <p:cNvPicPr>
-            <a:picLocks noChangeAspect="1"/>
-          </p:cNvPicPr>
-          <p:nvPr/>
-        </p:nvPicPr>
-        <p:blipFill>
-          <a:blip r:embed="rId5"/>
-          <a:stretch>
-            <a:fillRect/>
-          </a:stretch>
-        </p:blipFill>
-        <p:spPr>
-          <a:xfrm>
-            <a:off x="10136762" y="2407930"/>
-            <a:ext cx="1846742" cy="3608512"/>
-          </a:xfrm>
-          <a:prstGeom prst="rect">
-            <a:avLst/>
-          </a:prstGeom>
-          <a:ln w="28575">
-            <a:solidFill>
-              <a:srgbClr val="7030A0"/>
-            </a:solidFill>
-          </a:ln>
-        </p:spPr>
-      </p:pic>
+        </p:txBody>
+      </p:sp>
     </p:spTree>
     <p:extLst>
       <p:ext uri="{BB962C8B-B14F-4D97-AF65-F5344CB8AC3E}">
@@ -5002,8 +6452,8 @@
 </p:sld>
 </file>
 
-<file path=ppt/slides/slide5.xml><?xml version="1.0" encoding="utf-8"?>
-<p:sld xmlns:a="http://schemas.openxmlformats.org/drawingml/2006/main" xmlns:r="http://schemas.openxmlformats.org/officeDocument/2006/relationships" xmlns:p="http://schemas.openxmlformats.org/presentationml/2006/main">
+<file path=ppt/slides/slide7.xml><?xml version="1.0" encoding="utf-8"?>
+<p:sld xmlns:a="http://schemas.openxmlformats.org/drawingml/2006/main" xmlns:r="http://schemas.openxmlformats.org/officeDocument/2006/relationships" xmlns:p="http://schemas.openxmlformats.org/presentationml/2006/main" show="0">
   <p:cSld>
     <p:spTree>
       <p:nvGrpSpPr>
@@ -5019,102 +6469,9 @@
           <a:chExt cx="0" cy="0"/>
         </a:xfrm>
       </p:grpSpPr>
-      <p:sp>
-        <p:nvSpPr>
-          <p:cNvPr id="4" name="文本框 3"/>
-          <p:cNvSpPr txBox="1"/>
-          <p:nvPr/>
-        </p:nvSpPr>
-        <p:spPr>
-          <a:xfrm>
-            <a:off x="3609821" y="4582026"/>
-            <a:ext cx="4448329" cy="584775"/>
-          </a:xfrm>
-          <a:prstGeom prst="rect">
-            <a:avLst/>
-          </a:prstGeom>
-          <a:noFill/>
-        </p:spPr>
-        <p:txBody>
-          <a:bodyPr wrap="square" rtlCol="0">
-            <a:spAutoFit/>
-          </a:bodyPr>
-          <a:lstStyle/>
-          <a:p>
-            <a:r>
-              <a:rPr lang="zh-CN" altLang="en-US" sz="3200" dirty="0"/>
-              <a:t>有其他问题联系韩浦城</a:t>
-            </a:r>
-          </a:p>
-        </p:txBody>
-      </p:sp>
-      <p:sp>
-        <p:nvSpPr>
-          <p:cNvPr id="5" name="文本框 4"/>
-          <p:cNvSpPr txBox="1"/>
-          <p:nvPr/>
-        </p:nvSpPr>
-        <p:spPr>
-          <a:xfrm>
-            <a:off x="514196" y="562476"/>
-            <a:ext cx="4448329" cy="1015663"/>
-          </a:xfrm>
-          <a:prstGeom prst="rect">
-            <a:avLst/>
-          </a:prstGeom>
-          <a:noFill/>
-        </p:spPr>
-        <p:txBody>
-          <a:bodyPr wrap="square" rtlCol="0">
-            <a:spAutoFit/>
-          </a:bodyPr>
-          <a:lstStyle/>
-          <a:p>
-            <a:r>
-              <a:rPr lang="zh-CN" altLang="en-US" sz="2000" dirty="0"/>
-              <a:t>保证挂载</a:t>
-            </a:r>
-            <a:r>
-              <a:rPr lang="en-US" altLang="zh-CN" sz="2000" dirty="0"/>
-              <a:t>2</a:t>
-            </a:r>
-            <a:r>
-              <a:rPr lang="zh-CN" altLang="en-US" sz="2000" dirty="0"/>
-              <a:t>个网络位置，挂载掉了请</a:t>
-            </a:r>
-            <a:r>
-              <a:rPr lang="zh-CN" altLang="en-US" sz="2000" dirty="0">
-                <a:solidFill>
-                  <a:srgbClr val="C00000"/>
-                </a:solidFill>
-              </a:rPr>
-              <a:t>“添加一个网络位置”</a:t>
-            </a:r>
-            <a:endParaRPr lang="en-US" altLang="zh-CN" sz="2000" dirty="0">
-              <a:solidFill>
-                <a:srgbClr val="C00000"/>
-              </a:solidFill>
-            </a:endParaRPr>
-          </a:p>
-          <a:p>
-            <a:r>
-              <a:rPr lang="zh-CN" altLang="en-US" sz="2000" dirty="0"/>
-              <a:t>注意不是</a:t>
-            </a:r>
-            <a:r>
-              <a:rPr lang="zh-CN" altLang="en-US" sz="2000" strike="sngStrike" dirty="0">
-                <a:solidFill>
-                  <a:srgbClr val="C00000"/>
-                </a:solidFill>
-              </a:rPr>
-              <a:t>映射网络驱动器</a:t>
-            </a:r>
-          </a:p>
-        </p:txBody>
-      </p:sp>
       <p:pic>
         <p:nvPicPr>
-          <p:cNvPr id="6" name="图片 5"/>
+          <p:cNvPr id="2" name="图片 1"/>
           <p:cNvPicPr>
             <a:picLocks noChangeAspect="1"/>
           </p:cNvPicPr>
@@ -5128,119 +6485,17 @@
         </p:blipFill>
         <p:spPr>
           <a:xfrm>
-            <a:off x="6301106" y="709697"/>
-            <a:ext cx="5095238" cy="1361905"/>
+            <a:off x="0" y="-222190"/>
+            <a:ext cx="5790166" cy="6682981"/>
           </a:xfrm>
           <a:prstGeom prst="rect">
             <a:avLst/>
           </a:prstGeom>
         </p:spPr>
       </p:pic>
-      <p:sp>
-        <p:nvSpPr>
-          <p:cNvPr id="7" name="矩形 6"/>
-          <p:cNvSpPr/>
-          <p:nvPr/>
-        </p:nvSpPr>
-        <p:spPr>
-          <a:xfrm>
-            <a:off x="1089477" y="1759420"/>
-            <a:ext cx="1914307" cy="369332"/>
-          </a:xfrm>
-          <a:prstGeom prst="rect">
-            <a:avLst/>
-          </a:prstGeom>
-        </p:spPr>
-        <p:txBody>
-          <a:bodyPr wrap="none">
-            <a:spAutoFit/>
-          </a:bodyPr>
-          <a:lstStyle/>
-          <a:p>
-            <a:r>
-              <a:rPr lang="zh-CN" altLang="en-US" dirty="0"/>
-              <a:t>\\10.148.16.19\d\</a:t>
-            </a:r>
-          </a:p>
-        </p:txBody>
-      </p:sp>
-      <p:sp>
-        <p:nvSpPr>
-          <p:cNvPr id="8" name="矩形 7"/>
-          <p:cNvSpPr/>
-          <p:nvPr/>
-        </p:nvSpPr>
-        <p:spPr>
-          <a:xfrm>
-            <a:off x="3499302" y="1759420"/>
-            <a:ext cx="2031325" cy="369332"/>
-          </a:xfrm>
-          <a:prstGeom prst="rect">
-            <a:avLst/>
-          </a:prstGeom>
-        </p:spPr>
-        <p:txBody>
-          <a:bodyPr wrap="none">
-            <a:spAutoFit/>
-          </a:bodyPr>
-          <a:lstStyle/>
-          <a:p>
-            <a:r>
-              <a:rPr lang="zh-CN" altLang="en-US" dirty="0"/>
-              <a:t>账号</a:t>
-            </a:r>
-            <a:r>
-              <a:rPr lang="en-US" altLang="zh-CN" dirty="0" err="1"/>
-              <a:t>dq</a:t>
-            </a:r>
-            <a:r>
-              <a:rPr lang="en-US" altLang="zh-CN" dirty="0"/>
-              <a:t>  </a:t>
-            </a:r>
-            <a:r>
-              <a:rPr lang="zh-CN" altLang="en-US" dirty="0"/>
-              <a:t>密码</a:t>
-            </a:r>
-            <a:r>
-              <a:rPr lang="en-US" altLang="zh-CN" dirty="0" err="1"/>
-              <a:t>dqdq</a:t>
-            </a:r>
-            <a:endParaRPr lang="zh-CN" altLang="en-US" dirty="0"/>
-          </a:p>
-        </p:txBody>
-      </p:sp>
-      <p:sp>
-        <p:nvSpPr>
-          <p:cNvPr id="9" name="矩形 8"/>
-          <p:cNvSpPr/>
-          <p:nvPr/>
-        </p:nvSpPr>
-        <p:spPr>
-          <a:xfrm>
-            <a:off x="1089476" y="2362935"/>
-            <a:ext cx="1813317" cy="369332"/>
-          </a:xfrm>
-          <a:prstGeom prst="rect">
-            <a:avLst/>
-          </a:prstGeom>
-        </p:spPr>
-        <p:txBody>
-          <a:bodyPr wrap="none">
-            <a:spAutoFit/>
-          </a:bodyPr>
-          <a:lstStyle/>
-          <a:p>
-            <a:r>
-              <a:rPr lang="en-US" altLang="zh-CN" dirty="0"/>
-              <a:t>\\10.148.16.32\e</a:t>
-            </a:r>
-            <a:endParaRPr lang="zh-CN" altLang="en-US" dirty="0"/>
-          </a:p>
-        </p:txBody>
-      </p:sp>
       <p:pic>
         <p:nvPicPr>
-          <p:cNvPr id="10" name="图片 9"/>
+          <p:cNvPr id="3" name="图片 2"/>
           <p:cNvPicPr>
             <a:picLocks noChangeAspect="1"/>
           </p:cNvPicPr>
@@ -5254,24 +6509,434 @@
         </p:blipFill>
         <p:spPr>
           <a:xfrm>
-            <a:off x="6943874" y="2128752"/>
-            <a:ext cx="2380952" cy="1780952"/>
+            <a:off x="5790167" y="0"/>
+            <a:ext cx="6721148" cy="2252415"/>
           </a:xfrm>
           <a:prstGeom prst="rect">
             <a:avLst/>
           </a:prstGeom>
+        </p:spPr>
+      </p:pic>
+      <p:sp>
+        <p:nvSpPr>
+          <p:cNvPr id="5" name="矩形 4"/>
+          <p:cNvSpPr/>
+          <p:nvPr/>
+        </p:nvSpPr>
+        <p:spPr>
+          <a:xfrm>
+            <a:off x="44806" y="435836"/>
+            <a:ext cx="5790166" cy="794759"/>
+          </a:xfrm>
+          <a:prstGeom prst="rect">
+            <a:avLst/>
+          </a:prstGeom>
+          <a:noFill/>
+          <a:ln w="28575">
+            <a:solidFill>
+              <a:srgbClr val="C00000"/>
+            </a:solidFill>
+          </a:ln>
+        </p:spPr>
+        <p:style>
+          <a:lnRef idx="2">
+            <a:schemeClr val="accent1">
+              <a:shade val="50000"/>
+            </a:schemeClr>
+          </a:lnRef>
+          <a:fillRef idx="1">
+            <a:schemeClr val="accent1"/>
+          </a:fillRef>
+          <a:effectRef idx="0">
+            <a:schemeClr val="accent1"/>
+          </a:effectRef>
+          <a:fontRef idx="minor">
+            <a:schemeClr val="lt1"/>
+          </a:fontRef>
+        </p:style>
+        <p:txBody>
+          <a:bodyPr rtlCol="0" anchor="ctr"/>
+          <a:lstStyle/>
+          <a:p>
+            <a:pPr algn="ctr"/>
+            <a:endParaRPr lang="zh-CN" altLang="en-US"/>
+          </a:p>
+        </p:txBody>
+      </p:sp>
+      <p:sp>
+        <p:nvSpPr>
+          <p:cNvPr id="6" name="右箭头 5"/>
+          <p:cNvSpPr/>
+          <p:nvPr/>
+        </p:nvSpPr>
+        <p:spPr>
+          <a:xfrm>
+            <a:off x="5106384" y="660461"/>
+            <a:ext cx="1546788" cy="172754"/>
+          </a:xfrm>
+          <a:prstGeom prst="rightArrow">
+            <a:avLst>
+              <a:gd name="adj1" fmla="val 20593"/>
+              <a:gd name="adj2" fmla="val 230112"/>
+            </a:avLst>
+          </a:prstGeom>
+          <a:solidFill>
+            <a:srgbClr val="C00000"/>
+          </a:solidFill>
+          <a:ln>
+            <a:noFill/>
+          </a:ln>
+        </p:spPr>
+        <p:style>
+          <a:lnRef idx="2">
+            <a:schemeClr val="accent1">
+              <a:shade val="50000"/>
+            </a:schemeClr>
+          </a:lnRef>
+          <a:fillRef idx="1">
+            <a:schemeClr val="accent1"/>
+          </a:fillRef>
+          <a:effectRef idx="0">
+            <a:schemeClr val="accent1"/>
+          </a:effectRef>
+          <a:fontRef idx="minor">
+            <a:schemeClr val="lt1"/>
+          </a:fontRef>
+        </p:style>
+        <p:txBody>
+          <a:bodyPr rtlCol="0" anchor="ctr"/>
+          <a:lstStyle/>
+          <a:p>
+            <a:pPr algn="ctr"/>
+            <a:endParaRPr lang="zh-CN" altLang="en-US"/>
+          </a:p>
+        </p:txBody>
+      </p:sp>
+      <p:sp>
+        <p:nvSpPr>
+          <p:cNvPr id="7" name="文本框 6"/>
+          <p:cNvSpPr txBox="1"/>
+          <p:nvPr/>
+        </p:nvSpPr>
+        <p:spPr>
+          <a:xfrm>
+            <a:off x="3700349" y="463883"/>
+            <a:ext cx="1624126" cy="738664"/>
+          </a:xfrm>
+          <a:prstGeom prst="rect">
+            <a:avLst/>
+          </a:prstGeom>
+          <a:solidFill>
+            <a:schemeClr val="bg1"/>
+          </a:solidFill>
+        </p:spPr>
+        <p:txBody>
+          <a:bodyPr wrap="square" rtlCol="0">
+            <a:spAutoFit/>
+          </a:bodyPr>
+          <a:lstStyle/>
+          <a:p>
+            <a:r>
+              <a:rPr lang="zh-CN" altLang="en-US" sz="1400" dirty="0">
+                <a:solidFill>
+                  <a:srgbClr val="C00000"/>
+                </a:solidFill>
+              </a:rPr>
+              <a:t>鼠标单击红框标题内可弹出编辑区，再次单击隐藏</a:t>
+            </a:r>
+          </a:p>
+        </p:txBody>
+      </p:sp>
+      <p:sp>
+        <p:nvSpPr>
+          <p:cNvPr id="8" name="文本框 7"/>
+          <p:cNvSpPr txBox="1"/>
+          <p:nvPr/>
+        </p:nvSpPr>
+        <p:spPr>
+          <a:xfrm>
+            <a:off x="1343025" y="2252415"/>
+            <a:ext cx="2492990" cy="646331"/>
+          </a:xfrm>
+          <a:prstGeom prst="rect">
+            <a:avLst/>
+          </a:prstGeom>
+          <a:solidFill>
+            <a:schemeClr val="bg1"/>
+          </a:solidFill>
+        </p:spPr>
+        <p:txBody>
+          <a:bodyPr wrap="none" rtlCol="0">
+            <a:spAutoFit/>
+          </a:bodyPr>
+          <a:lstStyle/>
+          <a:p>
+            <a:r>
+              <a:rPr lang="zh-CN" altLang="en-US" dirty="0">
+                <a:solidFill>
+                  <a:srgbClr val="0070C0"/>
+                </a:solidFill>
+              </a:rPr>
+              <a:t>蓝色框内为可编辑区，</a:t>
+            </a:r>
+            <a:endParaRPr lang="en-US" altLang="zh-CN" dirty="0">
+              <a:solidFill>
+                <a:srgbClr val="0070C0"/>
+              </a:solidFill>
+            </a:endParaRPr>
+          </a:p>
+          <a:p>
+            <a:r>
+              <a:rPr lang="zh-CN" altLang="en-US" dirty="0">
+                <a:solidFill>
+                  <a:srgbClr val="0070C0"/>
+                </a:solidFill>
+              </a:rPr>
+              <a:t>可增删文字内容</a:t>
+            </a:r>
+          </a:p>
+        </p:txBody>
+      </p:sp>
+      <p:sp>
+        <p:nvSpPr>
+          <p:cNvPr id="9" name="矩形 8"/>
+          <p:cNvSpPr/>
+          <p:nvPr/>
+        </p:nvSpPr>
+        <p:spPr>
+          <a:xfrm>
+            <a:off x="0" y="1244943"/>
+            <a:ext cx="5790166" cy="5651684"/>
+          </a:xfrm>
+          <a:prstGeom prst="rect">
+            <a:avLst/>
+          </a:prstGeom>
+          <a:noFill/>
+          <a:ln w="28575">
+            <a:solidFill>
+              <a:srgbClr val="0070C0"/>
+            </a:solidFill>
+          </a:ln>
+        </p:spPr>
+        <p:style>
+          <a:lnRef idx="2">
+            <a:schemeClr val="accent1">
+              <a:shade val="50000"/>
+            </a:schemeClr>
+          </a:lnRef>
+          <a:fillRef idx="1">
+            <a:schemeClr val="accent1"/>
+          </a:fillRef>
+          <a:effectRef idx="0">
+            <a:schemeClr val="accent1"/>
+          </a:effectRef>
+          <a:fontRef idx="minor">
+            <a:schemeClr val="lt1"/>
+          </a:fontRef>
+        </p:style>
+        <p:txBody>
+          <a:bodyPr rtlCol="0" anchor="ctr"/>
+          <a:lstStyle/>
+          <a:p>
+            <a:pPr algn="ctr"/>
+            <a:endParaRPr lang="zh-CN" altLang="en-US"/>
+          </a:p>
+        </p:txBody>
+      </p:sp>
+      <p:sp>
+        <p:nvSpPr>
+          <p:cNvPr id="10" name="文本框 9"/>
+          <p:cNvSpPr txBox="1"/>
+          <p:nvPr/>
+        </p:nvSpPr>
+        <p:spPr>
+          <a:xfrm>
+            <a:off x="5800725" y="2523933"/>
+            <a:ext cx="4185761" cy="2308324"/>
+          </a:xfrm>
+          <a:prstGeom prst="rect">
+            <a:avLst/>
+          </a:prstGeom>
+          <a:solidFill>
+            <a:schemeClr val="bg1"/>
+          </a:solidFill>
+        </p:spPr>
+        <p:txBody>
+          <a:bodyPr wrap="none" rtlCol="0">
+            <a:spAutoFit/>
+          </a:bodyPr>
+          <a:lstStyle/>
+          <a:p>
+            <a:r>
+              <a:rPr lang="zh-CN" altLang="en-US" dirty="0">
+                <a:solidFill>
+                  <a:srgbClr val="0070C0"/>
+                </a:solidFill>
+              </a:rPr>
+              <a:t>改好后，单击打印</a:t>
+            </a:r>
+            <a:endParaRPr lang="en-US" altLang="zh-CN" dirty="0">
+              <a:solidFill>
+                <a:srgbClr val="0070C0"/>
+              </a:solidFill>
+            </a:endParaRPr>
+          </a:p>
+          <a:p>
+            <a:r>
+              <a:rPr lang="zh-CN" altLang="en-US" dirty="0">
+                <a:solidFill>
+                  <a:srgbClr val="0070C0"/>
+                </a:solidFill>
+              </a:rPr>
+              <a:t>另存为</a:t>
+            </a:r>
+            <a:r>
+              <a:rPr lang="en-US" altLang="zh-CN" dirty="0">
+                <a:solidFill>
+                  <a:srgbClr val="0070C0"/>
+                </a:solidFill>
+              </a:rPr>
+              <a:t>PDF.</a:t>
+            </a:r>
+          </a:p>
+          <a:p>
+            <a:r>
+              <a:rPr lang="zh-CN" altLang="en-US" dirty="0">
+                <a:solidFill>
+                  <a:srgbClr val="0070C0"/>
+                </a:solidFill>
+              </a:rPr>
+              <a:t>把</a:t>
+            </a:r>
+            <a:r>
+              <a:rPr lang="en-US" altLang="zh-CN" dirty="0">
+                <a:solidFill>
+                  <a:srgbClr val="0070C0"/>
+                </a:solidFill>
+              </a:rPr>
+              <a:t>PDF</a:t>
+            </a:r>
+            <a:r>
+              <a:rPr lang="zh-CN" altLang="en-US" dirty="0">
+                <a:solidFill>
+                  <a:srgbClr val="0070C0"/>
+                </a:solidFill>
+              </a:rPr>
+              <a:t>保存到</a:t>
+            </a:r>
+            <a:endParaRPr lang="en-US" altLang="zh-CN" dirty="0">
+              <a:solidFill>
+                <a:srgbClr val="0070C0"/>
+              </a:solidFill>
+            </a:endParaRPr>
+          </a:p>
+          <a:p>
+            <a:r>
+              <a:rPr lang="en-US" altLang="zh-CN" dirty="0">
+                <a:solidFill>
+                  <a:srgbClr val="0070C0"/>
+                </a:solidFill>
+                <a:hlinkClick r:id="rId4" action="ppaction://hlinkfile"/>
+              </a:rPr>
+              <a:t>\\10.148.16.32\e\ssow\email\</a:t>
+            </a:r>
+            <a:endParaRPr lang="en-US" altLang="zh-CN" dirty="0">
+              <a:solidFill>
+                <a:srgbClr val="0070C0"/>
+              </a:solidFill>
+            </a:endParaRPr>
+          </a:p>
+          <a:p>
+            <a:endParaRPr lang="en-US" altLang="zh-CN" dirty="0">
+              <a:solidFill>
+                <a:srgbClr val="0070C0"/>
+              </a:solidFill>
+            </a:endParaRPr>
+          </a:p>
+          <a:p>
+            <a:r>
+              <a:rPr lang="zh-CN" altLang="en-US" dirty="0">
+                <a:solidFill>
+                  <a:srgbClr val="0070C0"/>
+                </a:solidFill>
+              </a:rPr>
+              <a:t>文件名：</a:t>
+            </a:r>
+            <a:endParaRPr lang="en-US" altLang="zh-CN" dirty="0">
+              <a:solidFill>
+                <a:srgbClr val="0070C0"/>
+              </a:solidFill>
+            </a:endParaRPr>
+          </a:p>
+          <a:p>
+            <a:r>
+              <a:rPr lang="en-US" altLang="zh-CN" dirty="0">
+                <a:solidFill>
+                  <a:srgbClr val="C00000"/>
+                </a:solidFill>
+              </a:rPr>
+              <a:t>YJFD-nanpeng-hourly-YYMMDDHH.pdf</a:t>
+            </a:r>
+          </a:p>
+          <a:p>
+            <a:r>
+              <a:rPr lang="zh-CN" altLang="en-US" dirty="0">
+                <a:solidFill>
+                  <a:srgbClr val="0070C0"/>
+                </a:solidFill>
+              </a:rPr>
+              <a:t>日期为北京时</a:t>
+            </a:r>
+          </a:p>
+        </p:txBody>
+      </p:sp>
+      <p:pic>
+        <p:nvPicPr>
+          <p:cNvPr id="11" name="图片 10"/>
+          <p:cNvPicPr>
+            <a:picLocks noChangeAspect="1"/>
+          </p:cNvPicPr>
+          <p:nvPr/>
+        </p:nvPicPr>
+        <p:blipFill>
+          <a:blip r:embed="rId5"/>
+          <a:stretch>
+            <a:fillRect/>
+          </a:stretch>
+        </p:blipFill>
+        <p:spPr>
+          <a:xfrm>
+            <a:off x="10136762" y="2407930"/>
+            <a:ext cx="1846742" cy="3608512"/>
+          </a:xfrm>
+          <a:prstGeom prst="rect">
+            <a:avLst/>
+          </a:prstGeom>
+          <a:ln w="28575">
+            <a:solidFill>
+              <a:srgbClr val="7030A0"/>
+            </a:solidFill>
+          </a:ln>
         </p:spPr>
       </p:pic>
     </p:spTree>
     <p:extLst>
       <p:ext uri="{BB962C8B-B14F-4D97-AF65-F5344CB8AC3E}">
-        <p14:creationId xmlns:p14="http://schemas.microsoft.com/office/powerpoint/2010/main" val="2862854178"/>
+        <p14:creationId xmlns:p14="http://schemas.microsoft.com/office/powerpoint/2010/main" val="2315394699"/>
       </p:ext>
     </p:extLst>
   </p:cSld>
   <p:clrMapOvr>
     <a:masterClrMapping/>
   </p:clrMapOvr>
+  <mc:AlternateContent xmlns:mc="http://schemas.openxmlformats.org/markup-compatibility/2006" xmlns:p14="http://schemas.microsoft.com/office/powerpoint/2010/main">
+    <mc:Choice Requires="p14">
+      <p:transition spd="slow" p14:dur="2000"/>
+    </mc:Choice>
+    <mc:Fallback xmlns="">
+      <p:transition spd="slow"/>
+    </mc:Fallback>
+  </mc:AlternateContent>
 </p:sld>
 </file>
 

--- a/说明文档.pptx
+++ b/说明文档.pptx
@@ -7,11 +7,12 @@
   <p:sldIdLst>
     <p:sldId id="262" r:id="rId2"/>
     <p:sldId id="264" r:id="rId3"/>
-    <p:sldId id="256" r:id="rId4"/>
-    <p:sldId id="261" r:id="rId5"/>
-    <p:sldId id="258" r:id="rId6"/>
-    <p:sldId id="257" r:id="rId7"/>
-    <p:sldId id="263" r:id="rId8"/>
+    <p:sldId id="265" r:id="rId4"/>
+    <p:sldId id="256" r:id="rId5"/>
+    <p:sldId id="261" r:id="rId6"/>
+    <p:sldId id="258" r:id="rId7"/>
+    <p:sldId id="257" r:id="rId8"/>
+    <p:sldId id="263" r:id="rId9"/>
   </p:sldIdLst>
   <p:sldSz cx="12192000" cy="6858000"/>
   <p:notesSz cx="6858000" cy="9144000"/>
@@ -117,6 +118,7 @@
           <p14:sldIdLst>
             <p14:sldId id="262"/>
             <p14:sldId id="264"/>
+            <p14:sldId id="265"/>
           </p14:sldIdLst>
         </p14:section>
         <p14:section name="远程网址无法打开" id="{3585DE0B-0C5E-4BE6-A8B1-34C0F3BAFFF0}">
@@ -178,7 +180,7 @@
           <p:cNvPr id="2" name="标题 1">
             <a:extLst>
               <a:ext uri="{FF2B5EF4-FFF2-40B4-BE49-F238E27FC236}">
-                <a16:creationId xmlns="" xmlns:a16="http://schemas.microsoft.com/office/drawing/2014/main" id="{53C949D3-9A08-4D6A-A138-C0DE0297650B}"/>
+                <a16:creationId xmlns:a16="http://schemas.microsoft.com/office/drawing/2014/main" xmlns="" id="{53C949D3-9A08-4D6A-A138-C0DE0297650B}"/>
               </a:ext>
             </a:extLst>
           </p:cNvPr>
@@ -215,7 +217,7 @@
           <p:cNvPr id="3" name="副标题 2">
             <a:extLst>
               <a:ext uri="{FF2B5EF4-FFF2-40B4-BE49-F238E27FC236}">
-                <a16:creationId xmlns="" xmlns:a16="http://schemas.microsoft.com/office/drawing/2014/main" id="{FEFF90A7-3607-4021-AF90-95A8127E2B7F}"/>
+                <a16:creationId xmlns:a16="http://schemas.microsoft.com/office/drawing/2014/main" xmlns="" id="{FEFF90A7-3607-4021-AF90-95A8127E2B7F}"/>
               </a:ext>
             </a:extLst>
           </p:cNvPr>
@@ -285,7 +287,7 @@
           <p:cNvPr id="4" name="日期占位符 3">
             <a:extLst>
               <a:ext uri="{FF2B5EF4-FFF2-40B4-BE49-F238E27FC236}">
-                <a16:creationId xmlns="" xmlns:a16="http://schemas.microsoft.com/office/drawing/2014/main" id="{FD1EE030-9041-4433-94D8-5664EA412B61}"/>
+                <a16:creationId xmlns:a16="http://schemas.microsoft.com/office/drawing/2014/main" xmlns="" id="{FD1EE030-9041-4433-94D8-5664EA412B61}"/>
               </a:ext>
             </a:extLst>
           </p:cNvPr>
@@ -303,7 +305,7 @@
           <a:p>
             <a:fld id="{6A465375-4056-467D-A4D8-FDABD3E2ADC4}" type="datetimeFigureOut">
               <a:rPr lang="zh-CN" altLang="en-US" smtClean="0"/>
-              <a:t>2021/3/15</a:t>
+              <a:t>2021/12/11</a:t>
             </a:fld>
             <a:endParaRPr lang="zh-CN" altLang="en-US"/>
           </a:p>
@@ -314,7 +316,7 @@
           <p:cNvPr id="5" name="页脚占位符 4">
             <a:extLst>
               <a:ext uri="{FF2B5EF4-FFF2-40B4-BE49-F238E27FC236}">
-                <a16:creationId xmlns="" xmlns:a16="http://schemas.microsoft.com/office/drawing/2014/main" id="{53EB7311-BC53-46E6-9E30-697F0A7C6DA4}"/>
+                <a16:creationId xmlns:a16="http://schemas.microsoft.com/office/drawing/2014/main" xmlns="" id="{53EB7311-BC53-46E6-9E30-697F0A7C6DA4}"/>
               </a:ext>
             </a:extLst>
           </p:cNvPr>
@@ -339,7 +341,7 @@
           <p:cNvPr id="6" name="灯片编号占位符 5">
             <a:extLst>
               <a:ext uri="{FF2B5EF4-FFF2-40B4-BE49-F238E27FC236}">
-                <a16:creationId xmlns="" xmlns:a16="http://schemas.microsoft.com/office/drawing/2014/main" id="{98EB563E-05CC-464E-96F5-7364F66C8E25}"/>
+                <a16:creationId xmlns:a16="http://schemas.microsoft.com/office/drawing/2014/main" xmlns="" id="{98EB563E-05CC-464E-96F5-7364F66C8E25}"/>
               </a:ext>
             </a:extLst>
           </p:cNvPr>
@@ -398,7 +400,7 @@
           <p:cNvPr id="2" name="标题 1">
             <a:extLst>
               <a:ext uri="{FF2B5EF4-FFF2-40B4-BE49-F238E27FC236}">
-                <a16:creationId xmlns="" xmlns:a16="http://schemas.microsoft.com/office/drawing/2014/main" id="{52581FFF-7FA6-4440-A31D-44A04E174034}"/>
+                <a16:creationId xmlns:a16="http://schemas.microsoft.com/office/drawing/2014/main" xmlns="" id="{52581FFF-7FA6-4440-A31D-44A04E174034}"/>
               </a:ext>
             </a:extLst>
           </p:cNvPr>
@@ -426,7 +428,7 @@
           <p:cNvPr id="3" name="竖排文字占位符 2">
             <a:extLst>
               <a:ext uri="{FF2B5EF4-FFF2-40B4-BE49-F238E27FC236}">
-                <a16:creationId xmlns="" xmlns:a16="http://schemas.microsoft.com/office/drawing/2014/main" id="{DC8FFA98-746F-4FA2-A0B3-E57D58D2C731}"/>
+                <a16:creationId xmlns:a16="http://schemas.microsoft.com/office/drawing/2014/main" xmlns="" id="{DC8FFA98-746F-4FA2-A0B3-E57D58D2C731}"/>
               </a:ext>
             </a:extLst>
           </p:cNvPr>
@@ -483,7 +485,7 @@
           <p:cNvPr id="4" name="日期占位符 3">
             <a:extLst>
               <a:ext uri="{FF2B5EF4-FFF2-40B4-BE49-F238E27FC236}">
-                <a16:creationId xmlns="" xmlns:a16="http://schemas.microsoft.com/office/drawing/2014/main" id="{6DC6B6B1-071A-48F4-859C-5552417C8FB6}"/>
+                <a16:creationId xmlns:a16="http://schemas.microsoft.com/office/drawing/2014/main" xmlns="" id="{6DC6B6B1-071A-48F4-859C-5552417C8FB6}"/>
               </a:ext>
             </a:extLst>
           </p:cNvPr>
@@ -501,7 +503,7 @@
           <a:p>
             <a:fld id="{6A465375-4056-467D-A4D8-FDABD3E2ADC4}" type="datetimeFigureOut">
               <a:rPr lang="zh-CN" altLang="en-US" smtClean="0"/>
-              <a:t>2021/3/15</a:t>
+              <a:t>2021/12/11</a:t>
             </a:fld>
             <a:endParaRPr lang="zh-CN" altLang="en-US"/>
           </a:p>
@@ -512,7 +514,7 @@
           <p:cNvPr id="5" name="页脚占位符 4">
             <a:extLst>
               <a:ext uri="{FF2B5EF4-FFF2-40B4-BE49-F238E27FC236}">
-                <a16:creationId xmlns="" xmlns:a16="http://schemas.microsoft.com/office/drawing/2014/main" id="{2ABCCD0B-1CED-491D-8231-612DB1E7A108}"/>
+                <a16:creationId xmlns:a16="http://schemas.microsoft.com/office/drawing/2014/main" xmlns="" id="{2ABCCD0B-1CED-491D-8231-612DB1E7A108}"/>
               </a:ext>
             </a:extLst>
           </p:cNvPr>
@@ -537,7 +539,7 @@
           <p:cNvPr id="6" name="灯片编号占位符 5">
             <a:extLst>
               <a:ext uri="{FF2B5EF4-FFF2-40B4-BE49-F238E27FC236}">
-                <a16:creationId xmlns="" xmlns:a16="http://schemas.microsoft.com/office/drawing/2014/main" id="{F47A2ABB-E7C4-4D42-B8DE-397D78141089}"/>
+                <a16:creationId xmlns:a16="http://schemas.microsoft.com/office/drawing/2014/main" xmlns="" id="{F47A2ABB-E7C4-4D42-B8DE-397D78141089}"/>
               </a:ext>
             </a:extLst>
           </p:cNvPr>
@@ -596,7 +598,7 @@
           <p:cNvPr id="2" name="竖排标题 1">
             <a:extLst>
               <a:ext uri="{FF2B5EF4-FFF2-40B4-BE49-F238E27FC236}">
-                <a16:creationId xmlns="" xmlns:a16="http://schemas.microsoft.com/office/drawing/2014/main" id="{212FD67C-C09A-4C33-A873-3999819AAA53}"/>
+                <a16:creationId xmlns:a16="http://schemas.microsoft.com/office/drawing/2014/main" xmlns="" id="{212FD67C-C09A-4C33-A873-3999819AAA53}"/>
               </a:ext>
             </a:extLst>
           </p:cNvPr>
@@ -629,7 +631,7 @@
           <p:cNvPr id="3" name="竖排文字占位符 2">
             <a:extLst>
               <a:ext uri="{FF2B5EF4-FFF2-40B4-BE49-F238E27FC236}">
-                <a16:creationId xmlns="" xmlns:a16="http://schemas.microsoft.com/office/drawing/2014/main" id="{62264A36-EEFB-4FFC-87BB-745BB661E961}"/>
+                <a16:creationId xmlns:a16="http://schemas.microsoft.com/office/drawing/2014/main" xmlns="" id="{62264A36-EEFB-4FFC-87BB-745BB661E961}"/>
               </a:ext>
             </a:extLst>
           </p:cNvPr>
@@ -691,7 +693,7 @@
           <p:cNvPr id="4" name="日期占位符 3">
             <a:extLst>
               <a:ext uri="{FF2B5EF4-FFF2-40B4-BE49-F238E27FC236}">
-                <a16:creationId xmlns="" xmlns:a16="http://schemas.microsoft.com/office/drawing/2014/main" id="{BC3BF732-4EF5-40B4-A9E0-68DC263C1CD5}"/>
+                <a16:creationId xmlns:a16="http://schemas.microsoft.com/office/drawing/2014/main" xmlns="" id="{BC3BF732-4EF5-40B4-A9E0-68DC263C1CD5}"/>
               </a:ext>
             </a:extLst>
           </p:cNvPr>
@@ -709,7 +711,7 @@
           <a:p>
             <a:fld id="{6A465375-4056-467D-A4D8-FDABD3E2ADC4}" type="datetimeFigureOut">
               <a:rPr lang="zh-CN" altLang="en-US" smtClean="0"/>
-              <a:t>2021/3/15</a:t>
+              <a:t>2021/12/11</a:t>
             </a:fld>
             <a:endParaRPr lang="zh-CN" altLang="en-US"/>
           </a:p>
@@ -720,7 +722,7 @@
           <p:cNvPr id="5" name="页脚占位符 4">
             <a:extLst>
               <a:ext uri="{FF2B5EF4-FFF2-40B4-BE49-F238E27FC236}">
-                <a16:creationId xmlns="" xmlns:a16="http://schemas.microsoft.com/office/drawing/2014/main" id="{C4F624F7-3FB2-4FE4-BA4D-2BF429072EAB}"/>
+                <a16:creationId xmlns:a16="http://schemas.microsoft.com/office/drawing/2014/main" xmlns="" id="{C4F624F7-3FB2-4FE4-BA4D-2BF429072EAB}"/>
               </a:ext>
             </a:extLst>
           </p:cNvPr>
@@ -745,7 +747,7 @@
           <p:cNvPr id="6" name="灯片编号占位符 5">
             <a:extLst>
               <a:ext uri="{FF2B5EF4-FFF2-40B4-BE49-F238E27FC236}">
-                <a16:creationId xmlns="" xmlns:a16="http://schemas.microsoft.com/office/drawing/2014/main" id="{D11A64FA-F825-4ABF-BE94-FC8E223D4AE1}"/>
+                <a16:creationId xmlns:a16="http://schemas.microsoft.com/office/drawing/2014/main" xmlns="" id="{D11A64FA-F825-4ABF-BE94-FC8E223D4AE1}"/>
               </a:ext>
             </a:extLst>
           </p:cNvPr>
@@ -804,7 +806,7 @@
           <p:cNvPr id="2" name="标题 1">
             <a:extLst>
               <a:ext uri="{FF2B5EF4-FFF2-40B4-BE49-F238E27FC236}">
-                <a16:creationId xmlns="" xmlns:a16="http://schemas.microsoft.com/office/drawing/2014/main" id="{364DAE8F-431D-4001-A6F1-886DF9DE1F3D}"/>
+                <a16:creationId xmlns:a16="http://schemas.microsoft.com/office/drawing/2014/main" xmlns="" id="{364DAE8F-431D-4001-A6F1-886DF9DE1F3D}"/>
               </a:ext>
             </a:extLst>
           </p:cNvPr>
@@ -832,7 +834,7 @@
           <p:cNvPr id="3" name="内容占位符 2">
             <a:extLst>
               <a:ext uri="{FF2B5EF4-FFF2-40B4-BE49-F238E27FC236}">
-                <a16:creationId xmlns="" xmlns:a16="http://schemas.microsoft.com/office/drawing/2014/main" id="{620EEA25-38B7-43C3-A2AD-A37C5D600142}"/>
+                <a16:creationId xmlns:a16="http://schemas.microsoft.com/office/drawing/2014/main" xmlns="" id="{620EEA25-38B7-43C3-A2AD-A37C5D600142}"/>
               </a:ext>
             </a:extLst>
           </p:cNvPr>
@@ -889,7 +891,7 @@
           <p:cNvPr id="4" name="日期占位符 3">
             <a:extLst>
               <a:ext uri="{FF2B5EF4-FFF2-40B4-BE49-F238E27FC236}">
-                <a16:creationId xmlns="" xmlns:a16="http://schemas.microsoft.com/office/drawing/2014/main" id="{A53D684A-A8D0-4D13-ACF9-6E019AB53B85}"/>
+                <a16:creationId xmlns:a16="http://schemas.microsoft.com/office/drawing/2014/main" xmlns="" id="{A53D684A-A8D0-4D13-ACF9-6E019AB53B85}"/>
               </a:ext>
             </a:extLst>
           </p:cNvPr>
@@ -907,7 +909,7 @@
           <a:p>
             <a:fld id="{6A465375-4056-467D-A4D8-FDABD3E2ADC4}" type="datetimeFigureOut">
               <a:rPr lang="zh-CN" altLang="en-US" smtClean="0"/>
-              <a:t>2021/3/15</a:t>
+              <a:t>2021/12/11</a:t>
             </a:fld>
             <a:endParaRPr lang="zh-CN" altLang="en-US"/>
           </a:p>
@@ -918,7 +920,7 @@
           <p:cNvPr id="5" name="页脚占位符 4">
             <a:extLst>
               <a:ext uri="{FF2B5EF4-FFF2-40B4-BE49-F238E27FC236}">
-                <a16:creationId xmlns="" xmlns:a16="http://schemas.microsoft.com/office/drawing/2014/main" id="{A5B0C251-D715-4477-907C-3396978058FC}"/>
+                <a16:creationId xmlns:a16="http://schemas.microsoft.com/office/drawing/2014/main" xmlns="" id="{A5B0C251-D715-4477-907C-3396978058FC}"/>
               </a:ext>
             </a:extLst>
           </p:cNvPr>
@@ -943,7 +945,7 @@
           <p:cNvPr id="6" name="灯片编号占位符 5">
             <a:extLst>
               <a:ext uri="{FF2B5EF4-FFF2-40B4-BE49-F238E27FC236}">
-                <a16:creationId xmlns="" xmlns:a16="http://schemas.microsoft.com/office/drawing/2014/main" id="{F5C86CA9-3450-4945-98A1-F9AC50342042}"/>
+                <a16:creationId xmlns:a16="http://schemas.microsoft.com/office/drawing/2014/main" xmlns="" id="{F5C86CA9-3450-4945-98A1-F9AC50342042}"/>
               </a:ext>
             </a:extLst>
           </p:cNvPr>
@@ -1002,7 +1004,7 @@
           <p:cNvPr id="2" name="标题 1">
             <a:extLst>
               <a:ext uri="{FF2B5EF4-FFF2-40B4-BE49-F238E27FC236}">
-                <a16:creationId xmlns="" xmlns:a16="http://schemas.microsoft.com/office/drawing/2014/main" id="{E51B38A9-08F6-405B-9222-AEE307D8B8D9}"/>
+                <a16:creationId xmlns:a16="http://schemas.microsoft.com/office/drawing/2014/main" xmlns="" id="{E51B38A9-08F6-405B-9222-AEE307D8B8D9}"/>
               </a:ext>
             </a:extLst>
           </p:cNvPr>
@@ -1039,7 +1041,7 @@
           <p:cNvPr id="3" name="文本占位符 2">
             <a:extLst>
               <a:ext uri="{FF2B5EF4-FFF2-40B4-BE49-F238E27FC236}">
-                <a16:creationId xmlns="" xmlns:a16="http://schemas.microsoft.com/office/drawing/2014/main" id="{0D1113A2-CDC1-4471-BC26-6CE647BEED4A}"/>
+                <a16:creationId xmlns:a16="http://schemas.microsoft.com/office/drawing/2014/main" xmlns="" id="{0D1113A2-CDC1-4471-BC26-6CE647BEED4A}"/>
               </a:ext>
             </a:extLst>
           </p:cNvPr>
@@ -1164,7 +1166,7 @@
           <p:cNvPr id="4" name="日期占位符 3">
             <a:extLst>
               <a:ext uri="{FF2B5EF4-FFF2-40B4-BE49-F238E27FC236}">
-                <a16:creationId xmlns="" xmlns:a16="http://schemas.microsoft.com/office/drawing/2014/main" id="{9C27651A-6611-4FA4-9C32-1E989BED4B22}"/>
+                <a16:creationId xmlns:a16="http://schemas.microsoft.com/office/drawing/2014/main" xmlns="" id="{9C27651A-6611-4FA4-9C32-1E989BED4B22}"/>
               </a:ext>
             </a:extLst>
           </p:cNvPr>
@@ -1182,7 +1184,7 @@
           <a:p>
             <a:fld id="{6A465375-4056-467D-A4D8-FDABD3E2ADC4}" type="datetimeFigureOut">
               <a:rPr lang="zh-CN" altLang="en-US" smtClean="0"/>
-              <a:t>2021/3/15</a:t>
+              <a:t>2021/12/11</a:t>
             </a:fld>
             <a:endParaRPr lang="zh-CN" altLang="en-US"/>
           </a:p>
@@ -1193,7 +1195,7 @@
           <p:cNvPr id="5" name="页脚占位符 4">
             <a:extLst>
               <a:ext uri="{FF2B5EF4-FFF2-40B4-BE49-F238E27FC236}">
-                <a16:creationId xmlns="" xmlns:a16="http://schemas.microsoft.com/office/drawing/2014/main" id="{553201FB-0107-44A5-8676-9212B411CA04}"/>
+                <a16:creationId xmlns:a16="http://schemas.microsoft.com/office/drawing/2014/main" xmlns="" id="{553201FB-0107-44A5-8676-9212B411CA04}"/>
               </a:ext>
             </a:extLst>
           </p:cNvPr>
@@ -1218,7 +1220,7 @@
           <p:cNvPr id="6" name="灯片编号占位符 5">
             <a:extLst>
               <a:ext uri="{FF2B5EF4-FFF2-40B4-BE49-F238E27FC236}">
-                <a16:creationId xmlns="" xmlns:a16="http://schemas.microsoft.com/office/drawing/2014/main" id="{45E1ED79-A1C3-4483-978C-30293405E56E}"/>
+                <a16:creationId xmlns:a16="http://schemas.microsoft.com/office/drawing/2014/main" xmlns="" id="{45E1ED79-A1C3-4483-978C-30293405E56E}"/>
               </a:ext>
             </a:extLst>
           </p:cNvPr>
@@ -1277,7 +1279,7 @@
           <p:cNvPr id="2" name="标题 1">
             <a:extLst>
               <a:ext uri="{FF2B5EF4-FFF2-40B4-BE49-F238E27FC236}">
-                <a16:creationId xmlns="" xmlns:a16="http://schemas.microsoft.com/office/drawing/2014/main" id="{BAE0CFE3-F97C-454A-B181-6E9A2DA72CCB}"/>
+                <a16:creationId xmlns:a16="http://schemas.microsoft.com/office/drawing/2014/main" xmlns="" id="{BAE0CFE3-F97C-454A-B181-6E9A2DA72CCB}"/>
               </a:ext>
             </a:extLst>
           </p:cNvPr>
@@ -1305,7 +1307,7 @@
           <p:cNvPr id="3" name="内容占位符 2">
             <a:extLst>
               <a:ext uri="{FF2B5EF4-FFF2-40B4-BE49-F238E27FC236}">
-                <a16:creationId xmlns="" xmlns:a16="http://schemas.microsoft.com/office/drawing/2014/main" id="{91EA1ACE-0388-4BA9-A3E1-53F86DF1CFFD}"/>
+                <a16:creationId xmlns:a16="http://schemas.microsoft.com/office/drawing/2014/main" xmlns="" id="{91EA1ACE-0388-4BA9-A3E1-53F86DF1CFFD}"/>
               </a:ext>
             </a:extLst>
           </p:cNvPr>
@@ -1367,7 +1369,7 @@
           <p:cNvPr id="4" name="内容占位符 3">
             <a:extLst>
               <a:ext uri="{FF2B5EF4-FFF2-40B4-BE49-F238E27FC236}">
-                <a16:creationId xmlns="" xmlns:a16="http://schemas.microsoft.com/office/drawing/2014/main" id="{8616BA6C-419A-4A19-A49C-CC03D2787731}"/>
+                <a16:creationId xmlns:a16="http://schemas.microsoft.com/office/drawing/2014/main" xmlns="" id="{8616BA6C-419A-4A19-A49C-CC03D2787731}"/>
               </a:ext>
             </a:extLst>
           </p:cNvPr>
@@ -1429,7 +1431,7 @@
           <p:cNvPr id="5" name="日期占位符 4">
             <a:extLst>
               <a:ext uri="{FF2B5EF4-FFF2-40B4-BE49-F238E27FC236}">
-                <a16:creationId xmlns="" xmlns:a16="http://schemas.microsoft.com/office/drawing/2014/main" id="{37F8F3A7-A1E8-4388-929A-880F8C0EB300}"/>
+                <a16:creationId xmlns:a16="http://schemas.microsoft.com/office/drawing/2014/main" xmlns="" id="{37F8F3A7-A1E8-4388-929A-880F8C0EB300}"/>
               </a:ext>
             </a:extLst>
           </p:cNvPr>
@@ -1447,7 +1449,7 @@
           <a:p>
             <a:fld id="{6A465375-4056-467D-A4D8-FDABD3E2ADC4}" type="datetimeFigureOut">
               <a:rPr lang="zh-CN" altLang="en-US" smtClean="0"/>
-              <a:t>2021/3/15</a:t>
+              <a:t>2021/12/11</a:t>
             </a:fld>
             <a:endParaRPr lang="zh-CN" altLang="en-US"/>
           </a:p>
@@ -1458,7 +1460,7 @@
           <p:cNvPr id="6" name="页脚占位符 5">
             <a:extLst>
               <a:ext uri="{FF2B5EF4-FFF2-40B4-BE49-F238E27FC236}">
-                <a16:creationId xmlns="" xmlns:a16="http://schemas.microsoft.com/office/drawing/2014/main" id="{6D9B6D76-C08B-4E75-BD9D-F748A245E465}"/>
+                <a16:creationId xmlns:a16="http://schemas.microsoft.com/office/drawing/2014/main" xmlns="" id="{6D9B6D76-C08B-4E75-BD9D-F748A245E465}"/>
               </a:ext>
             </a:extLst>
           </p:cNvPr>
@@ -1483,7 +1485,7 @@
           <p:cNvPr id="7" name="灯片编号占位符 6">
             <a:extLst>
               <a:ext uri="{FF2B5EF4-FFF2-40B4-BE49-F238E27FC236}">
-                <a16:creationId xmlns="" xmlns:a16="http://schemas.microsoft.com/office/drawing/2014/main" id="{FAEC4110-D0B5-4C23-BD35-45F55247E790}"/>
+                <a16:creationId xmlns:a16="http://schemas.microsoft.com/office/drawing/2014/main" xmlns="" id="{FAEC4110-D0B5-4C23-BD35-45F55247E790}"/>
               </a:ext>
             </a:extLst>
           </p:cNvPr>
@@ -1542,7 +1544,7 @@
           <p:cNvPr id="2" name="标题 1">
             <a:extLst>
               <a:ext uri="{FF2B5EF4-FFF2-40B4-BE49-F238E27FC236}">
-                <a16:creationId xmlns="" xmlns:a16="http://schemas.microsoft.com/office/drawing/2014/main" id="{CD578F75-B7FA-4C2C-84F3-AB90CE916B05}"/>
+                <a16:creationId xmlns:a16="http://schemas.microsoft.com/office/drawing/2014/main" xmlns="" id="{CD578F75-B7FA-4C2C-84F3-AB90CE916B05}"/>
               </a:ext>
             </a:extLst>
           </p:cNvPr>
@@ -1575,7 +1577,7 @@
           <p:cNvPr id="3" name="文本占位符 2">
             <a:extLst>
               <a:ext uri="{FF2B5EF4-FFF2-40B4-BE49-F238E27FC236}">
-                <a16:creationId xmlns="" xmlns:a16="http://schemas.microsoft.com/office/drawing/2014/main" id="{4ED433CE-E68C-4D60-BAB1-0899164B2DBA}"/>
+                <a16:creationId xmlns:a16="http://schemas.microsoft.com/office/drawing/2014/main" xmlns="" id="{4ED433CE-E68C-4D60-BAB1-0899164B2DBA}"/>
               </a:ext>
             </a:extLst>
           </p:cNvPr>
@@ -1646,7 +1648,7 @@
           <p:cNvPr id="4" name="内容占位符 3">
             <a:extLst>
               <a:ext uri="{FF2B5EF4-FFF2-40B4-BE49-F238E27FC236}">
-                <a16:creationId xmlns="" xmlns:a16="http://schemas.microsoft.com/office/drawing/2014/main" id="{CB1822DC-BCA1-4455-B5D2-0F630136687E}"/>
+                <a16:creationId xmlns:a16="http://schemas.microsoft.com/office/drawing/2014/main" xmlns="" id="{CB1822DC-BCA1-4455-B5D2-0F630136687E}"/>
               </a:ext>
             </a:extLst>
           </p:cNvPr>
@@ -1708,7 +1710,7 @@
           <p:cNvPr id="5" name="文本占位符 4">
             <a:extLst>
               <a:ext uri="{FF2B5EF4-FFF2-40B4-BE49-F238E27FC236}">
-                <a16:creationId xmlns="" xmlns:a16="http://schemas.microsoft.com/office/drawing/2014/main" id="{187923DF-3644-441C-AE1B-6CA8C4865EF2}"/>
+                <a16:creationId xmlns:a16="http://schemas.microsoft.com/office/drawing/2014/main" xmlns="" id="{187923DF-3644-441C-AE1B-6CA8C4865EF2}"/>
               </a:ext>
             </a:extLst>
           </p:cNvPr>
@@ -1779,7 +1781,7 @@
           <p:cNvPr id="6" name="内容占位符 5">
             <a:extLst>
               <a:ext uri="{FF2B5EF4-FFF2-40B4-BE49-F238E27FC236}">
-                <a16:creationId xmlns="" xmlns:a16="http://schemas.microsoft.com/office/drawing/2014/main" id="{C1A8394F-DDCF-43BF-BE51-BB19CDC599B3}"/>
+                <a16:creationId xmlns:a16="http://schemas.microsoft.com/office/drawing/2014/main" xmlns="" id="{C1A8394F-DDCF-43BF-BE51-BB19CDC599B3}"/>
               </a:ext>
             </a:extLst>
           </p:cNvPr>
@@ -1841,7 +1843,7 @@
           <p:cNvPr id="7" name="日期占位符 6">
             <a:extLst>
               <a:ext uri="{FF2B5EF4-FFF2-40B4-BE49-F238E27FC236}">
-                <a16:creationId xmlns="" xmlns:a16="http://schemas.microsoft.com/office/drawing/2014/main" id="{019A26E8-60F1-4E09-AAEA-84719361E922}"/>
+                <a16:creationId xmlns:a16="http://schemas.microsoft.com/office/drawing/2014/main" xmlns="" id="{019A26E8-60F1-4E09-AAEA-84719361E922}"/>
               </a:ext>
             </a:extLst>
           </p:cNvPr>
@@ -1859,7 +1861,7 @@
           <a:p>
             <a:fld id="{6A465375-4056-467D-A4D8-FDABD3E2ADC4}" type="datetimeFigureOut">
               <a:rPr lang="zh-CN" altLang="en-US" smtClean="0"/>
-              <a:t>2021/3/15</a:t>
+              <a:t>2021/12/11</a:t>
             </a:fld>
             <a:endParaRPr lang="zh-CN" altLang="en-US"/>
           </a:p>
@@ -1870,7 +1872,7 @@
           <p:cNvPr id="8" name="页脚占位符 7">
             <a:extLst>
               <a:ext uri="{FF2B5EF4-FFF2-40B4-BE49-F238E27FC236}">
-                <a16:creationId xmlns="" xmlns:a16="http://schemas.microsoft.com/office/drawing/2014/main" id="{5B5914DC-D3B3-4AE0-8A42-3BC56863F3FD}"/>
+                <a16:creationId xmlns:a16="http://schemas.microsoft.com/office/drawing/2014/main" xmlns="" id="{5B5914DC-D3B3-4AE0-8A42-3BC56863F3FD}"/>
               </a:ext>
             </a:extLst>
           </p:cNvPr>
@@ -1895,7 +1897,7 @@
           <p:cNvPr id="9" name="灯片编号占位符 8">
             <a:extLst>
               <a:ext uri="{FF2B5EF4-FFF2-40B4-BE49-F238E27FC236}">
-                <a16:creationId xmlns="" xmlns:a16="http://schemas.microsoft.com/office/drawing/2014/main" id="{F15D700E-9C64-46F0-9B20-6553559B9C85}"/>
+                <a16:creationId xmlns:a16="http://schemas.microsoft.com/office/drawing/2014/main" xmlns="" id="{F15D700E-9C64-46F0-9B20-6553559B9C85}"/>
               </a:ext>
             </a:extLst>
           </p:cNvPr>
@@ -1954,7 +1956,7 @@
           <p:cNvPr id="2" name="标题 1">
             <a:extLst>
               <a:ext uri="{FF2B5EF4-FFF2-40B4-BE49-F238E27FC236}">
-                <a16:creationId xmlns="" xmlns:a16="http://schemas.microsoft.com/office/drawing/2014/main" id="{B3F56557-8AF2-4C9D-B29B-F455936CB52F}"/>
+                <a16:creationId xmlns:a16="http://schemas.microsoft.com/office/drawing/2014/main" xmlns="" id="{B3F56557-8AF2-4C9D-B29B-F455936CB52F}"/>
               </a:ext>
             </a:extLst>
           </p:cNvPr>
@@ -1982,7 +1984,7 @@
           <p:cNvPr id="3" name="日期占位符 2">
             <a:extLst>
               <a:ext uri="{FF2B5EF4-FFF2-40B4-BE49-F238E27FC236}">
-                <a16:creationId xmlns="" xmlns:a16="http://schemas.microsoft.com/office/drawing/2014/main" id="{A75C5354-4A78-411D-B181-C4E951CAC3BC}"/>
+                <a16:creationId xmlns:a16="http://schemas.microsoft.com/office/drawing/2014/main" xmlns="" id="{A75C5354-4A78-411D-B181-C4E951CAC3BC}"/>
               </a:ext>
             </a:extLst>
           </p:cNvPr>
@@ -2000,7 +2002,7 @@
           <a:p>
             <a:fld id="{6A465375-4056-467D-A4D8-FDABD3E2ADC4}" type="datetimeFigureOut">
               <a:rPr lang="zh-CN" altLang="en-US" smtClean="0"/>
-              <a:t>2021/3/15</a:t>
+              <a:t>2021/12/11</a:t>
             </a:fld>
             <a:endParaRPr lang="zh-CN" altLang="en-US"/>
           </a:p>
@@ -2011,7 +2013,7 @@
           <p:cNvPr id="4" name="页脚占位符 3">
             <a:extLst>
               <a:ext uri="{FF2B5EF4-FFF2-40B4-BE49-F238E27FC236}">
-                <a16:creationId xmlns="" xmlns:a16="http://schemas.microsoft.com/office/drawing/2014/main" id="{422E66F9-F773-43AF-A11B-4E7CBD02F278}"/>
+                <a16:creationId xmlns:a16="http://schemas.microsoft.com/office/drawing/2014/main" xmlns="" id="{422E66F9-F773-43AF-A11B-4E7CBD02F278}"/>
               </a:ext>
             </a:extLst>
           </p:cNvPr>
@@ -2036,7 +2038,7 @@
           <p:cNvPr id="5" name="灯片编号占位符 4">
             <a:extLst>
               <a:ext uri="{FF2B5EF4-FFF2-40B4-BE49-F238E27FC236}">
-                <a16:creationId xmlns="" xmlns:a16="http://schemas.microsoft.com/office/drawing/2014/main" id="{532A3341-7D12-47AF-9F38-007E36119F82}"/>
+                <a16:creationId xmlns:a16="http://schemas.microsoft.com/office/drawing/2014/main" xmlns="" id="{532A3341-7D12-47AF-9F38-007E36119F82}"/>
               </a:ext>
             </a:extLst>
           </p:cNvPr>
@@ -2095,7 +2097,7 @@
           <p:cNvPr id="2" name="日期占位符 1">
             <a:extLst>
               <a:ext uri="{FF2B5EF4-FFF2-40B4-BE49-F238E27FC236}">
-                <a16:creationId xmlns="" xmlns:a16="http://schemas.microsoft.com/office/drawing/2014/main" id="{90A4B74C-4F5F-4559-9631-C68C736C9524}"/>
+                <a16:creationId xmlns:a16="http://schemas.microsoft.com/office/drawing/2014/main" xmlns="" id="{90A4B74C-4F5F-4559-9631-C68C736C9524}"/>
               </a:ext>
             </a:extLst>
           </p:cNvPr>
@@ -2113,7 +2115,7 @@
           <a:p>
             <a:fld id="{6A465375-4056-467D-A4D8-FDABD3E2ADC4}" type="datetimeFigureOut">
               <a:rPr lang="zh-CN" altLang="en-US" smtClean="0"/>
-              <a:t>2021/3/15</a:t>
+              <a:t>2021/12/11</a:t>
             </a:fld>
             <a:endParaRPr lang="zh-CN" altLang="en-US"/>
           </a:p>
@@ -2124,7 +2126,7 @@
           <p:cNvPr id="3" name="页脚占位符 2">
             <a:extLst>
               <a:ext uri="{FF2B5EF4-FFF2-40B4-BE49-F238E27FC236}">
-                <a16:creationId xmlns="" xmlns:a16="http://schemas.microsoft.com/office/drawing/2014/main" id="{5EC9297A-492A-4A89-BD1F-273B951E733D}"/>
+                <a16:creationId xmlns:a16="http://schemas.microsoft.com/office/drawing/2014/main" xmlns="" id="{5EC9297A-492A-4A89-BD1F-273B951E733D}"/>
               </a:ext>
             </a:extLst>
           </p:cNvPr>
@@ -2149,7 +2151,7 @@
           <p:cNvPr id="4" name="灯片编号占位符 3">
             <a:extLst>
               <a:ext uri="{FF2B5EF4-FFF2-40B4-BE49-F238E27FC236}">
-                <a16:creationId xmlns="" xmlns:a16="http://schemas.microsoft.com/office/drawing/2014/main" id="{A604EAF8-A77E-4D91-A7F9-DE0147BCC49F}"/>
+                <a16:creationId xmlns:a16="http://schemas.microsoft.com/office/drawing/2014/main" xmlns="" id="{A604EAF8-A77E-4D91-A7F9-DE0147BCC49F}"/>
               </a:ext>
             </a:extLst>
           </p:cNvPr>
@@ -2208,7 +2210,7 @@
           <p:cNvPr id="2" name="标题 1">
             <a:extLst>
               <a:ext uri="{FF2B5EF4-FFF2-40B4-BE49-F238E27FC236}">
-                <a16:creationId xmlns="" xmlns:a16="http://schemas.microsoft.com/office/drawing/2014/main" id="{BC9AB639-F08C-49D6-8C00-8E4304010CDF}"/>
+                <a16:creationId xmlns:a16="http://schemas.microsoft.com/office/drawing/2014/main" xmlns="" id="{BC9AB639-F08C-49D6-8C00-8E4304010CDF}"/>
               </a:ext>
             </a:extLst>
           </p:cNvPr>
@@ -2245,7 +2247,7 @@
           <p:cNvPr id="3" name="内容占位符 2">
             <a:extLst>
               <a:ext uri="{FF2B5EF4-FFF2-40B4-BE49-F238E27FC236}">
-                <a16:creationId xmlns="" xmlns:a16="http://schemas.microsoft.com/office/drawing/2014/main" id="{F38B3E49-AA1B-4DDE-A269-1C994E4D4939}"/>
+                <a16:creationId xmlns:a16="http://schemas.microsoft.com/office/drawing/2014/main" xmlns="" id="{F38B3E49-AA1B-4DDE-A269-1C994E4D4939}"/>
               </a:ext>
             </a:extLst>
           </p:cNvPr>
@@ -2335,7 +2337,7 @@
           <p:cNvPr id="4" name="文本占位符 3">
             <a:extLst>
               <a:ext uri="{FF2B5EF4-FFF2-40B4-BE49-F238E27FC236}">
-                <a16:creationId xmlns="" xmlns:a16="http://schemas.microsoft.com/office/drawing/2014/main" id="{2885907F-0784-4958-93D7-D83064AA3402}"/>
+                <a16:creationId xmlns:a16="http://schemas.microsoft.com/office/drawing/2014/main" xmlns="" id="{2885907F-0784-4958-93D7-D83064AA3402}"/>
               </a:ext>
             </a:extLst>
           </p:cNvPr>
@@ -2406,7 +2408,7 @@
           <p:cNvPr id="5" name="日期占位符 4">
             <a:extLst>
               <a:ext uri="{FF2B5EF4-FFF2-40B4-BE49-F238E27FC236}">
-                <a16:creationId xmlns="" xmlns:a16="http://schemas.microsoft.com/office/drawing/2014/main" id="{6A375E42-3538-4318-BA6A-DC057B30BC0F}"/>
+                <a16:creationId xmlns:a16="http://schemas.microsoft.com/office/drawing/2014/main" xmlns="" id="{6A375E42-3538-4318-BA6A-DC057B30BC0F}"/>
               </a:ext>
             </a:extLst>
           </p:cNvPr>
@@ -2424,7 +2426,7 @@
           <a:p>
             <a:fld id="{6A465375-4056-467D-A4D8-FDABD3E2ADC4}" type="datetimeFigureOut">
               <a:rPr lang="zh-CN" altLang="en-US" smtClean="0"/>
-              <a:t>2021/3/15</a:t>
+              <a:t>2021/12/11</a:t>
             </a:fld>
             <a:endParaRPr lang="zh-CN" altLang="en-US"/>
           </a:p>
@@ -2435,7 +2437,7 @@
           <p:cNvPr id="6" name="页脚占位符 5">
             <a:extLst>
               <a:ext uri="{FF2B5EF4-FFF2-40B4-BE49-F238E27FC236}">
-                <a16:creationId xmlns="" xmlns:a16="http://schemas.microsoft.com/office/drawing/2014/main" id="{64C0B755-ADAE-47E7-BC7F-8B843F860A59}"/>
+                <a16:creationId xmlns:a16="http://schemas.microsoft.com/office/drawing/2014/main" xmlns="" id="{64C0B755-ADAE-47E7-BC7F-8B843F860A59}"/>
               </a:ext>
             </a:extLst>
           </p:cNvPr>
@@ -2460,7 +2462,7 @@
           <p:cNvPr id="7" name="灯片编号占位符 6">
             <a:extLst>
               <a:ext uri="{FF2B5EF4-FFF2-40B4-BE49-F238E27FC236}">
-                <a16:creationId xmlns="" xmlns:a16="http://schemas.microsoft.com/office/drawing/2014/main" id="{76F10171-EFAC-44C2-8D0E-DA56D21AE729}"/>
+                <a16:creationId xmlns:a16="http://schemas.microsoft.com/office/drawing/2014/main" xmlns="" id="{76F10171-EFAC-44C2-8D0E-DA56D21AE729}"/>
               </a:ext>
             </a:extLst>
           </p:cNvPr>
@@ -2519,7 +2521,7 @@
           <p:cNvPr id="2" name="标题 1">
             <a:extLst>
               <a:ext uri="{FF2B5EF4-FFF2-40B4-BE49-F238E27FC236}">
-                <a16:creationId xmlns="" xmlns:a16="http://schemas.microsoft.com/office/drawing/2014/main" id="{237693E4-33C8-4A32-8092-7245B9F74212}"/>
+                <a16:creationId xmlns:a16="http://schemas.microsoft.com/office/drawing/2014/main" xmlns="" id="{237693E4-33C8-4A32-8092-7245B9F74212}"/>
               </a:ext>
             </a:extLst>
           </p:cNvPr>
@@ -2556,7 +2558,7 @@
           <p:cNvPr id="3" name="图片占位符 2">
             <a:extLst>
               <a:ext uri="{FF2B5EF4-FFF2-40B4-BE49-F238E27FC236}">
-                <a16:creationId xmlns="" xmlns:a16="http://schemas.microsoft.com/office/drawing/2014/main" id="{F3D18D0E-8162-4201-BA12-E35A009A7D40}"/>
+                <a16:creationId xmlns:a16="http://schemas.microsoft.com/office/drawing/2014/main" xmlns="" id="{F3D18D0E-8162-4201-BA12-E35A009A7D40}"/>
               </a:ext>
             </a:extLst>
           </p:cNvPr>
@@ -2623,7 +2625,7 @@
           <p:cNvPr id="4" name="文本占位符 3">
             <a:extLst>
               <a:ext uri="{FF2B5EF4-FFF2-40B4-BE49-F238E27FC236}">
-                <a16:creationId xmlns="" xmlns:a16="http://schemas.microsoft.com/office/drawing/2014/main" id="{76276873-F2BC-4F38-86C0-8AC9E1F8AE04}"/>
+                <a16:creationId xmlns:a16="http://schemas.microsoft.com/office/drawing/2014/main" xmlns="" id="{76276873-F2BC-4F38-86C0-8AC9E1F8AE04}"/>
               </a:ext>
             </a:extLst>
           </p:cNvPr>
@@ -2694,7 +2696,7 @@
           <p:cNvPr id="5" name="日期占位符 4">
             <a:extLst>
               <a:ext uri="{FF2B5EF4-FFF2-40B4-BE49-F238E27FC236}">
-                <a16:creationId xmlns="" xmlns:a16="http://schemas.microsoft.com/office/drawing/2014/main" id="{38E497AE-7F2C-4325-B749-A53161561A91}"/>
+                <a16:creationId xmlns:a16="http://schemas.microsoft.com/office/drawing/2014/main" xmlns="" id="{38E497AE-7F2C-4325-B749-A53161561A91}"/>
               </a:ext>
             </a:extLst>
           </p:cNvPr>
@@ -2712,7 +2714,7 @@
           <a:p>
             <a:fld id="{6A465375-4056-467D-A4D8-FDABD3E2ADC4}" type="datetimeFigureOut">
               <a:rPr lang="zh-CN" altLang="en-US" smtClean="0"/>
-              <a:t>2021/3/15</a:t>
+              <a:t>2021/12/11</a:t>
             </a:fld>
             <a:endParaRPr lang="zh-CN" altLang="en-US"/>
           </a:p>
@@ -2723,7 +2725,7 @@
           <p:cNvPr id="6" name="页脚占位符 5">
             <a:extLst>
               <a:ext uri="{FF2B5EF4-FFF2-40B4-BE49-F238E27FC236}">
-                <a16:creationId xmlns="" xmlns:a16="http://schemas.microsoft.com/office/drawing/2014/main" id="{608A3E07-25D5-47DC-ADE6-A8B06D5B8F2B}"/>
+                <a16:creationId xmlns:a16="http://schemas.microsoft.com/office/drawing/2014/main" xmlns="" id="{608A3E07-25D5-47DC-ADE6-A8B06D5B8F2B}"/>
               </a:ext>
             </a:extLst>
           </p:cNvPr>
@@ -2748,7 +2750,7 @@
           <p:cNvPr id="7" name="灯片编号占位符 6">
             <a:extLst>
               <a:ext uri="{FF2B5EF4-FFF2-40B4-BE49-F238E27FC236}">
-                <a16:creationId xmlns="" xmlns:a16="http://schemas.microsoft.com/office/drawing/2014/main" id="{2BFBCA8A-AF4D-4E11-930E-40FFCD2EE376}"/>
+                <a16:creationId xmlns:a16="http://schemas.microsoft.com/office/drawing/2014/main" xmlns="" id="{2BFBCA8A-AF4D-4E11-930E-40FFCD2EE376}"/>
               </a:ext>
             </a:extLst>
           </p:cNvPr>
@@ -2812,7 +2814,7 @@
           <p:cNvPr id="2" name="标题占位符 1">
             <a:extLst>
               <a:ext uri="{FF2B5EF4-FFF2-40B4-BE49-F238E27FC236}">
-                <a16:creationId xmlns="" xmlns:a16="http://schemas.microsoft.com/office/drawing/2014/main" id="{75E532A0-53ED-4BA0-AC5C-CFB10FA79667}"/>
+                <a16:creationId xmlns:a16="http://schemas.microsoft.com/office/drawing/2014/main" xmlns="" id="{75E532A0-53ED-4BA0-AC5C-CFB10FA79667}"/>
               </a:ext>
             </a:extLst>
           </p:cNvPr>
@@ -2850,7 +2852,7 @@
           <p:cNvPr id="3" name="文本占位符 2">
             <a:extLst>
               <a:ext uri="{FF2B5EF4-FFF2-40B4-BE49-F238E27FC236}">
-                <a16:creationId xmlns="" xmlns:a16="http://schemas.microsoft.com/office/drawing/2014/main" id="{43E5CC6E-0646-4BF3-ABDF-4C304580B19D}"/>
+                <a16:creationId xmlns:a16="http://schemas.microsoft.com/office/drawing/2014/main" xmlns="" id="{43E5CC6E-0646-4BF3-ABDF-4C304580B19D}"/>
               </a:ext>
             </a:extLst>
           </p:cNvPr>
@@ -2917,7 +2919,7 @@
           <p:cNvPr id="4" name="日期占位符 3">
             <a:extLst>
               <a:ext uri="{FF2B5EF4-FFF2-40B4-BE49-F238E27FC236}">
-                <a16:creationId xmlns="" xmlns:a16="http://schemas.microsoft.com/office/drawing/2014/main" id="{9034BB4A-C33A-47F4-95BF-2406CCA98EE1}"/>
+                <a16:creationId xmlns:a16="http://schemas.microsoft.com/office/drawing/2014/main" xmlns="" id="{9034BB4A-C33A-47F4-95BF-2406CCA98EE1}"/>
               </a:ext>
             </a:extLst>
           </p:cNvPr>
@@ -2953,7 +2955,7 @@
           <a:p>
             <a:fld id="{6A465375-4056-467D-A4D8-FDABD3E2ADC4}" type="datetimeFigureOut">
               <a:rPr lang="zh-CN" altLang="en-US" smtClean="0"/>
-              <a:t>2021/3/15</a:t>
+              <a:t>2021/12/11</a:t>
             </a:fld>
             <a:endParaRPr lang="zh-CN" altLang="en-US"/>
           </a:p>
@@ -2964,7 +2966,7 @@
           <p:cNvPr id="5" name="页脚占位符 4">
             <a:extLst>
               <a:ext uri="{FF2B5EF4-FFF2-40B4-BE49-F238E27FC236}">
-                <a16:creationId xmlns="" xmlns:a16="http://schemas.microsoft.com/office/drawing/2014/main" id="{C3487536-5743-446E-91DE-F265AC329AF9}"/>
+                <a16:creationId xmlns:a16="http://schemas.microsoft.com/office/drawing/2014/main" xmlns="" id="{C3487536-5743-446E-91DE-F265AC329AF9}"/>
               </a:ext>
             </a:extLst>
           </p:cNvPr>
@@ -3007,7 +3009,7 @@
           <p:cNvPr id="6" name="灯片编号占位符 5">
             <a:extLst>
               <a:ext uri="{FF2B5EF4-FFF2-40B4-BE49-F238E27FC236}">
-                <a16:creationId xmlns="" xmlns:a16="http://schemas.microsoft.com/office/drawing/2014/main" id="{7F500C76-0052-4C4D-A485-5B3ED41BB456}"/>
+                <a16:creationId xmlns:a16="http://schemas.microsoft.com/office/drawing/2014/main" xmlns="" id="{7F500C76-0052-4C4D-A485-5B3ED41BB456}"/>
               </a:ext>
             </a:extLst>
           </p:cNvPr>
@@ -3372,7 +3374,7 @@
       </p:grpSpPr>
       <p:pic>
         <p:nvPicPr>
-          <p:cNvPr id="7" name="图片 6"/>
+          <p:cNvPr id="3" name="图片 2"/>
           <p:cNvPicPr>
             <a:picLocks noChangeAspect="1"/>
           </p:cNvPicPr>
@@ -3386,30 +3388,6 @@
         </p:blipFill>
         <p:spPr>
           <a:xfrm>
-            <a:off x="7792070" y="1952634"/>
-            <a:ext cx="3794996" cy="2494195"/>
-          </a:xfrm>
-          <a:prstGeom prst="rect">
-            <a:avLst/>
-          </a:prstGeom>
-        </p:spPr>
-      </p:pic>
-      <p:pic>
-        <p:nvPicPr>
-          <p:cNvPr id="3" name="图片 2"/>
-          <p:cNvPicPr>
-            <a:picLocks noChangeAspect="1"/>
-          </p:cNvPicPr>
-          <p:nvPr/>
-        </p:nvPicPr>
-        <p:blipFill>
-          <a:blip r:embed="rId3"/>
-          <a:stretch>
-            <a:fillRect/>
-          </a:stretch>
-        </p:blipFill>
-        <p:spPr>
-          <a:xfrm>
             <a:off x="1707171" y="2656800"/>
             <a:ext cx="8705850" cy="4238625"/>
           </a:xfrm>
@@ -3512,13 +3490,13 @@
             </a:r>
             <a:r>
               <a:rPr lang="en-US" altLang="zh-CN" dirty="0">
-                <a:hlinkClick r:id="rId4"/>
+                <a:hlinkClick r:id="rId3"/>
               </a:rPr>
               <a:t>http://10.148.16.20:10077</a:t>
             </a:r>
             <a:r>
               <a:rPr lang="en-US" altLang="zh-CN" dirty="0" smtClean="0">
-                <a:hlinkClick r:id="rId4"/>
+                <a:hlinkClick r:id="rId3"/>
               </a:rPr>
               <a:t>/</a:t>
             </a:r>
@@ -3558,7 +3536,7 @@
             </a:r>
             <a:r>
               <a:rPr lang="zh-CN" altLang="en-US" dirty="0" smtClean="0"/>
-              <a:t>，使用地址栏的</a:t>
+              <a:t>，使用右键弹窗</a:t>
             </a:r>
             <a:r>
               <a:rPr lang="en-US" altLang="zh-CN" dirty="0" smtClean="0"/>
@@ -3566,7 +3544,7 @@
             </a:r>
             <a:r>
               <a:rPr lang="zh-CN" altLang="en-US" dirty="0" smtClean="0"/>
-              <a:t>截屏按钮</a:t>
+              <a:t>截图按钮</a:t>
             </a:r>
             <a:r>
               <a:rPr lang="en-US" altLang="zh-CN" dirty="0" smtClean="0"/>
@@ -3589,7 +3567,7 @@
                 <a:solidFill>
                   <a:srgbClr val="C00000"/>
                 </a:solidFill>
-                <a:hlinkClick r:id="rId5" action="ppaction://hlinkfile"/>
+                <a:hlinkClick r:id="rId4" action="ppaction://hlinkfile"/>
               </a:rPr>
               <a:t>\\</a:t>
             </a:r>
@@ -3598,7 +3576,7 @@
                 <a:solidFill>
                   <a:srgbClr val="C00000"/>
                 </a:solidFill>
-                <a:hlinkClick r:id="rId5" action="ppaction://hlinkfile"/>
+                <a:hlinkClick r:id="rId4" action="ppaction://hlinkfile"/>
               </a:rPr>
               <a:t>10.148.16.32\e\ssow\html\YJFD-nanpeng-hourly.jpg</a:t>
             </a:r>
@@ -3614,7 +3592,7 @@
                 <a:solidFill>
                   <a:srgbClr val="C00000"/>
                 </a:solidFill>
-                <a:hlinkClick r:id="rId6" action="ppaction://hlinkfile"/>
+                <a:hlinkClick r:id="rId5" action="ppaction://hlinkfile"/>
               </a:rPr>
               <a:t>\\</a:t>
             </a:r>
@@ -3623,7 +3601,7 @@
                 <a:solidFill>
                   <a:srgbClr val="C00000"/>
                 </a:solidFill>
-                <a:hlinkClick r:id="rId6" action="ppaction://hlinkfile"/>
+                <a:hlinkClick r:id="rId5" action="ppaction://hlinkfile"/>
               </a:rPr>
               <a:t>10.148.16.32\e\ssow\html\YJFD-nanpeng-hourly-YYMMDDHH.jpg</a:t>
             </a:r>
@@ -4100,6 +4078,122 @@
           <a:xfrm>
             <a:off x="1776411" y="3259099"/>
             <a:ext cx="3036955" cy="290316"/>
+          </a:xfrm>
+          <a:prstGeom prst="rect">
+            <a:avLst/>
+          </a:prstGeom>
+          <a:noFill/>
+          <a:ln>
+            <a:solidFill>
+              <a:srgbClr val="C00000"/>
+            </a:solidFill>
+          </a:ln>
+        </p:spPr>
+        <p:style>
+          <a:lnRef idx="2">
+            <a:schemeClr val="accent1">
+              <a:shade val="50000"/>
+            </a:schemeClr>
+          </a:lnRef>
+          <a:fillRef idx="1">
+            <a:schemeClr val="accent1"/>
+          </a:fillRef>
+          <a:effectRef idx="0">
+            <a:schemeClr val="accent1"/>
+          </a:effectRef>
+          <a:fontRef idx="minor">
+            <a:schemeClr val="lt1"/>
+          </a:fontRef>
+        </p:style>
+        <p:txBody>
+          <a:bodyPr rtlCol="0" anchor="ctr"/>
+          <a:lstStyle/>
+          <a:p>
+            <a:pPr algn="ctr"/>
+            <a:endParaRPr lang="zh-CN" altLang="en-US"/>
+          </a:p>
+        </p:txBody>
+      </p:sp>
+      <p:pic>
+        <p:nvPicPr>
+          <p:cNvPr id="6" name="图片 5"/>
+          <p:cNvPicPr>
+            <a:picLocks noChangeAspect="1"/>
+          </p:cNvPicPr>
+          <p:nvPr/>
+        </p:nvPicPr>
+        <p:blipFill>
+          <a:blip r:embed="rId6"/>
+          <a:stretch>
+            <a:fillRect/>
+          </a:stretch>
+        </p:blipFill>
+        <p:spPr>
+          <a:xfrm>
+            <a:off x="8054338" y="3986691"/>
+            <a:ext cx="3609158" cy="2550472"/>
+          </a:xfrm>
+          <a:prstGeom prst="rect">
+            <a:avLst/>
+          </a:prstGeom>
+        </p:spPr>
+      </p:pic>
+      <p:sp>
+        <p:nvSpPr>
+          <p:cNvPr id="9" name="矩形 8"/>
+          <p:cNvSpPr/>
+          <p:nvPr/>
+        </p:nvSpPr>
+        <p:spPr>
+          <a:xfrm>
+            <a:off x="10058400" y="3986691"/>
+            <a:ext cx="354621" cy="234931"/>
+          </a:xfrm>
+          <a:prstGeom prst="rect">
+            <a:avLst/>
+          </a:prstGeom>
+          <a:noFill/>
+          <a:ln>
+            <a:solidFill>
+              <a:srgbClr val="C00000"/>
+            </a:solidFill>
+          </a:ln>
+        </p:spPr>
+        <p:style>
+          <a:lnRef idx="2">
+            <a:schemeClr val="accent1">
+              <a:shade val="50000"/>
+            </a:schemeClr>
+          </a:lnRef>
+          <a:fillRef idx="1">
+            <a:schemeClr val="accent1"/>
+          </a:fillRef>
+          <a:effectRef idx="0">
+            <a:schemeClr val="accent1"/>
+          </a:effectRef>
+          <a:fontRef idx="minor">
+            <a:schemeClr val="lt1"/>
+          </a:fontRef>
+        </p:style>
+        <p:txBody>
+          <a:bodyPr rtlCol="0" anchor="ctr"/>
+          <a:lstStyle/>
+          <a:p>
+            <a:pPr algn="ctr"/>
+            <a:endParaRPr lang="zh-CN" altLang="en-US"/>
+          </a:p>
+        </p:txBody>
+      </p:sp>
+      <p:sp>
+        <p:nvSpPr>
+          <p:cNvPr id="20" name="矩形 19"/>
+          <p:cNvSpPr/>
+          <p:nvPr/>
+        </p:nvSpPr>
+        <p:spPr>
+          <a:xfrm>
+            <a:off x="9681606" y="5344999"/>
+            <a:ext cx="1744121" cy="234931"/>
           </a:xfrm>
           <a:prstGeom prst="rect">
             <a:avLst/>
@@ -4982,6 +5076,827 @@
       </p:grpSpPr>
       <p:pic>
         <p:nvPicPr>
+          <p:cNvPr id="3" name="图片 2"/>
+          <p:cNvPicPr>
+            <a:picLocks noChangeAspect="1"/>
+          </p:cNvPicPr>
+          <p:nvPr/>
+        </p:nvPicPr>
+        <p:blipFill>
+          <a:blip r:embed="rId2"/>
+          <a:stretch>
+            <a:fillRect/>
+          </a:stretch>
+        </p:blipFill>
+        <p:spPr>
+          <a:xfrm>
+            <a:off x="1707171" y="2656800"/>
+            <a:ext cx="8705850" cy="4238625"/>
+          </a:xfrm>
+          <a:prstGeom prst="rect">
+            <a:avLst/>
+          </a:prstGeom>
+        </p:spPr>
+      </p:pic>
+      <p:sp>
+        <p:nvSpPr>
+          <p:cNvPr id="4" name="文本框 3"/>
+          <p:cNvSpPr txBox="1"/>
+          <p:nvPr/>
+        </p:nvSpPr>
+        <p:spPr>
+          <a:xfrm>
+            <a:off x="2341548" y="-7897"/>
+            <a:ext cx="8272023" cy="584775"/>
+          </a:xfrm>
+          <a:prstGeom prst="rect">
+            <a:avLst/>
+          </a:prstGeom>
+          <a:noFill/>
+        </p:spPr>
+        <p:txBody>
+          <a:bodyPr wrap="square" rtlCol="0">
+            <a:spAutoFit/>
+          </a:bodyPr>
+          <a:lstStyle/>
+          <a:p>
+            <a:r>
+              <a:rPr lang="zh-CN" altLang="en-US" sz="3200" dirty="0" smtClean="0">
+                <a:solidFill>
+                  <a:srgbClr val="C00000"/>
+                </a:solidFill>
+              </a:rPr>
+              <a:t>徐闻东海域砂场特殊情况</a:t>
+            </a:r>
+            <a:r>
+              <a:rPr lang="zh-CN" altLang="en-US" sz="3200" dirty="0" smtClean="0">
+                <a:solidFill>
+                  <a:srgbClr val="C00000"/>
+                </a:solidFill>
+              </a:rPr>
+              <a:t>处理</a:t>
+            </a:r>
+            <a:r>
+              <a:rPr lang="en-US" altLang="zh-CN" sz="3200" dirty="0" smtClean="0">
+                <a:solidFill>
+                  <a:srgbClr val="C00000"/>
+                </a:solidFill>
+              </a:rPr>
+              <a:t>—</a:t>
+            </a:r>
+            <a:r>
+              <a:rPr lang="zh-CN" altLang="en-US" sz="3200" dirty="0" smtClean="0">
+                <a:solidFill>
+                  <a:srgbClr val="C00000"/>
+                </a:solidFill>
+              </a:rPr>
+              <a:t>调整数据</a:t>
+            </a:r>
+            <a:endParaRPr lang="zh-CN" altLang="en-US" sz="3200" dirty="0">
+              <a:solidFill>
+                <a:srgbClr val="0070C0"/>
+              </a:solidFill>
+            </a:endParaRPr>
+          </a:p>
+        </p:txBody>
+      </p:sp>
+      <p:sp>
+        <p:nvSpPr>
+          <p:cNvPr id="5" name="文本框 4"/>
+          <p:cNvSpPr txBox="1"/>
+          <p:nvPr/>
+        </p:nvSpPr>
+        <p:spPr>
+          <a:xfrm>
+            <a:off x="75432" y="523664"/>
+            <a:ext cx="11773668" cy="1754326"/>
+          </a:xfrm>
+          <a:prstGeom prst="rect">
+            <a:avLst/>
+          </a:prstGeom>
+          <a:noFill/>
+        </p:spPr>
+        <p:txBody>
+          <a:bodyPr wrap="square" rtlCol="0">
+            <a:spAutoFit/>
+          </a:bodyPr>
+          <a:lstStyle/>
+          <a:p>
+            <a:r>
+              <a:rPr lang="en-US" altLang="zh-CN" dirty="0" smtClean="0"/>
+              <a:t>1. </a:t>
+            </a:r>
+            <a:r>
+              <a:rPr lang="zh-CN" altLang="en-US" dirty="0" smtClean="0"/>
+              <a:t>如果生成产品数据缺失不对</a:t>
+            </a:r>
+            <a:r>
+              <a:rPr lang="zh-CN" altLang="en-US" dirty="0"/>
+              <a:t>，请</a:t>
+            </a:r>
+            <a:r>
+              <a:rPr lang="zh-CN" altLang="en-US" dirty="0" smtClean="0"/>
+              <a:t>打开火狐浏览器   </a:t>
+            </a:r>
+            <a:r>
+              <a:rPr lang="en-US" altLang="zh-CN" dirty="0">
+                <a:hlinkClick r:id="rId3"/>
+              </a:rPr>
+              <a:t>http://</a:t>
+            </a:r>
+            <a:r>
+              <a:rPr lang="en-US" altLang="zh-CN" dirty="0" smtClean="0">
+                <a:hlinkClick r:id="rId3"/>
+              </a:rPr>
+              <a:t>10.148.16.20:10100/</a:t>
+            </a:r>
+            <a:endParaRPr lang="en-US" altLang="zh-CN" dirty="0" smtClean="0"/>
+          </a:p>
+          <a:p>
+            <a:r>
+              <a:rPr lang="en-US" altLang="zh-CN" dirty="0" smtClean="0"/>
+              <a:t>2. </a:t>
+            </a:r>
+            <a:r>
+              <a:rPr lang="zh-CN" altLang="en-US" dirty="0" smtClean="0"/>
+              <a:t>单击</a:t>
+            </a:r>
+            <a:r>
+              <a:rPr lang="zh-CN" altLang="en-US" dirty="0"/>
+              <a:t>头部区域打开编辑</a:t>
+            </a:r>
+            <a:r>
+              <a:rPr lang="zh-CN" altLang="en-US" dirty="0" smtClean="0"/>
+              <a:t>框，进行相应编辑</a:t>
+            </a:r>
+            <a:endParaRPr lang="en-US" altLang="zh-CN" dirty="0" smtClean="0"/>
+          </a:p>
+          <a:p>
+            <a:r>
+              <a:rPr lang="en-US" altLang="zh-CN" dirty="0" smtClean="0"/>
+              <a:t>3. </a:t>
+            </a:r>
+            <a:r>
+              <a:rPr lang="zh-CN" altLang="en-US" dirty="0" smtClean="0"/>
+              <a:t>改</a:t>
+            </a:r>
+            <a:r>
+              <a:rPr lang="zh-CN" altLang="en-US" dirty="0"/>
+              <a:t>好后</a:t>
+            </a:r>
+            <a:r>
+              <a:rPr lang="zh-CN" altLang="en-US" dirty="0" smtClean="0"/>
+              <a:t>，使用地址栏的</a:t>
+            </a:r>
+            <a:r>
+              <a:rPr lang="en-US" altLang="zh-CN" dirty="0" smtClean="0"/>
+              <a:t>【</a:t>
+            </a:r>
+            <a:r>
+              <a:rPr lang="zh-CN" altLang="en-US" dirty="0" smtClean="0"/>
+              <a:t>截屏按钮</a:t>
+            </a:r>
+            <a:r>
+              <a:rPr lang="en-US" altLang="zh-CN" dirty="0" smtClean="0"/>
+              <a:t>】</a:t>
+            </a:r>
+            <a:r>
+              <a:rPr lang="zh-CN" altLang="en-US" dirty="0" smtClean="0"/>
+              <a:t>，截取需要的范围保存两份图片到指定目录</a:t>
+            </a:r>
+            <a:r>
+              <a:rPr lang="en-US" altLang="zh-CN" dirty="0" smtClean="0"/>
+              <a:t>,</a:t>
+            </a:r>
+            <a:r>
+              <a:rPr lang="zh-CN" altLang="en-US" dirty="0" smtClean="0"/>
+              <a:t>一份带日期一份不带日期：</a:t>
+            </a:r>
+            <a:r>
+              <a:rPr lang="en-US" altLang="zh-CN" dirty="0" smtClean="0">
+                <a:solidFill>
+                  <a:srgbClr val="C00000"/>
+                </a:solidFill>
+                <a:hlinkClick r:id="rId4" action="ppaction://hlinkfile"/>
+              </a:rPr>
+              <a:t>\\</a:t>
+            </a:r>
+            <a:r>
+              <a:rPr lang="en-US" altLang="zh-CN" dirty="0">
+                <a:solidFill>
+                  <a:srgbClr val="C00000"/>
+                </a:solidFill>
+                <a:hlinkClick r:id="rId4" action="ppaction://hlinkfile"/>
+              </a:rPr>
+              <a:t>10.148.16.32\e\ssow\html\XWDH-hourly.jpg</a:t>
+            </a:r>
+            <a:endParaRPr lang="en-US" altLang="zh-CN" dirty="0">
+              <a:solidFill>
+                <a:srgbClr val="C00000"/>
+              </a:solidFill>
+            </a:endParaRPr>
+          </a:p>
+          <a:p>
+            <a:r>
+              <a:rPr lang="en-US" altLang="zh-CN" u="sng" dirty="0">
+                <a:solidFill>
+                  <a:srgbClr val="0070C0"/>
+                </a:solidFill>
+                <a:hlinkClick r:id="rId5" action="ppaction://hlinkfile"/>
+              </a:rPr>
+              <a:t>\\</a:t>
+            </a:r>
+            <a:r>
+              <a:rPr lang="en-US" altLang="zh-CN" u="sng" dirty="0" smtClean="0">
+                <a:solidFill>
+                  <a:srgbClr val="0070C0"/>
+                </a:solidFill>
+                <a:hlinkClick r:id="rId5" action="ppaction://hlinkfile"/>
+              </a:rPr>
+              <a:t>10.148.16.32\e\ssow\html\</a:t>
+            </a:r>
+            <a:r>
+              <a:rPr lang="en-US" altLang="zh-CN" u="sng" dirty="0">
+                <a:solidFill>
+                  <a:srgbClr val="0070C0"/>
+                </a:solidFill>
+              </a:rPr>
+              <a:t>XWDH</a:t>
+            </a:r>
+            <a:r>
+              <a:rPr lang="en-US" altLang="zh-CN" u="sng" dirty="0" smtClean="0">
+                <a:solidFill>
+                  <a:srgbClr val="0070C0"/>
+                </a:solidFill>
+                <a:hlinkClick r:id="rId5" action="ppaction://hlinkfile"/>
+              </a:rPr>
+              <a:t>-hourly-YYMMDDHH.jpg</a:t>
+            </a:r>
+            <a:endParaRPr lang="en-US" altLang="zh-CN" u="sng" dirty="0" smtClean="0">
+              <a:solidFill>
+                <a:srgbClr val="0070C0"/>
+              </a:solidFill>
+            </a:endParaRPr>
+          </a:p>
+          <a:p>
+            <a:r>
+              <a:rPr lang="zh-CN" altLang="en-US" dirty="0" smtClean="0">
+                <a:solidFill>
+                  <a:srgbClr val="C00000"/>
+                </a:solidFill>
+              </a:rPr>
+              <a:t>日期格式示例：</a:t>
+            </a:r>
+            <a:r>
+              <a:rPr lang="en-US" altLang="zh-CN" dirty="0" smtClean="0">
+                <a:solidFill>
+                  <a:srgbClr val="C00000"/>
+                </a:solidFill>
+              </a:rPr>
+              <a:t>2020</a:t>
+            </a:r>
+            <a:r>
+              <a:rPr lang="zh-CN" altLang="en-US" dirty="0" smtClean="0">
+                <a:solidFill>
+                  <a:srgbClr val="C00000"/>
+                </a:solidFill>
+              </a:rPr>
+              <a:t>年</a:t>
+            </a:r>
+            <a:r>
+              <a:rPr lang="en-US" altLang="zh-CN" dirty="0" smtClean="0">
+                <a:solidFill>
+                  <a:srgbClr val="C00000"/>
+                </a:solidFill>
+              </a:rPr>
+              <a:t>10</a:t>
+            </a:r>
+            <a:r>
+              <a:rPr lang="zh-CN" altLang="en-US" dirty="0" smtClean="0">
+                <a:solidFill>
+                  <a:srgbClr val="C00000"/>
+                </a:solidFill>
+              </a:rPr>
+              <a:t>月</a:t>
+            </a:r>
+            <a:r>
+              <a:rPr lang="en-US" altLang="zh-CN" dirty="0" smtClean="0">
+                <a:solidFill>
+                  <a:srgbClr val="C00000"/>
+                </a:solidFill>
+              </a:rPr>
+              <a:t>11</a:t>
+            </a:r>
+            <a:r>
+              <a:rPr lang="zh-CN" altLang="en-US" dirty="0" smtClean="0">
+                <a:solidFill>
+                  <a:srgbClr val="C00000"/>
+                </a:solidFill>
+              </a:rPr>
+              <a:t>日</a:t>
+            </a:r>
+            <a:r>
+              <a:rPr lang="en-US" altLang="zh-CN" dirty="0" smtClean="0">
+                <a:solidFill>
+                  <a:srgbClr val="C00000"/>
+                </a:solidFill>
+              </a:rPr>
+              <a:t>08</a:t>
+            </a:r>
+            <a:r>
+              <a:rPr lang="zh-CN" altLang="en-US" dirty="0" smtClean="0">
+                <a:solidFill>
+                  <a:srgbClr val="C00000"/>
+                </a:solidFill>
+              </a:rPr>
+              <a:t>时</a:t>
+            </a:r>
+            <a:r>
+              <a:rPr lang="en-US" altLang="zh-CN" dirty="0" smtClean="0">
+                <a:solidFill>
+                  <a:srgbClr val="C00000"/>
+                </a:solidFill>
+              </a:rPr>
+              <a:t>=&gt;20101108</a:t>
+            </a:r>
+            <a:endParaRPr lang="en-US" altLang="zh-CN" dirty="0">
+              <a:solidFill>
+                <a:srgbClr val="C00000"/>
+              </a:solidFill>
+            </a:endParaRPr>
+          </a:p>
+        </p:txBody>
+      </p:sp>
+      <p:sp>
+        <p:nvSpPr>
+          <p:cNvPr id="11" name="右箭头 10"/>
+          <p:cNvSpPr/>
+          <p:nvPr/>
+        </p:nvSpPr>
+        <p:spPr>
+          <a:xfrm rot="17397579">
+            <a:off x="8211977" y="2963442"/>
+            <a:ext cx="640271" cy="139493"/>
+          </a:xfrm>
+          <a:prstGeom prst="rightArrow">
+            <a:avLst>
+              <a:gd name="adj1" fmla="val 20593"/>
+              <a:gd name="adj2" fmla="val 230112"/>
+            </a:avLst>
+          </a:prstGeom>
+          <a:solidFill>
+            <a:srgbClr val="C00000"/>
+          </a:solidFill>
+          <a:ln>
+            <a:noFill/>
+          </a:ln>
+        </p:spPr>
+        <p:style>
+          <a:lnRef idx="2">
+            <a:schemeClr val="accent1">
+              <a:shade val="50000"/>
+            </a:schemeClr>
+          </a:lnRef>
+          <a:fillRef idx="1">
+            <a:schemeClr val="accent1"/>
+          </a:fillRef>
+          <a:effectRef idx="0">
+            <a:schemeClr val="accent1"/>
+          </a:effectRef>
+          <a:fontRef idx="minor">
+            <a:schemeClr val="lt1"/>
+          </a:fontRef>
+        </p:style>
+        <p:txBody>
+          <a:bodyPr rtlCol="0" anchor="ctr"/>
+          <a:lstStyle/>
+          <a:p>
+            <a:pPr algn="ctr"/>
+            <a:endParaRPr lang="zh-CN" altLang="en-US"/>
+          </a:p>
+        </p:txBody>
+      </p:sp>
+      <p:sp>
+        <p:nvSpPr>
+          <p:cNvPr id="12" name="文本框 11"/>
+          <p:cNvSpPr txBox="1"/>
+          <p:nvPr/>
+        </p:nvSpPr>
+        <p:spPr>
+          <a:xfrm>
+            <a:off x="7652129" y="3259098"/>
+            <a:ext cx="1886162" cy="369332"/>
+          </a:xfrm>
+          <a:prstGeom prst="rect">
+            <a:avLst/>
+          </a:prstGeom>
+          <a:noFill/>
+          <a:ln>
+            <a:solidFill>
+              <a:srgbClr val="C00000"/>
+            </a:solidFill>
+          </a:ln>
+        </p:spPr>
+        <p:txBody>
+          <a:bodyPr wrap="square" rtlCol="0">
+            <a:spAutoFit/>
+          </a:bodyPr>
+          <a:lstStyle/>
+          <a:p>
+            <a:r>
+              <a:rPr lang="zh-CN" altLang="en-US" dirty="0" smtClean="0">
+                <a:solidFill>
+                  <a:srgbClr val="C00000"/>
+                </a:solidFill>
+              </a:rPr>
+              <a:t>点击搜索</a:t>
+            </a:r>
+            <a:endParaRPr lang="en-US" altLang="zh-CN" dirty="0">
+              <a:solidFill>
+                <a:srgbClr val="C00000"/>
+              </a:solidFill>
+            </a:endParaRPr>
+          </a:p>
+        </p:txBody>
+      </p:sp>
+      <p:sp>
+        <p:nvSpPr>
+          <p:cNvPr id="13" name="文本框 12"/>
+          <p:cNvSpPr txBox="1"/>
+          <p:nvPr/>
+        </p:nvSpPr>
+        <p:spPr>
+          <a:xfrm>
+            <a:off x="5375054" y="2186857"/>
+            <a:ext cx="2231923" cy="369332"/>
+          </a:xfrm>
+          <a:prstGeom prst="rect">
+            <a:avLst/>
+          </a:prstGeom>
+          <a:noFill/>
+          <a:ln>
+            <a:solidFill>
+              <a:srgbClr val="C00000"/>
+            </a:solidFill>
+          </a:ln>
+        </p:spPr>
+        <p:txBody>
+          <a:bodyPr wrap="square" rtlCol="0">
+            <a:spAutoFit/>
+          </a:bodyPr>
+          <a:lstStyle/>
+          <a:p>
+            <a:r>
+              <a:rPr lang="zh-CN" altLang="en-US" dirty="0" smtClean="0">
+                <a:solidFill>
+                  <a:srgbClr val="C00000"/>
+                </a:solidFill>
+              </a:rPr>
+              <a:t>调整模式起报时间</a:t>
+            </a:r>
+            <a:endParaRPr lang="en-US" altLang="zh-CN" dirty="0">
+              <a:solidFill>
+                <a:srgbClr val="C00000"/>
+              </a:solidFill>
+            </a:endParaRPr>
+          </a:p>
+        </p:txBody>
+      </p:sp>
+      <p:sp>
+        <p:nvSpPr>
+          <p:cNvPr id="14" name="右箭头 13"/>
+          <p:cNvSpPr/>
+          <p:nvPr/>
+        </p:nvSpPr>
+        <p:spPr>
+          <a:xfrm rot="9499617">
+            <a:off x="5659322" y="2588675"/>
+            <a:ext cx="640271" cy="139493"/>
+          </a:xfrm>
+          <a:prstGeom prst="rightArrow">
+            <a:avLst>
+              <a:gd name="adj1" fmla="val 20593"/>
+              <a:gd name="adj2" fmla="val 230112"/>
+            </a:avLst>
+          </a:prstGeom>
+          <a:solidFill>
+            <a:srgbClr val="C00000"/>
+          </a:solidFill>
+          <a:ln>
+            <a:noFill/>
+          </a:ln>
+        </p:spPr>
+        <p:style>
+          <a:lnRef idx="2">
+            <a:schemeClr val="accent1">
+              <a:shade val="50000"/>
+            </a:schemeClr>
+          </a:lnRef>
+          <a:fillRef idx="1">
+            <a:schemeClr val="accent1"/>
+          </a:fillRef>
+          <a:effectRef idx="0">
+            <a:schemeClr val="accent1"/>
+          </a:effectRef>
+          <a:fontRef idx="minor">
+            <a:schemeClr val="lt1"/>
+          </a:fontRef>
+        </p:style>
+        <p:txBody>
+          <a:bodyPr rtlCol="0" anchor="ctr"/>
+          <a:lstStyle/>
+          <a:p>
+            <a:pPr algn="ctr"/>
+            <a:endParaRPr lang="zh-CN" altLang="en-US"/>
+          </a:p>
+        </p:txBody>
+      </p:sp>
+      <p:sp>
+        <p:nvSpPr>
+          <p:cNvPr id="15" name="文本框 14"/>
+          <p:cNvSpPr txBox="1"/>
+          <p:nvPr/>
+        </p:nvSpPr>
+        <p:spPr>
+          <a:xfrm>
+            <a:off x="-2232" y="5462465"/>
+            <a:ext cx="1354782" cy="646331"/>
+          </a:xfrm>
+          <a:prstGeom prst="rect">
+            <a:avLst/>
+          </a:prstGeom>
+          <a:noFill/>
+          <a:ln>
+            <a:solidFill>
+              <a:srgbClr val="C00000"/>
+            </a:solidFill>
+          </a:ln>
+        </p:spPr>
+        <p:txBody>
+          <a:bodyPr wrap="square" rtlCol="0">
+            <a:spAutoFit/>
+          </a:bodyPr>
+          <a:lstStyle/>
+          <a:p>
+            <a:r>
+              <a:rPr lang="zh-CN" altLang="en-US" dirty="0" smtClean="0">
+                <a:solidFill>
+                  <a:srgbClr val="C00000"/>
+                </a:solidFill>
+              </a:rPr>
+              <a:t>单击此处打开编辑框</a:t>
+            </a:r>
+            <a:endParaRPr lang="en-US" altLang="zh-CN" dirty="0">
+              <a:solidFill>
+                <a:srgbClr val="C00000"/>
+              </a:solidFill>
+            </a:endParaRPr>
+          </a:p>
+        </p:txBody>
+      </p:sp>
+      <p:sp>
+        <p:nvSpPr>
+          <p:cNvPr id="16" name="右箭头 15"/>
+          <p:cNvSpPr/>
+          <p:nvPr/>
+        </p:nvSpPr>
+        <p:spPr>
+          <a:xfrm rot="2232647">
+            <a:off x="1200990" y="5770050"/>
+            <a:ext cx="640271" cy="139493"/>
+          </a:xfrm>
+          <a:prstGeom prst="rightArrow">
+            <a:avLst>
+              <a:gd name="adj1" fmla="val 20593"/>
+              <a:gd name="adj2" fmla="val 230112"/>
+            </a:avLst>
+          </a:prstGeom>
+          <a:solidFill>
+            <a:srgbClr val="C00000"/>
+          </a:solidFill>
+          <a:ln>
+            <a:noFill/>
+          </a:ln>
+        </p:spPr>
+        <p:style>
+          <a:lnRef idx="2">
+            <a:schemeClr val="accent1">
+              <a:shade val="50000"/>
+            </a:schemeClr>
+          </a:lnRef>
+          <a:fillRef idx="1">
+            <a:schemeClr val="accent1"/>
+          </a:fillRef>
+          <a:effectRef idx="0">
+            <a:schemeClr val="accent1"/>
+          </a:effectRef>
+          <a:fontRef idx="minor">
+            <a:schemeClr val="lt1"/>
+          </a:fontRef>
+        </p:style>
+        <p:txBody>
+          <a:bodyPr rtlCol="0" anchor="ctr"/>
+          <a:lstStyle/>
+          <a:p>
+            <a:pPr algn="ctr"/>
+            <a:endParaRPr lang="zh-CN" altLang="en-US"/>
+          </a:p>
+        </p:txBody>
+      </p:sp>
+      <p:sp>
+        <p:nvSpPr>
+          <p:cNvPr id="17" name="文本框 16"/>
+          <p:cNvSpPr txBox="1"/>
+          <p:nvPr/>
+        </p:nvSpPr>
+        <p:spPr>
+          <a:xfrm>
+            <a:off x="108023" y="3259099"/>
+            <a:ext cx="1244527" cy="369332"/>
+          </a:xfrm>
+          <a:prstGeom prst="rect">
+            <a:avLst/>
+          </a:prstGeom>
+          <a:noFill/>
+          <a:ln>
+            <a:solidFill>
+              <a:srgbClr val="C00000"/>
+            </a:solidFill>
+          </a:ln>
+        </p:spPr>
+        <p:txBody>
+          <a:bodyPr wrap="square" rtlCol="0">
+            <a:spAutoFit/>
+          </a:bodyPr>
+          <a:lstStyle/>
+          <a:p>
+            <a:r>
+              <a:rPr lang="zh-CN" altLang="en-US" dirty="0" smtClean="0">
+                <a:solidFill>
+                  <a:srgbClr val="C00000"/>
+                </a:solidFill>
+              </a:rPr>
+              <a:t>小值调整</a:t>
+            </a:r>
+            <a:endParaRPr lang="en-US" altLang="zh-CN" dirty="0">
+              <a:solidFill>
+                <a:srgbClr val="C00000"/>
+              </a:solidFill>
+            </a:endParaRPr>
+          </a:p>
+        </p:txBody>
+      </p:sp>
+      <p:sp>
+        <p:nvSpPr>
+          <p:cNvPr id="18" name="右箭头 17"/>
+          <p:cNvSpPr/>
+          <p:nvPr/>
+        </p:nvSpPr>
+        <p:spPr>
+          <a:xfrm rot="21208767">
+            <a:off x="1200991" y="3374018"/>
+            <a:ext cx="640271" cy="139493"/>
+          </a:xfrm>
+          <a:prstGeom prst="rightArrow">
+            <a:avLst>
+              <a:gd name="adj1" fmla="val 20593"/>
+              <a:gd name="adj2" fmla="val 230112"/>
+            </a:avLst>
+          </a:prstGeom>
+          <a:solidFill>
+            <a:srgbClr val="C00000"/>
+          </a:solidFill>
+          <a:ln>
+            <a:noFill/>
+          </a:ln>
+        </p:spPr>
+        <p:style>
+          <a:lnRef idx="2">
+            <a:schemeClr val="accent1">
+              <a:shade val="50000"/>
+            </a:schemeClr>
+          </a:lnRef>
+          <a:fillRef idx="1">
+            <a:schemeClr val="accent1"/>
+          </a:fillRef>
+          <a:effectRef idx="0">
+            <a:schemeClr val="accent1"/>
+          </a:effectRef>
+          <a:fontRef idx="minor">
+            <a:schemeClr val="lt1"/>
+          </a:fontRef>
+        </p:style>
+        <p:txBody>
+          <a:bodyPr rtlCol="0" anchor="ctr"/>
+          <a:lstStyle/>
+          <a:p>
+            <a:pPr algn="ctr"/>
+            <a:endParaRPr lang="zh-CN" altLang="en-US"/>
+          </a:p>
+        </p:txBody>
+      </p:sp>
+      <p:sp>
+        <p:nvSpPr>
+          <p:cNvPr id="2" name="矩形 1"/>
+          <p:cNvSpPr/>
+          <p:nvPr/>
+        </p:nvSpPr>
+        <p:spPr>
+          <a:xfrm>
+            <a:off x="1776411" y="3259099"/>
+            <a:ext cx="3036955" cy="290316"/>
+          </a:xfrm>
+          <a:prstGeom prst="rect">
+            <a:avLst/>
+          </a:prstGeom>
+          <a:noFill/>
+          <a:ln>
+            <a:solidFill>
+              <a:srgbClr val="C00000"/>
+            </a:solidFill>
+          </a:ln>
+        </p:spPr>
+        <p:style>
+          <a:lnRef idx="2">
+            <a:schemeClr val="accent1">
+              <a:shade val="50000"/>
+            </a:schemeClr>
+          </a:lnRef>
+          <a:fillRef idx="1">
+            <a:schemeClr val="accent1"/>
+          </a:fillRef>
+          <a:effectRef idx="0">
+            <a:schemeClr val="accent1"/>
+          </a:effectRef>
+          <a:fontRef idx="minor">
+            <a:schemeClr val="lt1"/>
+          </a:fontRef>
+        </p:style>
+        <p:txBody>
+          <a:bodyPr rtlCol="0" anchor="ctr"/>
+          <a:lstStyle/>
+          <a:p>
+            <a:pPr algn="ctr"/>
+            <a:endParaRPr lang="zh-CN" altLang="en-US"/>
+          </a:p>
+        </p:txBody>
+      </p:sp>
+      <p:pic>
+        <p:nvPicPr>
+          <p:cNvPr id="6" name="图片 5"/>
+          <p:cNvPicPr>
+            <a:picLocks noChangeAspect="1"/>
+          </p:cNvPicPr>
+          <p:nvPr/>
+        </p:nvPicPr>
+        <p:blipFill>
+          <a:blip r:embed="rId6"/>
+          <a:stretch>
+            <a:fillRect/>
+          </a:stretch>
+        </p:blipFill>
+        <p:spPr>
+          <a:xfrm>
+            <a:off x="1776411" y="5462465"/>
+            <a:ext cx="5801535" cy="1343212"/>
+          </a:xfrm>
+          <a:prstGeom prst="rect">
+            <a:avLst/>
+          </a:prstGeom>
+        </p:spPr>
+      </p:pic>
+    </p:spTree>
+    <p:extLst>
+      <p:ext uri="{BB962C8B-B14F-4D97-AF65-F5344CB8AC3E}">
+        <p14:creationId xmlns:p14="http://schemas.microsoft.com/office/powerpoint/2010/main" val="2763852505"/>
+      </p:ext>
+    </p:extLst>
+  </p:cSld>
+  <p:clrMapOvr>
+    <a:masterClrMapping/>
+  </p:clrMapOvr>
+</p:sld>
+</file>
+
+<file path=ppt/slides/slide4.xml><?xml version="1.0" encoding="utf-8"?>
+<p:sld xmlns:a="http://schemas.openxmlformats.org/drawingml/2006/main" xmlns:r="http://schemas.openxmlformats.org/officeDocument/2006/relationships" xmlns:p="http://schemas.openxmlformats.org/presentationml/2006/main">
+  <p:cSld>
+    <p:spTree>
+      <p:nvGrpSpPr>
+        <p:cNvPr id="1" name=""/>
+        <p:cNvGrpSpPr/>
+        <p:nvPr/>
+      </p:nvGrpSpPr>
+      <p:grpSpPr>
+        <a:xfrm>
+          <a:off x="0" y="0"/>
+          <a:ext cx="0" cy="0"/>
+          <a:chOff x="0" y="0"/>
+          <a:chExt cx="0" cy="0"/>
+        </a:xfrm>
+      </p:grpSpPr>
+      <p:pic>
+        <p:nvPicPr>
           <p:cNvPr id="2" name="图片 1"/>
           <p:cNvPicPr>
             <a:picLocks noChangeAspect="1"/>
@@ -5355,7 +6270,7 @@
 </p:sld>
 </file>
 
-<file path=ppt/slides/slide4.xml><?xml version="1.0" encoding="utf-8"?>
+<file path=ppt/slides/slide5.xml><?xml version="1.0" encoding="utf-8"?>
 <p:sld xmlns:a="http://schemas.openxmlformats.org/drawingml/2006/main" xmlns:r="http://schemas.openxmlformats.org/officeDocument/2006/relationships" xmlns:p="http://schemas.openxmlformats.org/presentationml/2006/main">
   <p:cSld>
     <p:spTree>
@@ -5778,7 +6693,7 @@
 </p:sld>
 </file>
 
-<file path=ppt/slides/slide5.xml><?xml version="1.0" encoding="utf-8"?>
+<file path=ppt/slides/slide6.xml><?xml version="1.0" encoding="utf-8"?>
 <p:sld xmlns:a="http://schemas.openxmlformats.org/drawingml/2006/main" xmlns:r="http://schemas.openxmlformats.org/officeDocument/2006/relationships" xmlns:p="http://schemas.openxmlformats.org/presentationml/2006/main">
   <p:cSld>
     <p:spTree>
@@ -6051,7 +6966,7 @@
 </p:sld>
 </file>
 
-<file path=ppt/slides/slide6.xml><?xml version="1.0" encoding="utf-8"?>
+<file path=ppt/slides/slide7.xml><?xml version="1.0" encoding="utf-8"?>
 <p:sld xmlns:a="http://schemas.openxmlformats.org/drawingml/2006/main" xmlns:r="http://schemas.openxmlformats.org/officeDocument/2006/relationships" xmlns:p="http://schemas.openxmlformats.org/presentationml/2006/main">
   <p:cSld>
     <p:spTree>
@@ -6452,7 +7367,7 @@
 </p:sld>
 </file>
 
-<file path=ppt/slides/slide7.xml><?xml version="1.0" encoding="utf-8"?>
+<file path=ppt/slides/slide8.xml><?xml version="1.0" encoding="utf-8"?>
 <p:sld xmlns:a="http://schemas.openxmlformats.org/drawingml/2006/main" xmlns:r="http://schemas.openxmlformats.org/officeDocument/2006/relationships" xmlns:p="http://schemas.openxmlformats.org/presentationml/2006/main" show="0">
   <p:cSld>
     <p:spTree>

--- a/说明文档.pptx
+++ b/说明文档.pptx
@@ -8,11 +8,14 @@
     <p:sldId id="262" r:id="rId2"/>
     <p:sldId id="264" r:id="rId3"/>
     <p:sldId id="265" r:id="rId4"/>
-    <p:sldId id="256" r:id="rId5"/>
-    <p:sldId id="261" r:id="rId6"/>
-    <p:sldId id="258" r:id="rId7"/>
-    <p:sldId id="257" r:id="rId8"/>
-    <p:sldId id="263" r:id="rId9"/>
+    <p:sldId id="266" r:id="rId5"/>
+    <p:sldId id="268" r:id="rId6"/>
+    <p:sldId id="267" r:id="rId7"/>
+    <p:sldId id="256" r:id="rId8"/>
+    <p:sldId id="261" r:id="rId9"/>
+    <p:sldId id="258" r:id="rId10"/>
+    <p:sldId id="257" r:id="rId11"/>
+    <p:sldId id="263" r:id="rId12"/>
   </p:sldIdLst>
   <p:sldSz cx="12192000" cy="6858000"/>
   <p:notesSz cx="6858000" cy="9144000"/>
@@ -119,6 +122,9 @@
             <p14:sldId id="262"/>
             <p14:sldId id="264"/>
             <p14:sldId id="265"/>
+            <p14:sldId id="266"/>
+            <p14:sldId id="268"/>
+            <p14:sldId id="267"/>
           </p14:sldIdLst>
         </p14:section>
         <p14:section name="远程网址无法打开" id="{3585DE0B-0C5E-4BE6-A8B1-34C0F3BAFFF0}">
@@ -180,7 +186,7 @@
           <p:cNvPr id="2" name="标题 1">
             <a:extLst>
               <a:ext uri="{FF2B5EF4-FFF2-40B4-BE49-F238E27FC236}">
-                <a16:creationId xmlns:a16="http://schemas.microsoft.com/office/drawing/2014/main" xmlns="" id="{53C949D3-9A08-4D6A-A138-C0DE0297650B}"/>
+                <a16:creationId xmlns:a16="http://schemas.microsoft.com/office/drawing/2014/main" id="{53C949D3-9A08-4D6A-A138-C0DE0297650B}"/>
               </a:ext>
             </a:extLst>
           </p:cNvPr>
@@ -217,7 +223,7 @@
           <p:cNvPr id="3" name="副标题 2">
             <a:extLst>
               <a:ext uri="{FF2B5EF4-FFF2-40B4-BE49-F238E27FC236}">
-                <a16:creationId xmlns:a16="http://schemas.microsoft.com/office/drawing/2014/main" xmlns="" id="{FEFF90A7-3607-4021-AF90-95A8127E2B7F}"/>
+                <a16:creationId xmlns:a16="http://schemas.microsoft.com/office/drawing/2014/main" id="{FEFF90A7-3607-4021-AF90-95A8127E2B7F}"/>
               </a:ext>
             </a:extLst>
           </p:cNvPr>
@@ -287,7 +293,7 @@
           <p:cNvPr id="4" name="日期占位符 3">
             <a:extLst>
               <a:ext uri="{FF2B5EF4-FFF2-40B4-BE49-F238E27FC236}">
-                <a16:creationId xmlns:a16="http://schemas.microsoft.com/office/drawing/2014/main" xmlns="" id="{FD1EE030-9041-4433-94D8-5664EA412B61}"/>
+                <a16:creationId xmlns:a16="http://schemas.microsoft.com/office/drawing/2014/main" id="{FD1EE030-9041-4433-94D8-5664EA412B61}"/>
               </a:ext>
             </a:extLst>
           </p:cNvPr>
@@ -305,7 +311,7 @@
           <a:p>
             <a:fld id="{6A465375-4056-467D-A4D8-FDABD3E2ADC4}" type="datetimeFigureOut">
               <a:rPr lang="zh-CN" altLang="en-US" smtClean="0"/>
-              <a:t>2021/12/11</a:t>
+              <a:t>2023/5/12</a:t>
             </a:fld>
             <a:endParaRPr lang="zh-CN" altLang="en-US"/>
           </a:p>
@@ -316,7 +322,7 @@
           <p:cNvPr id="5" name="页脚占位符 4">
             <a:extLst>
               <a:ext uri="{FF2B5EF4-FFF2-40B4-BE49-F238E27FC236}">
-                <a16:creationId xmlns:a16="http://schemas.microsoft.com/office/drawing/2014/main" xmlns="" id="{53EB7311-BC53-46E6-9E30-697F0A7C6DA4}"/>
+                <a16:creationId xmlns:a16="http://schemas.microsoft.com/office/drawing/2014/main" id="{53EB7311-BC53-46E6-9E30-697F0A7C6DA4}"/>
               </a:ext>
             </a:extLst>
           </p:cNvPr>
@@ -341,7 +347,7 @@
           <p:cNvPr id="6" name="灯片编号占位符 5">
             <a:extLst>
               <a:ext uri="{FF2B5EF4-FFF2-40B4-BE49-F238E27FC236}">
-                <a16:creationId xmlns:a16="http://schemas.microsoft.com/office/drawing/2014/main" xmlns="" id="{98EB563E-05CC-464E-96F5-7364F66C8E25}"/>
+                <a16:creationId xmlns:a16="http://schemas.microsoft.com/office/drawing/2014/main" id="{98EB563E-05CC-464E-96F5-7364F66C8E25}"/>
               </a:ext>
             </a:extLst>
           </p:cNvPr>
@@ -400,7 +406,7 @@
           <p:cNvPr id="2" name="标题 1">
             <a:extLst>
               <a:ext uri="{FF2B5EF4-FFF2-40B4-BE49-F238E27FC236}">
-                <a16:creationId xmlns:a16="http://schemas.microsoft.com/office/drawing/2014/main" xmlns="" id="{52581FFF-7FA6-4440-A31D-44A04E174034}"/>
+                <a16:creationId xmlns:a16="http://schemas.microsoft.com/office/drawing/2014/main" id="{52581FFF-7FA6-4440-A31D-44A04E174034}"/>
               </a:ext>
             </a:extLst>
           </p:cNvPr>
@@ -428,7 +434,7 @@
           <p:cNvPr id="3" name="竖排文字占位符 2">
             <a:extLst>
               <a:ext uri="{FF2B5EF4-FFF2-40B4-BE49-F238E27FC236}">
-                <a16:creationId xmlns:a16="http://schemas.microsoft.com/office/drawing/2014/main" xmlns="" id="{DC8FFA98-746F-4FA2-A0B3-E57D58D2C731}"/>
+                <a16:creationId xmlns:a16="http://schemas.microsoft.com/office/drawing/2014/main" id="{DC8FFA98-746F-4FA2-A0B3-E57D58D2C731}"/>
               </a:ext>
             </a:extLst>
           </p:cNvPr>
@@ -485,7 +491,7 @@
           <p:cNvPr id="4" name="日期占位符 3">
             <a:extLst>
               <a:ext uri="{FF2B5EF4-FFF2-40B4-BE49-F238E27FC236}">
-                <a16:creationId xmlns:a16="http://schemas.microsoft.com/office/drawing/2014/main" xmlns="" id="{6DC6B6B1-071A-48F4-859C-5552417C8FB6}"/>
+                <a16:creationId xmlns:a16="http://schemas.microsoft.com/office/drawing/2014/main" id="{6DC6B6B1-071A-48F4-859C-5552417C8FB6}"/>
               </a:ext>
             </a:extLst>
           </p:cNvPr>
@@ -503,7 +509,7 @@
           <a:p>
             <a:fld id="{6A465375-4056-467D-A4D8-FDABD3E2ADC4}" type="datetimeFigureOut">
               <a:rPr lang="zh-CN" altLang="en-US" smtClean="0"/>
-              <a:t>2021/12/11</a:t>
+              <a:t>2023/5/12</a:t>
             </a:fld>
             <a:endParaRPr lang="zh-CN" altLang="en-US"/>
           </a:p>
@@ -514,7 +520,7 @@
           <p:cNvPr id="5" name="页脚占位符 4">
             <a:extLst>
               <a:ext uri="{FF2B5EF4-FFF2-40B4-BE49-F238E27FC236}">
-                <a16:creationId xmlns:a16="http://schemas.microsoft.com/office/drawing/2014/main" xmlns="" id="{2ABCCD0B-1CED-491D-8231-612DB1E7A108}"/>
+                <a16:creationId xmlns:a16="http://schemas.microsoft.com/office/drawing/2014/main" id="{2ABCCD0B-1CED-491D-8231-612DB1E7A108}"/>
               </a:ext>
             </a:extLst>
           </p:cNvPr>
@@ -539,7 +545,7 @@
           <p:cNvPr id="6" name="灯片编号占位符 5">
             <a:extLst>
               <a:ext uri="{FF2B5EF4-FFF2-40B4-BE49-F238E27FC236}">
-                <a16:creationId xmlns:a16="http://schemas.microsoft.com/office/drawing/2014/main" xmlns="" id="{F47A2ABB-E7C4-4D42-B8DE-397D78141089}"/>
+                <a16:creationId xmlns:a16="http://schemas.microsoft.com/office/drawing/2014/main" id="{F47A2ABB-E7C4-4D42-B8DE-397D78141089}"/>
               </a:ext>
             </a:extLst>
           </p:cNvPr>
@@ -598,7 +604,7 @@
           <p:cNvPr id="2" name="竖排标题 1">
             <a:extLst>
               <a:ext uri="{FF2B5EF4-FFF2-40B4-BE49-F238E27FC236}">
-                <a16:creationId xmlns:a16="http://schemas.microsoft.com/office/drawing/2014/main" xmlns="" id="{212FD67C-C09A-4C33-A873-3999819AAA53}"/>
+                <a16:creationId xmlns:a16="http://schemas.microsoft.com/office/drawing/2014/main" id="{212FD67C-C09A-4C33-A873-3999819AAA53}"/>
               </a:ext>
             </a:extLst>
           </p:cNvPr>
@@ -631,7 +637,7 @@
           <p:cNvPr id="3" name="竖排文字占位符 2">
             <a:extLst>
               <a:ext uri="{FF2B5EF4-FFF2-40B4-BE49-F238E27FC236}">
-                <a16:creationId xmlns:a16="http://schemas.microsoft.com/office/drawing/2014/main" xmlns="" id="{62264A36-EEFB-4FFC-87BB-745BB661E961}"/>
+                <a16:creationId xmlns:a16="http://schemas.microsoft.com/office/drawing/2014/main" id="{62264A36-EEFB-4FFC-87BB-745BB661E961}"/>
               </a:ext>
             </a:extLst>
           </p:cNvPr>
@@ -693,7 +699,7 @@
           <p:cNvPr id="4" name="日期占位符 3">
             <a:extLst>
               <a:ext uri="{FF2B5EF4-FFF2-40B4-BE49-F238E27FC236}">
-                <a16:creationId xmlns:a16="http://schemas.microsoft.com/office/drawing/2014/main" xmlns="" id="{BC3BF732-4EF5-40B4-A9E0-68DC263C1CD5}"/>
+                <a16:creationId xmlns:a16="http://schemas.microsoft.com/office/drawing/2014/main" id="{BC3BF732-4EF5-40B4-A9E0-68DC263C1CD5}"/>
               </a:ext>
             </a:extLst>
           </p:cNvPr>
@@ -711,7 +717,7 @@
           <a:p>
             <a:fld id="{6A465375-4056-467D-A4D8-FDABD3E2ADC4}" type="datetimeFigureOut">
               <a:rPr lang="zh-CN" altLang="en-US" smtClean="0"/>
-              <a:t>2021/12/11</a:t>
+              <a:t>2023/5/12</a:t>
             </a:fld>
             <a:endParaRPr lang="zh-CN" altLang="en-US"/>
           </a:p>
@@ -722,7 +728,7 @@
           <p:cNvPr id="5" name="页脚占位符 4">
             <a:extLst>
               <a:ext uri="{FF2B5EF4-FFF2-40B4-BE49-F238E27FC236}">
-                <a16:creationId xmlns:a16="http://schemas.microsoft.com/office/drawing/2014/main" xmlns="" id="{C4F624F7-3FB2-4FE4-BA4D-2BF429072EAB}"/>
+                <a16:creationId xmlns:a16="http://schemas.microsoft.com/office/drawing/2014/main" id="{C4F624F7-3FB2-4FE4-BA4D-2BF429072EAB}"/>
               </a:ext>
             </a:extLst>
           </p:cNvPr>
@@ -747,7 +753,7 @@
           <p:cNvPr id="6" name="灯片编号占位符 5">
             <a:extLst>
               <a:ext uri="{FF2B5EF4-FFF2-40B4-BE49-F238E27FC236}">
-                <a16:creationId xmlns:a16="http://schemas.microsoft.com/office/drawing/2014/main" xmlns="" id="{D11A64FA-F825-4ABF-BE94-FC8E223D4AE1}"/>
+                <a16:creationId xmlns:a16="http://schemas.microsoft.com/office/drawing/2014/main" id="{D11A64FA-F825-4ABF-BE94-FC8E223D4AE1}"/>
               </a:ext>
             </a:extLst>
           </p:cNvPr>
@@ -806,7 +812,7 @@
           <p:cNvPr id="2" name="标题 1">
             <a:extLst>
               <a:ext uri="{FF2B5EF4-FFF2-40B4-BE49-F238E27FC236}">
-                <a16:creationId xmlns:a16="http://schemas.microsoft.com/office/drawing/2014/main" xmlns="" id="{364DAE8F-431D-4001-A6F1-886DF9DE1F3D}"/>
+                <a16:creationId xmlns:a16="http://schemas.microsoft.com/office/drawing/2014/main" id="{364DAE8F-431D-4001-A6F1-886DF9DE1F3D}"/>
               </a:ext>
             </a:extLst>
           </p:cNvPr>
@@ -834,7 +840,7 @@
           <p:cNvPr id="3" name="内容占位符 2">
             <a:extLst>
               <a:ext uri="{FF2B5EF4-FFF2-40B4-BE49-F238E27FC236}">
-                <a16:creationId xmlns:a16="http://schemas.microsoft.com/office/drawing/2014/main" xmlns="" id="{620EEA25-38B7-43C3-A2AD-A37C5D600142}"/>
+                <a16:creationId xmlns:a16="http://schemas.microsoft.com/office/drawing/2014/main" id="{620EEA25-38B7-43C3-A2AD-A37C5D600142}"/>
               </a:ext>
             </a:extLst>
           </p:cNvPr>
@@ -891,7 +897,7 @@
           <p:cNvPr id="4" name="日期占位符 3">
             <a:extLst>
               <a:ext uri="{FF2B5EF4-FFF2-40B4-BE49-F238E27FC236}">
-                <a16:creationId xmlns:a16="http://schemas.microsoft.com/office/drawing/2014/main" xmlns="" id="{A53D684A-A8D0-4D13-ACF9-6E019AB53B85}"/>
+                <a16:creationId xmlns:a16="http://schemas.microsoft.com/office/drawing/2014/main" id="{A53D684A-A8D0-4D13-ACF9-6E019AB53B85}"/>
               </a:ext>
             </a:extLst>
           </p:cNvPr>
@@ -909,7 +915,7 @@
           <a:p>
             <a:fld id="{6A465375-4056-467D-A4D8-FDABD3E2ADC4}" type="datetimeFigureOut">
               <a:rPr lang="zh-CN" altLang="en-US" smtClean="0"/>
-              <a:t>2021/12/11</a:t>
+              <a:t>2023/5/12</a:t>
             </a:fld>
             <a:endParaRPr lang="zh-CN" altLang="en-US"/>
           </a:p>
@@ -920,7 +926,7 @@
           <p:cNvPr id="5" name="页脚占位符 4">
             <a:extLst>
               <a:ext uri="{FF2B5EF4-FFF2-40B4-BE49-F238E27FC236}">
-                <a16:creationId xmlns:a16="http://schemas.microsoft.com/office/drawing/2014/main" xmlns="" id="{A5B0C251-D715-4477-907C-3396978058FC}"/>
+                <a16:creationId xmlns:a16="http://schemas.microsoft.com/office/drawing/2014/main" id="{A5B0C251-D715-4477-907C-3396978058FC}"/>
               </a:ext>
             </a:extLst>
           </p:cNvPr>
@@ -945,7 +951,7 @@
           <p:cNvPr id="6" name="灯片编号占位符 5">
             <a:extLst>
               <a:ext uri="{FF2B5EF4-FFF2-40B4-BE49-F238E27FC236}">
-                <a16:creationId xmlns:a16="http://schemas.microsoft.com/office/drawing/2014/main" xmlns="" id="{F5C86CA9-3450-4945-98A1-F9AC50342042}"/>
+                <a16:creationId xmlns:a16="http://schemas.microsoft.com/office/drawing/2014/main" id="{F5C86CA9-3450-4945-98A1-F9AC50342042}"/>
               </a:ext>
             </a:extLst>
           </p:cNvPr>
@@ -1004,7 +1010,7 @@
           <p:cNvPr id="2" name="标题 1">
             <a:extLst>
               <a:ext uri="{FF2B5EF4-FFF2-40B4-BE49-F238E27FC236}">
-                <a16:creationId xmlns:a16="http://schemas.microsoft.com/office/drawing/2014/main" xmlns="" id="{E51B38A9-08F6-405B-9222-AEE307D8B8D9}"/>
+                <a16:creationId xmlns:a16="http://schemas.microsoft.com/office/drawing/2014/main" id="{E51B38A9-08F6-405B-9222-AEE307D8B8D9}"/>
               </a:ext>
             </a:extLst>
           </p:cNvPr>
@@ -1041,7 +1047,7 @@
           <p:cNvPr id="3" name="文本占位符 2">
             <a:extLst>
               <a:ext uri="{FF2B5EF4-FFF2-40B4-BE49-F238E27FC236}">
-                <a16:creationId xmlns:a16="http://schemas.microsoft.com/office/drawing/2014/main" xmlns="" id="{0D1113A2-CDC1-4471-BC26-6CE647BEED4A}"/>
+                <a16:creationId xmlns:a16="http://schemas.microsoft.com/office/drawing/2014/main" id="{0D1113A2-CDC1-4471-BC26-6CE647BEED4A}"/>
               </a:ext>
             </a:extLst>
           </p:cNvPr>
@@ -1166,7 +1172,7 @@
           <p:cNvPr id="4" name="日期占位符 3">
             <a:extLst>
               <a:ext uri="{FF2B5EF4-FFF2-40B4-BE49-F238E27FC236}">
-                <a16:creationId xmlns:a16="http://schemas.microsoft.com/office/drawing/2014/main" xmlns="" id="{9C27651A-6611-4FA4-9C32-1E989BED4B22}"/>
+                <a16:creationId xmlns:a16="http://schemas.microsoft.com/office/drawing/2014/main" id="{9C27651A-6611-4FA4-9C32-1E989BED4B22}"/>
               </a:ext>
             </a:extLst>
           </p:cNvPr>
@@ -1184,7 +1190,7 @@
           <a:p>
             <a:fld id="{6A465375-4056-467D-A4D8-FDABD3E2ADC4}" type="datetimeFigureOut">
               <a:rPr lang="zh-CN" altLang="en-US" smtClean="0"/>
-              <a:t>2021/12/11</a:t>
+              <a:t>2023/5/12</a:t>
             </a:fld>
             <a:endParaRPr lang="zh-CN" altLang="en-US"/>
           </a:p>
@@ -1195,7 +1201,7 @@
           <p:cNvPr id="5" name="页脚占位符 4">
             <a:extLst>
               <a:ext uri="{FF2B5EF4-FFF2-40B4-BE49-F238E27FC236}">
-                <a16:creationId xmlns:a16="http://schemas.microsoft.com/office/drawing/2014/main" xmlns="" id="{553201FB-0107-44A5-8676-9212B411CA04}"/>
+                <a16:creationId xmlns:a16="http://schemas.microsoft.com/office/drawing/2014/main" id="{553201FB-0107-44A5-8676-9212B411CA04}"/>
               </a:ext>
             </a:extLst>
           </p:cNvPr>
@@ -1220,7 +1226,7 @@
           <p:cNvPr id="6" name="灯片编号占位符 5">
             <a:extLst>
               <a:ext uri="{FF2B5EF4-FFF2-40B4-BE49-F238E27FC236}">
-                <a16:creationId xmlns:a16="http://schemas.microsoft.com/office/drawing/2014/main" xmlns="" id="{45E1ED79-A1C3-4483-978C-30293405E56E}"/>
+                <a16:creationId xmlns:a16="http://schemas.microsoft.com/office/drawing/2014/main" id="{45E1ED79-A1C3-4483-978C-30293405E56E}"/>
               </a:ext>
             </a:extLst>
           </p:cNvPr>
@@ -1279,7 +1285,7 @@
           <p:cNvPr id="2" name="标题 1">
             <a:extLst>
               <a:ext uri="{FF2B5EF4-FFF2-40B4-BE49-F238E27FC236}">
-                <a16:creationId xmlns:a16="http://schemas.microsoft.com/office/drawing/2014/main" xmlns="" id="{BAE0CFE3-F97C-454A-B181-6E9A2DA72CCB}"/>
+                <a16:creationId xmlns:a16="http://schemas.microsoft.com/office/drawing/2014/main" id="{BAE0CFE3-F97C-454A-B181-6E9A2DA72CCB}"/>
               </a:ext>
             </a:extLst>
           </p:cNvPr>
@@ -1307,7 +1313,7 @@
           <p:cNvPr id="3" name="内容占位符 2">
             <a:extLst>
               <a:ext uri="{FF2B5EF4-FFF2-40B4-BE49-F238E27FC236}">
-                <a16:creationId xmlns:a16="http://schemas.microsoft.com/office/drawing/2014/main" xmlns="" id="{91EA1ACE-0388-4BA9-A3E1-53F86DF1CFFD}"/>
+                <a16:creationId xmlns:a16="http://schemas.microsoft.com/office/drawing/2014/main" id="{91EA1ACE-0388-4BA9-A3E1-53F86DF1CFFD}"/>
               </a:ext>
             </a:extLst>
           </p:cNvPr>
@@ -1369,7 +1375,7 @@
           <p:cNvPr id="4" name="内容占位符 3">
             <a:extLst>
               <a:ext uri="{FF2B5EF4-FFF2-40B4-BE49-F238E27FC236}">
-                <a16:creationId xmlns:a16="http://schemas.microsoft.com/office/drawing/2014/main" xmlns="" id="{8616BA6C-419A-4A19-A49C-CC03D2787731}"/>
+                <a16:creationId xmlns:a16="http://schemas.microsoft.com/office/drawing/2014/main" id="{8616BA6C-419A-4A19-A49C-CC03D2787731}"/>
               </a:ext>
             </a:extLst>
           </p:cNvPr>
@@ -1431,7 +1437,7 @@
           <p:cNvPr id="5" name="日期占位符 4">
             <a:extLst>
               <a:ext uri="{FF2B5EF4-FFF2-40B4-BE49-F238E27FC236}">
-                <a16:creationId xmlns:a16="http://schemas.microsoft.com/office/drawing/2014/main" xmlns="" id="{37F8F3A7-A1E8-4388-929A-880F8C0EB300}"/>
+                <a16:creationId xmlns:a16="http://schemas.microsoft.com/office/drawing/2014/main" id="{37F8F3A7-A1E8-4388-929A-880F8C0EB300}"/>
               </a:ext>
             </a:extLst>
           </p:cNvPr>
@@ -1449,7 +1455,7 @@
           <a:p>
             <a:fld id="{6A465375-4056-467D-A4D8-FDABD3E2ADC4}" type="datetimeFigureOut">
               <a:rPr lang="zh-CN" altLang="en-US" smtClean="0"/>
-              <a:t>2021/12/11</a:t>
+              <a:t>2023/5/12</a:t>
             </a:fld>
             <a:endParaRPr lang="zh-CN" altLang="en-US"/>
           </a:p>
@@ -1460,7 +1466,7 @@
           <p:cNvPr id="6" name="页脚占位符 5">
             <a:extLst>
               <a:ext uri="{FF2B5EF4-FFF2-40B4-BE49-F238E27FC236}">
-                <a16:creationId xmlns:a16="http://schemas.microsoft.com/office/drawing/2014/main" xmlns="" id="{6D9B6D76-C08B-4E75-BD9D-F748A245E465}"/>
+                <a16:creationId xmlns:a16="http://schemas.microsoft.com/office/drawing/2014/main" id="{6D9B6D76-C08B-4E75-BD9D-F748A245E465}"/>
               </a:ext>
             </a:extLst>
           </p:cNvPr>
@@ -1485,7 +1491,7 @@
           <p:cNvPr id="7" name="灯片编号占位符 6">
             <a:extLst>
               <a:ext uri="{FF2B5EF4-FFF2-40B4-BE49-F238E27FC236}">
-                <a16:creationId xmlns:a16="http://schemas.microsoft.com/office/drawing/2014/main" xmlns="" id="{FAEC4110-D0B5-4C23-BD35-45F55247E790}"/>
+                <a16:creationId xmlns:a16="http://schemas.microsoft.com/office/drawing/2014/main" id="{FAEC4110-D0B5-4C23-BD35-45F55247E790}"/>
               </a:ext>
             </a:extLst>
           </p:cNvPr>
@@ -1544,7 +1550,7 @@
           <p:cNvPr id="2" name="标题 1">
             <a:extLst>
               <a:ext uri="{FF2B5EF4-FFF2-40B4-BE49-F238E27FC236}">
-                <a16:creationId xmlns:a16="http://schemas.microsoft.com/office/drawing/2014/main" xmlns="" id="{CD578F75-B7FA-4C2C-84F3-AB90CE916B05}"/>
+                <a16:creationId xmlns:a16="http://schemas.microsoft.com/office/drawing/2014/main" id="{CD578F75-B7FA-4C2C-84F3-AB90CE916B05}"/>
               </a:ext>
             </a:extLst>
           </p:cNvPr>
@@ -1577,7 +1583,7 @@
           <p:cNvPr id="3" name="文本占位符 2">
             <a:extLst>
               <a:ext uri="{FF2B5EF4-FFF2-40B4-BE49-F238E27FC236}">
-                <a16:creationId xmlns:a16="http://schemas.microsoft.com/office/drawing/2014/main" xmlns="" id="{4ED433CE-E68C-4D60-BAB1-0899164B2DBA}"/>
+                <a16:creationId xmlns:a16="http://schemas.microsoft.com/office/drawing/2014/main" id="{4ED433CE-E68C-4D60-BAB1-0899164B2DBA}"/>
               </a:ext>
             </a:extLst>
           </p:cNvPr>
@@ -1648,7 +1654,7 @@
           <p:cNvPr id="4" name="内容占位符 3">
             <a:extLst>
               <a:ext uri="{FF2B5EF4-FFF2-40B4-BE49-F238E27FC236}">
-                <a16:creationId xmlns:a16="http://schemas.microsoft.com/office/drawing/2014/main" xmlns="" id="{CB1822DC-BCA1-4455-B5D2-0F630136687E}"/>
+                <a16:creationId xmlns:a16="http://schemas.microsoft.com/office/drawing/2014/main" id="{CB1822DC-BCA1-4455-B5D2-0F630136687E}"/>
               </a:ext>
             </a:extLst>
           </p:cNvPr>
@@ -1710,7 +1716,7 @@
           <p:cNvPr id="5" name="文本占位符 4">
             <a:extLst>
               <a:ext uri="{FF2B5EF4-FFF2-40B4-BE49-F238E27FC236}">
-                <a16:creationId xmlns:a16="http://schemas.microsoft.com/office/drawing/2014/main" xmlns="" id="{187923DF-3644-441C-AE1B-6CA8C4865EF2}"/>
+                <a16:creationId xmlns:a16="http://schemas.microsoft.com/office/drawing/2014/main" id="{187923DF-3644-441C-AE1B-6CA8C4865EF2}"/>
               </a:ext>
             </a:extLst>
           </p:cNvPr>
@@ -1781,7 +1787,7 @@
           <p:cNvPr id="6" name="内容占位符 5">
             <a:extLst>
               <a:ext uri="{FF2B5EF4-FFF2-40B4-BE49-F238E27FC236}">
-                <a16:creationId xmlns:a16="http://schemas.microsoft.com/office/drawing/2014/main" xmlns="" id="{C1A8394F-DDCF-43BF-BE51-BB19CDC599B3}"/>
+                <a16:creationId xmlns:a16="http://schemas.microsoft.com/office/drawing/2014/main" id="{C1A8394F-DDCF-43BF-BE51-BB19CDC599B3}"/>
               </a:ext>
             </a:extLst>
           </p:cNvPr>
@@ -1843,7 +1849,7 @@
           <p:cNvPr id="7" name="日期占位符 6">
             <a:extLst>
               <a:ext uri="{FF2B5EF4-FFF2-40B4-BE49-F238E27FC236}">
-                <a16:creationId xmlns:a16="http://schemas.microsoft.com/office/drawing/2014/main" xmlns="" id="{019A26E8-60F1-4E09-AAEA-84719361E922}"/>
+                <a16:creationId xmlns:a16="http://schemas.microsoft.com/office/drawing/2014/main" id="{019A26E8-60F1-4E09-AAEA-84719361E922}"/>
               </a:ext>
             </a:extLst>
           </p:cNvPr>
@@ -1861,7 +1867,7 @@
           <a:p>
             <a:fld id="{6A465375-4056-467D-A4D8-FDABD3E2ADC4}" type="datetimeFigureOut">
               <a:rPr lang="zh-CN" altLang="en-US" smtClean="0"/>
-              <a:t>2021/12/11</a:t>
+              <a:t>2023/5/12</a:t>
             </a:fld>
             <a:endParaRPr lang="zh-CN" altLang="en-US"/>
           </a:p>
@@ -1872,7 +1878,7 @@
           <p:cNvPr id="8" name="页脚占位符 7">
             <a:extLst>
               <a:ext uri="{FF2B5EF4-FFF2-40B4-BE49-F238E27FC236}">
-                <a16:creationId xmlns:a16="http://schemas.microsoft.com/office/drawing/2014/main" xmlns="" id="{5B5914DC-D3B3-4AE0-8A42-3BC56863F3FD}"/>
+                <a16:creationId xmlns:a16="http://schemas.microsoft.com/office/drawing/2014/main" id="{5B5914DC-D3B3-4AE0-8A42-3BC56863F3FD}"/>
               </a:ext>
             </a:extLst>
           </p:cNvPr>
@@ -1897,7 +1903,7 @@
           <p:cNvPr id="9" name="灯片编号占位符 8">
             <a:extLst>
               <a:ext uri="{FF2B5EF4-FFF2-40B4-BE49-F238E27FC236}">
-                <a16:creationId xmlns:a16="http://schemas.microsoft.com/office/drawing/2014/main" xmlns="" id="{F15D700E-9C64-46F0-9B20-6553559B9C85}"/>
+                <a16:creationId xmlns:a16="http://schemas.microsoft.com/office/drawing/2014/main" id="{F15D700E-9C64-46F0-9B20-6553559B9C85}"/>
               </a:ext>
             </a:extLst>
           </p:cNvPr>
@@ -1956,7 +1962,7 @@
           <p:cNvPr id="2" name="标题 1">
             <a:extLst>
               <a:ext uri="{FF2B5EF4-FFF2-40B4-BE49-F238E27FC236}">
-                <a16:creationId xmlns:a16="http://schemas.microsoft.com/office/drawing/2014/main" xmlns="" id="{B3F56557-8AF2-4C9D-B29B-F455936CB52F}"/>
+                <a16:creationId xmlns:a16="http://schemas.microsoft.com/office/drawing/2014/main" id="{B3F56557-8AF2-4C9D-B29B-F455936CB52F}"/>
               </a:ext>
             </a:extLst>
           </p:cNvPr>
@@ -1984,7 +1990,7 @@
           <p:cNvPr id="3" name="日期占位符 2">
             <a:extLst>
               <a:ext uri="{FF2B5EF4-FFF2-40B4-BE49-F238E27FC236}">
-                <a16:creationId xmlns:a16="http://schemas.microsoft.com/office/drawing/2014/main" xmlns="" id="{A75C5354-4A78-411D-B181-C4E951CAC3BC}"/>
+                <a16:creationId xmlns:a16="http://schemas.microsoft.com/office/drawing/2014/main" id="{A75C5354-4A78-411D-B181-C4E951CAC3BC}"/>
               </a:ext>
             </a:extLst>
           </p:cNvPr>
@@ -2002,7 +2008,7 @@
           <a:p>
             <a:fld id="{6A465375-4056-467D-A4D8-FDABD3E2ADC4}" type="datetimeFigureOut">
               <a:rPr lang="zh-CN" altLang="en-US" smtClean="0"/>
-              <a:t>2021/12/11</a:t>
+              <a:t>2023/5/12</a:t>
             </a:fld>
             <a:endParaRPr lang="zh-CN" altLang="en-US"/>
           </a:p>
@@ -2013,7 +2019,7 @@
           <p:cNvPr id="4" name="页脚占位符 3">
             <a:extLst>
               <a:ext uri="{FF2B5EF4-FFF2-40B4-BE49-F238E27FC236}">
-                <a16:creationId xmlns:a16="http://schemas.microsoft.com/office/drawing/2014/main" xmlns="" id="{422E66F9-F773-43AF-A11B-4E7CBD02F278}"/>
+                <a16:creationId xmlns:a16="http://schemas.microsoft.com/office/drawing/2014/main" id="{422E66F9-F773-43AF-A11B-4E7CBD02F278}"/>
               </a:ext>
             </a:extLst>
           </p:cNvPr>
@@ -2038,7 +2044,7 @@
           <p:cNvPr id="5" name="灯片编号占位符 4">
             <a:extLst>
               <a:ext uri="{FF2B5EF4-FFF2-40B4-BE49-F238E27FC236}">
-                <a16:creationId xmlns:a16="http://schemas.microsoft.com/office/drawing/2014/main" xmlns="" id="{532A3341-7D12-47AF-9F38-007E36119F82}"/>
+                <a16:creationId xmlns:a16="http://schemas.microsoft.com/office/drawing/2014/main" id="{532A3341-7D12-47AF-9F38-007E36119F82}"/>
               </a:ext>
             </a:extLst>
           </p:cNvPr>
@@ -2097,7 +2103,7 @@
           <p:cNvPr id="2" name="日期占位符 1">
             <a:extLst>
               <a:ext uri="{FF2B5EF4-FFF2-40B4-BE49-F238E27FC236}">
-                <a16:creationId xmlns:a16="http://schemas.microsoft.com/office/drawing/2014/main" xmlns="" id="{90A4B74C-4F5F-4559-9631-C68C736C9524}"/>
+                <a16:creationId xmlns:a16="http://schemas.microsoft.com/office/drawing/2014/main" id="{90A4B74C-4F5F-4559-9631-C68C736C9524}"/>
               </a:ext>
             </a:extLst>
           </p:cNvPr>
@@ -2115,7 +2121,7 @@
           <a:p>
             <a:fld id="{6A465375-4056-467D-A4D8-FDABD3E2ADC4}" type="datetimeFigureOut">
               <a:rPr lang="zh-CN" altLang="en-US" smtClean="0"/>
-              <a:t>2021/12/11</a:t>
+              <a:t>2023/5/12</a:t>
             </a:fld>
             <a:endParaRPr lang="zh-CN" altLang="en-US"/>
           </a:p>
@@ -2126,7 +2132,7 @@
           <p:cNvPr id="3" name="页脚占位符 2">
             <a:extLst>
               <a:ext uri="{FF2B5EF4-FFF2-40B4-BE49-F238E27FC236}">
-                <a16:creationId xmlns:a16="http://schemas.microsoft.com/office/drawing/2014/main" xmlns="" id="{5EC9297A-492A-4A89-BD1F-273B951E733D}"/>
+                <a16:creationId xmlns:a16="http://schemas.microsoft.com/office/drawing/2014/main" id="{5EC9297A-492A-4A89-BD1F-273B951E733D}"/>
               </a:ext>
             </a:extLst>
           </p:cNvPr>
@@ -2151,7 +2157,7 @@
           <p:cNvPr id="4" name="灯片编号占位符 3">
             <a:extLst>
               <a:ext uri="{FF2B5EF4-FFF2-40B4-BE49-F238E27FC236}">
-                <a16:creationId xmlns:a16="http://schemas.microsoft.com/office/drawing/2014/main" xmlns="" id="{A604EAF8-A77E-4D91-A7F9-DE0147BCC49F}"/>
+                <a16:creationId xmlns:a16="http://schemas.microsoft.com/office/drawing/2014/main" id="{A604EAF8-A77E-4D91-A7F9-DE0147BCC49F}"/>
               </a:ext>
             </a:extLst>
           </p:cNvPr>
@@ -2210,7 +2216,7 @@
           <p:cNvPr id="2" name="标题 1">
             <a:extLst>
               <a:ext uri="{FF2B5EF4-FFF2-40B4-BE49-F238E27FC236}">
-                <a16:creationId xmlns:a16="http://schemas.microsoft.com/office/drawing/2014/main" xmlns="" id="{BC9AB639-F08C-49D6-8C00-8E4304010CDF}"/>
+                <a16:creationId xmlns:a16="http://schemas.microsoft.com/office/drawing/2014/main" id="{BC9AB639-F08C-49D6-8C00-8E4304010CDF}"/>
               </a:ext>
             </a:extLst>
           </p:cNvPr>
@@ -2247,7 +2253,7 @@
           <p:cNvPr id="3" name="内容占位符 2">
             <a:extLst>
               <a:ext uri="{FF2B5EF4-FFF2-40B4-BE49-F238E27FC236}">
-                <a16:creationId xmlns:a16="http://schemas.microsoft.com/office/drawing/2014/main" xmlns="" id="{F38B3E49-AA1B-4DDE-A269-1C994E4D4939}"/>
+                <a16:creationId xmlns:a16="http://schemas.microsoft.com/office/drawing/2014/main" id="{F38B3E49-AA1B-4DDE-A269-1C994E4D4939}"/>
               </a:ext>
             </a:extLst>
           </p:cNvPr>
@@ -2337,7 +2343,7 @@
           <p:cNvPr id="4" name="文本占位符 3">
             <a:extLst>
               <a:ext uri="{FF2B5EF4-FFF2-40B4-BE49-F238E27FC236}">
-                <a16:creationId xmlns:a16="http://schemas.microsoft.com/office/drawing/2014/main" xmlns="" id="{2885907F-0784-4958-93D7-D83064AA3402}"/>
+                <a16:creationId xmlns:a16="http://schemas.microsoft.com/office/drawing/2014/main" id="{2885907F-0784-4958-93D7-D83064AA3402}"/>
               </a:ext>
             </a:extLst>
           </p:cNvPr>
@@ -2408,7 +2414,7 @@
           <p:cNvPr id="5" name="日期占位符 4">
             <a:extLst>
               <a:ext uri="{FF2B5EF4-FFF2-40B4-BE49-F238E27FC236}">
-                <a16:creationId xmlns:a16="http://schemas.microsoft.com/office/drawing/2014/main" xmlns="" id="{6A375E42-3538-4318-BA6A-DC057B30BC0F}"/>
+                <a16:creationId xmlns:a16="http://schemas.microsoft.com/office/drawing/2014/main" id="{6A375E42-3538-4318-BA6A-DC057B30BC0F}"/>
               </a:ext>
             </a:extLst>
           </p:cNvPr>
@@ -2426,7 +2432,7 @@
           <a:p>
             <a:fld id="{6A465375-4056-467D-A4D8-FDABD3E2ADC4}" type="datetimeFigureOut">
               <a:rPr lang="zh-CN" altLang="en-US" smtClean="0"/>
-              <a:t>2021/12/11</a:t>
+              <a:t>2023/5/12</a:t>
             </a:fld>
             <a:endParaRPr lang="zh-CN" altLang="en-US"/>
           </a:p>
@@ -2437,7 +2443,7 @@
           <p:cNvPr id="6" name="页脚占位符 5">
             <a:extLst>
               <a:ext uri="{FF2B5EF4-FFF2-40B4-BE49-F238E27FC236}">
-                <a16:creationId xmlns:a16="http://schemas.microsoft.com/office/drawing/2014/main" xmlns="" id="{64C0B755-ADAE-47E7-BC7F-8B843F860A59}"/>
+                <a16:creationId xmlns:a16="http://schemas.microsoft.com/office/drawing/2014/main" id="{64C0B755-ADAE-47E7-BC7F-8B843F860A59}"/>
               </a:ext>
             </a:extLst>
           </p:cNvPr>
@@ -2462,7 +2468,7 @@
           <p:cNvPr id="7" name="灯片编号占位符 6">
             <a:extLst>
               <a:ext uri="{FF2B5EF4-FFF2-40B4-BE49-F238E27FC236}">
-                <a16:creationId xmlns:a16="http://schemas.microsoft.com/office/drawing/2014/main" xmlns="" id="{76F10171-EFAC-44C2-8D0E-DA56D21AE729}"/>
+                <a16:creationId xmlns:a16="http://schemas.microsoft.com/office/drawing/2014/main" id="{76F10171-EFAC-44C2-8D0E-DA56D21AE729}"/>
               </a:ext>
             </a:extLst>
           </p:cNvPr>
@@ -2521,7 +2527,7 @@
           <p:cNvPr id="2" name="标题 1">
             <a:extLst>
               <a:ext uri="{FF2B5EF4-FFF2-40B4-BE49-F238E27FC236}">
-                <a16:creationId xmlns:a16="http://schemas.microsoft.com/office/drawing/2014/main" xmlns="" id="{237693E4-33C8-4A32-8092-7245B9F74212}"/>
+                <a16:creationId xmlns:a16="http://schemas.microsoft.com/office/drawing/2014/main" id="{237693E4-33C8-4A32-8092-7245B9F74212}"/>
               </a:ext>
             </a:extLst>
           </p:cNvPr>
@@ -2558,7 +2564,7 @@
           <p:cNvPr id="3" name="图片占位符 2">
             <a:extLst>
               <a:ext uri="{FF2B5EF4-FFF2-40B4-BE49-F238E27FC236}">
-                <a16:creationId xmlns:a16="http://schemas.microsoft.com/office/drawing/2014/main" xmlns="" id="{F3D18D0E-8162-4201-BA12-E35A009A7D40}"/>
+                <a16:creationId xmlns:a16="http://schemas.microsoft.com/office/drawing/2014/main" id="{F3D18D0E-8162-4201-BA12-E35A009A7D40}"/>
               </a:ext>
             </a:extLst>
           </p:cNvPr>
@@ -2625,7 +2631,7 @@
           <p:cNvPr id="4" name="文本占位符 3">
             <a:extLst>
               <a:ext uri="{FF2B5EF4-FFF2-40B4-BE49-F238E27FC236}">
-                <a16:creationId xmlns:a16="http://schemas.microsoft.com/office/drawing/2014/main" xmlns="" id="{76276873-F2BC-4F38-86C0-8AC9E1F8AE04}"/>
+                <a16:creationId xmlns:a16="http://schemas.microsoft.com/office/drawing/2014/main" id="{76276873-F2BC-4F38-86C0-8AC9E1F8AE04}"/>
               </a:ext>
             </a:extLst>
           </p:cNvPr>
@@ -2696,7 +2702,7 @@
           <p:cNvPr id="5" name="日期占位符 4">
             <a:extLst>
               <a:ext uri="{FF2B5EF4-FFF2-40B4-BE49-F238E27FC236}">
-                <a16:creationId xmlns:a16="http://schemas.microsoft.com/office/drawing/2014/main" xmlns="" id="{38E497AE-7F2C-4325-B749-A53161561A91}"/>
+                <a16:creationId xmlns:a16="http://schemas.microsoft.com/office/drawing/2014/main" id="{38E497AE-7F2C-4325-B749-A53161561A91}"/>
               </a:ext>
             </a:extLst>
           </p:cNvPr>
@@ -2714,7 +2720,7 @@
           <a:p>
             <a:fld id="{6A465375-4056-467D-A4D8-FDABD3E2ADC4}" type="datetimeFigureOut">
               <a:rPr lang="zh-CN" altLang="en-US" smtClean="0"/>
-              <a:t>2021/12/11</a:t>
+              <a:t>2023/5/12</a:t>
             </a:fld>
             <a:endParaRPr lang="zh-CN" altLang="en-US"/>
           </a:p>
@@ -2725,7 +2731,7 @@
           <p:cNvPr id="6" name="页脚占位符 5">
             <a:extLst>
               <a:ext uri="{FF2B5EF4-FFF2-40B4-BE49-F238E27FC236}">
-                <a16:creationId xmlns:a16="http://schemas.microsoft.com/office/drawing/2014/main" xmlns="" id="{608A3E07-25D5-47DC-ADE6-A8B06D5B8F2B}"/>
+                <a16:creationId xmlns:a16="http://schemas.microsoft.com/office/drawing/2014/main" id="{608A3E07-25D5-47DC-ADE6-A8B06D5B8F2B}"/>
               </a:ext>
             </a:extLst>
           </p:cNvPr>
@@ -2750,7 +2756,7 @@
           <p:cNvPr id="7" name="灯片编号占位符 6">
             <a:extLst>
               <a:ext uri="{FF2B5EF4-FFF2-40B4-BE49-F238E27FC236}">
-                <a16:creationId xmlns:a16="http://schemas.microsoft.com/office/drawing/2014/main" xmlns="" id="{2BFBCA8A-AF4D-4E11-930E-40FFCD2EE376}"/>
+                <a16:creationId xmlns:a16="http://schemas.microsoft.com/office/drawing/2014/main" id="{2BFBCA8A-AF4D-4E11-930E-40FFCD2EE376}"/>
               </a:ext>
             </a:extLst>
           </p:cNvPr>
@@ -2814,7 +2820,7 @@
           <p:cNvPr id="2" name="标题占位符 1">
             <a:extLst>
               <a:ext uri="{FF2B5EF4-FFF2-40B4-BE49-F238E27FC236}">
-                <a16:creationId xmlns:a16="http://schemas.microsoft.com/office/drawing/2014/main" xmlns="" id="{75E532A0-53ED-4BA0-AC5C-CFB10FA79667}"/>
+                <a16:creationId xmlns:a16="http://schemas.microsoft.com/office/drawing/2014/main" id="{75E532A0-53ED-4BA0-AC5C-CFB10FA79667}"/>
               </a:ext>
             </a:extLst>
           </p:cNvPr>
@@ -2852,7 +2858,7 @@
           <p:cNvPr id="3" name="文本占位符 2">
             <a:extLst>
               <a:ext uri="{FF2B5EF4-FFF2-40B4-BE49-F238E27FC236}">
-                <a16:creationId xmlns:a16="http://schemas.microsoft.com/office/drawing/2014/main" xmlns="" id="{43E5CC6E-0646-4BF3-ABDF-4C304580B19D}"/>
+                <a16:creationId xmlns:a16="http://schemas.microsoft.com/office/drawing/2014/main" id="{43E5CC6E-0646-4BF3-ABDF-4C304580B19D}"/>
               </a:ext>
             </a:extLst>
           </p:cNvPr>
@@ -2919,7 +2925,7 @@
           <p:cNvPr id="4" name="日期占位符 3">
             <a:extLst>
               <a:ext uri="{FF2B5EF4-FFF2-40B4-BE49-F238E27FC236}">
-                <a16:creationId xmlns:a16="http://schemas.microsoft.com/office/drawing/2014/main" xmlns="" id="{9034BB4A-C33A-47F4-95BF-2406CCA98EE1}"/>
+                <a16:creationId xmlns:a16="http://schemas.microsoft.com/office/drawing/2014/main" id="{9034BB4A-C33A-47F4-95BF-2406CCA98EE1}"/>
               </a:ext>
             </a:extLst>
           </p:cNvPr>
@@ -2955,7 +2961,7 @@
           <a:p>
             <a:fld id="{6A465375-4056-467D-A4D8-FDABD3E2ADC4}" type="datetimeFigureOut">
               <a:rPr lang="zh-CN" altLang="en-US" smtClean="0"/>
-              <a:t>2021/12/11</a:t>
+              <a:t>2023/5/12</a:t>
             </a:fld>
             <a:endParaRPr lang="zh-CN" altLang="en-US"/>
           </a:p>
@@ -2966,7 +2972,7 @@
           <p:cNvPr id="5" name="页脚占位符 4">
             <a:extLst>
               <a:ext uri="{FF2B5EF4-FFF2-40B4-BE49-F238E27FC236}">
-                <a16:creationId xmlns:a16="http://schemas.microsoft.com/office/drawing/2014/main" xmlns="" id="{C3487536-5743-446E-91DE-F265AC329AF9}"/>
+                <a16:creationId xmlns:a16="http://schemas.microsoft.com/office/drawing/2014/main" id="{C3487536-5743-446E-91DE-F265AC329AF9}"/>
               </a:ext>
             </a:extLst>
           </p:cNvPr>
@@ -3009,7 +3015,7 @@
           <p:cNvPr id="6" name="灯片编号占位符 5">
             <a:extLst>
               <a:ext uri="{FF2B5EF4-FFF2-40B4-BE49-F238E27FC236}">
-                <a16:creationId xmlns:a16="http://schemas.microsoft.com/office/drawing/2014/main" xmlns="" id="{7F500C76-0052-4C4D-A485-5B3ED41BB456}"/>
+                <a16:creationId xmlns:a16="http://schemas.microsoft.com/office/drawing/2014/main" id="{7F500C76-0052-4C4D-A485-5B3ED41BB456}"/>
               </a:ext>
             </a:extLst>
           </p:cNvPr>
@@ -3419,7 +3425,7 @@
           <a:lstStyle/>
           <a:p>
             <a:r>
-              <a:rPr lang="zh-CN" altLang="en-US" sz="3200" dirty="0" smtClean="0">
+              <a:rPr lang="zh-CN" altLang="en-US" sz="3200" dirty="0">
                 <a:solidFill>
                   <a:srgbClr val="C00000"/>
                 </a:solidFill>
@@ -3427,7 +3433,7 @@
               <a:t>阳江风电特殊情况处理</a:t>
             </a:r>
             <a:r>
-              <a:rPr lang="en-US" altLang="zh-CN" sz="3200" dirty="0" smtClean="0">
+              <a:rPr lang="en-US" altLang="zh-CN" sz="3200" dirty="0">
                 <a:solidFill>
                   <a:srgbClr val="C00000"/>
                 </a:solidFill>
@@ -3435,7 +3441,7 @@
               <a:t>—</a:t>
             </a:r>
             <a:r>
-              <a:rPr lang="zh-CN" altLang="en-US" sz="3200" dirty="0" smtClean="0">
+              <a:rPr lang="zh-CN" altLang="en-US" sz="3200" dirty="0">
                 <a:solidFill>
                   <a:srgbClr val="C00000"/>
                 </a:solidFill>
@@ -3473,112 +3479,73 @@
           <a:lstStyle/>
           <a:p>
             <a:r>
-              <a:rPr lang="en-US" altLang="zh-CN" dirty="0" smtClean="0"/>
+              <a:rPr lang="en-US" altLang="zh-CN" dirty="0"/>
               <a:t>1. </a:t>
             </a:r>
             <a:r>
-              <a:rPr lang="zh-CN" altLang="en-US" dirty="0" smtClean="0"/>
-              <a:t>如果生成产品数据缺失不对</a:t>
-            </a:r>
-            <a:r>
               <a:rPr lang="zh-CN" altLang="en-US" dirty="0"/>
-              <a:t>，请</a:t>
-            </a:r>
-            <a:r>
-              <a:rPr lang="zh-CN" altLang="en-US" dirty="0" smtClean="0"/>
-              <a:t>打开火狐浏览器   </a:t>
+              <a:t>如果生成产品数据缺失不对，请打开火狐浏览器   </a:t>
             </a:r>
             <a:r>
               <a:rPr lang="en-US" altLang="zh-CN" dirty="0">
                 <a:hlinkClick r:id="rId3"/>
               </a:rPr>
-              <a:t>http://10.148.16.20:10077</a:t>
-            </a:r>
-            <a:r>
-              <a:rPr lang="en-US" altLang="zh-CN" dirty="0" smtClean="0">
-                <a:hlinkClick r:id="rId3"/>
-              </a:rPr>
-              <a:t>/</a:t>
-            </a:r>
-            <a:endParaRPr lang="en-US" altLang="zh-CN" dirty="0" smtClean="0"/>
-          </a:p>
-          <a:p>
-            <a:r>
-              <a:rPr lang="en-US" altLang="zh-CN" dirty="0" smtClean="0"/>
+              <a:t>http://10.148.16.20:10077/</a:t>
+            </a:r>
+            <a:endParaRPr lang="en-US" altLang="zh-CN" dirty="0"/>
+          </a:p>
+          <a:p>
+            <a:r>
+              <a:rPr lang="en-US" altLang="zh-CN" dirty="0"/>
               <a:t>2. </a:t>
             </a:r>
             <a:r>
-              <a:rPr lang="zh-CN" altLang="en-US" dirty="0" smtClean="0"/>
-              <a:t>单击</a:t>
-            </a:r>
-            <a:r>
               <a:rPr lang="zh-CN" altLang="en-US" dirty="0"/>
-              <a:t>头部区域打开编辑</a:t>
-            </a:r>
-            <a:r>
-              <a:rPr lang="zh-CN" altLang="en-US" dirty="0" smtClean="0"/>
-              <a:t>框，进行相应编辑</a:t>
-            </a:r>
-            <a:endParaRPr lang="en-US" altLang="zh-CN" dirty="0" smtClean="0"/>
-          </a:p>
-          <a:p>
-            <a:r>
-              <a:rPr lang="en-US" altLang="zh-CN" dirty="0" smtClean="0"/>
+              <a:t>单击头部区域打开编辑框，进行相应编辑</a:t>
+            </a:r>
+            <a:endParaRPr lang="en-US" altLang="zh-CN" dirty="0"/>
+          </a:p>
+          <a:p>
+            <a:r>
+              <a:rPr lang="en-US" altLang="zh-CN" dirty="0"/>
               <a:t>3. </a:t>
             </a:r>
             <a:r>
-              <a:rPr lang="zh-CN" altLang="en-US" dirty="0" smtClean="0"/>
-              <a:t>改</a:t>
-            </a:r>
-            <a:r>
               <a:rPr lang="zh-CN" altLang="en-US" dirty="0"/>
-              <a:t>好后</a:t>
-            </a:r>
-            <a:r>
-              <a:rPr lang="zh-CN" altLang="en-US" dirty="0" smtClean="0"/>
-              <a:t>，使用右键弹窗</a:t>
-            </a:r>
-            <a:r>
-              <a:rPr lang="en-US" altLang="zh-CN" dirty="0" smtClean="0"/>
+              <a:t>改好后，使用右键弹窗</a:t>
+            </a:r>
+            <a:r>
+              <a:rPr lang="en-US" altLang="zh-CN" dirty="0"/>
               <a:t>【</a:t>
             </a:r>
             <a:r>
-              <a:rPr lang="zh-CN" altLang="en-US" dirty="0" smtClean="0"/>
+              <a:rPr lang="zh-CN" altLang="en-US" dirty="0"/>
               <a:t>截图按钮</a:t>
             </a:r>
             <a:r>
-              <a:rPr lang="en-US" altLang="zh-CN" dirty="0" smtClean="0"/>
+              <a:rPr lang="en-US" altLang="zh-CN" dirty="0"/>
               <a:t>】</a:t>
             </a:r>
             <a:r>
-              <a:rPr lang="zh-CN" altLang="en-US" dirty="0" smtClean="0"/>
+              <a:rPr lang="zh-CN" altLang="en-US" dirty="0"/>
               <a:t>，截取需要的范围保存两份图片到指定目录</a:t>
             </a:r>
             <a:r>
-              <a:rPr lang="en-US" altLang="zh-CN" dirty="0" smtClean="0"/>
+              <a:rPr lang="en-US" altLang="zh-CN" dirty="0"/>
               <a:t>,</a:t>
             </a:r>
             <a:r>
-              <a:rPr lang="zh-CN" altLang="en-US" dirty="0" smtClean="0"/>
+              <a:rPr lang="zh-CN" altLang="en-US" dirty="0"/>
               <a:t>一份带日期一份不带日期：</a:t>
             </a:r>
             <a:r>
-              <a:rPr lang="en-US" altLang="zh-CN" dirty="0" smtClean="0">
+              <a:rPr lang="en-US" altLang="zh-CN" dirty="0">
                 <a:solidFill>
                   <a:srgbClr val="C00000"/>
                 </a:solidFill>
                 <a:hlinkClick r:id="rId4" action="ppaction://hlinkfile"/>
               </a:rPr>
-              <a:t>\\</a:t>
-            </a:r>
-            <a:r>
-              <a:rPr lang="en-US" altLang="zh-CN" dirty="0">
-                <a:solidFill>
-                  <a:srgbClr val="C00000"/>
-                </a:solidFill>
-                <a:hlinkClick r:id="rId4" action="ppaction://hlinkfile"/>
-              </a:rPr>
-              <a:t>10.148.16.32\e\ssow\html\YJFD-nanpeng-hourly.jpg</a:t>
+              <a:t>\\10.148.16.32\e\ssow\html\YJFD-nanpeng-hourly.jpg</a:t>
             </a:r>
             <a:endParaRPr lang="en-US" altLang="zh-CN" dirty="0">
               <a:solidFill>
@@ -3594,109 +3561,95 @@
                 </a:solidFill>
                 <a:hlinkClick r:id="rId5" action="ppaction://hlinkfile"/>
               </a:rPr>
-              <a:t>\\</a:t>
-            </a:r>
-            <a:r>
-              <a:rPr lang="en-US" altLang="zh-CN" dirty="0" smtClean="0">
-                <a:solidFill>
-                  <a:srgbClr val="C00000"/>
-                </a:solidFill>
-                <a:hlinkClick r:id="rId5" action="ppaction://hlinkfile"/>
-              </a:rPr>
-              <a:t>10.148.16.32\e\ssow\html\YJFD-nanpeng-hourly-YYMMDDHH.jpg</a:t>
-            </a:r>
-            <a:endParaRPr lang="en-US" altLang="zh-CN" dirty="0" smtClean="0">
-              <a:solidFill>
-                <a:srgbClr val="C00000"/>
-              </a:solidFill>
-            </a:endParaRPr>
-          </a:p>
-          <a:p>
-            <a:r>
-              <a:rPr lang="zh-CN" altLang="en-US" dirty="0" smtClean="0">
-                <a:solidFill>
-                  <a:srgbClr val="C00000"/>
-                </a:solidFill>
-              </a:rPr>
-              <a:t>日期格式示例：</a:t>
-            </a:r>
-            <a:r>
-              <a:rPr lang="en-US" altLang="zh-CN" dirty="0" smtClean="0">
-                <a:solidFill>
-                  <a:srgbClr val="C00000"/>
-                </a:solidFill>
-              </a:rPr>
-              <a:t>2020</a:t>
-            </a:r>
-            <a:r>
-              <a:rPr lang="zh-CN" altLang="en-US" dirty="0" smtClean="0">
-                <a:solidFill>
-                  <a:srgbClr val="C00000"/>
-                </a:solidFill>
-              </a:rPr>
-              <a:t>年</a:t>
-            </a:r>
-            <a:r>
-              <a:rPr lang="en-US" altLang="zh-CN" dirty="0" smtClean="0">
-                <a:solidFill>
-                  <a:srgbClr val="C00000"/>
-                </a:solidFill>
-              </a:rPr>
-              <a:t>10</a:t>
-            </a:r>
-            <a:r>
-              <a:rPr lang="zh-CN" altLang="en-US" dirty="0" smtClean="0">
-                <a:solidFill>
-                  <a:srgbClr val="C00000"/>
-                </a:solidFill>
-              </a:rPr>
-              <a:t>月</a:t>
-            </a:r>
-            <a:r>
-              <a:rPr lang="en-US" altLang="zh-CN" dirty="0" smtClean="0">
-                <a:solidFill>
-                  <a:srgbClr val="C00000"/>
-                </a:solidFill>
-              </a:rPr>
-              <a:t>11</a:t>
-            </a:r>
-            <a:r>
-              <a:rPr lang="zh-CN" altLang="en-US" dirty="0" smtClean="0">
-                <a:solidFill>
-                  <a:srgbClr val="C00000"/>
-                </a:solidFill>
-              </a:rPr>
-              <a:t>日</a:t>
-            </a:r>
-            <a:r>
-              <a:rPr lang="en-US" altLang="zh-CN" dirty="0" smtClean="0">
-                <a:solidFill>
-                  <a:srgbClr val="C00000"/>
-                </a:solidFill>
-              </a:rPr>
-              <a:t>08</a:t>
-            </a:r>
-            <a:r>
-              <a:rPr lang="zh-CN" altLang="en-US" dirty="0" smtClean="0">
-                <a:solidFill>
-                  <a:srgbClr val="C00000"/>
-                </a:solidFill>
-              </a:rPr>
-              <a:t>时</a:t>
-            </a:r>
-            <a:r>
-              <a:rPr lang="en-US" altLang="zh-CN" dirty="0" smtClean="0">
-                <a:solidFill>
-                  <a:srgbClr val="C00000"/>
-                </a:solidFill>
-              </a:rPr>
-              <a:t>=&gt;20101108</a:t>
+              <a:t>\\10.148.16.32\e\ssow\html\YJFD-nanpeng-hourly-YYMMDDHH.jpg</a:t>
             </a:r>
             <a:endParaRPr lang="en-US" altLang="zh-CN" dirty="0">
               <a:solidFill>
                 <a:srgbClr val="C00000"/>
               </a:solidFill>
             </a:endParaRPr>
+          </a:p>
+          <a:p>
+            <a:r>
+              <a:rPr lang="zh-CN" altLang="en-US" dirty="0">
+                <a:solidFill>
+                  <a:srgbClr val="C00000"/>
+                </a:solidFill>
+              </a:rPr>
+              <a:t>日期格式示例：</a:t>
+            </a:r>
+            <a:r>
+              <a:rPr lang="en-US" altLang="zh-CN" dirty="0">
+                <a:solidFill>
+                  <a:srgbClr val="C00000"/>
+                </a:solidFill>
+              </a:rPr>
+              <a:t>2020</a:t>
+            </a:r>
+            <a:r>
+              <a:rPr lang="zh-CN" altLang="en-US" dirty="0">
+                <a:solidFill>
+                  <a:srgbClr val="C00000"/>
+                </a:solidFill>
+              </a:rPr>
+              <a:t>年</a:t>
+            </a:r>
+            <a:r>
+              <a:rPr lang="en-US" altLang="zh-CN" dirty="0">
+                <a:solidFill>
+                  <a:srgbClr val="C00000"/>
+                </a:solidFill>
+              </a:rPr>
+              <a:t>10</a:t>
+            </a:r>
+            <a:r>
+              <a:rPr lang="zh-CN" altLang="en-US" dirty="0">
+                <a:solidFill>
+                  <a:srgbClr val="C00000"/>
+                </a:solidFill>
+              </a:rPr>
+              <a:t>月</a:t>
+            </a:r>
+            <a:r>
+              <a:rPr lang="en-US" altLang="zh-CN" dirty="0">
+                <a:solidFill>
+                  <a:srgbClr val="C00000"/>
+                </a:solidFill>
+              </a:rPr>
+              <a:t>11</a:t>
+            </a:r>
+            <a:r>
+              <a:rPr lang="zh-CN" altLang="en-US" dirty="0">
+                <a:solidFill>
+                  <a:srgbClr val="C00000"/>
+                </a:solidFill>
+              </a:rPr>
+              <a:t>日</a:t>
+            </a:r>
+            <a:r>
+              <a:rPr lang="en-US" altLang="zh-CN" dirty="0">
+                <a:solidFill>
+                  <a:srgbClr val="C00000"/>
+                </a:solidFill>
+              </a:rPr>
+              <a:t>08</a:t>
+            </a:r>
+            <a:r>
+              <a:rPr lang="zh-CN" altLang="en-US" dirty="0">
+                <a:solidFill>
+                  <a:srgbClr val="C00000"/>
+                </a:solidFill>
+              </a:rPr>
+              <a:t>时</a:t>
+            </a:r>
+            <a:r>
+              <a:rPr lang="en-US" altLang="zh-CN" dirty="0">
+                <a:solidFill>
+                  <a:srgbClr val="C00000"/>
+                </a:solidFill>
+              </a:rPr>
+              <a:t>=&gt;20101108</a:t>
+            </a:r>
           </a:p>
         </p:txBody>
       </p:sp>
@@ -3777,7 +3730,7 @@
           <a:lstStyle/>
           <a:p>
             <a:r>
-              <a:rPr lang="zh-CN" altLang="en-US" dirty="0" smtClean="0">
+              <a:rPr lang="zh-CN" altLang="en-US" dirty="0">
                 <a:solidFill>
                   <a:srgbClr val="C00000"/>
                 </a:solidFill>
@@ -3820,7 +3773,7 @@
           <a:lstStyle/>
           <a:p>
             <a:r>
-              <a:rPr lang="zh-CN" altLang="en-US" dirty="0" smtClean="0">
+              <a:rPr lang="zh-CN" altLang="en-US" dirty="0">
                 <a:solidFill>
                   <a:srgbClr val="C00000"/>
                 </a:solidFill>
@@ -3912,7 +3865,7 @@
           <a:lstStyle/>
           <a:p>
             <a:r>
-              <a:rPr lang="zh-CN" altLang="en-US" dirty="0" smtClean="0">
+              <a:rPr lang="zh-CN" altLang="en-US" dirty="0">
                 <a:solidFill>
                   <a:srgbClr val="C00000"/>
                 </a:solidFill>
@@ -4004,7 +3957,7 @@
           <a:lstStyle/>
           <a:p>
             <a:r>
-              <a:rPr lang="zh-CN" altLang="en-US" dirty="0" smtClean="0">
+              <a:rPr lang="zh-CN" altLang="en-US" dirty="0">
                 <a:solidFill>
                   <a:srgbClr val="C00000"/>
                 </a:solidFill>
@@ -4234,6 +4187,862 @@
     <p:extLst>
       <p:ext uri="{BB962C8B-B14F-4D97-AF65-F5344CB8AC3E}">
         <p14:creationId xmlns:p14="http://schemas.microsoft.com/office/powerpoint/2010/main" val="1101274734"/>
+      </p:ext>
+    </p:extLst>
+  </p:cSld>
+  <p:clrMapOvr>
+    <a:masterClrMapping/>
+  </p:clrMapOvr>
+</p:sld>
+</file>
+
+<file path=ppt/slides/slide10.xml><?xml version="1.0" encoding="utf-8"?>
+<p:sld xmlns:a="http://schemas.openxmlformats.org/drawingml/2006/main" xmlns:r="http://schemas.openxmlformats.org/officeDocument/2006/relationships" xmlns:p="http://schemas.openxmlformats.org/presentationml/2006/main">
+  <p:cSld>
+    <p:spTree>
+      <p:nvGrpSpPr>
+        <p:cNvPr id="1" name=""/>
+        <p:cNvGrpSpPr/>
+        <p:nvPr/>
+      </p:nvGrpSpPr>
+      <p:grpSpPr>
+        <a:xfrm>
+          <a:off x="0" y="0"/>
+          <a:ext cx="0" cy="0"/>
+          <a:chOff x="0" y="0"/>
+          <a:chExt cx="0" cy="0"/>
+        </a:xfrm>
+      </p:grpSpPr>
+      <p:pic>
+        <p:nvPicPr>
+          <p:cNvPr id="2" name="图片 1"/>
+          <p:cNvPicPr>
+            <a:picLocks noChangeAspect="1"/>
+          </p:cNvPicPr>
+          <p:nvPr/>
+        </p:nvPicPr>
+        <p:blipFill>
+          <a:blip r:embed="rId2"/>
+          <a:stretch>
+            <a:fillRect/>
+          </a:stretch>
+        </p:blipFill>
+        <p:spPr>
+          <a:xfrm>
+            <a:off x="-10559" y="-355893"/>
+            <a:ext cx="5790166" cy="6682981"/>
+          </a:xfrm>
+          <a:prstGeom prst="rect">
+            <a:avLst/>
+          </a:prstGeom>
+        </p:spPr>
+      </p:pic>
+      <p:pic>
+        <p:nvPicPr>
+          <p:cNvPr id="3" name="图片 2"/>
+          <p:cNvPicPr>
+            <a:picLocks noChangeAspect="1"/>
+          </p:cNvPicPr>
+          <p:nvPr/>
+        </p:nvPicPr>
+        <p:blipFill>
+          <a:blip r:embed="rId3"/>
+          <a:stretch>
+            <a:fillRect/>
+          </a:stretch>
+        </p:blipFill>
+        <p:spPr>
+          <a:xfrm>
+            <a:off x="5790167" y="0"/>
+            <a:ext cx="6721148" cy="2252415"/>
+          </a:xfrm>
+          <a:prstGeom prst="rect">
+            <a:avLst/>
+          </a:prstGeom>
+        </p:spPr>
+      </p:pic>
+      <p:sp>
+        <p:nvSpPr>
+          <p:cNvPr id="5" name="矩形 4"/>
+          <p:cNvSpPr/>
+          <p:nvPr/>
+        </p:nvSpPr>
+        <p:spPr>
+          <a:xfrm>
+            <a:off x="44806" y="435836"/>
+            <a:ext cx="5790166" cy="794759"/>
+          </a:xfrm>
+          <a:prstGeom prst="rect">
+            <a:avLst/>
+          </a:prstGeom>
+          <a:noFill/>
+          <a:ln w="28575">
+            <a:solidFill>
+              <a:srgbClr val="C00000"/>
+            </a:solidFill>
+          </a:ln>
+        </p:spPr>
+        <p:style>
+          <a:lnRef idx="2">
+            <a:schemeClr val="accent1">
+              <a:shade val="50000"/>
+            </a:schemeClr>
+          </a:lnRef>
+          <a:fillRef idx="1">
+            <a:schemeClr val="accent1"/>
+          </a:fillRef>
+          <a:effectRef idx="0">
+            <a:schemeClr val="accent1"/>
+          </a:effectRef>
+          <a:fontRef idx="minor">
+            <a:schemeClr val="lt1"/>
+          </a:fontRef>
+        </p:style>
+        <p:txBody>
+          <a:bodyPr rtlCol="0" anchor="ctr"/>
+          <a:lstStyle/>
+          <a:p>
+            <a:pPr algn="ctr"/>
+            <a:endParaRPr lang="zh-CN" altLang="en-US"/>
+          </a:p>
+        </p:txBody>
+      </p:sp>
+      <p:sp>
+        <p:nvSpPr>
+          <p:cNvPr id="6" name="右箭头 5"/>
+          <p:cNvSpPr/>
+          <p:nvPr/>
+        </p:nvSpPr>
+        <p:spPr>
+          <a:xfrm>
+            <a:off x="5106384" y="660461"/>
+            <a:ext cx="1546788" cy="172754"/>
+          </a:xfrm>
+          <a:prstGeom prst="rightArrow">
+            <a:avLst>
+              <a:gd name="adj1" fmla="val 20593"/>
+              <a:gd name="adj2" fmla="val 230112"/>
+            </a:avLst>
+          </a:prstGeom>
+          <a:solidFill>
+            <a:srgbClr val="C00000"/>
+          </a:solidFill>
+          <a:ln>
+            <a:noFill/>
+          </a:ln>
+        </p:spPr>
+        <p:style>
+          <a:lnRef idx="2">
+            <a:schemeClr val="accent1">
+              <a:shade val="50000"/>
+            </a:schemeClr>
+          </a:lnRef>
+          <a:fillRef idx="1">
+            <a:schemeClr val="accent1"/>
+          </a:fillRef>
+          <a:effectRef idx="0">
+            <a:schemeClr val="accent1"/>
+          </a:effectRef>
+          <a:fontRef idx="minor">
+            <a:schemeClr val="lt1"/>
+          </a:fontRef>
+        </p:style>
+        <p:txBody>
+          <a:bodyPr rtlCol="0" anchor="ctr"/>
+          <a:lstStyle/>
+          <a:p>
+            <a:pPr algn="ctr"/>
+            <a:endParaRPr lang="zh-CN" altLang="en-US"/>
+          </a:p>
+        </p:txBody>
+      </p:sp>
+      <p:sp>
+        <p:nvSpPr>
+          <p:cNvPr id="7" name="文本框 6"/>
+          <p:cNvSpPr txBox="1"/>
+          <p:nvPr/>
+        </p:nvSpPr>
+        <p:spPr>
+          <a:xfrm>
+            <a:off x="3700349" y="463883"/>
+            <a:ext cx="1624126" cy="738664"/>
+          </a:xfrm>
+          <a:prstGeom prst="rect">
+            <a:avLst/>
+          </a:prstGeom>
+          <a:solidFill>
+            <a:schemeClr val="bg1"/>
+          </a:solidFill>
+        </p:spPr>
+        <p:txBody>
+          <a:bodyPr wrap="square" rtlCol="0">
+            <a:spAutoFit/>
+          </a:bodyPr>
+          <a:lstStyle/>
+          <a:p>
+            <a:r>
+              <a:rPr lang="zh-CN" altLang="en-US" sz="1400" dirty="0">
+                <a:solidFill>
+                  <a:srgbClr val="C00000"/>
+                </a:solidFill>
+              </a:rPr>
+              <a:t>鼠标单击红框标题内可弹出编辑区，再次单击隐藏</a:t>
+            </a:r>
+          </a:p>
+        </p:txBody>
+      </p:sp>
+      <p:sp>
+        <p:nvSpPr>
+          <p:cNvPr id="8" name="文本框 7"/>
+          <p:cNvSpPr txBox="1"/>
+          <p:nvPr/>
+        </p:nvSpPr>
+        <p:spPr>
+          <a:xfrm>
+            <a:off x="1343025" y="2252415"/>
+            <a:ext cx="2492990" cy="646331"/>
+          </a:xfrm>
+          <a:prstGeom prst="rect">
+            <a:avLst/>
+          </a:prstGeom>
+          <a:solidFill>
+            <a:schemeClr val="bg1"/>
+          </a:solidFill>
+        </p:spPr>
+        <p:txBody>
+          <a:bodyPr wrap="none" rtlCol="0">
+            <a:spAutoFit/>
+          </a:bodyPr>
+          <a:lstStyle/>
+          <a:p>
+            <a:r>
+              <a:rPr lang="zh-CN" altLang="en-US" dirty="0">
+                <a:solidFill>
+                  <a:srgbClr val="0070C0"/>
+                </a:solidFill>
+              </a:rPr>
+              <a:t>蓝色框内为可编辑区，</a:t>
+            </a:r>
+            <a:endParaRPr lang="en-US" altLang="zh-CN" dirty="0">
+              <a:solidFill>
+                <a:srgbClr val="0070C0"/>
+              </a:solidFill>
+            </a:endParaRPr>
+          </a:p>
+          <a:p>
+            <a:r>
+              <a:rPr lang="zh-CN" altLang="en-US" dirty="0">
+                <a:solidFill>
+                  <a:srgbClr val="0070C0"/>
+                </a:solidFill>
+              </a:rPr>
+              <a:t>可增删文字内容</a:t>
+            </a:r>
+          </a:p>
+        </p:txBody>
+      </p:sp>
+      <p:sp>
+        <p:nvSpPr>
+          <p:cNvPr id="9" name="矩形 8"/>
+          <p:cNvSpPr/>
+          <p:nvPr/>
+        </p:nvSpPr>
+        <p:spPr>
+          <a:xfrm>
+            <a:off x="0" y="1244943"/>
+            <a:ext cx="5790166" cy="5651684"/>
+          </a:xfrm>
+          <a:prstGeom prst="rect">
+            <a:avLst/>
+          </a:prstGeom>
+          <a:noFill/>
+          <a:ln w="28575">
+            <a:solidFill>
+              <a:srgbClr val="0070C0"/>
+            </a:solidFill>
+          </a:ln>
+        </p:spPr>
+        <p:style>
+          <a:lnRef idx="2">
+            <a:schemeClr val="accent1">
+              <a:shade val="50000"/>
+            </a:schemeClr>
+          </a:lnRef>
+          <a:fillRef idx="1">
+            <a:schemeClr val="accent1"/>
+          </a:fillRef>
+          <a:effectRef idx="0">
+            <a:schemeClr val="accent1"/>
+          </a:effectRef>
+          <a:fontRef idx="minor">
+            <a:schemeClr val="lt1"/>
+          </a:fontRef>
+        </p:style>
+        <p:txBody>
+          <a:bodyPr rtlCol="0" anchor="ctr"/>
+          <a:lstStyle/>
+          <a:p>
+            <a:pPr algn="ctr"/>
+            <a:endParaRPr lang="zh-CN" altLang="en-US"/>
+          </a:p>
+        </p:txBody>
+      </p:sp>
+      <p:sp>
+        <p:nvSpPr>
+          <p:cNvPr id="10" name="文本框 9"/>
+          <p:cNvSpPr txBox="1"/>
+          <p:nvPr/>
+        </p:nvSpPr>
+        <p:spPr>
+          <a:xfrm>
+            <a:off x="5800725" y="2523933"/>
+            <a:ext cx="5580374" cy="646331"/>
+          </a:xfrm>
+          <a:prstGeom prst="rect">
+            <a:avLst/>
+          </a:prstGeom>
+          <a:solidFill>
+            <a:schemeClr val="bg1"/>
+          </a:solidFill>
+        </p:spPr>
+        <p:txBody>
+          <a:bodyPr wrap="none" rtlCol="0">
+            <a:spAutoFit/>
+          </a:bodyPr>
+          <a:lstStyle/>
+          <a:p>
+            <a:r>
+              <a:rPr lang="zh-CN" altLang="en-US" dirty="0">
+                <a:solidFill>
+                  <a:srgbClr val="0070C0"/>
+                </a:solidFill>
+              </a:rPr>
+              <a:t>改好后，蓝色框部分全页截屏，把</a:t>
+            </a:r>
+            <a:r>
+              <a:rPr lang="en-US" altLang="zh-CN" dirty="0">
+                <a:solidFill>
+                  <a:srgbClr val="0070C0"/>
+                </a:solidFill>
+              </a:rPr>
+              <a:t>jpg</a:t>
+            </a:r>
+            <a:r>
+              <a:rPr lang="zh-CN" altLang="en-US" dirty="0">
+                <a:solidFill>
+                  <a:srgbClr val="0070C0"/>
+                </a:solidFill>
+              </a:rPr>
+              <a:t>图片保存到</a:t>
+            </a:r>
+            <a:endParaRPr lang="en-US" altLang="zh-CN" dirty="0">
+              <a:solidFill>
+                <a:srgbClr val="0070C0"/>
+              </a:solidFill>
+            </a:endParaRPr>
+          </a:p>
+          <a:p>
+            <a:r>
+              <a:rPr lang="en-US" altLang="zh-CN" dirty="0">
+                <a:solidFill>
+                  <a:srgbClr val="C00000"/>
+                </a:solidFill>
+                <a:hlinkClick r:id="rId4" action="ppaction://hlinkfile"/>
+              </a:rPr>
+              <a:t>\\10.148.16.32\e\ssow\html\YJFD-nanpeng-hourly.jpg</a:t>
+            </a:r>
+            <a:endParaRPr lang="en-US" altLang="zh-CN" dirty="0">
+              <a:solidFill>
+                <a:srgbClr val="C00000"/>
+              </a:solidFill>
+            </a:endParaRPr>
+          </a:p>
+        </p:txBody>
+      </p:sp>
+    </p:spTree>
+    <p:extLst>
+      <p:ext uri="{BB962C8B-B14F-4D97-AF65-F5344CB8AC3E}">
+        <p14:creationId xmlns:p14="http://schemas.microsoft.com/office/powerpoint/2010/main" val="2057074308"/>
+      </p:ext>
+    </p:extLst>
+  </p:cSld>
+  <p:clrMapOvr>
+    <a:masterClrMapping/>
+  </p:clrMapOvr>
+</p:sld>
+</file>
+
+<file path=ppt/slides/slide11.xml><?xml version="1.0" encoding="utf-8"?>
+<p:sld xmlns:a="http://schemas.openxmlformats.org/drawingml/2006/main" xmlns:r="http://schemas.openxmlformats.org/officeDocument/2006/relationships" xmlns:p="http://schemas.openxmlformats.org/presentationml/2006/main" show="0">
+  <p:cSld>
+    <p:spTree>
+      <p:nvGrpSpPr>
+        <p:cNvPr id="1" name=""/>
+        <p:cNvGrpSpPr/>
+        <p:nvPr/>
+      </p:nvGrpSpPr>
+      <p:grpSpPr>
+        <a:xfrm>
+          <a:off x="0" y="0"/>
+          <a:ext cx="0" cy="0"/>
+          <a:chOff x="0" y="0"/>
+          <a:chExt cx="0" cy="0"/>
+        </a:xfrm>
+      </p:grpSpPr>
+      <p:pic>
+        <p:nvPicPr>
+          <p:cNvPr id="2" name="图片 1"/>
+          <p:cNvPicPr>
+            <a:picLocks noChangeAspect="1"/>
+          </p:cNvPicPr>
+          <p:nvPr/>
+        </p:nvPicPr>
+        <p:blipFill>
+          <a:blip r:embed="rId2"/>
+          <a:stretch>
+            <a:fillRect/>
+          </a:stretch>
+        </p:blipFill>
+        <p:spPr>
+          <a:xfrm>
+            <a:off x="0" y="-222190"/>
+            <a:ext cx="5790166" cy="6682981"/>
+          </a:xfrm>
+          <a:prstGeom prst="rect">
+            <a:avLst/>
+          </a:prstGeom>
+        </p:spPr>
+      </p:pic>
+      <p:pic>
+        <p:nvPicPr>
+          <p:cNvPr id="3" name="图片 2"/>
+          <p:cNvPicPr>
+            <a:picLocks noChangeAspect="1"/>
+          </p:cNvPicPr>
+          <p:nvPr/>
+        </p:nvPicPr>
+        <p:blipFill>
+          <a:blip r:embed="rId3"/>
+          <a:stretch>
+            <a:fillRect/>
+          </a:stretch>
+        </p:blipFill>
+        <p:spPr>
+          <a:xfrm>
+            <a:off x="5790167" y="0"/>
+            <a:ext cx="6721148" cy="2252415"/>
+          </a:xfrm>
+          <a:prstGeom prst="rect">
+            <a:avLst/>
+          </a:prstGeom>
+        </p:spPr>
+      </p:pic>
+      <p:sp>
+        <p:nvSpPr>
+          <p:cNvPr id="5" name="矩形 4"/>
+          <p:cNvSpPr/>
+          <p:nvPr/>
+        </p:nvSpPr>
+        <p:spPr>
+          <a:xfrm>
+            <a:off x="44806" y="435836"/>
+            <a:ext cx="5790166" cy="794759"/>
+          </a:xfrm>
+          <a:prstGeom prst="rect">
+            <a:avLst/>
+          </a:prstGeom>
+          <a:noFill/>
+          <a:ln w="28575">
+            <a:solidFill>
+              <a:srgbClr val="C00000"/>
+            </a:solidFill>
+          </a:ln>
+        </p:spPr>
+        <p:style>
+          <a:lnRef idx="2">
+            <a:schemeClr val="accent1">
+              <a:shade val="50000"/>
+            </a:schemeClr>
+          </a:lnRef>
+          <a:fillRef idx="1">
+            <a:schemeClr val="accent1"/>
+          </a:fillRef>
+          <a:effectRef idx="0">
+            <a:schemeClr val="accent1"/>
+          </a:effectRef>
+          <a:fontRef idx="minor">
+            <a:schemeClr val="lt1"/>
+          </a:fontRef>
+        </p:style>
+        <p:txBody>
+          <a:bodyPr rtlCol="0" anchor="ctr"/>
+          <a:lstStyle/>
+          <a:p>
+            <a:pPr algn="ctr"/>
+            <a:endParaRPr lang="zh-CN" altLang="en-US"/>
+          </a:p>
+        </p:txBody>
+      </p:sp>
+      <p:sp>
+        <p:nvSpPr>
+          <p:cNvPr id="6" name="右箭头 5"/>
+          <p:cNvSpPr/>
+          <p:nvPr/>
+        </p:nvSpPr>
+        <p:spPr>
+          <a:xfrm>
+            <a:off x="5106384" y="660461"/>
+            <a:ext cx="1546788" cy="172754"/>
+          </a:xfrm>
+          <a:prstGeom prst="rightArrow">
+            <a:avLst>
+              <a:gd name="adj1" fmla="val 20593"/>
+              <a:gd name="adj2" fmla="val 230112"/>
+            </a:avLst>
+          </a:prstGeom>
+          <a:solidFill>
+            <a:srgbClr val="C00000"/>
+          </a:solidFill>
+          <a:ln>
+            <a:noFill/>
+          </a:ln>
+        </p:spPr>
+        <p:style>
+          <a:lnRef idx="2">
+            <a:schemeClr val="accent1">
+              <a:shade val="50000"/>
+            </a:schemeClr>
+          </a:lnRef>
+          <a:fillRef idx="1">
+            <a:schemeClr val="accent1"/>
+          </a:fillRef>
+          <a:effectRef idx="0">
+            <a:schemeClr val="accent1"/>
+          </a:effectRef>
+          <a:fontRef idx="minor">
+            <a:schemeClr val="lt1"/>
+          </a:fontRef>
+        </p:style>
+        <p:txBody>
+          <a:bodyPr rtlCol="0" anchor="ctr"/>
+          <a:lstStyle/>
+          <a:p>
+            <a:pPr algn="ctr"/>
+            <a:endParaRPr lang="zh-CN" altLang="en-US"/>
+          </a:p>
+        </p:txBody>
+      </p:sp>
+      <p:sp>
+        <p:nvSpPr>
+          <p:cNvPr id="7" name="文本框 6"/>
+          <p:cNvSpPr txBox="1"/>
+          <p:nvPr/>
+        </p:nvSpPr>
+        <p:spPr>
+          <a:xfrm>
+            <a:off x="3700349" y="463883"/>
+            <a:ext cx="1624126" cy="738664"/>
+          </a:xfrm>
+          <a:prstGeom prst="rect">
+            <a:avLst/>
+          </a:prstGeom>
+          <a:solidFill>
+            <a:schemeClr val="bg1"/>
+          </a:solidFill>
+        </p:spPr>
+        <p:txBody>
+          <a:bodyPr wrap="square" rtlCol="0">
+            <a:spAutoFit/>
+          </a:bodyPr>
+          <a:lstStyle/>
+          <a:p>
+            <a:r>
+              <a:rPr lang="zh-CN" altLang="en-US" sz="1400" dirty="0">
+                <a:solidFill>
+                  <a:srgbClr val="C00000"/>
+                </a:solidFill>
+              </a:rPr>
+              <a:t>鼠标单击红框标题内可弹出编辑区，再次单击隐藏</a:t>
+            </a:r>
+          </a:p>
+        </p:txBody>
+      </p:sp>
+      <p:sp>
+        <p:nvSpPr>
+          <p:cNvPr id="8" name="文本框 7"/>
+          <p:cNvSpPr txBox="1"/>
+          <p:nvPr/>
+        </p:nvSpPr>
+        <p:spPr>
+          <a:xfrm>
+            <a:off x="1343025" y="2252415"/>
+            <a:ext cx="2492990" cy="646331"/>
+          </a:xfrm>
+          <a:prstGeom prst="rect">
+            <a:avLst/>
+          </a:prstGeom>
+          <a:solidFill>
+            <a:schemeClr val="bg1"/>
+          </a:solidFill>
+        </p:spPr>
+        <p:txBody>
+          <a:bodyPr wrap="none" rtlCol="0">
+            <a:spAutoFit/>
+          </a:bodyPr>
+          <a:lstStyle/>
+          <a:p>
+            <a:r>
+              <a:rPr lang="zh-CN" altLang="en-US" dirty="0">
+                <a:solidFill>
+                  <a:srgbClr val="0070C0"/>
+                </a:solidFill>
+              </a:rPr>
+              <a:t>蓝色框内为可编辑区，</a:t>
+            </a:r>
+            <a:endParaRPr lang="en-US" altLang="zh-CN" dirty="0">
+              <a:solidFill>
+                <a:srgbClr val="0070C0"/>
+              </a:solidFill>
+            </a:endParaRPr>
+          </a:p>
+          <a:p>
+            <a:r>
+              <a:rPr lang="zh-CN" altLang="en-US" dirty="0">
+                <a:solidFill>
+                  <a:srgbClr val="0070C0"/>
+                </a:solidFill>
+              </a:rPr>
+              <a:t>可增删文字内容</a:t>
+            </a:r>
+          </a:p>
+        </p:txBody>
+      </p:sp>
+      <p:sp>
+        <p:nvSpPr>
+          <p:cNvPr id="9" name="矩形 8"/>
+          <p:cNvSpPr/>
+          <p:nvPr/>
+        </p:nvSpPr>
+        <p:spPr>
+          <a:xfrm>
+            <a:off x="0" y="1244943"/>
+            <a:ext cx="5790166" cy="5651684"/>
+          </a:xfrm>
+          <a:prstGeom prst="rect">
+            <a:avLst/>
+          </a:prstGeom>
+          <a:noFill/>
+          <a:ln w="28575">
+            <a:solidFill>
+              <a:srgbClr val="0070C0"/>
+            </a:solidFill>
+          </a:ln>
+        </p:spPr>
+        <p:style>
+          <a:lnRef idx="2">
+            <a:schemeClr val="accent1">
+              <a:shade val="50000"/>
+            </a:schemeClr>
+          </a:lnRef>
+          <a:fillRef idx="1">
+            <a:schemeClr val="accent1"/>
+          </a:fillRef>
+          <a:effectRef idx="0">
+            <a:schemeClr val="accent1"/>
+          </a:effectRef>
+          <a:fontRef idx="minor">
+            <a:schemeClr val="lt1"/>
+          </a:fontRef>
+        </p:style>
+        <p:txBody>
+          <a:bodyPr rtlCol="0" anchor="ctr"/>
+          <a:lstStyle/>
+          <a:p>
+            <a:pPr algn="ctr"/>
+            <a:endParaRPr lang="zh-CN" altLang="en-US"/>
+          </a:p>
+        </p:txBody>
+      </p:sp>
+      <p:sp>
+        <p:nvSpPr>
+          <p:cNvPr id="10" name="文本框 9"/>
+          <p:cNvSpPr txBox="1"/>
+          <p:nvPr/>
+        </p:nvSpPr>
+        <p:spPr>
+          <a:xfrm>
+            <a:off x="5800725" y="2523933"/>
+            <a:ext cx="4185761" cy="2308324"/>
+          </a:xfrm>
+          <a:prstGeom prst="rect">
+            <a:avLst/>
+          </a:prstGeom>
+          <a:solidFill>
+            <a:schemeClr val="bg1"/>
+          </a:solidFill>
+        </p:spPr>
+        <p:txBody>
+          <a:bodyPr wrap="none" rtlCol="0">
+            <a:spAutoFit/>
+          </a:bodyPr>
+          <a:lstStyle/>
+          <a:p>
+            <a:r>
+              <a:rPr lang="zh-CN" altLang="en-US" dirty="0">
+                <a:solidFill>
+                  <a:srgbClr val="0070C0"/>
+                </a:solidFill>
+              </a:rPr>
+              <a:t>改好后，单击打印</a:t>
+            </a:r>
+            <a:endParaRPr lang="en-US" altLang="zh-CN" dirty="0">
+              <a:solidFill>
+                <a:srgbClr val="0070C0"/>
+              </a:solidFill>
+            </a:endParaRPr>
+          </a:p>
+          <a:p>
+            <a:r>
+              <a:rPr lang="zh-CN" altLang="en-US" dirty="0">
+                <a:solidFill>
+                  <a:srgbClr val="0070C0"/>
+                </a:solidFill>
+              </a:rPr>
+              <a:t>另存为</a:t>
+            </a:r>
+            <a:r>
+              <a:rPr lang="en-US" altLang="zh-CN" dirty="0">
+                <a:solidFill>
+                  <a:srgbClr val="0070C0"/>
+                </a:solidFill>
+              </a:rPr>
+              <a:t>PDF.</a:t>
+            </a:r>
+          </a:p>
+          <a:p>
+            <a:r>
+              <a:rPr lang="zh-CN" altLang="en-US" dirty="0">
+                <a:solidFill>
+                  <a:srgbClr val="0070C0"/>
+                </a:solidFill>
+              </a:rPr>
+              <a:t>把</a:t>
+            </a:r>
+            <a:r>
+              <a:rPr lang="en-US" altLang="zh-CN" dirty="0">
+                <a:solidFill>
+                  <a:srgbClr val="0070C0"/>
+                </a:solidFill>
+              </a:rPr>
+              <a:t>PDF</a:t>
+            </a:r>
+            <a:r>
+              <a:rPr lang="zh-CN" altLang="en-US" dirty="0">
+                <a:solidFill>
+                  <a:srgbClr val="0070C0"/>
+                </a:solidFill>
+              </a:rPr>
+              <a:t>保存到</a:t>
+            </a:r>
+            <a:endParaRPr lang="en-US" altLang="zh-CN" dirty="0">
+              <a:solidFill>
+                <a:srgbClr val="0070C0"/>
+              </a:solidFill>
+            </a:endParaRPr>
+          </a:p>
+          <a:p>
+            <a:r>
+              <a:rPr lang="en-US" altLang="zh-CN" dirty="0">
+                <a:solidFill>
+                  <a:srgbClr val="0070C0"/>
+                </a:solidFill>
+                <a:hlinkClick r:id="rId4" action="ppaction://hlinkfile"/>
+              </a:rPr>
+              <a:t>\\10.148.16.32\e\ssow\email\</a:t>
+            </a:r>
+            <a:endParaRPr lang="en-US" altLang="zh-CN" dirty="0">
+              <a:solidFill>
+                <a:srgbClr val="0070C0"/>
+              </a:solidFill>
+            </a:endParaRPr>
+          </a:p>
+          <a:p>
+            <a:endParaRPr lang="en-US" altLang="zh-CN" dirty="0">
+              <a:solidFill>
+                <a:srgbClr val="0070C0"/>
+              </a:solidFill>
+            </a:endParaRPr>
+          </a:p>
+          <a:p>
+            <a:r>
+              <a:rPr lang="zh-CN" altLang="en-US" dirty="0">
+                <a:solidFill>
+                  <a:srgbClr val="0070C0"/>
+                </a:solidFill>
+              </a:rPr>
+              <a:t>文件名：</a:t>
+            </a:r>
+            <a:endParaRPr lang="en-US" altLang="zh-CN" dirty="0">
+              <a:solidFill>
+                <a:srgbClr val="0070C0"/>
+              </a:solidFill>
+            </a:endParaRPr>
+          </a:p>
+          <a:p>
+            <a:r>
+              <a:rPr lang="en-US" altLang="zh-CN" dirty="0">
+                <a:solidFill>
+                  <a:srgbClr val="C00000"/>
+                </a:solidFill>
+              </a:rPr>
+              <a:t>YJFD-nanpeng-hourly-YYMMDDHH.pdf</a:t>
+            </a:r>
+          </a:p>
+          <a:p>
+            <a:r>
+              <a:rPr lang="zh-CN" altLang="en-US" dirty="0">
+                <a:solidFill>
+                  <a:srgbClr val="0070C0"/>
+                </a:solidFill>
+              </a:rPr>
+              <a:t>日期为北京时</a:t>
+            </a:r>
+          </a:p>
+        </p:txBody>
+      </p:sp>
+      <p:pic>
+        <p:nvPicPr>
+          <p:cNvPr id="11" name="图片 10"/>
+          <p:cNvPicPr>
+            <a:picLocks noChangeAspect="1"/>
+          </p:cNvPicPr>
+          <p:nvPr/>
+        </p:nvPicPr>
+        <p:blipFill>
+          <a:blip r:embed="rId5"/>
+          <a:stretch>
+            <a:fillRect/>
+          </a:stretch>
+        </p:blipFill>
+        <p:spPr>
+          <a:xfrm>
+            <a:off x="10136762" y="2407930"/>
+            <a:ext cx="1846742" cy="3608512"/>
+          </a:xfrm>
+          <a:prstGeom prst="rect">
+            <a:avLst/>
+          </a:prstGeom>
+          <a:ln w="28575">
+            <a:solidFill>
+              <a:srgbClr val="7030A0"/>
+            </a:solidFill>
+          </a:ln>
+        </p:spPr>
+      </p:pic>
+    </p:spTree>
+    <p:extLst>
+      <p:ext uri="{BB962C8B-B14F-4D97-AF65-F5344CB8AC3E}">
+        <p14:creationId xmlns:p14="http://schemas.microsoft.com/office/powerpoint/2010/main" val="2315394699"/>
       </p:ext>
     </p:extLst>
   </p:cSld>
@@ -4307,7 +5116,7 @@
           <a:lstStyle/>
           <a:p>
             <a:r>
-              <a:rPr lang="zh-CN" altLang="en-US" sz="3200" dirty="0" smtClean="0">
+              <a:rPr lang="zh-CN" altLang="en-US" sz="3200" dirty="0">
                 <a:solidFill>
                   <a:srgbClr val="C00000"/>
                 </a:solidFill>
@@ -4315,7 +5124,7 @@
               <a:t>珠海万山沙场特殊情况处理</a:t>
             </a:r>
             <a:r>
-              <a:rPr lang="en-US" altLang="zh-CN" sz="3200" dirty="0" smtClean="0">
+              <a:rPr lang="en-US" altLang="zh-CN" sz="3200" dirty="0">
                 <a:solidFill>
                   <a:srgbClr val="C00000"/>
                 </a:solidFill>
@@ -4323,7 +5132,7 @@
               <a:t>—</a:t>
             </a:r>
             <a:r>
-              <a:rPr lang="zh-CN" altLang="en-US" sz="3200" dirty="0" smtClean="0">
+              <a:rPr lang="zh-CN" altLang="en-US" sz="3200" dirty="0">
                 <a:solidFill>
                   <a:srgbClr val="C00000"/>
                 </a:solidFill>
@@ -4361,112 +5170,73 @@
           <a:lstStyle/>
           <a:p>
             <a:r>
-              <a:rPr lang="en-US" altLang="zh-CN" dirty="0" smtClean="0"/>
+              <a:rPr lang="en-US" altLang="zh-CN" dirty="0"/>
               <a:t>1. </a:t>
             </a:r>
             <a:r>
-              <a:rPr lang="zh-CN" altLang="en-US" dirty="0" smtClean="0"/>
-              <a:t>如果生成产品数据缺失不对</a:t>
-            </a:r>
-            <a:r>
               <a:rPr lang="zh-CN" altLang="en-US" dirty="0"/>
-              <a:t>，请</a:t>
-            </a:r>
-            <a:r>
-              <a:rPr lang="zh-CN" altLang="en-US" dirty="0" smtClean="0"/>
-              <a:t>打开火狐浏览器   </a:t>
+              <a:t>如果生成产品数据缺失不对，请打开火狐浏览器   </a:t>
             </a:r>
             <a:r>
               <a:rPr lang="en-US" altLang="zh-CN" dirty="0">
                 <a:hlinkClick r:id="rId3"/>
               </a:rPr>
-              <a:t>http://</a:t>
-            </a:r>
-            <a:r>
-              <a:rPr lang="en-US" altLang="zh-CN" dirty="0" smtClean="0">
-                <a:hlinkClick r:id="rId3"/>
-              </a:rPr>
-              <a:t>10.148.16.20:10079/</a:t>
-            </a:r>
-            <a:endParaRPr lang="en-US" altLang="zh-CN" dirty="0" smtClean="0"/>
-          </a:p>
-          <a:p>
-            <a:r>
-              <a:rPr lang="en-US" altLang="zh-CN" dirty="0" smtClean="0"/>
+              <a:t>http://10.148.16.20:10079/</a:t>
+            </a:r>
+            <a:endParaRPr lang="en-US" altLang="zh-CN" dirty="0"/>
+          </a:p>
+          <a:p>
+            <a:r>
+              <a:rPr lang="en-US" altLang="zh-CN" dirty="0"/>
               <a:t>2. </a:t>
             </a:r>
             <a:r>
-              <a:rPr lang="zh-CN" altLang="en-US" dirty="0" smtClean="0"/>
-              <a:t>单击</a:t>
-            </a:r>
-            <a:r>
               <a:rPr lang="zh-CN" altLang="en-US" dirty="0"/>
-              <a:t>头部区域打开编辑</a:t>
-            </a:r>
-            <a:r>
-              <a:rPr lang="zh-CN" altLang="en-US" dirty="0" smtClean="0"/>
-              <a:t>框，进行相应编辑</a:t>
-            </a:r>
-            <a:endParaRPr lang="en-US" altLang="zh-CN" dirty="0" smtClean="0"/>
-          </a:p>
-          <a:p>
-            <a:r>
-              <a:rPr lang="en-US" altLang="zh-CN" dirty="0" smtClean="0"/>
+              <a:t>单击头部区域打开编辑框，进行相应编辑</a:t>
+            </a:r>
+            <a:endParaRPr lang="en-US" altLang="zh-CN" dirty="0"/>
+          </a:p>
+          <a:p>
+            <a:r>
+              <a:rPr lang="en-US" altLang="zh-CN" dirty="0"/>
               <a:t>3. </a:t>
             </a:r>
             <a:r>
-              <a:rPr lang="zh-CN" altLang="en-US" dirty="0" smtClean="0"/>
-              <a:t>改</a:t>
-            </a:r>
-            <a:r>
               <a:rPr lang="zh-CN" altLang="en-US" dirty="0"/>
-              <a:t>好后</a:t>
-            </a:r>
-            <a:r>
-              <a:rPr lang="zh-CN" altLang="en-US" dirty="0" smtClean="0"/>
-              <a:t>，使用地址栏的</a:t>
-            </a:r>
-            <a:r>
-              <a:rPr lang="en-US" altLang="zh-CN" dirty="0" smtClean="0"/>
+              <a:t>改好后，使用地址栏的</a:t>
+            </a:r>
+            <a:r>
+              <a:rPr lang="en-US" altLang="zh-CN" dirty="0"/>
               <a:t>【</a:t>
             </a:r>
             <a:r>
-              <a:rPr lang="zh-CN" altLang="en-US" dirty="0" smtClean="0"/>
+              <a:rPr lang="zh-CN" altLang="en-US" dirty="0"/>
               <a:t>截屏按钮</a:t>
             </a:r>
             <a:r>
-              <a:rPr lang="en-US" altLang="zh-CN" dirty="0" smtClean="0"/>
+              <a:rPr lang="en-US" altLang="zh-CN" dirty="0"/>
               <a:t>】</a:t>
             </a:r>
             <a:r>
-              <a:rPr lang="zh-CN" altLang="en-US" dirty="0" smtClean="0"/>
+              <a:rPr lang="zh-CN" altLang="en-US" dirty="0"/>
               <a:t>，截取需要的范围保存两份图片到指定目录</a:t>
             </a:r>
             <a:r>
-              <a:rPr lang="en-US" altLang="zh-CN" dirty="0" smtClean="0"/>
+              <a:rPr lang="en-US" altLang="zh-CN" dirty="0"/>
               <a:t>,</a:t>
             </a:r>
             <a:r>
-              <a:rPr lang="zh-CN" altLang="en-US" dirty="0" smtClean="0"/>
+              <a:rPr lang="zh-CN" altLang="en-US" dirty="0"/>
               <a:t>一份带日期一份不带日期：</a:t>
             </a:r>
             <a:r>
-              <a:rPr lang="en-US" altLang="zh-CN" dirty="0" smtClean="0">
+              <a:rPr lang="en-US" altLang="zh-CN" dirty="0">
                 <a:solidFill>
                   <a:srgbClr val="C00000"/>
                 </a:solidFill>
                 <a:hlinkClick r:id="rId4" action="ppaction://hlinkfile"/>
               </a:rPr>
-              <a:t>\\</a:t>
-            </a:r>
-            <a:r>
-              <a:rPr lang="en-US" altLang="zh-CN" dirty="0">
-                <a:solidFill>
-                  <a:srgbClr val="C00000"/>
-                </a:solidFill>
-                <a:hlinkClick r:id="rId4" action="ppaction://hlinkfile"/>
-              </a:rPr>
-              <a:t>10.148.16.32\e\ssow\html\ZHWS-zhuwai-hourly.jpg</a:t>
+              <a:t>\\10.148.16.32\e\ssow\html\ZHWS-zhuwai-hourly.jpg</a:t>
             </a:r>
             <a:endParaRPr lang="en-US" altLang="zh-CN" dirty="0">
               <a:solidFill>
@@ -4482,127 +5252,113 @@
                 </a:solidFill>
                 <a:hlinkClick r:id="rId5" action="ppaction://hlinkfile"/>
               </a:rPr>
-              <a:t>\\</a:t>
-            </a:r>
-            <a:r>
-              <a:rPr lang="en-US" altLang="zh-CN" dirty="0" smtClean="0">
+              <a:t>\\10.148.16.32\e\ssow\html\</a:t>
+            </a:r>
+            <a:r>
+              <a:rPr lang="en-US" altLang="zh-CN" dirty="0">
+                <a:solidFill>
+                  <a:srgbClr val="C00000"/>
+                </a:solidFill>
+                <a:hlinkClick r:id="rId4" action="ppaction://hlinkfile"/>
+              </a:rPr>
+              <a:t>ZHWS</a:t>
+            </a:r>
+            <a:r>
+              <a:rPr lang="en-US" altLang="zh-CN" dirty="0">
                 <a:solidFill>
                   <a:srgbClr val="C00000"/>
                 </a:solidFill>
                 <a:hlinkClick r:id="rId5" action="ppaction://hlinkfile"/>
               </a:rPr>
-              <a:t>10.148.16.32\e\ssow\html\</a:t>
-            </a:r>
-            <a:r>
-              <a:rPr lang="en-US" altLang="zh-CN" dirty="0">
-                <a:solidFill>
-                  <a:srgbClr val="C00000"/>
-                </a:solidFill>
-                <a:hlinkClick r:id="rId4" action="ppaction://hlinkfile"/>
-              </a:rPr>
-              <a:t>ZHWS</a:t>
-            </a:r>
-            <a:r>
-              <a:rPr lang="en-US" altLang="zh-CN" dirty="0" smtClean="0">
-                <a:solidFill>
-                  <a:srgbClr val="C00000"/>
-                </a:solidFill>
-                <a:hlinkClick r:id="rId5" action="ppaction://hlinkfile"/>
-              </a:rPr>
               <a:t>-zhuwai-hourly-YYMMDDHH.jpg</a:t>
-            </a:r>
-            <a:endParaRPr lang="en-US" altLang="zh-CN" dirty="0" smtClean="0">
-              <a:solidFill>
-                <a:srgbClr val="C00000"/>
-              </a:solidFill>
-            </a:endParaRPr>
-          </a:p>
-          <a:p>
-            <a:r>
-              <a:rPr lang="zh-CN" altLang="en-US" dirty="0" smtClean="0">
-                <a:solidFill>
-                  <a:srgbClr val="C00000"/>
-                </a:solidFill>
-              </a:rPr>
-              <a:t>日期格式示例：</a:t>
-            </a:r>
-            <a:r>
-              <a:rPr lang="en-US" altLang="zh-CN" dirty="0" smtClean="0">
-                <a:solidFill>
-                  <a:srgbClr val="C00000"/>
-                </a:solidFill>
-              </a:rPr>
-              <a:t>2020</a:t>
-            </a:r>
-            <a:r>
-              <a:rPr lang="zh-CN" altLang="en-US" dirty="0" smtClean="0">
-                <a:solidFill>
-                  <a:srgbClr val="C00000"/>
-                </a:solidFill>
-              </a:rPr>
-              <a:t>年</a:t>
-            </a:r>
-            <a:r>
-              <a:rPr lang="en-US" altLang="zh-CN" dirty="0" smtClean="0">
-                <a:solidFill>
-                  <a:srgbClr val="C00000"/>
-                </a:solidFill>
-              </a:rPr>
-              <a:t>10</a:t>
-            </a:r>
-            <a:r>
-              <a:rPr lang="zh-CN" altLang="en-US" dirty="0" smtClean="0">
-                <a:solidFill>
-                  <a:srgbClr val="C00000"/>
-                </a:solidFill>
-              </a:rPr>
-              <a:t>月</a:t>
-            </a:r>
-            <a:r>
-              <a:rPr lang="en-US" altLang="zh-CN" dirty="0" smtClean="0">
-                <a:solidFill>
-                  <a:srgbClr val="C00000"/>
-                </a:solidFill>
-              </a:rPr>
-              <a:t>11</a:t>
-            </a:r>
-            <a:r>
-              <a:rPr lang="zh-CN" altLang="en-US" dirty="0" smtClean="0">
-                <a:solidFill>
-                  <a:srgbClr val="C00000"/>
-                </a:solidFill>
-              </a:rPr>
-              <a:t>日</a:t>
-            </a:r>
-            <a:r>
-              <a:rPr lang="en-US" altLang="zh-CN" dirty="0" smtClean="0">
-                <a:solidFill>
-                  <a:srgbClr val="C00000"/>
-                </a:solidFill>
-              </a:rPr>
-              <a:t>08</a:t>
-            </a:r>
-            <a:r>
-              <a:rPr lang="zh-CN" altLang="en-US" dirty="0" smtClean="0">
-                <a:solidFill>
-                  <a:srgbClr val="C00000"/>
-                </a:solidFill>
-              </a:rPr>
-              <a:t>时</a:t>
-            </a:r>
-            <a:r>
-              <a:rPr lang="en-US" altLang="zh-CN" dirty="0" smtClean="0">
-                <a:solidFill>
-                  <a:srgbClr val="C00000"/>
-                </a:solidFill>
-              </a:rPr>
-              <a:t>=&gt;20101108</a:t>
             </a:r>
             <a:endParaRPr lang="en-US" altLang="zh-CN" dirty="0">
               <a:solidFill>
                 <a:srgbClr val="C00000"/>
               </a:solidFill>
             </a:endParaRPr>
+          </a:p>
+          <a:p>
+            <a:r>
+              <a:rPr lang="zh-CN" altLang="en-US" dirty="0">
+                <a:solidFill>
+                  <a:srgbClr val="C00000"/>
+                </a:solidFill>
+              </a:rPr>
+              <a:t>日期格式示例：</a:t>
+            </a:r>
+            <a:r>
+              <a:rPr lang="en-US" altLang="zh-CN" dirty="0">
+                <a:solidFill>
+                  <a:srgbClr val="C00000"/>
+                </a:solidFill>
+              </a:rPr>
+              <a:t>2020</a:t>
+            </a:r>
+            <a:r>
+              <a:rPr lang="zh-CN" altLang="en-US" dirty="0">
+                <a:solidFill>
+                  <a:srgbClr val="C00000"/>
+                </a:solidFill>
+              </a:rPr>
+              <a:t>年</a:t>
+            </a:r>
+            <a:r>
+              <a:rPr lang="en-US" altLang="zh-CN" dirty="0">
+                <a:solidFill>
+                  <a:srgbClr val="C00000"/>
+                </a:solidFill>
+              </a:rPr>
+              <a:t>10</a:t>
+            </a:r>
+            <a:r>
+              <a:rPr lang="zh-CN" altLang="en-US" dirty="0">
+                <a:solidFill>
+                  <a:srgbClr val="C00000"/>
+                </a:solidFill>
+              </a:rPr>
+              <a:t>月</a:t>
+            </a:r>
+            <a:r>
+              <a:rPr lang="en-US" altLang="zh-CN" dirty="0">
+                <a:solidFill>
+                  <a:srgbClr val="C00000"/>
+                </a:solidFill>
+              </a:rPr>
+              <a:t>11</a:t>
+            </a:r>
+            <a:r>
+              <a:rPr lang="zh-CN" altLang="en-US" dirty="0">
+                <a:solidFill>
+                  <a:srgbClr val="C00000"/>
+                </a:solidFill>
+              </a:rPr>
+              <a:t>日</a:t>
+            </a:r>
+            <a:r>
+              <a:rPr lang="en-US" altLang="zh-CN" dirty="0">
+                <a:solidFill>
+                  <a:srgbClr val="C00000"/>
+                </a:solidFill>
+              </a:rPr>
+              <a:t>08</a:t>
+            </a:r>
+            <a:r>
+              <a:rPr lang="zh-CN" altLang="en-US" dirty="0">
+                <a:solidFill>
+                  <a:srgbClr val="C00000"/>
+                </a:solidFill>
+              </a:rPr>
+              <a:t>时</a:t>
+            </a:r>
+            <a:r>
+              <a:rPr lang="en-US" altLang="zh-CN" dirty="0">
+                <a:solidFill>
+                  <a:srgbClr val="C00000"/>
+                </a:solidFill>
+              </a:rPr>
+              <a:t>=&gt;20101108</a:t>
+            </a:r>
           </a:p>
         </p:txBody>
       </p:sp>
@@ -4683,7 +5439,7 @@
           <a:lstStyle/>
           <a:p>
             <a:r>
-              <a:rPr lang="zh-CN" altLang="en-US" dirty="0" smtClean="0">
+              <a:rPr lang="zh-CN" altLang="en-US" dirty="0">
                 <a:solidFill>
                   <a:srgbClr val="C00000"/>
                 </a:solidFill>
@@ -4726,7 +5482,7 @@
           <a:lstStyle/>
           <a:p>
             <a:r>
-              <a:rPr lang="zh-CN" altLang="en-US" dirty="0" smtClean="0">
+              <a:rPr lang="zh-CN" altLang="en-US" dirty="0">
                 <a:solidFill>
                   <a:srgbClr val="C00000"/>
                 </a:solidFill>
@@ -4818,7 +5574,7 @@
           <a:lstStyle/>
           <a:p>
             <a:r>
-              <a:rPr lang="zh-CN" altLang="en-US" dirty="0" smtClean="0">
+              <a:rPr lang="zh-CN" altLang="en-US" dirty="0">
                 <a:solidFill>
                   <a:srgbClr val="C00000"/>
                 </a:solidFill>
@@ -4910,7 +5666,7 @@
           <a:lstStyle/>
           <a:p>
             <a:r>
-              <a:rPr lang="zh-CN" altLang="en-US" dirty="0" smtClean="0">
+              <a:rPr lang="zh-CN" altLang="en-US" dirty="0">
                 <a:solidFill>
                   <a:srgbClr val="C00000"/>
                 </a:solidFill>
@@ -5121,23 +5877,15 @@
           <a:lstStyle/>
           <a:p>
             <a:r>
-              <a:rPr lang="zh-CN" altLang="en-US" sz="3200" dirty="0" smtClean="0">
-                <a:solidFill>
-                  <a:srgbClr val="C00000"/>
-                </a:solidFill>
-              </a:rPr>
-              <a:t>徐闻东海域砂场特殊情况</a:t>
-            </a:r>
-            <a:r>
-              <a:rPr lang="zh-CN" altLang="en-US" sz="3200" dirty="0" smtClean="0">
-                <a:solidFill>
-                  <a:srgbClr val="C00000"/>
-                </a:solidFill>
-              </a:rPr>
-              <a:t>处理</a:t>
-            </a:r>
-            <a:r>
-              <a:rPr lang="en-US" altLang="zh-CN" sz="3200" dirty="0" smtClean="0">
+              <a:rPr lang="zh-CN" altLang="en-US" sz="3200" dirty="0">
+                <a:solidFill>
+                  <a:srgbClr val="C00000"/>
+                </a:solidFill>
+              </a:rPr>
+              <a:t>徐闻东海域砂场特殊情况处理</a:t>
+            </a:r>
+            <a:r>
+              <a:rPr lang="en-US" altLang="zh-CN" sz="3200" dirty="0">
                 <a:solidFill>
                   <a:srgbClr val="C00000"/>
                 </a:solidFill>
@@ -5145,7 +5893,7 @@
               <a:t>—</a:t>
             </a:r>
             <a:r>
-              <a:rPr lang="zh-CN" altLang="en-US" sz="3200" dirty="0" smtClean="0">
+              <a:rPr lang="zh-CN" altLang="en-US" sz="3200" dirty="0">
                 <a:solidFill>
                   <a:srgbClr val="C00000"/>
                 </a:solidFill>
@@ -5183,112 +5931,73 @@
           <a:lstStyle/>
           <a:p>
             <a:r>
-              <a:rPr lang="en-US" altLang="zh-CN" dirty="0" smtClean="0"/>
+              <a:rPr lang="en-US" altLang="zh-CN" dirty="0"/>
               <a:t>1. </a:t>
             </a:r>
             <a:r>
-              <a:rPr lang="zh-CN" altLang="en-US" dirty="0" smtClean="0"/>
-              <a:t>如果生成产品数据缺失不对</a:t>
-            </a:r>
-            <a:r>
               <a:rPr lang="zh-CN" altLang="en-US" dirty="0"/>
-              <a:t>，请</a:t>
-            </a:r>
-            <a:r>
-              <a:rPr lang="zh-CN" altLang="en-US" dirty="0" smtClean="0"/>
-              <a:t>打开火狐浏览器   </a:t>
+              <a:t>如果生成产品数据缺失不对，请打开火狐浏览器   </a:t>
             </a:r>
             <a:r>
               <a:rPr lang="en-US" altLang="zh-CN" dirty="0">
                 <a:hlinkClick r:id="rId3"/>
               </a:rPr>
-              <a:t>http://</a:t>
-            </a:r>
-            <a:r>
-              <a:rPr lang="en-US" altLang="zh-CN" dirty="0" smtClean="0">
-                <a:hlinkClick r:id="rId3"/>
-              </a:rPr>
-              <a:t>10.148.16.20:10100/</a:t>
-            </a:r>
-            <a:endParaRPr lang="en-US" altLang="zh-CN" dirty="0" smtClean="0"/>
-          </a:p>
-          <a:p>
-            <a:r>
-              <a:rPr lang="en-US" altLang="zh-CN" dirty="0" smtClean="0"/>
+              <a:t>http://10.148.16.20:10100/</a:t>
+            </a:r>
+            <a:endParaRPr lang="en-US" altLang="zh-CN" dirty="0"/>
+          </a:p>
+          <a:p>
+            <a:r>
+              <a:rPr lang="en-US" altLang="zh-CN" dirty="0"/>
               <a:t>2. </a:t>
             </a:r>
             <a:r>
-              <a:rPr lang="zh-CN" altLang="en-US" dirty="0" smtClean="0"/>
-              <a:t>单击</a:t>
-            </a:r>
-            <a:r>
               <a:rPr lang="zh-CN" altLang="en-US" dirty="0"/>
-              <a:t>头部区域打开编辑</a:t>
-            </a:r>
-            <a:r>
-              <a:rPr lang="zh-CN" altLang="en-US" dirty="0" smtClean="0"/>
-              <a:t>框，进行相应编辑</a:t>
-            </a:r>
-            <a:endParaRPr lang="en-US" altLang="zh-CN" dirty="0" smtClean="0"/>
-          </a:p>
-          <a:p>
-            <a:r>
-              <a:rPr lang="en-US" altLang="zh-CN" dirty="0" smtClean="0"/>
+              <a:t>单击头部区域打开编辑框，进行相应编辑</a:t>
+            </a:r>
+            <a:endParaRPr lang="en-US" altLang="zh-CN" dirty="0"/>
+          </a:p>
+          <a:p>
+            <a:r>
+              <a:rPr lang="en-US" altLang="zh-CN" dirty="0"/>
               <a:t>3. </a:t>
             </a:r>
             <a:r>
-              <a:rPr lang="zh-CN" altLang="en-US" dirty="0" smtClean="0"/>
-              <a:t>改</a:t>
-            </a:r>
-            <a:r>
               <a:rPr lang="zh-CN" altLang="en-US" dirty="0"/>
-              <a:t>好后</a:t>
-            </a:r>
-            <a:r>
-              <a:rPr lang="zh-CN" altLang="en-US" dirty="0" smtClean="0"/>
-              <a:t>，使用地址栏的</a:t>
-            </a:r>
-            <a:r>
-              <a:rPr lang="en-US" altLang="zh-CN" dirty="0" smtClean="0"/>
+              <a:t>改好后，使用地址栏的</a:t>
+            </a:r>
+            <a:r>
+              <a:rPr lang="en-US" altLang="zh-CN" dirty="0"/>
               <a:t>【</a:t>
             </a:r>
             <a:r>
-              <a:rPr lang="zh-CN" altLang="en-US" dirty="0" smtClean="0"/>
+              <a:rPr lang="zh-CN" altLang="en-US" dirty="0"/>
               <a:t>截屏按钮</a:t>
             </a:r>
             <a:r>
-              <a:rPr lang="en-US" altLang="zh-CN" dirty="0" smtClean="0"/>
+              <a:rPr lang="en-US" altLang="zh-CN" dirty="0"/>
               <a:t>】</a:t>
             </a:r>
             <a:r>
-              <a:rPr lang="zh-CN" altLang="en-US" dirty="0" smtClean="0"/>
+              <a:rPr lang="zh-CN" altLang="en-US" dirty="0"/>
               <a:t>，截取需要的范围保存两份图片到指定目录</a:t>
             </a:r>
             <a:r>
-              <a:rPr lang="en-US" altLang="zh-CN" dirty="0" smtClean="0"/>
+              <a:rPr lang="en-US" altLang="zh-CN" dirty="0"/>
               <a:t>,</a:t>
             </a:r>
             <a:r>
-              <a:rPr lang="zh-CN" altLang="en-US" dirty="0" smtClean="0"/>
+              <a:rPr lang="zh-CN" altLang="en-US" dirty="0"/>
               <a:t>一份带日期一份不带日期：</a:t>
             </a:r>
             <a:r>
-              <a:rPr lang="en-US" altLang="zh-CN" dirty="0" smtClean="0">
+              <a:rPr lang="en-US" altLang="zh-CN" dirty="0">
                 <a:solidFill>
                   <a:srgbClr val="C00000"/>
                 </a:solidFill>
                 <a:hlinkClick r:id="rId4" action="ppaction://hlinkfile"/>
               </a:rPr>
-              <a:t>\\</a:t>
-            </a:r>
-            <a:r>
-              <a:rPr lang="en-US" altLang="zh-CN" dirty="0">
-                <a:solidFill>
-                  <a:srgbClr val="C00000"/>
-                </a:solidFill>
-                <a:hlinkClick r:id="rId4" action="ppaction://hlinkfile"/>
-              </a:rPr>
-              <a:t>10.148.16.32\e\ssow\html\XWDH-hourly.jpg</a:t>
+              <a:t>\\10.148.16.32\e\ssow\html\XWDH-hourly.jpg</a:t>
             </a:r>
             <a:endParaRPr lang="en-US" altLang="zh-CN" dirty="0">
               <a:solidFill>
@@ -5304,35 +6013,26 @@
                 </a:solidFill>
                 <a:hlinkClick r:id="rId5" action="ppaction://hlinkfile"/>
               </a:rPr>
-              <a:t>\\</a:t>
-            </a:r>
-            <a:r>
-              <a:rPr lang="en-US" altLang="zh-CN" u="sng" dirty="0" smtClean="0">
+              <a:t>\\10.148.16.32\e\ssow\html\</a:t>
+            </a:r>
+            <a:r>
+              <a:rPr lang="en-US" altLang="zh-CN" u="sng" dirty="0">
                 <a:solidFill>
                   <a:srgbClr val="0070C0"/>
                 </a:solidFill>
+              </a:rPr>
+              <a:t>XWDH</a:t>
+            </a:r>
+            <a:r>
+              <a:rPr lang="en-US" altLang="zh-CN" u="sng" dirty="0">
+                <a:solidFill>
+                  <a:srgbClr val="0070C0"/>
+                </a:solidFill>
                 <a:hlinkClick r:id="rId5" action="ppaction://hlinkfile"/>
               </a:rPr>
-              <a:t>10.148.16.32\e\ssow\html\</a:t>
-            </a:r>
-            <a:r>
-              <a:rPr lang="en-US" altLang="zh-CN" u="sng" dirty="0">
-                <a:solidFill>
-                  <a:srgbClr val="0070C0"/>
-                </a:solidFill>
-              </a:rPr>
-              <a:t>XWDH</a:t>
-            </a:r>
-            <a:r>
-              <a:rPr lang="en-US" altLang="zh-CN" u="sng" dirty="0" smtClean="0">
-                <a:solidFill>
-                  <a:srgbClr val="0070C0"/>
-                </a:solidFill>
-                <a:hlinkClick r:id="rId5" action="ppaction://hlinkfile"/>
-              </a:rPr>
               <a:t>-hourly-YYMMDDHH.jpg</a:t>
             </a:r>
-            <a:endParaRPr lang="en-US" altLang="zh-CN" u="sng" dirty="0" smtClean="0">
+            <a:endParaRPr lang="en-US" altLang="zh-CN" u="sng" dirty="0">
               <a:solidFill>
                 <a:srgbClr val="0070C0"/>
               </a:solidFill>
@@ -5340,7 +6040,7 @@
           </a:p>
           <a:p>
             <a:r>
-              <a:rPr lang="zh-CN" altLang="en-US" dirty="0" smtClean="0">
+              <a:rPr lang="zh-CN" altLang="en-US" dirty="0">
                 <a:solidFill>
                   <a:srgbClr val="C00000"/>
                 </a:solidFill>
@@ -5348,7 +6048,7 @@
               <a:t>日期格式示例：</a:t>
             </a:r>
             <a:r>
-              <a:rPr lang="en-US" altLang="zh-CN" dirty="0" smtClean="0">
+              <a:rPr lang="en-US" altLang="zh-CN" dirty="0">
                 <a:solidFill>
                   <a:srgbClr val="C00000"/>
                 </a:solidFill>
@@ -5356,7 +6056,7 @@
               <a:t>2020</a:t>
             </a:r>
             <a:r>
-              <a:rPr lang="zh-CN" altLang="en-US" dirty="0" smtClean="0">
+              <a:rPr lang="zh-CN" altLang="en-US" dirty="0">
                 <a:solidFill>
                   <a:srgbClr val="C00000"/>
                 </a:solidFill>
@@ -5364,7 +6064,7 @@
               <a:t>年</a:t>
             </a:r>
             <a:r>
-              <a:rPr lang="en-US" altLang="zh-CN" dirty="0" smtClean="0">
+              <a:rPr lang="en-US" altLang="zh-CN" dirty="0">
                 <a:solidFill>
                   <a:srgbClr val="C00000"/>
                 </a:solidFill>
@@ -5372,7 +6072,7 @@
               <a:t>10</a:t>
             </a:r>
             <a:r>
-              <a:rPr lang="zh-CN" altLang="en-US" dirty="0" smtClean="0">
+              <a:rPr lang="zh-CN" altLang="en-US" dirty="0">
                 <a:solidFill>
                   <a:srgbClr val="C00000"/>
                 </a:solidFill>
@@ -5380,7 +6080,7 @@
               <a:t>月</a:t>
             </a:r>
             <a:r>
-              <a:rPr lang="en-US" altLang="zh-CN" dirty="0" smtClean="0">
+              <a:rPr lang="en-US" altLang="zh-CN" dirty="0">
                 <a:solidFill>
                   <a:srgbClr val="C00000"/>
                 </a:solidFill>
@@ -5388,7 +6088,7 @@
               <a:t>11</a:t>
             </a:r>
             <a:r>
-              <a:rPr lang="zh-CN" altLang="en-US" dirty="0" smtClean="0">
+              <a:rPr lang="zh-CN" altLang="en-US" dirty="0">
                 <a:solidFill>
                   <a:srgbClr val="C00000"/>
                 </a:solidFill>
@@ -5396,7 +6096,7 @@
               <a:t>日</a:t>
             </a:r>
             <a:r>
-              <a:rPr lang="en-US" altLang="zh-CN" dirty="0" smtClean="0">
+              <a:rPr lang="en-US" altLang="zh-CN" dirty="0">
                 <a:solidFill>
                   <a:srgbClr val="C00000"/>
                 </a:solidFill>
@@ -5404,7 +6104,7 @@
               <a:t>08</a:t>
             </a:r>
             <a:r>
-              <a:rPr lang="zh-CN" altLang="en-US" dirty="0" smtClean="0">
+              <a:rPr lang="zh-CN" altLang="en-US" dirty="0">
                 <a:solidFill>
                   <a:srgbClr val="C00000"/>
                 </a:solidFill>
@@ -5412,18 +6112,13 @@
               <a:t>时</a:t>
             </a:r>
             <a:r>
-              <a:rPr lang="en-US" altLang="zh-CN" dirty="0" smtClean="0">
+              <a:rPr lang="en-US" altLang="zh-CN" dirty="0">
                 <a:solidFill>
                   <a:srgbClr val="C00000"/>
                 </a:solidFill>
               </a:rPr>
               <a:t>=&gt;20101108</a:t>
             </a:r>
-            <a:endParaRPr lang="en-US" altLang="zh-CN" dirty="0">
-              <a:solidFill>
-                <a:srgbClr val="C00000"/>
-              </a:solidFill>
-            </a:endParaRPr>
           </a:p>
         </p:txBody>
       </p:sp>
@@ -5504,7 +6199,7 @@
           <a:lstStyle/>
           <a:p>
             <a:r>
-              <a:rPr lang="zh-CN" altLang="en-US" dirty="0" smtClean="0">
+              <a:rPr lang="zh-CN" altLang="en-US" dirty="0">
                 <a:solidFill>
                   <a:srgbClr val="C00000"/>
                 </a:solidFill>
@@ -5547,7 +6242,7 @@
           <a:lstStyle/>
           <a:p>
             <a:r>
-              <a:rPr lang="zh-CN" altLang="en-US" dirty="0" smtClean="0">
+              <a:rPr lang="zh-CN" altLang="en-US" dirty="0">
                 <a:solidFill>
                   <a:srgbClr val="C00000"/>
                 </a:solidFill>
@@ -5639,7 +6334,7 @@
           <a:lstStyle/>
           <a:p>
             <a:r>
-              <a:rPr lang="zh-CN" altLang="en-US" dirty="0" smtClean="0">
+              <a:rPr lang="zh-CN" altLang="en-US" dirty="0">
                 <a:solidFill>
                   <a:srgbClr val="C00000"/>
                 </a:solidFill>
@@ -5731,7 +6426,7 @@
           <a:lstStyle/>
           <a:p>
             <a:r>
-              <a:rPr lang="zh-CN" altLang="en-US" dirty="0" smtClean="0">
+              <a:rPr lang="zh-CN" altLang="en-US" dirty="0">
                 <a:solidFill>
                   <a:srgbClr val="C00000"/>
                 </a:solidFill>
@@ -5897,7 +6592,13 @@
       </p:grpSpPr>
       <p:pic>
         <p:nvPicPr>
-          <p:cNvPr id="2" name="图片 1"/>
+          <p:cNvPr id="8" name="图片 7">
+            <a:extLst>
+              <a:ext uri="{FF2B5EF4-FFF2-40B4-BE49-F238E27FC236}">
+                <a16:creationId xmlns:a16="http://schemas.microsoft.com/office/drawing/2014/main" id="{A008EE60-C887-37A0-58D4-2263A283FA6E}"/>
+              </a:ext>
+            </a:extLst>
+          </p:cNvPr>
           <p:cNvPicPr>
             <a:picLocks noChangeAspect="1"/>
           </p:cNvPicPr>
@@ -5911,48 +6612,78 @@
         </p:blipFill>
         <p:spPr>
           <a:xfrm>
-            <a:off x="438817" y="1667050"/>
-            <a:ext cx="4380952" cy="2800000"/>
+            <a:off x="1571981" y="2611203"/>
+            <a:ext cx="9656195" cy="3723133"/>
           </a:xfrm>
           <a:prstGeom prst="rect">
             <a:avLst/>
           </a:prstGeom>
         </p:spPr>
       </p:pic>
-      <p:pic>
-        <p:nvPicPr>
-          <p:cNvPr id="5" name="图片 4"/>
-          <p:cNvPicPr>
-            <a:picLocks noChangeAspect="1"/>
-          </p:cNvPicPr>
-          <p:nvPr/>
-        </p:nvPicPr>
-        <p:blipFill>
-          <a:blip r:embed="rId3"/>
-          <a:stretch>
-            <a:fillRect/>
-          </a:stretch>
-        </p:blipFill>
-        <p:spPr>
-          <a:xfrm>
-            <a:off x="5320467" y="1676575"/>
-            <a:ext cx="5780952" cy="2266667"/>
+      <p:sp>
+        <p:nvSpPr>
+          <p:cNvPr id="4" name="文本框 3"/>
+          <p:cNvSpPr txBox="1"/>
+          <p:nvPr/>
+        </p:nvSpPr>
+        <p:spPr>
+          <a:xfrm>
+            <a:off x="2341548" y="-7897"/>
+            <a:ext cx="8272023" cy="584775"/>
           </a:xfrm>
           <a:prstGeom prst="rect">
             <a:avLst/>
           </a:prstGeom>
-        </p:spPr>
-      </p:pic>
-      <p:sp>
-        <p:nvSpPr>
-          <p:cNvPr id="6" name="文本框 5"/>
+          <a:noFill/>
+        </p:spPr>
+        <p:txBody>
+          <a:bodyPr wrap="square" rtlCol="0">
+            <a:spAutoFit/>
+          </a:bodyPr>
+          <a:lstStyle/>
+          <a:p>
+            <a:r>
+              <a:rPr lang="zh-CN" altLang="en-US" sz="3200" dirty="0">
+                <a:solidFill>
+                  <a:srgbClr val="C00000"/>
+                </a:solidFill>
+              </a:rPr>
+              <a:t>青州</a:t>
+            </a:r>
+            <a:r>
+              <a:rPr lang="en-US" altLang="zh-CN" sz="3200" dirty="0">
+                <a:solidFill>
+                  <a:srgbClr val="C00000"/>
+                </a:solidFill>
+              </a:rPr>
+              <a:t>—</a:t>
+            </a:r>
+            <a:r>
+              <a:rPr lang="zh-CN" altLang="en-US" sz="3200" dirty="0">
+                <a:solidFill>
+                  <a:srgbClr val="C00000"/>
+                </a:solidFill>
+              </a:rPr>
+              <a:t>调整数据</a:t>
+            </a:r>
+            <a:endParaRPr lang="zh-CN" altLang="en-US" sz="3200" dirty="0">
+              <a:solidFill>
+                <a:srgbClr val="0070C0"/>
+              </a:solidFill>
+            </a:endParaRPr>
+          </a:p>
+        </p:txBody>
+      </p:sp>
+      <p:sp>
+        <p:nvSpPr>
+          <p:cNvPr id="5" name="文本框 4"/>
           <p:cNvSpPr txBox="1"/>
           <p:nvPr/>
         </p:nvSpPr>
         <p:spPr>
           <a:xfrm>
-            <a:off x="1498214" y="3305175"/>
-            <a:ext cx="2262158" cy="369332"/>
+            <a:off x="75432" y="523664"/>
+            <a:ext cx="11773668" cy="1754326"/>
           </a:xfrm>
           <a:prstGeom prst="rect">
             <a:avLst/>
@@ -5960,89 +6691,7 @@
           <a:noFill/>
         </p:spPr>
         <p:txBody>
-          <a:bodyPr wrap="none" rtlCol="0">
-            <a:spAutoFit/>
-          </a:bodyPr>
-          <a:lstStyle/>
-          <a:p>
-            <a:r>
-              <a:rPr lang="zh-CN" altLang="en-US" dirty="0">
-                <a:solidFill>
-                  <a:srgbClr val="C00000"/>
-                </a:solidFill>
-              </a:rPr>
-              <a:t>前端打包和调试窗口</a:t>
-            </a:r>
-          </a:p>
-        </p:txBody>
-      </p:sp>
-      <p:sp>
-        <p:nvSpPr>
-          <p:cNvPr id="7" name="文本框 6"/>
-          <p:cNvSpPr txBox="1"/>
-          <p:nvPr/>
-        </p:nvSpPr>
-        <p:spPr>
-          <a:xfrm>
-            <a:off x="6771125" y="3305176"/>
-            <a:ext cx="1439818" cy="369332"/>
-          </a:xfrm>
-          <a:prstGeom prst="rect">
-            <a:avLst/>
-          </a:prstGeom>
-          <a:noFill/>
-        </p:spPr>
-        <p:txBody>
-          <a:bodyPr wrap="none" rtlCol="0">
-            <a:spAutoFit/>
-          </a:bodyPr>
-          <a:lstStyle/>
-          <a:p>
-            <a:r>
-              <a:rPr lang="zh-CN" altLang="en-US" dirty="0">
-                <a:solidFill>
-                  <a:srgbClr val="C00000"/>
-                </a:solidFill>
-              </a:rPr>
-              <a:t>后台</a:t>
-            </a:r>
-            <a:r>
-              <a:rPr lang="en-US" altLang="zh-CN" dirty="0">
-                <a:solidFill>
-                  <a:srgbClr val="C00000"/>
-                </a:solidFill>
-              </a:rPr>
-              <a:t>API</a:t>
-            </a:r>
-            <a:r>
-              <a:rPr lang="zh-CN" altLang="en-US" dirty="0">
-                <a:solidFill>
-                  <a:srgbClr val="C00000"/>
-                </a:solidFill>
-              </a:rPr>
-              <a:t>接口</a:t>
-            </a:r>
-          </a:p>
-        </p:txBody>
-      </p:sp>
-      <p:sp>
-        <p:nvSpPr>
-          <p:cNvPr id="8" name="文本框 7"/>
-          <p:cNvSpPr txBox="1"/>
-          <p:nvPr/>
-        </p:nvSpPr>
-        <p:spPr>
-          <a:xfrm>
-            <a:off x="531735" y="834859"/>
-            <a:ext cx="8908208" cy="646331"/>
-          </a:xfrm>
-          <a:prstGeom prst="rect">
-            <a:avLst/>
-          </a:prstGeom>
-          <a:noFill/>
-        </p:spPr>
-        <p:txBody>
-          <a:bodyPr wrap="none" rtlCol="0">
+          <a:bodyPr wrap="square" rtlCol="0">
             <a:spAutoFit/>
           </a:bodyPr>
           <a:lstStyle/>
@@ -6051,92 +6700,72 @@
               <a:buAutoNum type="arabicPeriod"/>
             </a:pPr>
             <a:r>
-              <a:rPr lang="zh-CN" altLang="en-US" dirty="0">
-                <a:solidFill>
-                  <a:srgbClr val="C00000"/>
-                </a:solidFill>
-              </a:rPr>
-              <a:t>启动桌面</a:t>
-            </a:r>
-            <a:r>
-              <a:rPr lang="zh-CN" altLang="en-US" dirty="0" smtClean="0">
-                <a:solidFill>
-                  <a:srgbClr val="C00000"/>
-                </a:solidFill>
-              </a:rPr>
-              <a:t>上</a:t>
-            </a:r>
-            <a:r>
-              <a:rPr lang="zh-CN" altLang="en-US" dirty="0">
-                <a:solidFill>
-                  <a:srgbClr val="0070C0"/>
-                </a:solidFill>
-              </a:rPr>
-              <a:t>后端</a:t>
+              <a:rPr lang="zh-CN" altLang="en-US" dirty="0"/>
+              <a:t>如果生成产品数据缺失不对，请打开火狐浏览器   </a:t>
             </a:r>
             <a:r>
               <a:rPr lang="en-US" altLang="zh-CN" dirty="0">
-                <a:solidFill>
-                  <a:srgbClr val="0070C0"/>
-                </a:solidFill>
-              </a:rPr>
-              <a:t>-</a:t>
-            </a:r>
-            <a:r>
-              <a:rPr lang="zh-CN" altLang="en-US" dirty="0">
-                <a:solidFill>
-                  <a:srgbClr val="0070C0"/>
-                </a:solidFill>
-              </a:rPr>
-              <a:t>不点击启动阳江风电逐小时</a:t>
-            </a:r>
-            <a:r>
-              <a:rPr lang="zh-CN" altLang="en-US" dirty="0" smtClean="0">
-                <a:solidFill>
-                  <a:srgbClr val="0070C0"/>
-                </a:solidFill>
-              </a:rPr>
-              <a:t>预报</a:t>
-            </a:r>
-            <a:r>
-              <a:rPr lang="en-US" altLang="zh-CN" dirty="0" smtClean="0">
-                <a:solidFill>
-                  <a:srgbClr val="0070C0"/>
-                </a:solidFill>
-              </a:rPr>
-              <a:t>.bat</a:t>
-            </a:r>
-            <a:r>
-              <a:rPr lang="zh-CN" altLang="en-US" dirty="0" smtClean="0">
-                <a:solidFill>
-                  <a:srgbClr val="C00000"/>
-                </a:solidFill>
-              </a:rPr>
-              <a:t>文件</a:t>
-            </a:r>
-            <a:r>
-              <a:rPr lang="zh-CN" altLang="en-US" dirty="0">
-                <a:solidFill>
-                  <a:srgbClr val="C00000"/>
-                </a:solidFill>
-              </a:rPr>
-              <a:t>，会出现两个</a:t>
+                <a:hlinkClick r:id="rId3"/>
+              </a:rPr>
+              <a:t>http://10.148.16.20:10101/</a:t>
+            </a:r>
+            <a:endParaRPr lang="en-US" altLang="zh-CN" dirty="0"/>
+          </a:p>
+          <a:p>
+            <a:pPr marL="342900" indent="-342900">
+              <a:buAutoNum type="arabicPeriod"/>
+            </a:pPr>
+            <a:r>
+              <a:rPr lang="en-US" altLang="zh-CN" dirty="0"/>
+              <a:t>2. </a:t>
+            </a:r>
+            <a:r>
+              <a:rPr lang="zh-CN" altLang="en-US" dirty="0"/>
+              <a:t>单击头部区域打开编辑框，进行相应编辑</a:t>
+            </a:r>
+            <a:endParaRPr lang="en-US" altLang="zh-CN" dirty="0"/>
+          </a:p>
+          <a:p>
+            <a:r>
+              <a:rPr lang="en-US" altLang="zh-CN" dirty="0"/>
+              <a:t>3. </a:t>
+            </a:r>
+            <a:r>
+              <a:rPr lang="zh-CN" altLang="en-US" dirty="0"/>
+              <a:t>改好后，使用地址栏的</a:t>
+            </a:r>
+            <a:r>
+              <a:rPr lang="en-US" altLang="zh-CN" dirty="0"/>
+              <a:t>【</a:t>
+            </a:r>
+            <a:r>
+              <a:rPr lang="zh-CN" altLang="en-US" dirty="0"/>
+              <a:t>截屏按钮</a:t>
+            </a:r>
+            <a:r>
+              <a:rPr lang="en-US" altLang="zh-CN" dirty="0"/>
+              <a:t>】</a:t>
+            </a:r>
+            <a:r>
+              <a:rPr lang="zh-CN" altLang="en-US" dirty="0"/>
+              <a:t>，截取需要的范围保存两份图片到指定目录</a:t>
+            </a:r>
+            <a:r>
+              <a:rPr lang="en-US" altLang="zh-CN" dirty="0"/>
+              <a:t>,</a:t>
+            </a:r>
+            <a:r>
+              <a:rPr lang="zh-CN" altLang="en-US" dirty="0"/>
+              <a:t>一份带日期一份不带日期：</a:t>
             </a:r>
             <a:r>
               <a:rPr lang="en-US" altLang="zh-CN" dirty="0">
                 <a:solidFill>
                   <a:srgbClr val="C00000"/>
                 </a:solidFill>
-              </a:rPr>
-              <a:t>CMD</a:t>
-            </a:r>
-            <a:r>
-              <a:rPr lang="zh-CN" altLang="en-US" dirty="0">
-                <a:solidFill>
-                  <a:srgbClr val="C00000"/>
-                </a:solidFill>
-              </a:rPr>
-              <a:t>窗口。</a:t>
+                <a:hlinkClick r:id="rId4" action="ppaction://hlinkfile"/>
+              </a:rPr>
+              <a:t>\\10.148.16.32\e\ssow\html\XWDH-hourly.jpg</a:t>
             </a:r>
             <a:endParaRPr lang="en-US" altLang="zh-CN" dirty="0">
               <a:solidFill>
@@ -6146,34 +6775,193 @@
           </a:p>
           <a:p>
             <a:r>
+              <a:rPr lang="en-US" altLang="zh-CN" u="sng" dirty="0">
+                <a:solidFill>
+                  <a:srgbClr val="0070C0"/>
+                </a:solidFill>
+                <a:hlinkClick r:id="rId5" action="ppaction://hlinkfile"/>
+              </a:rPr>
+              <a:t>\\10.148.16.32\e\ssow\html\</a:t>
+            </a:r>
+            <a:r>
+              <a:rPr lang="en-US" altLang="zh-CN" u="sng" dirty="0">
+                <a:solidFill>
+                  <a:srgbClr val="0070C0"/>
+                </a:solidFill>
+              </a:rPr>
+              <a:t>XWDH</a:t>
+            </a:r>
+            <a:r>
+              <a:rPr lang="en-US" altLang="zh-CN" u="sng" dirty="0">
+                <a:solidFill>
+                  <a:srgbClr val="0070C0"/>
+                </a:solidFill>
+                <a:hlinkClick r:id="rId5" action="ppaction://hlinkfile"/>
+              </a:rPr>
+              <a:t>-hourly-YYMMDDHH.jpg</a:t>
+            </a:r>
+            <a:endParaRPr lang="en-US" altLang="zh-CN" u="sng" dirty="0">
+              <a:solidFill>
+                <a:srgbClr val="0070C0"/>
+              </a:solidFill>
+            </a:endParaRPr>
+          </a:p>
+          <a:p>
+            <a:r>
               <a:rPr lang="zh-CN" altLang="en-US" dirty="0">
                 <a:solidFill>
                   <a:srgbClr val="C00000"/>
                 </a:solidFill>
               </a:rPr>
-              <a:t>      此后保持两个后台程序打开。如果已打开跳过次步骤</a:t>
-            </a:r>
-          </a:p>
-        </p:txBody>
-      </p:sp>
-      <p:sp>
-        <p:nvSpPr>
-          <p:cNvPr id="9" name="文本框 8"/>
+              <a:t>日期格式示例：</a:t>
+            </a:r>
+            <a:r>
+              <a:rPr lang="en-US" altLang="zh-CN" dirty="0">
+                <a:solidFill>
+                  <a:srgbClr val="C00000"/>
+                </a:solidFill>
+              </a:rPr>
+              <a:t>2020</a:t>
+            </a:r>
+            <a:r>
+              <a:rPr lang="zh-CN" altLang="en-US" dirty="0">
+                <a:solidFill>
+                  <a:srgbClr val="C00000"/>
+                </a:solidFill>
+              </a:rPr>
+              <a:t>年</a:t>
+            </a:r>
+            <a:r>
+              <a:rPr lang="en-US" altLang="zh-CN" dirty="0">
+                <a:solidFill>
+                  <a:srgbClr val="C00000"/>
+                </a:solidFill>
+              </a:rPr>
+              <a:t>10</a:t>
+            </a:r>
+            <a:r>
+              <a:rPr lang="zh-CN" altLang="en-US" dirty="0">
+                <a:solidFill>
+                  <a:srgbClr val="C00000"/>
+                </a:solidFill>
+              </a:rPr>
+              <a:t>月</a:t>
+            </a:r>
+            <a:r>
+              <a:rPr lang="en-US" altLang="zh-CN" dirty="0">
+                <a:solidFill>
+                  <a:srgbClr val="C00000"/>
+                </a:solidFill>
+              </a:rPr>
+              <a:t>11</a:t>
+            </a:r>
+            <a:r>
+              <a:rPr lang="zh-CN" altLang="en-US" dirty="0">
+                <a:solidFill>
+                  <a:srgbClr val="C00000"/>
+                </a:solidFill>
+              </a:rPr>
+              <a:t>日</a:t>
+            </a:r>
+            <a:r>
+              <a:rPr lang="en-US" altLang="zh-CN" dirty="0">
+                <a:solidFill>
+                  <a:srgbClr val="C00000"/>
+                </a:solidFill>
+              </a:rPr>
+              <a:t>08</a:t>
+            </a:r>
+            <a:r>
+              <a:rPr lang="zh-CN" altLang="en-US" dirty="0">
+                <a:solidFill>
+                  <a:srgbClr val="C00000"/>
+                </a:solidFill>
+              </a:rPr>
+              <a:t>时</a:t>
+            </a:r>
+            <a:r>
+              <a:rPr lang="en-US" altLang="zh-CN" dirty="0">
+                <a:solidFill>
+                  <a:srgbClr val="C00000"/>
+                </a:solidFill>
+              </a:rPr>
+              <a:t>=&gt;20101108</a:t>
+            </a:r>
+          </a:p>
+        </p:txBody>
+      </p:sp>
+      <p:sp>
+        <p:nvSpPr>
+          <p:cNvPr id="11" name="右箭头 10"/>
+          <p:cNvSpPr/>
+          <p:nvPr/>
+        </p:nvSpPr>
+        <p:spPr>
+          <a:xfrm rot="7039094">
+            <a:off x="9857909" y="2347344"/>
+            <a:ext cx="640271" cy="139493"/>
+          </a:xfrm>
+          <a:prstGeom prst="rightArrow">
+            <a:avLst>
+              <a:gd name="adj1" fmla="val 20593"/>
+              <a:gd name="adj2" fmla="val 230112"/>
+            </a:avLst>
+          </a:prstGeom>
+          <a:solidFill>
+            <a:srgbClr val="C00000"/>
+          </a:solidFill>
+          <a:ln>
+            <a:noFill/>
+          </a:ln>
+        </p:spPr>
+        <p:style>
+          <a:lnRef idx="2">
+            <a:schemeClr val="accent1">
+              <a:shade val="50000"/>
+            </a:schemeClr>
+          </a:lnRef>
+          <a:fillRef idx="1">
+            <a:schemeClr val="accent1"/>
+          </a:fillRef>
+          <a:effectRef idx="0">
+            <a:schemeClr val="accent1"/>
+          </a:effectRef>
+          <a:fontRef idx="minor">
+            <a:schemeClr val="lt1"/>
+          </a:fontRef>
+        </p:style>
+        <p:txBody>
+          <a:bodyPr rtlCol="0" anchor="ctr"/>
+          <a:lstStyle/>
+          <a:p>
+            <a:pPr algn="ctr"/>
+            <a:endParaRPr lang="zh-CN" altLang="en-US"/>
+          </a:p>
+        </p:txBody>
+      </p:sp>
+      <p:sp>
+        <p:nvSpPr>
+          <p:cNvPr id="12" name="文本框 11"/>
           <p:cNvSpPr txBox="1"/>
           <p:nvPr/>
         </p:nvSpPr>
         <p:spPr>
           <a:xfrm>
-            <a:off x="466999" y="4961293"/>
-            <a:ext cx="5724644" cy="646331"/>
+            <a:off x="9670490" y="1731318"/>
+            <a:ext cx="1886162" cy="369332"/>
           </a:xfrm>
           <a:prstGeom prst="rect">
             <a:avLst/>
           </a:prstGeom>
           <a:noFill/>
-        </p:spPr>
-        <p:txBody>
-          <a:bodyPr wrap="none" rtlCol="0">
+          <a:ln>
+            <a:solidFill>
+              <a:srgbClr val="C00000"/>
+            </a:solidFill>
+          </a:ln>
+        </p:spPr>
+        <p:txBody>
+          <a:bodyPr wrap="square" rtlCol="0">
             <a:spAutoFit/>
           </a:bodyPr>
           <a:lstStyle/>
@@ -6184,7 +6972,7 @@
                   <a:srgbClr val="C00000"/>
                 </a:solidFill>
               </a:rPr>
-              <a:t>注意：平时不要关闭这两个窗口。</a:t>
+              <a:t>点击搜索</a:t>
             </a:r>
             <a:endParaRPr lang="en-US" altLang="zh-CN" dirty="0">
               <a:solidFill>
@@ -6192,33 +6980,28 @@
               </a:solidFill>
             </a:endParaRPr>
           </a:p>
-          <a:p>
-            <a:r>
-              <a:rPr lang="zh-CN" altLang="en-US" dirty="0">
-                <a:solidFill>
-                  <a:srgbClr val="C00000"/>
-                </a:solidFill>
-              </a:rPr>
-              <a:t>另外不能同时打开多份程序，会因端口占用冲突而报错</a:t>
-            </a:r>
-          </a:p>
-        </p:txBody>
-      </p:sp>
-      <p:sp>
-        <p:nvSpPr>
-          <p:cNvPr id="10" name="文本框 9"/>
+        </p:txBody>
+      </p:sp>
+      <p:sp>
+        <p:nvSpPr>
+          <p:cNvPr id="13" name="文本框 12"/>
           <p:cNvSpPr txBox="1"/>
           <p:nvPr/>
         </p:nvSpPr>
         <p:spPr>
           <a:xfrm>
-            <a:off x="1591791" y="42316"/>
-            <a:ext cx="10942771" cy="1077218"/>
+            <a:off x="5375054" y="2186857"/>
+            <a:ext cx="2231923" cy="369332"/>
           </a:xfrm>
           <a:prstGeom prst="rect">
             <a:avLst/>
           </a:prstGeom>
           <a:noFill/>
+          <a:ln>
+            <a:solidFill>
+              <a:srgbClr val="C00000"/>
+            </a:solidFill>
+          </a:ln>
         </p:spPr>
         <p:txBody>
           <a:bodyPr wrap="square" rtlCol="0">
@@ -6227,31 +7010,451 @@
           <a:lstStyle/>
           <a:p>
             <a:r>
-              <a:rPr lang="zh-CN" altLang="en-US" sz="3200" dirty="0" smtClean="0">
-                <a:solidFill>
-                  <a:srgbClr val="C00000"/>
-                </a:solidFill>
-              </a:rPr>
-              <a:t>远程网址无法打开</a:t>
-            </a:r>
-            <a:r>
-              <a:rPr lang="en-US" altLang="zh-CN" sz="3200" dirty="0" smtClean="0">
-                <a:hlinkClick r:id="rId4"/>
-              </a:rPr>
-              <a:t>http</a:t>
-            </a:r>
-            <a:r>
-              <a:rPr lang="en-US" altLang="zh-CN" sz="3200" dirty="0">
-                <a:hlinkClick r:id="rId4"/>
-              </a:rPr>
-              <a:t>://10.148.16.20:10077/</a:t>
-            </a:r>
-            <a:endParaRPr lang="en-US" altLang="zh-CN" sz="3200" dirty="0"/>
-          </a:p>
-          <a:p>
-            <a:endParaRPr lang="zh-CN" altLang="en-US" sz="3200" dirty="0">
+              <a:rPr lang="zh-CN" altLang="en-US" dirty="0">
+                <a:solidFill>
+                  <a:srgbClr val="C00000"/>
+                </a:solidFill>
+              </a:rPr>
+              <a:t>调整模式起报时间</a:t>
+            </a:r>
+            <a:endParaRPr lang="en-US" altLang="zh-CN" dirty="0">
               <a:solidFill>
-                <a:srgbClr val="0070C0"/>
+                <a:srgbClr val="C00000"/>
+              </a:solidFill>
+            </a:endParaRPr>
+          </a:p>
+        </p:txBody>
+      </p:sp>
+      <p:sp>
+        <p:nvSpPr>
+          <p:cNvPr id="14" name="右箭头 13"/>
+          <p:cNvSpPr/>
+          <p:nvPr/>
+        </p:nvSpPr>
+        <p:spPr>
+          <a:xfrm rot="9499617">
+            <a:off x="5659322" y="2588675"/>
+            <a:ext cx="640271" cy="139493"/>
+          </a:xfrm>
+          <a:prstGeom prst="rightArrow">
+            <a:avLst>
+              <a:gd name="adj1" fmla="val 20593"/>
+              <a:gd name="adj2" fmla="val 230112"/>
+            </a:avLst>
+          </a:prstGeom>
+          <a:solidFill>
+            <a:srgbClr val="C00000"/>
+          </a:solidFill>
+          <a:ln>
+            <a:noFill/>
+          </a:ln>
+        </p:spPr>
+        <p:style>
+          <a:lnRef idx="2">
+            <a:schemeClr val="accent1">
+              <a:shade val="50000"/>
+            </a:schemeClr>
+          </a:lnRef>
+          <a:fillRef idx="1">
+            <a:schemeClr val="accent1"/>
+          </a:fillRef>
+          <a:effectRef idx="0">
+            <a:schemeClr val="accent1"/>
+          </a:effectRef>
+          <a:fontRef idx="minor">
+            <a:schemeClr val="lt1"/>
+          </a:fontRef>
+        </p:style>
+        <p:txBody>
+          <a:bodyPr rtlCol="0" anchor="ctr"/>
+          <a:lstStyle/>
+          <a:p>
+            <a:pPr algn="ctr"/>
+            <a:endParaRPr lang="zh-CN" altLang="en-US"/>
+          </a:p>
+        </p:txBody>
+      </p:sp>
+      <p:sp>
+        <p:nvSpPr>
+          <p:cNvPr id="15" name="文本框 14"/>
+          <p:cNvSpPr txBox="1"/>
+          <p:nvPr/>
+        </p:nvSpPr>
+        <p:spPr>
+          <a:xfrm>
+            <a:off x="-2232" y="5462465"/>
+            <a:ext cx="1354782" cy="646331"/>
+          </a:xfrm>
+          <a:prstGeom prst="rect">
+            <a:avLst/>
+          </a:prstGeom>
+          <a:noFill/>
+          <a:ln>
+            <a:solidFill>
+              <a:srgbClr val="C00000"/>
+            </a:solidFill>
+          </a:ln>
+        </p:spPr>
+        <p:txBody>
+          <a:bodyPr wrap="square" rtlCol="0">
+            <a:spAutoFit/>
+          </a:bodyPr>
+          <a:lstStyle/>
+          <a:p>
+            <a:r>
+              <a:rPr lang="zh-CN" altLang="en-US" dirty="0">
+                <a:solidFill>
+                  <a:srgbClr val="C00000"/>
+                </a:solidFill>
+              </a:rPr>
+              <a:t>单击此处打开编辑框</a:t>
+            </a:r>
+            <a:endParaRPr lang="en-US" altLang="zh-CN" dirty="0">
+              <a:solidFill>
+                <a:srgbClr val="C00000"/>
+              </a:solidFill>
+            </a:endParaRPr>
+          </a:p>
+        </p:txBody>
+      </p:sp>
+      <p:sp>
+        <p:nvSpPr>
+          <p:cNvPr id="16" name="右箭头 15"/>
+          <p:cNvSpPr/>
+          <p:nvPr/>
+        </p:nvSpPr>
+        <p:spPr>
+          <a:xfrm rot="2232647">
+            <a:off x="1200990" y="5770050"/>
+            <a:ext cx="640271" cy="139493"/>
+          </a:xfrm>
+          <a:prstGeom prst="rightArrow">
+            <a:avLst>
+              <a:gd name="adj1" fmla="val 20593"/>
+              <a:gd name="adj2" fmla="val 230112"/>
+            </a:avLst>
+          </a:prstGeom>
+          <a:solidFill>
+            <a:srgbClr val="C00000"/>
+          </a:solidFill>
+          <a:ln>
+            <a:noFill/>
+          </a:ln>
+        </p:spPr>
+        <p:style>
+          <a:lnRef idx="2">
+            <a:schemeClr val="accent1">
+              <a:shade val="50000"/>
+            </a:schemeClr>
+          </a:lnRef>
+          <a:fillRef idx="1">
+            <a:schemeClr val="accent1"/>
+          </a:fillRef>
+          <a:effectRef idx="0">
+            <a:schemeClr val="accent1"/>
+          </a:effectRef>
+          <a:fontRef idx="minor">
+            <a:schemeClr val="lt1"/>
+          </a:fontRef>
+        </p:style>
+        <p:txBody>
+          <a:bodyPr rtlCol="0" anchor="ctr"/>
+          <a:lstStyle/>
+          <a:p>
+            <a:pPr algn="ctr"/>
+            <a:endParaRPr lang="zh-CN" altLang="en-US"/>
+          </a:p>
+        </p:txBody>
+      </p:sp>
+      <p:sp>
+        <p:nvSpPr>
+          <p:cNvPr id="17" name="文本框 16"/>
+          <p:cNvSpPr txBox="1"/>
+          <p:nvPr/>
+        </p:nvSpPr>
+        <p:spPr>
+          <a:xfrm>
+            <a:off x="108023" y="3259099"/>
+            <a:ext cx="1244527" cy="369332"/>
+          </a:xfrm>
+          <a:prstGeom prst="rect">
+            <a:avLst/>
+          </a:prstGeom>
+          <a:noFill/>
+          <a:ln>
+            <a:solidFill>
+              <a:srgbClr val="C00000"/>
+            </a:solidFill>
+          </a:ln>
+        </p:spPr>
+        <p:txBody>
+          <a:bodyPr wrap="square" rtlCol="0">
+            <a:spAutoFit/>
+          </a:bodyPr>
+          <a:lstStyle/>
+          <a:p>
+            <a:r>
+              <a:rPr lang="zh-CN" altLang="en-US" dirty="0">
+                <a:solidFill>
+                  <a:srgbClr val="C00000"/>
+                </a:solidFill>
+              </a:rPr>
+              <a:t>小值调整</a:t>
+            </a:r>
+            <a:endParaRPr lang="en-US" altLang="zh-CN" dirty="0">
+              <a:solidFill>
+                <a:srgbClr val="C00000"/>
+              </a:solidFill>
+            </a:endParaRPr>
+          </a:p>
+        </p:txBody>
+      </p:sp>
+      <p:sp>
+        <p:nvSpPr>
+          <p:cNvPr id="18" name="右箭头 17"/>
+          <p:cNvSpPr/>
+          <p:nvPr/>
+        </p:nvSpPr>
+        <p:spPr>
+          <a:xfrm rot="21208767">
+            <a:off x="1200991" y="3374018"/>
+            <a:ext cx="640271" cy="139493"/>
+          </a:xfrm>
+          <a:prstGeom prst="rightArrow">
+            <a:avLst>
+              <a:gd name="adj1" fmla="val 20593"/>
+              <a:gd name="adj2" fmla="val 230112"/>
+            </a:avLst>
+          </a:prstGeom>
+          <a:solidFill>
+            <a:srgbClr val="C00000"/>
+          </a:solidFill>
+          <a:ln>
+            <a:noFill/>
+          </a:ln>
+        </p:spPr>
+        <p:style>
+          <a:lnRef idx="2">
+            <a:schemeClr val="accent1">
+              <a:shade val="50000"/>
+            </a:schemeClr>
+          </a:lnRef>
+          <a:fillRef idx="1">
+            <a:schemeClr val="accent1"/>
+          </a:fillRef>
+          <a:effectRef idx="0">
+            <a:schemeClr val="accent1"/>
+          </a:effectRef>
+          <a:fontRef idx="minor">
+            <a:schemeClr val="lt1"/>
+          </a:fontRef>
+        </p:style>
+        <p:txBody>
+          <a:bodyPr rtlCol="0" anchor="ctr"/>
+          <a:lstStyle/>
+          <a:p>
+            <a:pPr algn="ctr"/>
+            <a:endParaRPr lang="zh-CN" altLang="en-US"/>
+          </a:p>
+        </p:txBody>
+      </p:sp>
+      <p:sp>
+        <p:nvSpPr>
+          <p:cNvPr id="2" name="矩形 1"/>
+          <p:cNvSpPr/>
+          <p:nvPr/>
+        </p:nvSpPr>
+        <p:spPr>
+          <a:xfrm>
+            <a:off x="1623483" y="3338115"/>
+            <a:ext cx="3336935" cy="290316"/>
+          </a:xfrm>
+          <a:prstGeom prst="rect">
+            <a:avLst/>
+          </a:prstGeom>
+          <a:noFill/>
+          <a:ln>
+            <a:solidFill>
+              <a:srgbClr val="C00000"/>
+            </a:solidFill>
+          </a:ln>
+        </p:spPr>
+        <p:style>
+          <a:lnRef idx="2">
+            <a:schemeClr val="accent1">
+              <a:shade val="50000"/>
+            </a:schemeClr>
+          </a:lnRef>
+          <a:fillRef idx="1">
+            <a:schemeClr val="accent1"/>
+          </a:fillRef>
+          <a:effectRef idx="0">
+            <a:schemeClr val="accent1"/>
+          </a:effectRef>
+          <a:fontRef idx="minor">
+            <a:schemeClr val="lt1"/>
+          </a:fontRef>
+        </p:style>
+        <p:txBody>
+          <a:bodyPr rtlCol="0" anchor="ctr"/>
+          <a:lstStyle/>
+          <a:p>
+            <a:pPr algn="ctr"/>
+            <a:endParaRPr lang="zh-CN" altLang="en-US"/>
+          </a:p>
+        </p:txBody>
+      </p:sp>
+      <p:sp>
+        <p:nvSpPr>
+          <p:cNvPr id="9" name="矩形 8">
+            <a:extLst>
+              <a:ext uri="{FF2B5EF4-FFF2-40B4-BE49-F238E27FC236}">
+                <a16:creationId xmlns:a16="http://schemas.microsoft.com/office/drawing/2014/main" id="{31914E59-B681-839C-1729-51024BA204A0}"/>
+              </a:ext>
+            </a:extLst>
+          </p:cNvPr>
+          <p:cNvSpPr/>
+          <p:nvPr/>
+        </p:nvSpPr>
+        <p:spPr>
+          <a:xfrm>
+            <a:off x="7780173" y="3017987"/>
+            <a:ext cx="1784613" cy="2136639"/>
+          </a:xfrm>
+          <a:prstGeom prst="rect">
+            <a:avLst/>
+          </a:prstGeom>
+          <a:noFill/>
+          <a:ln>
+            <a:solidFill>
+              <a:srgbClr val="C00000"/>
+            </a:solidFill>
+          </a:ln>
+        </p:spPr>
+        <p:style>
+          <a:lnRef idx="2">
+            <a:schemeClr val="accent1">
+              <a:shade val="50000"/>
+            </a:schemeClr>
+          </a:lnRef>
+          <a:fillRef idx="1">
+            <a:schemeClr val="accent1"/>
+          </a:fillRef>
+          <a:effectRef idx="0">
+            <a:schemeClr val="accent1"/>
+          </a:effectRef>
+          <a:fontRef idx="minor">
+            <a:schemeClr val="lt1"/>
+          </a:fontRef>
+        </p:style>
+        <p:txBody>
+          <a:bodyPr rtlCol="0" anchor="ctr"/>
+          <a:lstStyle/>
+          <a:p>
+            <a:pPr algn="ctr"/>
+            <a:endParaRPr lang="zh-CN" altLang="en-US"/>
+          </a:p>
+        </p:txBody>
+      </p:sp>
+      <p:sp>
+        <p:nvSpPr>
+          <p:cNvPr id="10" name="右箭头 10">
+            <a:extLst>
+              <a:ext uri="{FF2B5EF4-FFF2-40B4-BE49-F238E27FC236}">
+                <a16:creationId xmlns:a16="http://schemas.microsoft.com/office/drawing/2014/main" id="{88032E20-89CE-0F9A-4714-5259BDEA6223}"/>
+              </a:ext>
+            </a:extLst>
+          </p:cNvPr>
+          <p:cNvSpPr/>
+          <p:nvPr/>
+        </p:nvSpPr>
+        <p:spPr>
+          <a:xfrm rot="5660171">
+            <a:off x="8456873" y="2707939"/>
+            <a:ext cx="640271" cy="139493"/>
+          </a:xfrm>
+          <a:prstGeom prst="rightArrow">
+            <a:avLst>
+              <a:gd name="adj1" fmla="val 20593"/>
+              <a:gd name="adj2" fmla="val 230112"/>
+            </a:avLst>
+          </a:prstGeom>
+          <a:solidFill>
+            <a:srgbClr val="C00000"/>
+          </a:solidFill>
+          <a:ln>
+            <a:noFill/>
+          </a:ln>
+        </p:spPr>
+        <p:style>
+          <a:lnRef idx="2">
+            <a:schemeClr val="accent1">
+              <a:shade val="50000"/>
+            </a:schemeClr>
+          </a:lnRef>
+          <a:fillRef idx="1">
+            <a:schemeClr val="accent1"/>
+          </a:fillRef>
+          <a:effectRef idx="0">
+            <a:schemeClr val="accent1"/>
+          </a:effectRef>
+          <a:fontRef idx="minor">
+            <a:schemeClr val="lt1"/>
+          </a:fontRef>
+        </p:style>
+        <p:txBody>
+          <a:bodyPr rtlCol="0" anchor="ctr"/>
+          <a:lstStyle/>
+          <a:p>
+            <a:pPr algn="ctr"/>
+            <a:endParaRPr lang="zh-CN" altLang="en-US"/>
+          </a:p>
+        </p:txBody>
+      </p:sp>
+      <p:sp>
+        <p:nvSpPr>
+          <p:cNvPr id="19" name="文本框 18">
+            <a:extLst>
+              <a:ext uri="{FF2B5EF4-FFF2-40B4-BE49-F238E27FC236}">
+                <a16:creationId xmlns:a16="http://schemas.microsoft.com/office/drawing/2014/main" id="{56923699-64DD-AFD1-406C-BB4F7243FF8A}"/>
+              </a:ext>
+            </a:extLst>
+          </p:cNvPr>
+          <p:cNvSpPr txBox="1"/>
+          <p:nvPr/>
+        </p:nvSpPr>
+        <p:spPr>
+          <a:xfrm>
+            <a:off x="7888118" y="2136507"/>
+            <a:ext cx="1886162" cy="369332"/>
+          </a:xfrm>
+          <a:prstGeom prst="rect">
+            <a:avLst/>
+          </a:prstGeom>
+          <a:noFill/>
+          <a:ln>
+            <a:solidFill>
+              <a:srgbClr val="C00000"/>
+            </a:solidFill>
+          </a:ln>
+        </p:spPr>
+        <p:txBody>
+          <a:bodyPr wrap="square" rtlCol="0">
+            <a:spAutoFit/>
+          </a:bodyPr>
+          <a:lstStyle/>
+          <a:p>
+            <a:r>
+              <a:rPr lang="zh-CN" altLang="en-US" dirty="0">
+                <a:solidFill>
+                  <a:srgbClr val="C00000"/>
+                </a:solidFill>
+              </a:rPr>
+              <a:t>选择数据源</a:t>
+            </a:r>
+            <a:endParaRPr lang="en-US" altLang="zh-CN" dirty="0">
+              <a:solidFill>
+                <a:srgbClr val="C00000"/>
               </a:solidFill>
             </a:endParaRPr>
           </a:p>
@@ -6260,7 +7463,7 @@
     </p:spTree>
     <p:extLst>
       <p:ext uri="{BB962C8B-B14F-4D97-AF65-F5344CB8AC3E}">
-        <p14:creationId xmlns:p14="http://schemas.microsoft.com/office/powerpoint/2010/main" val="1327359080"/>
+        <p14:creationId xmlns:p14="http://schemas.microsoft.com/office/powerpoint/2010/main" val="3301113162"/>
       </p:ext>
     </p:extLst>
   </p:cSld>
@@ -6287,115 +7490,182 @@
           <a:chExt cx="0" cy="0"/>
         </a:xfrm>
       </p:grpSpPr>
-      <p:sp>
-        <p:nvSpPr>
-          <p:cNvPr id="8" name="文本框 7"/>
-          <p:cNvSpPr txBox="1"/>
-          <p:nvPr/>
-        </p:nvSpPr>
-        <p:spPr>
-          <a:xfrm>
-            <a:off x="0" y="324351"/>
-            <a:ext cx="7609776" cy="1200329"/>
+      <p:pic>
+        <p:nvPicPr>
+          <p:cNvPr id="8" name="图片 7">
+            <a:extLst>
+              <a:ext uri="{FF2B5EF4-FFF2-40B4-BE49-F238E27FC236}">
+                <a16:creationId xmlns:a16="http://schemas.microsoft.com/office/drawing/2014/main" id="{A008EE60-C887-37A0-58D4-2263A283FA6E}"/>
+              </a:ext>
+            </a:extLst>
+          </p:cNvPr>
+          <p:cNvPicPr>
+            <a:picLocks noChangeAspect="1"/>
+          </p:cNvPicPr>
+          <p:nvPr/>
+        </p:nvPicPr>
+        <p:blipFill>
+          <a:blip r:embed="rId2"/>
+          <a:stretch>
+            <a:fillRect/>
+          </a:stretch>
+        </p:blipFill>
+        <p:spPr>
+          <a:xfrm>
+            <a:off x="1571981" y="2611203"/>
+            <a:ext cx="9656195" cy="3723133"/>
           </a:xfrm>
           <a:prstGeom prst="rect">
             <a:avLst/>
           </a:prstGeom>
+        </p:spPr>
+      </p:pic>
+      <p:sp>
+        <p:nvSpPr>
+          <p:cNvPr id="4" name="文本框 3"/>
+          <p:cNvSpPr txBox="1"/>
+          <p:nvPr/>
+        </p:nvSpPr>
+        <p:spPr>
+          <a:xfrm>
+            <a:off x="2341548" y="-7897"/>
+            <a:ext cx="8272023" cy="584775"/>
+          </a:xfrm>
+          <a:prstGeom prst="rect">
+            <a:avLst/>
+          </a:prstGeom>
           <a:noFill/>
         </p:spPr>
         <p:txBody>
-          <a:bodyPr wrap="none" rtlCol="0">
+          <a:bodyPr wrap="square" rtlCol="0">
             <a:spAutoFit/>
           </a:bodyPr>
           <a:lstStyle/>
           <a:p>
             <a:r>
+              <a:rPr lang="zh-CN" altLang="en-US" sz="3200" dirty="0">
+                <a:solidFill>
+                  <a:srgbClr val="C00000"/>
+                </a:solidFill>
+              </a:rPr>
+              <a:t>青州</a:t>
+            </a:r>
+            <a:r>
+              <a:rPr lang="en-US" altLang="zh-CN" sz="3200" dirty="0">
+                <a:solidFill>
+                  <a:srgbClr val="C00000"/>
+                </a:solidFill>
+              </a:rPr>
+              <a:t>—</a:t>
+            </a:r>
+            <a:r>
+              <a:rPr lang="zh-CN" altLang="en-US" sz="3200" dirty="0">
+                <a:solidFill>
+                  <a:srgbClr val="C00000"/>
+                </a:solidFill>
+              </a:rPr>
+              <a:t>调整数据</a:t>
+            </a:r>
+            <a:endParaRPr lang="zh-CN" altLang="en-US" sz="3200" dirty="0">
+              <a:solidFill>
+                <a:srgbClr val="0070C0"/>
+              </a:solidFill>
+            </a:endParaRPr>
+          </a:p>
+        </p:txBody>
+      </p:sp>
+      <p:sp>
+        <p:nvSpPr>
+          <p:cNvPr id="5" name="文本框 4"/>
+          <p:cNvSpPr txBox="1"/>
+          <p:nvPr/>
+        </p:nvSpPr>
+        <p:spPr>
+          <a:xfrm>
+            <a:off x="75432" y="523664"/>
+            <a:ext cx="11773668" cy="1754326"/>
+          </a:xfrm>
+          <a:prstGeom prst="rect">
+            <a:avLst/>
+          </a:prstGeom>
+          <a:noFill/>
+        </p:spPr>
+        <p:txBody>
+          <a:bodyPr wrap="square" rtlCol="0">
+            <a:spAutoFit/>
+          </a:bodyPr>
+          <a:lstStyle/>
+          <a:p>
+            <a:pPr marL="342900" indent="-342900">
+              <a:buAutoNum type="arabicPeriod"/>
+            </a:pPr>
+            <a:r>
+              <a:rPr lang="zh-CN" altLang="en-US" dirty="0"/>
+              <a:t>如果生成产品数据缺失不对，请打开火狐浏览器   </a:t>
+            </a:r>
+            <a:r>
               <a:rPr lang="en-US" altLang="zh-CN" dirty="0">
-                <a:solidFill>
-                  <a:srgbClr val="C00000"/>
-                </a:solidFill>
-              </a:rPr>
+                <a:hlinkClick r:id="rId3"/>
+              </a:rPr>
+              <a:t>http://10.148.16.20:10101/</a:t>
+            </a:r>
+            <a:endParaRPr lang="en-US" altLang="zh-CN" dirty="0"/>
+          </a:p>
+          <a:p>
+            <a:pPr marL="342900" indent="-342900">
+              <a:buAutoNum type="arabicPeriod"/>
+            </a:pPr>
+            <a:r>
+              <a:rPr lang="en-US" altLang="zh-CN" dirty="0"/>
               <a:t>2. </a:t>
             </a:r>
             <a:r>
-              <a:rPr lang="zh-CN" altLang="en-US" dirty="0">
-                <a:solidFill>
-                  <a:srgbClr val="C00000"/>
-                </a:solidFill>
-              </a:rPr>
-              <a:t>启动桌面</a:t>
-            </a:r>
-            <a:r>
-              <a:rPr lang="zh-CN" altLang="en-US" dirty="0" smtClean="0">
-                <a:solidFill>
-                  <a:srgbClr val="C00000"/>
-                </a:solidFill>
-              </a:rPr>
-              <a:t>上</a:t>
-            </a:r>
-            <a:r>
-              <a:rPr lang="zh-CN" altLang="en-US" dirty="0">
-                <a:solidFill>
-                  <a:srgbClr val="0070C0"/>
-                </a:solidFill>
-              </a:rPr>
-              <a:t>生成阳江风电南鹏岛</a:t>
-            </a:r>
-            <a:r>
-              <a:rPr lang="zh-CN" altLang="en-US" dirty="0" smtClean="0">
-                <a:solidFill>
-                  <a:srgbClr val="0070C0"/>
-                </a:solidFill>
-              </a:rPr>
-              <a:t>预报</a:t>
-            </a:r>
-            <a:r>
-              <a:rPr lang="en-US" altLang="zh-CN" dirty="0" smtClean="0">
-                <a:solidFill>
-                  <a:srgbClr val="0070C0"/>
-                </a:solidFill>
-              </a:rPr>
-              <a:t>.bat</a:t>
-            </a:r>
-            <a:r>
-              <a:rPr lang="zh-CN" altLang="en-US" dirty="0" smtClean="0">
-                <a:solidFill>
-                  <a:srgbClr val="C00000"/>
-                </a:solidFill>
-              </a:rPr>
-              <a:t>文件</a:t>
-            </a:r>
-            <a:r>
-              <a:rPr lang="zh-CN" altLang="en-US" dirty="0">
-                <a:solidFill>
-                  <a:srgbClr val="C00000"/>
-                </a:solidFill>
-              </a:rPr>
-              <a:t>，此过程大概需要</a:t>
+              <a:rPr lang="zh-CN" altLang="en-US" dirty="0"/>
+              <a:t>单击头部区域打开编辑框，进行相应编辑</a:t>
+            </a:r>
+            <a:endParaRPr lang="en-US" altLang="zh-CN" dirty="0"/>
+          </a:p>
+          <a:p>
+            <a:r>
+              <a:rPr lang="en-US" altLang="zh-CN" dirty="0"/>
+              <a:t>3. </a:t>
+            </a:r>
+            <a:r>
+              <a:rPr lang="zh-CN" altLang="en-US" dirty="0"/>
+              <a:t>改好后，使用地址栏的</a:t>
+            </a:r>
+            <a:r>
+              <a:rPr lang="en-US" altLang="zh-CN" dirty="0"/>
+              <a:t>【</a:t>
+            </a:r>
+            <a:r>
+              <a:rPr lang="zh-CN" altLang="en-US" dirty="0"/>
+              <a:t>截屏按钮</a:t>
+            </a:r>
+            <a:r>
+              <a:rPr lang="en-US" altLang="zh-CN" dirty="0"/>
+              <a:t>】</a:t>
+            </a:r>
+            <a:r>
+              <a:rPr lang="zh-CN" altLang="en-US" dirty="0"/>
+              <a:t>，截取需要的范围保存两份图片到指定目录</a:t>
+            </a:r>
+            <a:r>
+              <a:rPr lang="en-US" altLang="zh-CN" dirty="0"/>
+              <a:t>,</a:t>
+            </a:r>
+            <a:r>
+              <a:rPr lang="zh-CN" altLang="en-US" dirty="0"/>
+              <a:t>一份带日期一份不带日期：</a:t>
             </a:r>
             <a:r>
               <a:rPr lang="en-US" altLang="zh-CN" dirty="0">
                 <a:solidFill>
                   <a:srgbClr val="C00000"/>
                 </a:solidFill>
-              </a:rPr>
-              <a:t>1</a:t>
-            </a:r>
-            <a:r>
-              <a:rPr lang="zh-CN" altLang="en-US" dirty="0" smtClean="0">
-                <a:solidFill>
-                  <a:srgbClr val="C00000"/>
-                </a:solidFill>
-              </a:rPr>
-              <a:t>分钟</a:t>
-            </a:r>
-            <a:r>
-              <a:rPr lang="zh-CN" altLang="en-US" dirty="0">
-                <a:solidFill>
-                  <a:srgbClr val="C00000"/>
-                </a:solidFill>
-              </a:rPr>
-              <a:t>。</a:t>
+                <a:hlinkClick r:id="rId4" action="ppaction://hlinkfile"/>
+              </a:rPr>
+              <a:t>XWDH-hourly.jpg</a:t>
             </a:r>
             <a:endParaRPr lang="en-US" altLang="zh-CN" dirty="0">
               <a:solidFill>
@@ -6405,12 +7675,36 @@
           </a:p>
           <a:p>
             <a:r>
+              <a:rPr lang="en-US" altLang="zh-CN" u="sng" dirty="0">
+                <a:solidFill>
+                  <a:srgbClr val="0070C0"/>
+                </a:solidFill>
+              </a:rPr>
+              <a:t>XWDH</a:t>
+            </a:r>
+            <a:r>
+              <a:rPr lang="en-US" altLang="zh-CN" u="sng" dirty="0">
+                <a:solidFill>
+                  <a:srgbClr val="0070C0"/>
+                </a:solidFill>
+                <a:hlinkClick r:id="rId5" action="ppaction://hlinkfile"/>
+              </a:rPr>
+              <a:t>-hourly-YYMMDDHH.jpg</a:t>
+            </a:r>
+            <a:endParaRPr lang="en-US" altLang="zh-CN" u="sng" dirty="0">
+              <a:solidFill>
+                <a:srgbClr val="0070C0"/>
+              </a:solidFill>
+            </a:endParaRPr>
+          </a:p>
+          <a:p>
+            <a:r>
               <a:rPr lang="zh-CN" altLang="en-US" dirty="0">
                 <a:solidFill>
                   <a:srgbClr val="C00000"/>
                 </a:solidFill>
               </a:rPr>
-              <a:t>完成后会输出</a:t>
+              <a:t>日期格式示例：</a:t>
             </a:r>
             <a:r>
               <a:rPr lang="en-US" altLang="zh-CN" dirty="0">
@@ -6418,7 +7712,7 @@
                   <a:srgbClr val="C00000"/>
                 </a:solidFill>
               </a:rPr>
-              <a:t>PDF</a:t>
+              <a:t>2020</a:t>
             </a:r>
             <a:r>
               <a:rPr lang="zh-CN" altLang="en-US" dirty="0">
@@ -6426,7 +7720,7 @@
                   <a:srgbClr val="C00000"/>
                 </a:solidFill>
               </a:rPr>
-              <a:t>文件，并且会打开</a:t>
+              <a:t>年</a:t>
             </a:r>
             <a:r>
               <a:rPr lang="en-US" altLang="zh-CN" dirty="0">
@@ -6434,7 +7728,7 @@
                   <a:srgbClr val="C00000"/>
                 </a:solidFill>
               </a:rPr>
-              <a:t>PDF</a:t>
+              <a:t>10</a:t>
             </a:r>
             <a:r>
               <a:rPr lang="zh-CN" altLang="en-US" dirty="0">
@@ -6442,7 +7736,134 @@
                   <a:srgbClr val="C00000"/>
                 </a:solidFill>
               </a:rPr>
-              <a:t>所在文件夹</a:t>
+              <a:t>月</a:t>
+            </a:r>
+            <a:r>
+              <a:rPr lang="en-US" altLang="zh-CN" dirty="0">
+                <a:solidFill>
+                  <a:srgbClr val="C00000"/>
+                </a:solidFill>
+              </a:rPr>
+              <a:t>11</a:t>
+            </a:r>
+            <a:r>
+              <a:rPr lang="zh-CN" altLang="en-US" dirty="0">
+                <a:solidFill>
+                  <a:srgbClr val="C00000"/>
+                </a:solidFill>
+              </a:rPr>
+              <a:t>日</a:t>
+            </a:r>
+            <a:r>
+              <a:rPr lang="en-US" altLang="zh-CN" dirty="0">
+                <a:solidFill>
+                  <a:srgbClr val="C00000"/>
+                </a:solidFill>
+              </a:rPr>
+              <a:t>08</a:t>
+            </a:r>
+            <a:r>
+              <a:rPr lang="zh-CN" altLang="en-US" dirty="0">
+                <a:solidFill>
+                  <a:srgbClr val="C00000"/>
+                </a:solidFill>
+              </a:rPr>
+              <a:t>时</a:t>
+            </a:r>
+            <a:r>
+              <a:rPr lang="en-US" altLang="zh-CN" dirty="0">
+                <a:solidFill>
+                  <a:srgbClr val="C00000"/>
+                </a:solidFill>
+              </a:rPr>
+              <a:t>=&gt;20101108</a:t>
+            </a:r>
+          </a:p>
+        </p:txBody>
+      </p:sp>
+      <p:sp>
+        <p:nvSpPr>
+          <p:cNvPr id="11" name="右箭头 10"/>
+          <p:cNvSpPr/>
+          <p:nvPr/>
+        </p:nvSpPr>
+        <p:spPr>
+          <a:xfrm rot="7039094">
+            <a:off x="9857909" y="2347344"/>
+            <a:ext cx="640271" cy="139493"/>
+          </a:xfrm>
+          <a:prstGeom prst="rightArrow">
+            <a:avLst>
+              <a:gd name="adj1" fmla="val 20593"/>
+              <a:gd name="adj2" fmla="val 230112"/>
+            </a:avLst>
+          </a:prstGeom>
+          <a:solidFill>
+            <a:srgbClr val="C00000"/>
+          </a:solidFill>
+          <a:ln>
+            <a:noFill/>
+          </a:ln>
+        </p:spPr>
+        <p:style>
+          <a:lnRef idx="2">
+            <a:schemeClr val="accent1">
+              <a:shade val="50000"/>
+            </a:schemeClr>
+          </a:lnRef>
+          <a:fillRef idx="1">
+            <a:schemeClr val="accent1"/>
+          </a:fillRef>
+          <a:effectRef idx="0">
+            <a:schemeClr val="accent1"/>
+          </a:effectRef>
+          <a:fontRef idx="minor">
+            <a:schemeClr val="lt1"/>
+          </a:fontRef>
+        </p:style>
+        <p:txBody>
+          <a:bodyPr rtlCol="0" anchor="ctr"/>
+          <a:lstStyle/>
+          <a:p>
+            <a:pPr algn="ctr"/>
+            <a:endParaRPr lang="zh-CN" altLang="en-US"/>
+          </a:p>
+        </p:txBody>
+      </p:sp>
+      <p:sp>
+        <p:nvSpPr>
+          <p:cNvPr id="12" name="文本框 11"/>
+          <p:cNvSpPr txBox="1"/>
+          <p:nvPr/>
+        </p:nvSpPr>
+        <p:spPr>
+          <a:xfrm>
+            <a:off x="9670490" y="1731318"/>
+            <a:ext cx="1886162" cy="369332"/>
+          </a:xfrm>
+          <a:prstGeom prst="rect">
+            <a:avLst/>
+          </a:prstGeom>
+          <a:noFill/>
+          <a:ln>
+            <a:solidFill>
+              <a:srgbClr val="C00000"/>
+            </a:solidFill>
+          </a:ln>
+        </p:spPr>
+        <p:txBody>
+          <a:bodyPr wrap="square" rtlCol="0">
+            <a:spAutoFit/>
+          </a:bodyPr>
+          <a:lstStyle/>
+          <a:p>
+            <a:r>
+              <a:rPr lang="zh-CN" altLang="en-US" dirty="0">
+                <a:solidFill>
+                  <a:srgbClr val="C00000"/>
+                </a:solidFill>
+              </a:rPr>
+              <a:t>点击搜索</a:t>
             </a:r>
             <a:endParaRPr lang="en-US" altLang="zh-CN" dirty="0">
               <a:solidFill>
@@ -6450,6 +7871,34 @@
               </a:solidFill>
             </a:endParaRPr>
           </a:p>
+        </p:txBody>
+      </p:sp>
+      <p:sp>
+        <p:nvSpPr>
+          <p:cNvPr id="13" name="文本框 12"/>
+          <p:cNvSpPr txBox="1"/>
+          <p:nvPr/>
+        </p:nvSpPr>
+        <p:spPr>
+          <a:xfrm>
+            <a:off x="5375054" y="2186857"/>
+            <a:ext cx="2231923" cy="369332"/>
+          </a:xfrm>
+          <a:prstGeom prst="rect">
+            <a:avLst/>
+          </a:prstGeom>
+          <a:noFill/>
+          <a:ln>
+            <a:solidFill>
+              <a:srgbClr val="C00000"/>
+            </a:solidFill>
+          </a:ln>
+        </p:spPr>
+        <p:txBody>
+          <a:bodyPr wrap="square" rtlCol="0">
+            <a:spAutoFit/>
+          </a:bodyPr>
+          <a:lstStyle/>
           <a:p>
             <a:r>
               <a:rPr lang="zh-CN" altLang="en-US" dirty="0">
@@ -6457,6 +7906,1206 @@
                   <a:srgbClr val="C00000"/>
                 </a:solidFill>
               </a:rPr>
+              <a:t>调整模式起报时间</a:t>
+            </a:r>
+            <a:endParaRPr lang="en-US" altLang="zh-CN" dirty="0">
+              <a:solidFill>
+                <a:srgbClr val="C00000"/>
+              </a:solidFill>
+            </a:endParaRPr>
+          </a:p>
+        </p:txBody>
+      </p:sp>
+      <p:sp>
+        <p:nvSpPr>
+          <p:cNvPr id="14" name="右箭头 13"/>
+          <p:cNvSpPr/>
+          <p:nvPr/>
+        </p:nvSpPr>
+        <p:spPr>
+          <a:xfrm rot="9499617">
+            <a:off x="5659322" y="2588675"/>
+            <a:ext cx="640271" cy="139493"/>
+          </a:xfrm>
+          <a:prstGeom prst="rightArrow">
+            <a:avLst>
+              <a:gd name="adj1" fmla="val 20593"/>
+              <a:gd name="adj2" fmla="val 230112"/>
+            </a:avLst>
+          </a:prstGeom>
+          <a:solidFill>
+            <a:srgbClr val="C00000"/>
+          </a:solidFill>
+          <a:ln>
+            <a:noFill/>
+          </a:ln>
+        </p:spPr>
+        <p:style>
+          <a:lnRef idx="2">
+            <a:schemeClr val="accent1">
+              <a:shade val="50000"/>
+            </a:schemeClr>
+          </a:lnRef>
+          <a:fillRef idx="1">
+            <a:schemeClr val="accent1"/>
+          </a:fillRef>
+          <a:effectRef idx="0">
+            <a:schemeClr val="accent1"/>
+          </a:effectRef>
+          <a:fontRef idx="minor">
+            <a:schemeClr val="lt1"/>
+          </a:fontRef>
+        </p:style>
+        <p:txBody>
+          <a:bodyPr rtlCol="0" anchor="ctr"/>
+          <a:lstStyle/>
+          <a:p>
+            <a:pPr algn="ctr"/>
+            <a:endParaRPr lang="zh-CN" altLang="en-US"/>
+          </a:p>
+        </p:txBody>
+      </p:sp>
+      <p:sp>
+        <p:nvSpPr>
+          <p:cNvPr id="15" name="文本框 14"/>
+          <p:cNvSpPr txBox="1"/>
+          <p:nvPr/>
+        </p:nvSpPr>
+        <p:spPr>
+          <a:xfrm>
+            <a:off x="-2232" y="5462465"/>
+            <a:ext cx="1354782" cy="646331"/>
+          </a:xfrm>
+          <a:prstGeom prst="rect">
+            <a:avLst/>
+          </a:prstGeom>
+          <a:noFill/>
+          <a:ln>
+            <a:solidFill>
+              <a:srgbClr val="C00000"/>
+            </a:solidFill>
+          </a:ln>
+        </p:spPr>
+        <p:txBody>
+          <a:bodyPr wrap="square" rtlCol="0">
+            <a:spAutoFit/>
+          </a:bodyPr>
+          <a:lstStyle/>
+          <a:p>
+            <a:r>
+              <a:rPr lang="zh-CN" altLang="en-US" dirty="0">
+                <a:solidFill>
+                  <a:srgbClr val="C00000"/>
+                </a:solidFill>
+              </a:rPr>
+              <a:t>单击此处打开编辑框</a:t>
+            </a:r>
+            <a:endParaRPr lang="en-US" altLang="zh-CN" dirty="0">
+              <a:solidFill>
+                <a:srgbClr val="C00000"/>
+              </a:solidFill>
+            </a:endParaRPr>
+          </a:p>
+        </p:txBody>
+      </p:sp>
+      <p:sp>
+        <p:nvSpPr>
+          <p:cNvPr id="16" name="右箭头 15"/>
+          <p:cNvSpPr/>
+          <p:nvPr/>
+        </p:nvSpPr>
+        <p:spPr>
+          <a:xfrm rot="2232647">
+            <a:off x="1200990" y="5770050"/>
+            <a:ext cx="640271" cy="139493"/>
+          </a:xfrm>
+          <a:prstGeom prst="rightArrow">
+            <a:avLst>
+              <a:gd name="adj1" fmla="val 20593"/>
+              <a:gd name="adj2" fmla="val 230112"/>
+            </a:avLst>
+          </a:prstGeom>
+          <a:solidFill>
+            <a:srgbClr val="C00000"/>
+          </a:solidFill>
+          <a:ln>
+            <a:noFill/>
+          </a:ln>
+        </p:spPr>
+        <p:style>
+          <a:lnRef idx="2">
+            <a:schemeClr val="accent1">
+              <a:shade val="50000"/>
+            </a:schemeClr>
+          </a:lnRef>
+          <a:fillRef idx="1">
+            <a:schemeClr val="accent1"/>
+          </a:fillRef>
+          <a:effectRef idx="0">
+            <a:schemeClr val="accent1"/>
+          </a:effectRef>
+          <a:fontRef idx="minor">
+            <a:schemeClr val="lt1"/>
+          </a:fontRef>
+        </p:style>
+        <p:txBody>
+          <a:bodyPr rtlCol="0" anchor="ctr"/>
+          <a:lstStyle/>
+          <a:p>
+            <a:pPr algn="ctr"/>
+            <a:endParaRPr lang="zh-CN" altLang="en-US"/>
+          </a:p>
+        </p:txBody>
+      </p:sp>
+      <p:sp>
+        <p:nvSpPr>
+          <p:cNvPr id="17" name="文本框 16"/>
+          <p:cNvSpPr txBox="1"/>
+          <p:nvPr/>
+        </p:nvSpPr>
+        <p:spPr>
+          <a:xfrm>
+            <a:off x="108023" y="3259099"/>
+            <a:ext cx="1244527" cy="369332"/>
+          </a:xfrm>
+          <a:prstGeom prst="rect">
+            <a:avLst/>
+          </a:prstGeom>
+          <a:noFill/>
+          <a:ln>
+            <a:solidFill>
+              <a:srgbClr val="C00000"/>
+            </a:solidFill>
+          </a:ln>
+        </p:spPr>
+        <p:txBody>
+          <a:bodyPr wrap="square" rtlCol="0">
+            <a:spAutoFit/>
+          </a:bodyPr>
+          <a:lstStyle/>
+          <a:p>
+            <a:r>
+              <a:rPr lang="zh-CN" altLang="en-US" dirty="0">
+                <a:solidFill>
+                  <a:srgbClr val="C00000"/>
+                </a:solidFill>
+              </a:rPr>
+              <a:t>小值调整</a:t>
+            </a:r>
+            <a:endParaRPr lang="en-US" altLang="zh-CN" dirty="0">
+              <a:solidFill>
+                <a:srgbClr val="C00000"/>
+              </a:solidFill>
+            </a:endParaRPr>
+          </a:p>
+        </p:txBody>
+      </p:sp>
+      <p:sp>
+        <p:nvSpPr>
+          <p:cNvPr id="18" name="右箭头 17"/>
+          <p:cNvSpPr/>
+          <p:nvPr/>
+        </p:nvSpPr>
+        <p:spPr>
+          <a:xfrm rot="21208767">
+            <a:off x="1200991" y="3374018"/>
+            <a:ext cx="640271" cy="139493"/>
+          </a:xfrm>
+          <a:prstGeom prst="rightArrow">
+            <a:avLst>
+              <a:gd name="adj1" fmla="val 20593"/>
+              <a:gd name="adj2" fmla="val 230112"/>
+            </a:avLst>
+          </a:prstGeom>
+          <a:solidFill>
+            <a:srgbClr val="C00000"/>
+          </a:solidFill>
+          <a:ln>
+            <a:noFill/>
+          </a:ln>
+        </p:spPr>
+        <p:style>
+          <a:lnRef idx="2">
+            <a:schemeClr val="accent1">
+              <a:shade val="50000"/>
+            </a:schemeClr>
+          </a:lnRef>
+          <a:fillRef idx="1">
+            <a:schemeClr val="accent1"/>
+          </a:fillRef>
+          <a:effectRef idx="0">
+            <a:schemeClr val="accent1"/>
+          </a:effectRef>
+          <a:fontRef idx="minor">
+            <a:schemeClr val="lt1"/>
+          </a:fontRef>
+        </p:style>
+        <p:txBody>
+          <a:bodyPr rtlCol="0" anchor="ctr"/>
+          <a:lstStyle/>
+          <a:p>
+            <a:pPr algn="ctr"/>
+            <a:endParaRPr lang="zh-CN" altLang="en-US"/>
+          </a:p>
+        </p:txBody>
+      </p:sp>
+      <p:sp>
+        <p:nvSpPr>
+          <p:cNvPr id="2" name="矩形 1"/>
+          <p:cNvSpPr/>
+          <p:nvPr/>
+        </p:nvSpPr>
+        <p:spPr>
+          <a:xfrm>
+            <a:off x="1623483" y="3338115"/>
+            <a:ext cx="3336935" cy="290316"/>
+          </a:xfrm>
+          <a:prstGeom prst="rect">
+            <a:avLst/>
+          </a:prstGeom>
+          <a:noFill/>
+          <a:ln>
+            <a:solidFill>
+              <a:srgbClr val="C00000"/>
+            </a:solidFill>
+          </a:ln>
+        </p:spPr>
+        <p:style>
+          <a:lnRef idx="2">
+            <a:schemeClr val="accent1">
+              <a:shade val="50000"/>
+            </a:schemeClr>
+          </a:lnRef>
+          <a:fillRef idx="1">
+            <a:schemeClr val="accent1"/>
+          </a:fillRef>
+          <a:effectRef idx="0">
+            <a:schemeClr val="accent1"/>
+          </a:effectRef>
+          <a:fontRef idx="minor">
+            <a:schemeClr val="lt1"/>
+          </a:fontRef>
+        </p:style>
+        <p:txBody>
+          <a:bodyPr rtlCol="0" anchor="ctr"/>
+          <a:lstStyle/>
+          <a:p>
+            <a:pPr algn="ctr"/>
+            <a:endParaRPr lang="zh-CN" altLang="en-US"/>
+          </a:p>
+        </p:txBody>
+      </p:sp>
+      <p:sp>
+        <p:nvSpPr>
+          <p:cNvPr id="9" name="矩形 8">
+            <a:extLst>
+              <a:ext uri="{FF2B5EF4-FFF2-40B4-BE49-F238E27FC236}">
+                <a16:creationId xmlns:a16="http://schemas.microsoft.com/office/drawing/2014/main" id="{31914E59-B681-839C-1729-51024BA204A0}"/>
+              </a:ext>
+            </a:extLst>
+          </p:cNvPr>
+          <p:cNvSpPr/>
+          <p:nvPr/>
+        </p:nvSpPr>
+        <p:spPr>
+          <a:xfrm>
+            <a:off x="7780173" y="3017987"/>
+            <a:ext cx="1784613" cy="2136639"/>
+          </a:xfrm>
+          <a:prstGeom prst="rect">
+            <a:avLst/>
+          </a:prstGeom>
+          <a:noFill/>
+          <a:ln>
+            <a:solidFill>
+              <a:srgbClr val="C00000"/>
+            </a:solidFill>
+          </a:ln>
+        </p:spPr>
+        <p:style>
+          <a:lnRef idx="2">
+            <a:schemeClr val="accent1">
+              <a:shade val="50000"/>
+            </a:schemeClr>
+          </a:lnRef>
+          <a:fillRef idx="1">
+            <a:schemeClr val="accent1"/>
+          </a:fillRef>
+          <a:effectRef idx="0">
+            <a:schemeClr val="accent1"/>
+          </a:effectRef>
+          <a:fontRef idx="minor">
+            <a:schemeClr val="lt1"/>
+          </a:fontRef>
+        </p:style>
+        <p:txBody>
+          <a:bodyPr rtlCol="0" anchor="ctr"/>
+          <a:lstStyle/>
+          <a:p>
+            <a:pPr algn="ctr"/>
+            <a:endParaRPr lang="zh-CN" altLang="en-US"/>
+          </a:p>
+        </p:txBody>
+      </p:sp>
+      <p:sp>
+        <p:nvSpPr>
+          <p:cNvPr id="10" name="右箭头 10">
+            <a:extLst>
+              <a:ext uri="{FF2B5EF4-FFF2-40B4-BE49-F238E27FC236}">
+                <a16:creationId xmlns:a16="http://schemas.microsoft.com/office/drawing/2014/main" id="{88032E20-89CE-0F9A-4714-5259BDEA6223}"/>
+              </a:ext>
+            </a:extLst>
+          </p:cNvPr>
+          <p:cNvSpPr/>
+          <p:nvPr/>
+        </p:nvSpPr>
+        <p:spPr>
+          <a:xfrm rot="5660171">
+            <a:off x="8456873" y="2707939"/>
+            <a:ext cx="640271" cy="139493"/>
+          </a:xfrm>
+          <a:prstGeom prst="rightArrow">
+            <a:avLst>
+              <a:gd name="adj1" fmla="val 20593"/>
+              <a:gd name="adj2" fmla="val 230112"/>
+            </a:avLst>
+          </a:prstGeom>
+          <a:solidFill>
+            <a:srgbClr val="C00000"/>
+          </a:solidFill>
+          <a:ln>
+            <a:noFill/>
+          </a:ln>
+        </p:spPr>
+        <p:style>
+          <a:lnRef idx="2">
+            <a:schemeClr val="accent1">
+              <a:shade val="50000"/>
+            </a:schemeClr>
+          </a:lnRef>
+          <a:fillRef idx="1">
+            <a:schemeClr val="accent1"/>
+          </a:fillRef>
+          <a:effectRef idx="0">
+            <a:schemeClr val="accent1"/>
+          </a:effectRef>
+          <a:fontRef idx="minor">
+            <a:schemeClr val="lt1"/>
+          </a:fontRef>
+        </p:style>
+        <p:txBody>
+          <a:bodyPr rtlCol="0" anchor="ctr"/>
+          <a:lstStyle/>
+          <a:p>
+            <a:pPr algn="ctr"/>
+            <a:endParaRPr lang="zh-CN" altLang="en-US"/>
+          </a:p>
+        </p:txBody>
+      </p:sp>
+      <p:sp>
+        <p:nvSpPr>
+          <p:cNvPr id="19" name="文本框 18">
+            <a:extLst>
+              <a:ext uri="{FF2B5EF4-FFF2-40B4-BE49-F238E27FC236}">
+                <a16:creationId xmlns:a16="http://schemas.microsoft.com/office/drawing/2014/main" id="{56923699-64DD-AFD1-406C-BB4F7243FF8A}"/>
+              </a:ext>
+            </a:extLst>
+          </p:cNvPr>
+          <p:cNvSpPr txBox="1"/>
+          <p:nvPr/>
+        </p:nvSpPr>
+        <p:spPr>
+          <a:xfrm>
+            <a:off x="7888118" y="2136507"/>
+            <a:ext cx="1886162" cy="369332"/>
+          </a:xfrm>
+          <a:prstGeom prst="rect">
+            <a:avLst/>
+          </a:prstGeom>
+          <a:noFill/>
+          <a:ln>
+            <a:solidFill>
+              <a:srgbClr val="C00000"/>
+            </a:solidFill>
+          </a:ln>
+        </p:spPr>
+        <p:txBody>
+          <a:bodyPr wrap="square" rtlCol="0">
+            <a:spAutoFit/>
+          </a:bodyPr>
+          <a:lstStyle/>
+          <a:p>
+            <a:r>
+              <a:rPr lang="zh-CN" altLang="en-US" dirty="0">
+                <a:solidFill>
+                  <a:srgbClr val="C00000"/>
+                </a:solidFill>
+              </a:rPr>
+              <a:t>选择数据源</a:t>
+            </a:r>
+            <a:endParaRPr lang="en-US" altLang="zh-CN" dirty="0">
+              <a:solidFill>
+                <a:srgbClr val="C00000"/>
+              </a:solidFill>
+            </a:endParaRPr>
+          </a:p>
+        </p:txBody>
+      </p:sp>
+    </p:spTree>
+    <p:extLst>
+      <p:ext uri="{BB962C8B-B14F-4D97-AF65-F5344CB8AC3E}">
+        <p14:creationId xmlns:p14="http://schemas.microsoft.com/office/powerpoint/2010/main" val="1865818305"/>
+      </p:ext>
+    </p:extLst>
+  </p:cSld>
+  <p:clrMapOvr>
+    <a:masterClrMapping/>
+  </p:clrMapOvr>
+</p:sld>
+</file>
+
+<file path=ppt/slides/slide6.xml><?xml version="1.0" encoding="utf-8"?>
+<p:sld xmlns:a="http://schemas.openxmlformats.org/drawingml/2006/main" xmlns:r="http://schemas.openxmlformats.org/officeDocument/2006/relationships" xmlns:p="http://schemas.openxmlformats.org/presentationml/2006/main">
+  <p:cSld>
+    <p:spTree>
+      <p:nvGrpSpPr>
+        <p:cNvPr id="1" name=""/>
+        <p:cNvGrpSpPr/>
+        <p:nvPr/>
+      </p:nvGrpSpPr>
+      <p:grpSpPr>
+        <a:xfrm>
+          <a:off x="0" y="0"/>
+          <a:ext cx="0" cy="0"/>
+          <a:chOff x="0" y="0"/>
+          <a:chExt cx="0" cy="0"/>
+        </a:xfrm>
+      </p:grpSpPr>
+      <p:sp>
+        <p:nvSpPr>
+          <p:cNvPr id="4" name="文本框 3"/>
+          <p:cNvSpPr txBox="1"/>
+          <p:nvPr/>
+        </p:nvSpPr>
+        <p:spPr>
+          <a:xfrm>
+            <a:off x="2341548" y="-7897"/>
+            <a:ext cx="8272023" cy="584775"/>
+          </a:xfrm>
+          <a:prstGeom prst="rect">
+            <a:avLst/>
+          </a:prstGeom>
+          <a:noFill/>
+        </p:spPr>
+        <p:txBody>
+          <a:bodyPr wrap="square" rtlCol="0">
+            <a:spAutoFit/>
+          </a:bodyPr>
+          <a:lstStyle/>
+          <a:p>
+            <a:r>
+              <a:rPr lang="zh-CN" altLang="en-US" sz="3200" dirty="0">
+                <a:solidFill>
+                  <a:srgbClr val="C00000"/>
+                </a:solidFill>
+              </a:rPr>
+              <a:t>青州</a:t>
+            </a:r>
+            <a:r>
+              <a:rPr lang="en-US" altLang="zh-CN" sz="3200" dirty="0">
+                <a:solidFill>
+                  <a:srgbClr val="C00000"/>
+                </a:solidFill>
+              </a:rPr>
+              <a:t>—</a:t>
+            </a:r>
+            <a:r>
+              <a:rPr lang="zh-CN" altLang="en-US" sz="3200" dirty="0">
+                <a:solidFill>
+                  <a:srgbClr val="C00000"/>
+                </a:solidFill>
+              </a:rPr>
+              <a:t>调整数据</a:t>
+            </a:r>
+            <a:endParaRPr lang="zh-CN" altLang="en-US" sz="3200" dirty="0">
+              <a:solidFill>
+                <a:srgbClr val="0070C0"/>
+              </a:solidFill>
+            </a:endParaRPr>
+          </a:p>
+        </p:txBody>
+      </p:sp>
+      <p:pic>
+        <p:nvPicPr>
+          <p:cNvPr id="6" name="图片 5">
+            <a:extLst>
+              <a:ext uri="{FF2B5EF4-FFF2-40B4-BE49-F238E27FC236}">
+                <a16:creationId xmlns:a16="http://schemas.microsoft.com/office/drawing/2014/main" id="{5957A9D3-BF9A-2C09-E956-DED2BAF5777C}"/>
+              </a:ext>
+            </a:extLst>
+          </p:cNvPr>
+          <p:cNvPicPr>
+            <a:picLocks noChangeAspect="1"/>
+          </p:cNvPicPr>
+          <p:nvPr/>
+        </p:nvPicPr>
+        <p:blipFill>
+          <a:blip r:embed="rId2"/>
+          <a:stretch>
+            <a:fillRect/>
+          </a:stretch>
+        </p:blipFill>
+        <p:spPr>
+          <a:xfrm>
+            <a:off x="6571513" y="1494677"/>
+            <a:ext cx="5277587" cy="5363323"/>
+          </a:xfrm>
+          <a:prstGeom prst="rect">
+            <a:avLst/>
+          </a:prstGeom>
+        </p:spPr>
+      </p:pic>
+      <p:sp>
+        <p:nvSpPr>
+          <p:cNvPr id="7" name="矩形 6">
+            <a:extLst>
+              <a:ext uri="{FF2B5EF4-FFF2-40B4-BE49-F238E27FC236}">
+                <a16:creationId xmlns:a16="http://schemas.microsoft.com/office/drawing/2014/main" id="{09A4A617-0B5C-218F-77CC-6408488C04E5}"/>
+              </a:ext>
+            </a:extLst>
+          </p:cNvPr>
+          <p:cNvSpPr/>
+          <p:nvPr/>
+        </p:nvSpPr>
+        <p:spPr>
+          <a:xfrm>
+            <a:off x="6686664" y="1669954"/>
+            <a:ext cx="1015035" cy="403943"/>
+          </a:xfrm>
+          <a:prstGeom prst="rect">
+            <a:avLst/>
+          </a:prstGeom>
+          <a:noFill/>
+          <a:ln>
+            <a:solidFill>
+              <a:srgbClr val="C00000"/>
+            </a:solidFill>
+          </a:ln>
+        </p:spPr>
+        <p:style>
+          <a:lnRef idx="2">
+            <a:schemeClr val="accent1">
+              <a:shade val="50000"/>
+            </a:schemeClr>
+          </a:lnRef>
+          <a:fillRef idx="1">
+            <a:schemeClr val="accent1"/>
+          </a:fillRef>
+          <a:effectRef idx="0">
+            <a:schemeClr val="accent1"/>
+          </a:effectRef>
+          <a:fontRef idx="minor">
+            <a:schemeClr val="lt1"/>
+          </a:fontRef>
+        </p:style>
+        <p:txBody>
+          <a:bodyPr rtlCol="0" anchor="ctr"/>
+          <a:lstStyle/>
+          <a:p>
+            <a:pPr algn="ctr"/>
+            <a:endParaRPr lang="zh-CN" altLang="en-US"/>
+          </a:p>
+        </p:txBody>
+      </p:sp>
+      <p:sp>
+        <p:nvSpPr>
+          <p:cNvPr id="21" name="文本框 20">
+            <a:extLst>
+              <a:ext uri="{FF2B5EF4-FFF2-40B4-BE49-F238E27FC236}">
+                <a16:creationId xmlns:a16="http://schemas.microsoft.com/office/drawing/2014/main" id="{55260050-CFB1-0D28-C321-F2D0E6C397D1}"/>
+              </a:ext>
+            </a:extLst>
+          </p:cNvPr>
+          <p:cNvSpPr txBox="1"/>
+          <p:nvPr/>
+        </p:nvSpPr>
+        <p:spPr>
+          <a:xfrm>
+            <a:off x="2341548" y="576878"/>
+            <a:ext cx="5102679" cy="369332"/>
+          </a:xfrm>
+          <a:prstGeom prst="rect">
+            <a:avLst/>
+          </a:prstGeom>
+          <a:noFill/>
+        </p:spPr>
+        <p:txBody>
+          <a:bodyPr wrap="none" rtlCol="0">
+            <a:spAutoFit/>
+          </a:bodyPr>
+          <a:lstStyle/>
+          <a:p>
+            <a:r>
+              <a:rPr lang="zh-CN" altLang="en-US" dirty="0"/>
+              <a:t>点击</a:t>
+            </a:r>
+            <a:r>
+              <a:rPr lang="en-US" altLang="zh-CN" dirty="0"/>
+              <a:t>【</a:t>
+            </a:r>
+            <a:r>
+              <a:rPr lang="zh-CN" altLang="en-US" dirty="0"/>
+              <a:t>导出</a:t>
+            </a:r>
+            <a:r>
+              <a:rPr lang="en-US" altLang="zh-CN" dirty="0"/>
+              <a:t>JSON】</a:t>
+            </a:r>
+            <a:r>
+              <a:rPr lang="zh-CN" altLang="en-US" dirty="0"/>
+              <a:t>，可复制和下载</a:t>
+            </a:r>
+            <a:r>
+              <a:rPr lang="en-US" altLang="zh-CN" dirty="0" err="1"/>
+              <a:t>json</a:t>
+            </a:r>
+            <a:r>
+              <a:rPr lang="zh-CN" altLang="en-US" dirty="0"/>
+              <a:t>数据文件</a:t>
+            </a:r>
+          </a:p>
+        </p:txBody>
+      </p:sp>
+    </p:spTree>
+    <p:extLst>
+      <p:ext uri="{BB962C8B-B14F-4D97-AF65-F5344CB8AC3E}">
+        <p14:creationId xmlns:p14="http://schemas.microsoft.com/office/powerpoint/2010/main" val="1650188536"/>
+      </p:ext>
+    </p:extLst>
+  </p:cSld>
+  <p:clrMapOvr>
+    <a:masterClrMapping/>
+  </p:clrMapOvr>
+</p:sld>
+</file>
+
+<file path=ppt/slides/slide7.xml><?xml version="1.0" encoding="utf-8"?>
+<p:sld xmlns:a="http://schemas.openxmlformats.org/drawingml/2006/main" xmlns:r="http://schemas.openxmlformats.org/officeDocument/2006/relationships" xmlns:p="http://schemas.openxmlformats.org/presentationml/2006/main">
+  <p:cSld>
+    <p:spTree>
+      <p:nvGrpSpPr>
+        <p:cNvPr id="1" name=""/>
+        <p:cNvGrpSpPr/>
+        <p:nvPr/>
+      </p:nvGrpSpPr>
+      <p:grpSpPr>
+        <a:xfrm>
+          <a:off x="0" y="0"/>
+          <a:ext cx="0" cy="0"/>
+          <a:chOff x="0" y="0"/>
+          <a:chExt cx="0" cy="0"/>
+        </a:xfrm>
+      </p:grpSpPr>
+      <p:pic>
+        <p:nvPicPr>
+          <p:cNvPr id="2" name="图片 1"/>
+          <p:cNvPicPr>
+            <a:picLocks noChangeAspect="1"/>
+          </p:cNvPicPr>
+          <p:nvPr/>
+        </p:nvPicPr>
+        <p:blipFill>
+          <a:blip r:embed="rId2"/>
+          <a:stretch>
+            <a:fillRect/>
+          </a:stretch>
+        </p:blipFill>
+        <p:spPr>
+          <a:xfrm>
+            <a:off x="438817" y="1667050"/>
+            <a:ext cx="4380952" cy="2800000"/>
+          </a:xfrm>
+          <a:prstGeom prst="rect">
+            <a:avLst/>
+          </a:prstGeom>
+        </p:spPr>
+      </p:pic>
+      <p:pic>
+        <p:nvPicPr>
+          <p:cNvPr id="5" name="图片 4"/>
+          <p:cNvPicPr>
+            <a:picLocks noChangeAspect="1"/>
+          </p:cNvPicPr>
+          <p:nvPr/>
+        </p:nvPicPr>
+        <p:blipFill>
+          <a:blip r:embed="rId3"/>
+          <a:stretch>
+            <a:fillRect/>
+          </a:stretch>
+        </p:blipFill>
+        <p:spPr>
+          <a:xfrm>
+            <a:off x="5320467" y="1676575"/>
+            <a:ext cx="5780952" cy="2266667"/>
+          </a:xfrm>
+          <a:prstGeom prst="rect">
+            <a:avLst/>
+          </a:prstGeom>
+        </p:spPr>
+      </p:pic>
+      <p:sp>
+        <p:nvSpPr>
+          <p:cNvPr id="6" name="文本框 5"/>
+          <p:cNvSpPr txBox="1"/>
+          <p:nvPr/>
+        </p:nvSpPr>
+        <p:spPr>
+          <a:xfrm>
+            <a:off x="1498214" y="3305175"/>
+            <a:ext cx="2262158" cy="369332"/>
+          </a:xfrm>
+          <a:prstGeom prst="rect">
+            <a:avLst/>
+          </a:prstGeom>
+          <a:noFill/>
+        </p:spPr>
+        <p:txBody>
+          <a:bodyPr wrap="none" rtlCol="0">
+            <a:spAutoFit/>
+          </a:bodyPr>
+          <a:lstStyle/>
+          <a:p>
+            <a:r>
+              <a:rPr lang="zh-CN" altLang="en-US" dirty="0">
+                <a:solidFill>
+                  <a:srgbClr val="C00000"/>
+                </a:solidFill>
+              </a:rPr>
+              <a:t>前端打包和调试窗口</a:t>
+            </a:r>
+          </a:p>
+        </p:txBody>
+      </p:sp>
+      <p:sp>
+        <p:nvSpPr>
+          <p:cNvPr id="7" name="文本框 6"/>
+          <p:cNvSpPr txBox="1"/>
+          <p:nvPr/>
+        </p:nvSpPr>
+        <p:spPr>
+          <a:xfrm>
+            <a:off x="6771125" y="3305176"/>
+            <a:ext cx="1439818" cy="369332"/>
+          </a:xfrm>
+          <a:prstGeom prst="rect">
+            <a:avLst/>
+          </a:prstGeom>
+          <a:noFill/>
+        </p:spPr>
+        <p:txBody>
+          <a:bodyPr wrap="none" rtlCol="0">
+            <a:spAutoFit/>
+          </a:bodyPr>
+          <a:lstStyle/>
+          <a:p>
+            <a:r>
+              <a:rPr lang="zh-CN" altLang="en-US" dirty="0">
+                <a:solidFill>
+                  <a:srgbClr val="C00000"/>
+                </a:solidFill>
+              </a:rPr>
+              <a:t>后台</a:t>
+            </a:r>
+            <a:r>
+              <a:rPr lang="en-US" altLang="zh-CN" dirty="0">
+                <a:solidFill>
+                  <a:srgbClr val="C00000"/>
+                </a:solidFill>
+              </a:rPr>
+              <a:t>API</a:t>
+            </a:r>
+            <a:r>
+              <a:rPr lang="zh-CN" altLang="en-US" dirty="0">
+                <a:solidFill>
+                  <a:srgbClr val="C00000"/>
+                </a:solidFill>
+              </a:rPr>
+              <a:t>接口</a:t>
+            </a:r>
+          </a:p>
+        </p:txBody>
+      </p:sp>
+      <p:sp>
+        <p:nvSpPr>
+          <p:cNvPr id="8" name="文本框 7"/>
+          <p:cNvSpPr txBox="1"/>
+          <p:nvPr/>
+        </p:nvSpPr>
+        <p:spPr>
+          <a:xfrm>
+            <a:off x="531735" y="834859"/>
+            <a:ext cx="8908208" cy="646331"/>
+          </a:xfrm>
+          <a:prstGeom prst="rect">
+            <a:avLst/>
+          </a:prstGeom>
+          <a:noFill/>
+        </p:spPr>
+        <p:txBody>
+          <a:bodyPr wrap="none" rtlCol="0">
+            <a:spAutoFit/>
+          </a:bodyPr>
+          <a:lstStyle/>
+          <a:p>
+            <a:pPr marL="342900" indent="-342900">
+              <a:buAutoNum type="arabicPeriod"/>
+            </a:pPr>
+            <a:r>
+              <a:rPr lang="zh-CN" altLang="en-US" dirty="0">
+                <a:solidFill>
+                  <a:srgbClr val="C00000"/>
+                </a:solidFill>
+              </a:rPr>
+              <a:t>启动桌面上</a:t>
+            </a:r>
+            <a:r>
+              <a:rPr lang="zh-CN" altLang="en-US" dirty="0">
+                <a:solidFill>
+                  <a:srgbClr val="0070C0"/>
+                </a:solidFill>
+              </a:rPr>
+              <a:t>后端</a:t>
+            </a:r>
+            <a:r>
+              <a:rPr lang="en-US" altLang="zh-CN" dirty="0">
+                <a:solidFill>
+                  <a:srgbClr val="0070C0"/>
+                </a:solidFill>
+              </a:rPr>
+              <a:t>-</a:t>
+            </a:r>
+            <a:r>
+              <a:rPr lang="zh-CN" altLang="en-US" dirty="0">
+                <a:solidFill>
+                  <a:srgbClr val="0070C0"/>
+                </a:solidFill>
+              </a:rPr>
+              <a:t>不点击启动阳江风电逐小时预报</a:t>
+            </a:r>
+            <a:r>
+              <a:rPr lang="en-US" altLang="zh-CN" dirty="0">
+                <a:solidFill>
+                  <a:srgbClr val="0070C0"/>
+                </a:solidFill>
+              </a:rPr>
+              <a:t>.bat</a:t>
+            </a:r>
+            <a:r>
+              <a:rPr lang="zh-CN" altLang="en-US" dirty="0">
+                <a:solidFill>
+                  <a:srgbClr val="C00000"/>
+                </a:solidFill>
+              </a:rPr>
+              <a:t>文件，会出现两个</a:t>
+            </a:r>
+            <a:r>
+              <a:rPr lang="en-US" altLang="zh-CN" dirty="0">
+                <a:solidFill>
+                  <a:srgbClr val="C00000"/>
+                </a:solidFill>
+              </a:rPr>
+              <a:t>CMD</a:t>
+            </a:r>
+            <a:r>
+              <a:rPr lang="zh-CN" altLang="en-US" dirty="0">
+                <a:solidFill>
+                  <a:srgbClr val="C00000"/>
+                </a:solidFill>
+              </a:rPr>
+              <a:t>窗口。</a:t>
+            </a:r>
+            <a:endParaRPr lang="en-US" altLang="zh-CN" dirty="0">
+              <a:solidFill>
+                <a:srgbClr val="C00000"/>
+              </a:solidFill>
+            </a:endParaRPr>
+          </a:p>
+          <a:p>
+            <a:r>
+              <a:rPr lang="zh-CN" altLang="en-US" dirty="0">
+                <a:solidFill>
+                  <a:srgbClr val="C00000"/>
+                </a:solidFill>
+              </a:rPr>
+              <a:t>      此后保持两个后台程序打开。如果已打开跳过次步骤</a:t>
+            </a:r>
+          </a:p>
+        </p:txBody>
+      </p:sp>
+      <p:sp>
+        <p:nvSpPr>
+          <p:cNvPr id="9" name="文本框 8"/>
+          <p:cNvSpPr txBox="1"/>
+          <p:nvPr/>
+        </p:nvSpPr>
+        <p:spPr>
+          <a:xfrm>
+            <a:off x="466999" y="4961293"/>
+            <a:ext cx="5724644" cy="646331"/>
+          </a:xfrm>
+          <a:prstGeom prst="rect">
+            <a:avLst/>
+          </a:prstGeom>
+          <a:noFill/>
+        </p:spPr>
+        <p:txBody>
+          <a:bodyPr wrap="none" rtlCol="0">
+            <a:spAutoFit/>
+          </a:bodyPr>
+          <a:lstStyle/>
+          <a:p>
+            <a:r>
+              <a:rPr lang="zh-CN" altLang="en-US" dirty="0">
+                <a:solidFill>
+                  <a:srgbClr val="C00000"/>
+                </a:solidFill>
+              </a:rPr>
+              <a:t>注意：平时不要关闭这两个窗口。</a:t>
+            </a:r>
+            <a:endParaRPr lang="en-US" altLang="zh-CN" dirty="0">
+              <a:solidFill>
+                <a:srgbClr val="C00000"/>
+              </a:solidFill>
+            </a:endParaRPr>
+          </a:p>
+          <a:p>
+            <a:r>
+              <a:rPr lang="zh-CN" altLang="en-US" dirty="0">
+                <a:solidFill>
+                  <a:srgbClr val="C00000"/>
+                </a:solidFill>
+              </a:rPr>
+              <a:t>另外不能同时打开多份程序，会因端口占用冲突而报错</a:t>
+            </a:r>
+          </a:p>
+        </p:txBody>
+      </p:sp>
+      <p:sp>
+        <p:nvSpPr>
+          <p:cNvPr id="10" name="文本框 9"/>
+          <p:cNvSpPr txBox="1"/>
+          <p:nvPr/>
+        </p:nvSpPr>
+        <p:spPr>
+          <a:xfrm>
+            <a:off x="1591791" y="42316"/>
+            <a:ext cx="10942771" cy="1077218"/>
+          </a:xfrm>
+          <a:prstGeom prst="rect">
+            <a:avLst/>
+          </a:prstGeom>
+          <a:noFill/>
+        </p:spPr>
+        <p:txBody>
+          <a:bodyPr wrap="square" rtlCol="0">
+            <a:spAutoFit/>
+          </a:bodyPr>
+          <a:lstStyle/>
+          <a:p>
+            <a:r>
+              <a:rPr lang="zh-CN" altLang="en-US" sz="3200" dirty="0">
+                <a:solidFill>
+                  <a:srgbClr val="C00000"/>
+                </a:solidFill>
+              </a:rPr>
+              <a:t>远程网址无法打开</a:t>
+            </a:r>
+            <a:r>
+              <a:rPr lang="en-US" altLang="zh-CN" sz="3200" dirty="0">
+                <a:hlinkClick r:id="rId4"/>
+              </a:rPr>
+              <a:t>http://10.148.16.20:10077/</a:t>
+            </a:r>
+            <a:endParaRPr lang="en-US" altLang="zh-CN" sz="3200" dirty="0"/>
+          </a:p>
+          <a:p>
+            <a:endParaRPr lang="zh-CN" altLang="en-US" sz="3200" dirty="0">
+              <a:solidFill>
+                <a:srgbClr val="0070C0"/>
+              </a:solidFill>
+            </a:endParaRPr>
+          </a:p>
+        </p:txBody>
+      </p:sp>
+    </p:spTree>
+    <p:extLst>
+      <p:ext uri="{BB962C8B-B14F-4D97-AF65-F5344CB8AC3E}">
+        <p14:creationId xmlns:p14="http://schemas.microsoft.com/office/powerpoint/2010/main" val="1327359080"/>
+      </p:ext>
+    </p:extLst>
+  </p:cSld>
+  <p:clrMapOvr>
+    <a:masterClrMapping/>
+  </p:clrMapOvr>
+</p:sld>
+</file>
+
+<file path=ppt/slides/slide8.xml><?xml version="1.0" encoding="utf-8"?>
+<p:sld xmlns:a="http://schemas.openxmlformats.org/drawingml/2006/main" xmlns:r="http://schemas.openxmlformats.org/officeDocument/2006/relationships" xmlns:p="http://schemas.openxmlformats.org/presentationml/2006/main">
+  <p:cSld>
+    <p:spTree>
+      <p:nvGrpSpPr>
+        <p:cNvPr id="1" name=""/>
+        <p:cNvGrpSpPr/>
+        <p:nvPr/>
+      </p:nvGrpSpPr>
+      <p:grpSpPr>
+        <a:xfrm>
+          <a:off x="0" y="0"/>
+          <a:ext cx="0" cy="0"/>
+          <a:chOff x="0" y="0"/>
+          <a:chExt cx="0" cy="0"/>
+        </a:xfrm>
+      </p:grpSpPr>
+      <p:sp>
+        <p:nvSpPr>
+          <p:cNvPr id="8" name="文本框 7"/>
+          <p:cNvSpPr txBox="1"/>
+          <p:nvPr/>
+        </p:nvSpPr>
+        <p:spPr>
+          <a:xfrm>
+            <a:off x="0" y="324351"/>
+            <a:ext cx="7609776" cy="1200329"/>
+          </a:xfrm>
+          <a:prstGeom prst="rect">
+            <a:avLst/>
+          </a:prstGeom>
+          <a:noFill/>
+        </p:spPr>
+        <p:txBody>
+          <a:bodyPr wrap="none" rtlCol="0">
+            <a:spAutoFit/>
+          </a:bodyPr>
+          <a:lstStyle/>
+          <a:p>
+            <a:r>
+              <a:rPr lang="en-US" altLang="zh-CN" dirty="0">
+                <a:solidFill>
+                  <a:srgbClr val="C00000"/>
+                </a:solidFill>
+              </a:rPr>
+              <a:t>2. </a:t>
+            </a:r>
+            <a:r>
+              <a:rPr lang="zh-CN" altLang="en-US" dirty="0">
+                <a:solidFill>
+                  <a:srgbClr val="C00000"/>
+                </a:solidFill>
+              </a:rPr>
+              <a:t>启动桌面上</a:t>
+            </a:r>
+            <a:r>
+              <a:rPr lang="zh-CN" altLang="en-US" dirty="0">
+                <a:solidFill>
+                  <a:srgbClr val="0070C0"/>
+                </a:solidFill>
+              </a:rPr>
+              <a:t>生成阳江风电南鹏岛预报</a:t>
+            </a:r>
+            <a:r>
+              <a:rPr lang="en-US" altLang="zh-CN" dirty="0">
+                <a:solidFill>
+                  <a:srgbClr val="0070C0"/>
+                </a:solidFill>
+              </a:rPr>
+              <a:t>.bat</a:t>
+            </a:r>
+            <a:r>
+              <a:rPr lang="zh-CN" altLang="en-US" dirty="0">
+                <a:solidFill>
+                  <a:srgbClr val="C00000"/>
+                </a:solidFill>
+              </a:rPr>
+              <a:t>文件，此过程大概需要</a:t>
+            </a:r>
+            <a:r>
+              <a:rPr lang="en-US" altLang="zh-CN" dirty="0">
+                <a:solidFill>
+                  <a:srgbClr val="C00000"/>
+                </a:solidFill>
+              </a:rPr>
+              <a:t>1</a:t>
+            </a:r>
+            <a:r>
+              <a:rPr lang="zh-CN" altLang="en-US" dirty="0">
+                <a:solidFill>
+                  <a:srgbClr val="C00000"/>
+                </a:solidFill>
+              </a:rPr>
+              <a:t>分钟。</a:t>
+            </a:r>
+            <a:endParaRPr lang="en-US" altLang="zh-CN" dirty="0">
+              <a:solidFill>
+                <a:srgbClr val="C00000"/>
+              </a:solidFill>
+            </a:endParaRPr>
+          </a:p>
+          <a:p>
+            <a:r>
+              <a:rPr lang="zh-CN" altLang="en-US" dirty="0">
+                <a:solidFill>
+                  <a:srgbClr val="C00000"/>
+                </a:solidFill>
+              </a:rPr>
+              <a:t>完成后会输出</a:t>
+            </a:r>
+            <a:r>
+              <a:rPr lang="en-US" altLang="zh-CN" dirty="0">
+                <a:solidFill>
+                  <a:srgbClr val="C00000"/>
+                </a:solidFill>
+              </a:rPr>
+              <a:t>PDF</a:t>
+            </a:r>
+            <a:r>
+              <a:rPr lang="zh-CN" altLang="en-US" dirty="0">
+                <a:solidFill>
+                  <a:srgbClr val="C00000"/>
+                </a:solidFill>
+              </a:rPr>
+              <a:t>文件，并且会打开</a:t>
+            </a:r>
+            <a:r>
+              <a:rPr lang="en-US" altLang="zh-CN" dirty="0">
+                <a:solidFill>
+                  <a:srgbClr val="C00000"/>
+                </a:solidFill>
+              </a:rPr>
+              <a:t>PDF</a:t>
+            </a:r>
+            <a:r>
+              <a:rPr lang="zh-CN" altLang="en-US" dirty="0">
+                <a:solidFill>
+                  <a:srgbClr val="C00000"/>
+                </a:solidFill>
+              </a:rPr>
+              <a:t>所在文件夹</a:t>
+            </a:r>
+            <a:endParaRPr lang="en-US" altLang="zh-CN" dirty="0">
+              <a:solidFill>
+                <a:srgbClr val="C00000"/>
+              </a:solidFill>
+            </a:endParaRPr>
+          </a:p>
+          <a:p>
+            <a:r>
+              <a:rPr lang="zh-CN" altLang="en-US" dirty="0">
+                <a:solidFill>
+                  <a:srgbClr val="C00000"/>
+                </a:solidFill>
+              </a:rPr>
               <a:t>本地</a:t>
             </a:r>
             <a:r>
@@ -6481,20 +9130,12 @@
                   <a:srgbClr val="0070C0"/>
                 </a:solidFill>
               </a:rPr>
-              <a:t>D:\</a:t>
-            </a:r>
-            <a:r>
-              <a:rPr lang="en-US" altLang="zh-CN" dirty="0" smtClean="0">
-                <a:solidFill>
-                  <a:srgbClr val="0070C0"/>
-                </a:solidFill>
-              </a:rPr>
-              <a:t>app\wind-force-YJFD\service\pdf</a:t>
-            </a:r>
-          </a:p>
-          <a:p>
-            <a:r>
-              <a:rPr lang="zh-CN" altLang="en-US" dirty="0" smtClean="0">
+              <a:t>D:\app\wind-force-YJFD\service\pdf</a:t>
+            </a:r>
+          </a:p>
+          <a:p>
+            <a:r>
+              <a:rPr lang="zh-CN" altLang="en-US" dirty="0">
                 <a:solidFill>
                   <a:srgbClr val="C00000"/>
                 </a:solidFill>
@@ -6693,7 +9334,7 @@
 </p:sld>
 </file>
 
-<file path=ppt/slides/slide6.xml><?xml version="1.0" encoding="utf-8"?>
+<file path=ppt/slides/slide9.xml><?xml version="1.0" encoding="utf-8"?>
 <p:sld xmlns:a="http://schemas.openxmlformats.org/drawingml/2006/main" xmlns:r="http://schemas.openxmlformats.org/officeDocument/2006/relationships" xmlns:p="http://schemas.openxmlformats.org/presentationml/2006/main">
   <p:cSld>
     <p:spTree>
@@ -6963,895 +9604,6 @@
   <p:clrMapOvr>
     <a:masterClrMapping/>
   </p:clrMapOvr>
-</p:sld>
-</file>
-
-<file path=ppt/slides/slide7.xml><?xml version="1.0" encoding="utf-8"?>
-<p:sld xmlns:a="http://schemas.openxmlformats.org/drawingml/2006/main" xmlns:r="http://schemas.openxmlformats.org/officeDocument/2006/relationships" xmlns:p="http://schemas.openxmlformats.org/presentationml/2006/main">
-  <p:cSld>
-    <p:spTree>
-      <p:nvGrpSpPr>
-        <p:cNvPr id="1" name=""/>
-        <p:cNvGrpSpPr/>
-        <p:nvPr/>
-      </p:nvGrpSpPr>
-      <p:grpSpPr>
-        <a:xfrm>
-          <a:off x="0" y="0"/>
-          <a:ext cx="0" cy="0"/>
-          <a:chOff x="0" y="0"/>
-          <a:chExt cx="0" cy="0"/>
-        </a:xfrm>
-      </p:grpSpPr>
-      <p:pic>
-        <p:nvPicPr>
-          <p:cNvPr id="2" name="图片 1"/>
-          <p:cNvPicPr>
-            <a:picLocks noChangeAspect="1"/>
-          </p:cNvPicPr>
-          <p:nvPr/>
-        </p:nvPicPr>
-        <p:blipFill>
-          <a:blip r:embed="rId2"/>
-          <a:stretch>
-            <a:fillRect/>
-          </a:stretch>
-        </p:blipFill>
-        <p:spPr>
-          <a:xfrm>
-            <a:off x="-10559" y="-355893"/>
-            <a:ext cx="5790166" cy="6682981"/>
-          </a:xfrm>
-          <a:prstGeom prst="rect">
-            <a:avLst/>
-          </a:prstGeom>
-        </p:spPr>
-      </p:pic>
-      <p:pic>
-        <p:nvPicPr>
-          <p:cNvPr id="3" name="图片 2"/>
-          <p:cNvPicPr>
-            <a:picLocks noChangeAspect="1"/>
-          </p:cNvPicPr>
-          <p:nvPr/>
-        </p:nvPicPr>
-        <p:blipFill>
-          <a:blip r:embed="rId3"/>
-          <a:stretch>
-            <a:fillRect/>
-          </a:stretch>
-        </p:blipFill>
-        <p:spPr>
-          <a:xfrm>
-            <a:off x="5790167" y="0"/>
-            <a:ext cx="6721148" cy="2252415"/>
-          </a:xfrm>
-          <a:prstGeom prst="rect">
-            <a:avLst/>
-          </a:prstGeom>
-        </p:spPr>
-      </p:pic>
-      <p:sp>
-        <p:nvSpPr>
-          <p:cNvPr id="5" name="矩形 4"/>
-          <p:cNvSpPr/>
-          <p:nvPr/>
-        </p:nvSpPr>
-        <p:spPr>
-          <a:xfrm>
-            <a:off x="44806" y="435836"/>
-            <a:ext cx="5790166" cy="794759"/>
-          </a:xfrm>
-          <a:prstGeom prst="rect">
-            <a:avLst/>
-          </a:prstGeom>
-          <a:noFill/>
-          <a:ln w="28575">
-            <a:solidFill>
-              <a:srgbClr val="C00000"/>
-            </a:solidFill>
-          </a:ln>
-        </p:spPr>
-        <p:style>
-          <a:lnRef idx="2">
-            <a:schemeClr val="accent1">
-              <a:shade val="50000"/>
-            </a:schemeClr>
-          </a:lnRef>
-          <a:fillRef idx="1">
-            <a:schemeClr val="accent1"/>
-          </a:fillRef>
-          <a:effectRef idx="0">
-            <a:schemeClr val="accent1"/>
-          </a:effectRef>
-          <a:fontRef idx="minor">
-            <a:schemeClr val="lt1"/>
-          </a:fontRef>
-        </p:style>
-        <p:txBody>
-          <a:bodyPr rtlCol="0" anchor="ctr"/>
-          <a:lstStyle/>
-          <a:p>
-            <a:pPr algn="ctr"/>
-            <a:endParaRPr lang="zh-CN" altLang="en-US"/>
-          </a:p>
-        </p:txBody>
-      </p:sp>
-      <p:sp>
-        <p:nvSpPr>
-          <p:cNvPr id="6" name="右箭头 5"/>
-          <p:cNvSpPr/>
-          <p:nvPr/>
-        </p:nvSpPr>
-        <p:spPr>
-          <a:xfrm>
-            <a:off x="5106384" y="660461"/>
-            <a:ext cx="1546788" cy="172754"/>
-          </a:xfrm>
-          <a:prstGeom prst="rightArrow">
-            <a:avLst>
-              <a:gd name="adj1" fmla="val 20593"/>
-              <a:gd name="adj2" fmla="val 230112"/>
-            </a:avLst>
-          </a:prstGeom>
-          <a:solidFill>
-            <a:srgbClr val="C00000"/>
-          </a:solidFill>
-          <a:ln>
-            <a:noFill/>
-          </a:ln>
-        </p:spPr>
-        <p:style>
-          <a:lnRef idx="2">
-            <a:schemeClr val="accent1">
-              <a:shade val="50000"/>
-            </a:schemeClr>
-          </a:lnRef>
-          <a:fillRef idx="1">
-            <a:schemeClr val="accent1"/>
-          </a:fillRef>
-          <a:effectRef idx="0">
-            <a:schemeClr val="accent1"/>
-          </a:effectRef>
-          <a:fontRef idx="minor">
-            <a:schemeClr val="lt1"/>
-          </a:fontRef>
-        </p:style>
-        <p:txBody>
-          <a:bodyPr rtlCol="0" anchor="ctr"/>
-          <a:lstStyle/>
-          <a:p>
-            <a:pPr algn="ctr"/>
-            <a:endParaRPr lang="zh-CN" altLang="en-US"/>
-          </a:p>
-        </p:txBody>
-      </p:sp>
-      <p:sp>
-        <p:nvSpPr>
-          <p:cNvPr id="7" name="文本框 6"/>
-          <p:cNvSpPr txBox="1"/>
-          <p:nvPr/>
-        </p:nvSpPr>
-        <p:spPr>
-          <a:xfrm>
-            <a:off x="3700349" y="463883"/>
-            <a:ext cx="1624126" cy="738664"/>
-          </a:xfrm>
-          <a:prstGeom prst="rect">
-            <a:avLst/>
-          </a:prstGeom>
-          <a:solidFill>
-            <a:schemeClr val="bg1"/>
-          </a:solidFill>
-        </p:spPr>
-        <p:txBody>
-          <a:bodyPr wrap="square" rtlCol="0">
-            <a:spAutoFit/>
-          </a:bodyPr>
-          <a:lstStyle/>
-          <a:p>
-            <a:r>
-              <a:rPr lang="zh-CN" altLang="en-US" sz="1400" dirty="0">
-                <a:solidFill>
-                  <a:srgbClr val="C00000"/>
-                </a:solidFill>
-              </a:rPr>
-              <a:t>鼠标单击红框标题内可弹出编辑区，再次单击隐藏</a:t>
-            </a:r>
-          </a:p>
-        </p:txBody>
-      </p:sp>
-      <p:sp>
-        <p:nvSpPr>
-          <p:cNvPr id="8" name="文本框 7"/>
-          <p:cNvSpPr txBox="1"/>
-          <p:nvPr/>
-        </p:nvSpPr>
-        <p:spPr>
-          <a:xfrm>
-            <a:off x="1343025" y="2252415"/>
-            <a:ext cx="2492990" cy="646331"/>
-          </a:xfrm>
-          <a:prstGeom prst="rect">
-            <a:avLst/>
-          </a:prstGeom>
-          <a:solidFill>
-            <a:schemeClr val="bg1"/>
-          </a:solidFill>
-        </p:spPr>
-        <p:txBody>
-          <a:bodyPr wrap="none" rtlCol="0">
-            <a:spAutoFit/>
-          </a:bodyPr>
-          <a:lstStyle/>
-          <a:p>
-            <a:r>
-              <a:rPr lang="zh-CN" altLang="en-US" dirty="0">
-                <a:solidFill>
-                  <a:srgbClr val="0070C0"/>
-                </a:solidFill>
-              </a:rPr>
-              <a:t>蓝色框内为可编辑区，</a:t>
-            </a:r>
-            <a:endParaRPr lang="en-US" altLang="zh-CN" dirty="0">
-              <a:solidFill>
-                <a:srgbClr val="0070C0"/>
-              </a:solidFill>
-            </a:endParaRPr>
-          </a:p>
-          <a:p>
-            <a:r>
-              <a:rPr lang="zh-CN" altLang="en-US" dirty="0">
-                <a:solidFill>
-                  <a:srgbClr val="0070C0"/>
-                </a:solidFill>
-              </a:rPr>
-              <a:t>可增删文字内容</a:t>
-            </a:r>
-          </a:p>
-        </p:txBody>
-      </p:sp>
-      <p:sp>
-        <p:nvSpPr>
-          <p:cNvPr id="9" name="矩形 8"/>
-          <p:cNvSpPr/>
-          <p:nvPr/>
-        </p:nvSpPr>
-        <p:spPr>
-          <a:xfrm>
-            <a:off x="0" y="1244943"/>
-            <a:ext cx="5790166" cy="5651684"/>
-          </a:xfrm>
-          <a:prstGeom prst="rect">
-            <a:avLst/>
-          </a:prstGeom>
-          <a:noFill/>
-          <a:ln w="28575">
-            <a:solidFill>
-              <a:srgbClr val="0070C0"/>
-            </a:solidFill>
-          </a:ln>
-        </p:spPr>
-        <p:style>
-          <a:lnRef idx="2">
-            <a:schemeClr val="accent1">
-              <a:shade val="50000"/>
-            </a:schemeClr>
-          </a:lnRef>
-          <a:fillRef idx="1">
-            <a:schemeClr val="accent1"/>
-          </a:fillRef>
-          <a:effectRef idx="0">
-            <a:schemeClr val="accent1"/>
-          </a:effectRef>
-          <a:fontRef idx="minor">
-            <a:schemeClr val="lt1"/>
-          </a:fontRef>
-        </p:style>
-        <p:txBody>
-          <a:bodyPr rtlCol="0" anchor="ctr"/>
-          <a:lstStyle/>
-          <a:p>
-            <a:pPr algn="ctr"/>
-            <a:endParaRPr lang="zh-CN" altLang="en-US"/>
-          </a:p>
-        </p:txBody>
-      </p:sp>
-      <p:sp>
-        <p:nvSpPr>
-          <p:cNvPr id="10" name="文本框 9"/>
-          <p:cNvSpPr txBox="1"/>
-          <p:nvPr/>
-        </p:nvSpPr>
-        <p:spPr>
-          <a:xfrm>
-            <a:off x="5800725" y="2523933"/>
-            <a:ext cx="5580374" cy="646331"/>
-          </a:xfrm>
-          <a:prstGeom prst="rect">
-            <a:avLst/>
-          </a:prstGeom>
-          <a:solidFill>
-            <a:schemeClr val="bg1"/>
-          </a:solidFill>
-        </p:spPr>
-        <p:txBody>
-          <a:bodyPr wrap="none" rtlCol="0">
-            <a:spAutoFit/>
-          </a:bodyPr>
-          <a:lstStyle/>
-          <a:p>
-            <a:r>
-              <a:rPr lang="zh-CN" altLang="en-US" dirty="0">
-                <a:solidFill>
-                  <a:srgbClr val="0070C0"/>
-                </a:solidFill>
-              </a:rPr>
-              <a:t>改好后</a:t>
-            </a:r>
-            <a:r>
-              <a:rPr lang="zh-CN" altLang="en-US" dirty="0" smtClean="0">
-                <a:solidFill>
-                  <a:srgbClr val="0070C0"/>
-                </a:solidFill>
-              </a:rPr>
-              <a:t>，蓝色框部分全页截屏，把</a:t>
-            </a:r>
-            <a:r>
-              <a:rPr lang="en-US" altLang="zh-CN" dirty="0" smtClean="0">
-                <a:solidFill>
-                  <a:srgbClr val="0070C0"/>
-                </a:solidFill>
-              </a:rPr>
-              <a:t>jpg</a:t>
-            </a:r>
-            <a:r>
-              <a:rPr lang="zh-CN" altLang="en-US" dirty="0" smtClean="0">
-                <a:solidFill>
-                  <a:srgbClr val="0070C0"/>
-                </a:solidFill>
-              </a:rPr>
-              <a:t>图片保存</a:t>
-            </a:r>
-            <a:r>
-              <a:rPr lang="zh-CN" altLang="en-US" dirty="0">
-                <a:solidFill>
-                  <a:srgbClr val="0070C0"/>
-                </a:solidFill>
-              </a:rPr>
-              <a:t>到</a:t>
-            </a:r>
-            <a:endParaRPr lang="en-US" altLang="zh-CN" dirty="0">
-              <a:solidFill>
-                <a:srgbClr val="0070C0"/>
-              </a:solidFill>
-            </a:endParaRPr>
-          </a:p>
-          <a:p>
-            <a:r>
-              <a:rPr lang="en-US" altLang="zh-CN" dirty="0">
-                <a:solidFill>
-                  <a:srgbClr val="C00000"/>
-                </a:solidFill>
-                <a:hlinkClick r:id="rId4" action="ppaction://hlinkfile"/>
-              </a:rPr>
-              <a:t>\\</a:t>
-            </a:r>
-            <a:r>
-              <a:rPr lang="en-US" altLang="zh-CN" dirty="0" smtClean="0">
-                <a:solidFill>
-                  <a:srgbClr val="C00000"/>
-                </a:solidFill>
-                <a:hlinkClick r:id="rId4" action="ppaction://hlinkfile"/>
-              </a:rPr>
-              <a:t>10.148.16.32\e\ssow\html\YJFD-nanpeng-hourly.jpg</a:t>
-            </a:r>
-            <a:endParaRPr lang="en-US" altLang="zh-CN" dirty="0">
-              <a:solidFill>
-                <a:srgbClr val="C00000"/>
-              </a:solidFill>
-            </a:endParaRPr>
-          </a:p>
-        </p:txBody>
-      </p:sp>
-    </p:spTree>
-    <p:extLst>
-      <p:ext uri="{BB962C8B-B14F-4D97-AF65-F5344CB8AC3E}">
-        <p14:creationId xmlns:p14="http://schemas.microsoft.com/office/powerpoint/2010/main" val="2057074308"/>
-      </p:ext>
-    </p:extLst>
-  </p:cSld>
-  <p:clrMapOvr>
-    <a:masterClrMapping/>
-  </p:clrMapOvr>
-</p:sld>
-</file>
-
-<file path=ppt/slides/slide8.xml><?xml version="1.0" encoding="utf-8"?>
-<p:sld xmlns:a="http://schemas.openxmlformats.org/drawingml/2006/main" xmlns:r="http://schemas.openxmlformats.org/officeDocument/2006/relationships" xmlns:p="http://schemas.openxmlformats.org/presentationml/2006/main" show="0">
-  <p:cSld>
-    <p:spTree>
-      <p:nvGrpSpPr>
-        <p:cNvPr id="1" name=""/>
-        <p:cNvGrpSpPr/>
-        <p:nvPr/>
-      </p:nvGrpSpPr>
-      <p:grpSpPr>
-        <a:xfrm>
-          <a:off x="0" y="0"/>
-          <a:ext cx="0" cy="0"/>
-          <a:chOff x="0" y="0"/>
-          <a:chExt cx="0" cy="0"/>
-        </a:xfrm>
-      </p:grpSpPr>
-      <p:pic>
-        <p:nvPicPr>
-          <p:cNvPr id="2" name="图片 1"/>
-          <p:cNvPicPr>
-            <a:picLocks noChangeAspect="1"/>
-          </p:cNvPicPr>
-          <p:nvPr/>
-        </p:nvPicPr>
-        <p:blipFill>
-          <a:blip r:embed="rId2"/>
-          <a:stretch>
-            <a:fillRect/>
-          </a:stretch>
-        </p:blipFill>
-        <p:spPr>
-          <a:xfrm>
-            <a:off x="0" y="-222190"/>
-            <a:ext cx="5790166" cy="6682981"/>
-          </a:xfrm>
-          <a:prstGeom prst="rect">
-            <a:avLst/>
-          </a:prstGeom>
-        </p:spPr>
-      </p:pic>
-      <p:pic>
-        <p:nvPicPr>
-          <p:cNvPr id="3" name="图片 2"/>
-          <p:cNvPicPr>
-            <a:picLocks noChangeAspect="1"/>
-          </p:cNvPicPr>
-          <p:nvPr/>
-        </p:nvPicPr>
-        <p:blipFill>
-          <a:blip r:embed="rId3"/>
-          <a:stretch>
-            <a:fillRect/>
-          </a:stretch>
-        </p:blipFill>
-        <p:spPr>
-          <a:xfrm>
-            <a:off x="5790167" y="0"/>
-            <a:ext cx="6721148" cy="2252415"/>
-          </a:xfrm>
-          <a:prstGeom prst="rect">
-            <a:avLst/>
-          </a:prstGeom>
-        </p:spPr>
-      </p:pic>
-      <p:sp>
-        <p:nvSpPr>
-          <p:cNvPr id="5" name="矩形 4"/>
-          <p:cNvSpPr/>
-          <p:nvPr/>
-        </p:nvSpPr>
-        <p:spPr>
-          <a:xfrm>
-            <a:off x="44806" y="435836"/>
-            <a:ext cx="5790166" cy="794759"/>
-          </a:xfrm>
-          <a:prstGeom prst="rect">
-            <a:avLst/>
-          </a:prstGeom>
-          <a:noFill/>
-          <a:ln w="28575">
-            <a:solidFill>
-              <a:srgbClr val="C00000"/>
-            </a:solidFill>
-          </a:ln>
-        </p:spPr>
-        <p:style>
-          <a:lnRef idx="2">
-            <a:schemeClr val="accent1">
-              <a:shade val="50000"/>
-            </a:schemeClr>
-          </a:lnRef>
-          <a:fillRef idx="1">
-            <a:schemeClr val="accent1"/>
-          </a:fillRef>
-          <a:effectRef idx="0">
-            <a:schemeClr val="accent1"/>
-          </a:effectRef>
-          <a:fontRef idx="minor">
-            <a:schemeClr val="lt1"/>
-          </a:fontRef>
-        </p:style>
-        <p:txBody>
-          <a:bodyPr rtlCol="0" anchor="ctr"/>
-          <a:lstStyle/>
-          <a:p>
-            <a:pPr algn="ctr"/>
-            <a:endParaRPr lang="zh-CN" altLang="en-US"/>
-          </a:p>
-        </p:txBody>
-      </p:sp>
-      <p:sp>
-        <p:nvSpPr>
-          <p:cNvPr id="6" name="右箭头 5"/>
-          <p:cNvSpPr/>
-          <p:nvPr/>
-        </p:nvSpPr>
-        <p:spPr>
-          <a:xfrm>
-            <a:off x="5106384" y="660461"/>
-            <a:ext cx="1546788" cy="172754"/>
-          </a:xfrm>
-          <a:prstGeom prst="rightArrow">
-            <a:avLst>
-              <a:gd name="adj1" fmla="val 20593"/>
-              <a:gd name="adj2" fmla="val 230112"/>
-            </a:avLst>
-          </a:prstGeom>
-          <a:solidFill>
-            <a:srgbClr val="C00000"/>
-          </a:solidFill>
-          <a:ln>
-            <a:noFill/>
-          </a:ln>
-        </p:spPr>
-        <p:style>
-          <a:lnRef idx="2">
-            <a:schemeClr val="accent1">
-              <a:shade val="50000"/>
-            </a:schemeClr>
-          </a:lnRef>
-          <a:fillRef idx="1">
-            <a:schemeClr val="accent1"/>
-          </a:fillRef>
-          <a:effectRef idx="0">
-            <a:schemeClr val="accent1"/>
-          </a:effectRef>
-          <a:fontRef idx="minor">
-            <a:schemeClr val="lt1"/>
-          </a:fontRef>
-        </p:style>
-        <p:txBody>
-          <a:bodyPr rtlCol="0" anchor="ctr"/>
-          <a:lstStyle/>
-          <a:p>
-            <a:pPr algn="ctr"/>
-            <a:endParaRPr lang="zh-CN" altLang="en-US"/>
-          </a:p>
-        </p:txBody>
-      </p:sp>
-      <p:sp>
-        <p:nvSpPr>
-          <p:cNvPr id="7" name="文本框 6"/>
-          <p:cNvSpPr txBox="1"/>
-          <p:nvPr/>
-        </p:nvSpPr>
-        <p:spPr>
-          <a:xfrm>
-            <a:off x="3700349" y="463883"/>
-            <a:ext cx="1624126" cy="738664"/>
-          </a:xfrm>
-          <a:prstGeom prst="rect">
-            <a:avLst/>
-          </a:prstGeom>
-          <a:solidFill>
-            <a:schemeClr val="bg1"/>
-          </a:solidFill>
-        </p:spPr>
-        <p:txBody>
-          <a:bodyPr wrap="square" rtlCol="0">
-            <a:spAutoFit/>
-          </a:bodyPr>
-          <a:lstStyle/>
-          <a:p>
-            <a:r>
-              <a:rPr lang="zh-CN" altLang="en-US" sz="1400" dirty="0">
-                <a:solidFill>
-                  <a:srgbClr val="C00000"/>
-                </a:solidFill>
-              </a:rPr>
-              <a:t>鼠标单击红框标题内可弹出编辑区，再次单击隐藏</a:t>
-            </a:r>
-          </a:p>
-        </p:txBody>
-      </p:sp>
-      <p:sp>
-        <p:nvSpPr>
-          <p:cNvPr id="8" name="文本框 7"/>
-          <p:cNvSpPr txBox="1"/>
-          <p:nvPr/>
-        </p:nvSpPr>
-        <p:spPr>
-          <a:xfrm>
-            <a:off x="1343025" y="2252415"/>
-            <a:ext cx="2492990" cy="646331"/>
-          </a:xfrm>
-          <a:prstGeom prst="rect">
-            <a:avLst/>
-          </a:prstGeom>
-          <a:solidFill>
-            <a:schemeClr val="bg1"/>
-          </a:solidFill>
-        </p:spPr>
-        <p:txBody>
-          <a:bodyPr wrap="none" rtlCol="0">
-            <a:spAutoFit/>
-          </a:bodyPr>
-          <a:lstStyle/>
-          <a:p>
-            <a:r>
-              <a:rPr lang="zh-CN" altLang="en-US" dirty="0">
-                <a:solidFill>
-                  <a:srgbClr val="0070C0"/>
-                </a:solidFill>
-              </a:rPr>
-              <a:t>蓝色框内为可编辑区，</a:t>
-            </a:r>
-            <a:endParaRPr lang="en-US" altLang="zh-CN" dirty="0">
-              <a:solidFill>
-                <a:srgbClr val="0070C0"/>
-              </a:solidFill>
-            </a:endParaRPr>
-          </a:p>
-          <a:p>
-            <a:r>
-              <a:rPr lang="zh-CN" altLang="en-US" dirty="0">
-                <a:solidFill>
-                  <a:srgbClr val="0070C0"/>
-                </a:solidFill>
-              </a:rPr>
-              <a:t>可增删文字内容</a:t>
-            </a:r>
-          </a:p>
-        </p:txBody>
-      </p:sp>
-      <p:sp>
-        <p:nvSpPr>
-          <p:cNvPr id="9" name="矩形 8"/>
-          <p:cNvSpPr/>
-          <p:nvPr/>
-        </p:nvSpPr>
-        <p:spPr>
-          <a:xfrm>
-            <a:off x="0" y="1244943"/>
-            <a:ext cx="5790166" cy="5651684"/>
-          </a:xfrm>
-          <a:prstGeom prst="rect">
-            <a:avLst/>
-          </a:prstGeom>
-          <a:noFill/>
-          <a:ln w="28575">
-            <a:solidFill>
-              <a:srgbClr val="0070C0"/>
-            </a:solidFill>
-          </a:ln>
-        </p:spPr>
-        <p:style>
-          <a:lnRef idx="2">
-            <a:schemeClr val="accent1">
-              <a:shade val="50000"/>
-            </a:schemeClr>
-          </a:lnRef>
-          <a:fillRef idx="1">
-            <a:schemeClr val="accent1"/>
-          </a:fillRef>
-          <a:effectRef idx="0">
-            <a:schemeClr val="accent1"/>
-          </a:effectRef>
-          <a:fontRef idx="minor">
-            <a:schemeClr val="lt1"/>
-          </a:fontRef>
-        </p:style>
-        <p:txBody>
-          <a:bodyPr rtlCol="0" anchor="ctr"/>
-          <a:lstStyle/>
-          <a:p>
-            <a:pPr algn="ctr"/>
-            <a:endParaRPr lang="zh-CN" altLang="en-US"/>
-          </a:p>
-        </p:txBody>
-      </p:sp>
-      <p:sp>
-        <p:nvSpPr>
-          <p:cNvPr id="10" name="文本框 9"/>
-          <p:cNvSpPr txBox="1"/>
-          <p:nvPr/>
-        </p:nvSpPr>
-        <p:spPr>
-          <a:xfrm>
-            <a:off x="5800725" y="2523933"/>
-            <a:ext cx="4185761" cy="2308324"/>
-          </a:xfrm>
-          <a:prstGeom prst="rect">
-            <a:avLst/>
-          </a:prstGeom>
-          <a:solidFill>
-            <a:schemeClr val="bg1"/>
-          </a:solidFill>
-        </p:spPr>
-        <p:txBody>
-          <a:bodyPr wrap="none" rtlCol="0">
-            <a:spAutoFit/>
-          </a:bodyPr>
-          <a:lstStyle/>
-          <a:p>
-            <a:r>
-              <a:rPr lang="zh-CN" altLang="en-US" dirty="0">
-                <a:solidFill>
-                  <a:srgbClr val="0070C0"/>
-                </a:solidFill>
-              </a:rPr>
-              <a:t>改好后，单击打印</a:t>
-            </a:r>
-            <a:endParaRPr lang="en-US" altLang="zh-CN" dirty="0">
-              <a:solidFill>
-                <a:srgbClr val="0070C0"/>
-              </a:solidFill>
-            </a:endParaRPr>
-          </a:p>
-          <a:p>
-            <a:r>
-              <a:rPr lang="zh-CN" altLang="en-US" dirty="0">
-                <a:solidFill>
-                  <a:srgbClr val="0070C0"/>
-                </a:solidFill>
-              </a:rPr>
-              <a:t>另存为</a:t>
-            </a:r>
-            <a:r>
-              <a:rPr lang="en-US" altLang="zh-CN" dirty="0">
-                <a:solidFill>
-                  <a:srgbClr val="0070C0"/>
-                </a:solidFill>
-              </a:rPr>
-              <a:t>PDF.</a:t>
-            </a:r>
-          </a:p>
-          <a:p>
-            <a:r>
-              <a:rPr lang="zh-CN" altLang="en-US" dirty="0">
-                <a:solidFill>
-                  <a:srgbClr val="0070C0"/>
-                </a:solidFill>
-              </a:rPr>
-              <a:t>把</a:t>
-            </a:r>
-            <a:r>
-              <a:rPr lang="en-US" altLang="zh-CN" dirty="0">
-                <a:solidFill>
-                  <a:srgbClr val="0070C0"/>
-                </a:solidFill>
-              </a:rPr>
-              <a:t>PDF</a:t>
-            </a:r>
-            <a:r>
-              <a:rPr lang="zh-CN" altLang="en-US" dirty="0">
-                <a:solidFill>
-                  <a:srgbClr val="0070C0"/>
-                </a:solidFill>
-              </a:rPr>
-              <a:t>保存到</a:t>
-            </a:r>
-            <a:endParaRPr lang="en-US" altLang="zh-CN" dirty="0">
-              <a:solidFill>
-                <a:srgbClr val="0070C0"/>
-              </a:solidFill>
-            </a:endParaRPr>
-          </a:p>
-          <a:p>
-            <a:r>
-              <a:rPr lang="en-US" altLang="zh-CN" dirty="0">
-                <a:solidFill>
-                  <a:srgbClr val="0070C0"/>
-                </a:solidFill>
-                <a:hlinkClick r:id="rId4" action="ppaction://hlinkfile"/>
-              </a:rPr>
-              <a:t>\\10.148.16.32\e\ssow\email\</a:t>
-            </a:r>
-            <a:endParaRPr lang="en-US" altLang="zh-CN" dirty="0">
-              <a:solidFill>
-                <a:srgbClr val="0070C0"/>
-              </a:solidFill>
-            </a:endParaRPr>
-          </a:p>
-          <a:p>
-            <a:endParaRPr lang="en-US" altLang="zh-CN" dirty="0">
-              <a:solidFill>
-                <a:srgbClr val="0070C0"/>
-              </a:solidFill>
-            </a:endParaRPr>
-          </a:p>
-          <a:p>
-            <a:r>
-              <a:rPr lang="zh-CN" altLang="en-US" dirty="0">
-                <a:solidFill>
-                  <a:srgbClr val="0070C0"/>
-                </a:solidFill>
-              </a:rPr>
-              <a:t>文件名：</a:t>
-            </a:r>
-            <a:endParaRPr lang="en-US" altLang="zh-CN" dirty="0">
-              <a:solidFill>
-                <a:srgbClr val="0070C0"/>
-              </a:solidFill>
-            </a:endParaRPr>
-          </a:p>
-          <a:p>
-            <a:r>
-              <a:rPr lang="en-US" altLang="zh-CN" dirty="0">
-                <a:solidFill>
-                  <a:srgbClr val="C00000"/>
-                </a:solidFill>
-              </a:rPr>
-              <a:t>YJFD-nanpeng-hourly-YYMMDDHH.pdf</a:t>
-            </a:r>
-          </a:p>
-          <a:p>
-            <a:r>
-              <a:rPr lang="zh-CN" altLang="en-US" dirty="0">
-                <a:solidFill>
-                  <a:srgbClr val="0070C0"/>
-                </a:solidFill>
-              </a:rPr>
-              <a:t>日期为北京时</a:t>
-            </a:r>
-          </a:p>
-        </p:txBody>
-      </p:sp>
-      <p:pic>
-        <p:nvPicPr>
-          <p:cNvPr id="11" name="图片 10"/>
-          <p:cNvPicPr>
-            <a:picLocks noChangeAspect="1"/>
-          </p:cNvPicPr>
-          <p:nvPr/>
-        </p:nvPicPr>
-        <p:blipFill>
-          <a:blip r:embed="rId5"/>
-          <a:stretch>
-            <a:fillRect/>
-          </a:stretch>
-        </p:blipFill>
-        <p:spPr>
-          <a:xfrm>
-            <a:off x="10136762" y="2407930"/>
-            <a:ext cx="1846742" cy="3608512"/>
-          </a:xfrm>
-          <a:prstGeom prst="rect">
-            <a:avLst/>
-          </a:prstGeom>
-          <a:ln w="28575">
-            <a:solidFill>
-              <a:srgbClr val="7030A0"/>
-            </a:solidFill>
-          </a:ln>
-        </p:spPr>
-      </p:pic>
-    </p:spTree>
-    <p:extLst>
-      <p:ext uri="{BB962C8B-B14F-4D97-AF65-F5344CB8AC3E}">
-        <p14:creationId xmlns:p14="http://schemas.microsoft.com/office/powerpoint/2010/main" val="2315394699"/>
-      </p:ext>
-    </p:extLst>
-  </p:cSld>
-  <p:clrMapOvr>
-    <a:masterClrMapping/>
-  </p:clrMapOvr>
-  <mc:AlternateContent xmlns:mc="http://schemas.openxmlformats.org/markup-compatibility/2006" xmlns:p14="http://schemas.microsoft.com/office/powerpoint/2010/main">
-    <mc:Choice Requires="p14">
-      <p:transition spd="slow" p14:dur="2000"/>
-    </mc:Choice>
-    <mc:Fallback xmlns="">
-      <p:transition spd="slow"/>
-    </mc:Fallback>
-  </mc:AlternateContent>
 </p:sld>
 </file>
 
